--- a/Jungle War 박정훈 신상우 이수진 이병철.pptx
+++ b/Jungle War 박정훈 신상우 이수진 이병철.pptx
@@ -132,9 +132,9 @@
 <p1510:revInfo xmlns:a="http://schemas.openxmlformats.org/drawingml/2006/main" xmlns:r="http://schemas.openxmlformats.org/officeDocument/2006/relationships" xmlns:p1510="http://schemas.microsoft.com/office/powerpoint/2015/10/main">
   <p1510:revLst>
     <p1510:client id="{C49925BA-3958-7621-AF0E-1D9201CFF7D5}" v="2" dt="2019-01-05T10:02:57.903"/>
+    <p1510:client id="{04377AED-CE6A-4659-A1C3-BDBFCEBFCFE7}" v="5" dt="2019-01-05T11:54:31.062"/>
+    <p1510:client id="{D9DAD4DE-084D-4B10-B9AE-4F3A3C40D8F0}" v="297" dt="2019-01-05T11:52:46.892"/>
     <p1510:client id="{6D82C239-AE18-4C56-906D-1D47210C0BB0}" v="63" dt="2019-01-05T11:18:41.040"/>
-    <p1510:client id="{D9DAD4DE-084D-4B10-B9AE-4F3A3C40D8F0}" v="297" dt="2019-01-05T11:52:46.892"/>
-    <p1510:client id="{04377AED-CE6A-4659-A1C3-BDBFCEBFCFE7}" v="5" dt="2019-01-05T11:54:31.062"/>
     <p1510:client id="{C33680D2-9E9D-A3B5-A7C7-897D3C3F0FA9}" v="5" dt="2019-01-05T11:15:33.369"/>
     <p1510:client id="{713B925A-96F6-EFC2-F8C7-E056AD9079CE}" v="171" dt="2019-01-05T11:47:49.573"/>
   </p1510:revLst>
@@ -319,196 +319,6 @@
             <pc:docMk/>
             <pc:sldMk cId="1632885297" sldId="256"/>
             <ac:spMk id="2" creationId="{41D02B6C-7ED2-450D-B045-19F419547D83}"/>
-          </ac:spMkLst>
-        </pc:spChg>
-      </pc:sldChg>
-    </pc:docChg>
-  </pc:docChgLst>
-  <pc:docChgLst>
-    <pc:chgData name="게스트 사용자" userId="S::urn:spo:anon#b3860dc8331868868ef051a5c71491108560e43b4fdf57277abb2020915563df::" providerId="AD" clId="Web-{6D82C239-AE18-4C56-906D-1D47210C0BB0}"/>
-    <pc:docChg chg="modSld">
-      <pc:chgData name="게스트 사용자" userId="S::urn:spo:anon#b3860dc8331868868ef051a5c71491108560e43b4fdf57277abb2020915563df::" providerId="AD" clId="Web-{6D82C239-AE18-4C56-906D-1D47210C0BB0}" dt="2019-01-05T12:31:08.437" v="73" actId="14100"/>
-      <pc:docMkLst>
-        <pc:docMk/>
-      </pc:docMkLst>
-      <pc:sldChg chg="modSp">
-        <pc:chgData name="게스트 사용자" userId="S::urn:spo:anon#b3860dc8331868868ef051a5c71491108560e43b4fdf57277abb2020915563df::" providerId="AD" clId="Web-{6D82C239-AE18-4C56-906D-1D47210C0BB0}" dt="2019-01-05T11:16:34.896" v="22" actId="1076"/>
-        <pc:sldMkLst>
-          <pc:docMk/>
-          <pc:sldMk cId="3286203646" sldId="262"/>
-        </pc:sldMkLst>
-        <pc:spChg chg="mod">
-          <ac:chgData name="게스트 사용자" userId="S::urn:spo:anon#b3860dc8331868868ef051a5c71491108560e43b4fdf57277abb2020915563df::" providerId="AD" clId="Web-{6D82C239-AE18-4C56-906D-1D47210C0BB0}" dt="2019-01-05T11:16:34.896" v="22" actId="1076"/>
-          <ac:spMkLst>
-            <pc:docMk/>
-            <pc:sldMk cId="3286203646" sldId="262"/>
-            <ac:spMk id="2" creationId="{1528303D-A888-4BF3-B818-2CFAB40AA959}"/>
-          </ac:spMkLst>
-        </pc:spChg>
-        <pc:spChg chg="mod">
-          <ac:chgData name="게스트 사용자" userId="S::urn:spo:anon#b3860dc8331868868ef051a5c71491108560e43b4fdf57277abb2020915563df::" providerId="AD" clId="Web-{6D82C239-AE18-4C56-906D-1D47210C0BB0}" dt="2019-01-05T11:15:34.693" v="18" actId="1076"/>
-          <ac:spMkLst>
-            <pc:docMk/>
-            <pc:sldMk cId="3286203646" sldId="262"/>
-            <ac:spMk id="11" creationId="{CD3B85D1-CA5C-4DF2-99C9-01E53FA5704B}"/>
-          </ac:spMkLst>
-        </pc:spChg>
-        <pc:spChg chg="mod">
-          <ac:chgData name="게스트 사용자" userId="S::urn:spo:anon#b3860dc8331868868ef051a5c71491108560e43b4fdf57277abb2020915563df::" providerId="AD" clId="Web-{6D82C239-AE18-4C56-906D-1D47210C0BB0}" dt="2019-01-05T11:15:34.693" v="19" actId="1076"/>
-          <ac:spMkLst>
-            <pc:docMk/>
-            <pc:sldMk cId="3286203646" sldId="262"/>
-            <ac:spMk id="12" creationId="{E9485842-0BB6-4B96-8DD2-9B17B615FE97}"/>
-          </ac:spMkLst>
-        </pc:spChg>
-        <pc:spChg chg="mod">
-          <ac:chgData name="게스트 사용자" userId="S::urn:spo:anon#b3860dc8331868868ef051a5c71491108560e43b4fdf57277abb2020915563df::" providerId="AD" clId="Web-{6D82C239-AE18-4C56-906D-1D47210C0BB0}" dt="2019-01-05T11:15:24.849" v="15" actId="1076"/>
-          <ac:spMkLst>
-            <pc:docMk/>
-            <pc:sldMk cId="3286203646" sldId="262"/>
-            <ac:spMk id="13" creationId="{E019BBA3-68CE-4362-9215-1998382E325F}"/>
-          </ac:spMkLst>
-        </pc:spChg>
-        <pc:spChg chg="mod">
-          <ac:chgData name="게스트 사용자" userId="S::urn:spo:anon#b3860dc8331868868ef051a5c71491108560e43b4fdf57277abb2020915563df::" providerId="AD" clId="Web-{6D82C239-AE18-4C56-906D-1D47210C0BB0}" dt="2019-01-05T11:15:24.849" v="16" actId="1076"/>
-          <ac:spMkLst>
-            <pc:docMk/>
-            <pc:sldMk cId="3286203646" sldId="262"/>
-            <ac:spMk id="14" creationId="{61A0C3F8-499C-4C5E-9E9B-08EE08A2643C}"/>
-          </ac:spMkLst>
-        </pc:spChg>
-        <pc:spChg chg="mod">
-          <ac:chgData name="게스트 사용자" userId="S::urn:spo:anon#b3860dc8331868868ef051a5c71491108560e43b4fdf57277abb2020915563df::" providerId="AD" clId="Web-{6D82C239-AE18-4C56-906D-1D47210C0BB0}" dt="2019-01-05T11:15:45.662" v="21" actId="1076"/>
-          <ac:spMkLst>
-            <pc:docMk/>
-            <pc:sldMk cId="3286203646" sldId="262"/>
-            <ac:spMk id="17" creationId="{4BBB6954-3378-47EA-B23B-24A2C200DBD1}"/>
-          </ac:spMkLst>
-        </pc:spChg>
-        <pc:spChg chg="mod">
-          <ac:chgData name="게스트 사용자" userId="S::urn:spo:anon#b3860dc8331868868ef051a5c71491108560e43b4fdf57277abb2020915563df::" providerId="AD" clId="Web-{6D82C239-AE18-4C56-906D-1D47210C0BB0}" dt="2019-01-05T11:14:35.005" v="1" actId="1076"/>
-          <ac:spMkLst>
-            <pc:docMk/>
-            <pc:sldMk cId="3286203646" sldId="262"/>
-            <ac:spMk id="18" creationId="{9A863ECD-64B0-444C-9A8A-867EA7E19264}"/>
-          </ac:spMkLst>
-        </pc:spChg>
-        <pc:picChg chg="mod">
-          <ac:chgData name="게스트 사용자" userId="S::urn:spo:anon#b3860dc8331868868ef051a5c71491108560e43b4fdf57277abb2020915563df::" providerId="AD" clId="Web-{6D82C239-AE18-4C56-906D-1D47210C0BB0}" dt="2019-01-05T11:14:28.880" v="0" actId="1076"/>
-          <ac:picMkLst>
-            <pc:docMk/>
-            <pc:sldMk cId="3286203646" sldId="262"/>
-            <ac:picMk id="4" creationId="{E07066B4-989F-4C68-961C-683430887661}"/>
-          </ac:picMkLst>
-        </pc:picChg>
-        <pc:picChg chg="mod">
-          <ac:chgData name="게스트 사용자" userId="S::urn:spo:anon#b3860dc8331868868ef051a5c71491108560e43b4fdf57277abb2020915563df::" providerId="AD" clId="Web-{6D82C239-AE18-4C56-906D-1D47210C0BB0}" dt="2019-01-05T11:15:34.677" v="17" actId="1076"/>
-          <ac:picMkLst>
-            <pc:docMk/>
-            <pc:sldMk cId="3286203646" sldId="262"/>
-            <ac:picMk id="6" creationId="{29A9456B-227A-4A7F-AD97-0CE0472BF2A4}"/>
-          </ac:picMkLst>
-        </pc:picChg>
-        <pc:picChg chg="mod">
-          <ac:chgData name="게스트 사용자" userId="S::urn:spo:anon#b3860dc8331868868ef051a5c71491108560e43b4fdf57277abb2020915563df::" providerId="AD" clId="Web-{6D82C239-AE18-4C56-906D-1D47210C0BB0}" dt="2019-01-05T11:15:24.834" v="13" actId="1076"/>
-          <ac:picMkLst>
-            <pc:docMk/>
-            <pc:sldMk cId="3286203646" sldId="262"/>
-            <ac:picMk id="8" creationId="{8A7F63D5-C0E2-49AF-9AF4-C443255F9310}"/>
-          </ac:picMkLst>
-        </pc:picChg>
-        <pc:picChg chg="mod">
-          <ac:chgData name="게스트 사용자" userId="S::urn:spo:anon#b3860dc8331868868ef051a5c71491108560e43b4fdf57277abb2020915563df::" providerId="AD" clId="Web-{6D82C239-AE18-4C56-906D-1D47210C0BB0}" dt="2019-01-05T11:15:24.834" v="14" actId="1076"/>
-          <ac:picMkLst>
-            <pc:docMk/>
-            <pc:sldMk cId="3286203646" sldId="262"/>
-            <ac:picMk id="10" creationId="{25EFECA6-C09C-4B01-BDA5-286C1CB4C023}"/>
-          </ac:picMkLst>
-        </pc:picChg>
-        <pc:picChg chg="mod">
-          <ac:chgData name="게스트 사용자" userId="S::urn:spo:anon#b3860dc8331868868ef051a5c71491108560e43b4fdf57277abb2020915563df::" providerId="AD" clId="Web-{6D82C239-AE18-4C56-906D-1D47210C0BB0}" dt="2019-01-05T11:15:45.662" v="20" actId="1076"/>
-          <ac:picMkLst>
-            <pc:docMk/>
-            <pc:sldMk cId="3286203646" sldId="262"/>
-            <ac:picMk id="16" creationId="{044D9BE0-4508-4992-BBE2-AD1143EE7F68}"/>
-          </ac:picMkLst>
-        </pc:picChg>
-      </pc:sldChg>
-      <pc:sldChg chg="addSp delSp modSp">
-        <pc:chgData name="게스트 사용자" userId="S::urn:spo:anon#b3860dc8331868868ef051a5c71491108560e43b4fdf57277abb2020915563df::" providerId="AD" clId="Web-{6D82C239-AE18-4C56-906D-1D47210C0BB0}" dt="2019-01-05T12:31:08.437" v="73" actId="14100"/>
-        <pc:sldMkLst>
-          <pc:docMk/>
-          <pc:sldMk cId="1491327750" sldId="273"/>
-        </pc:sldMkLst>
-        <pc:picChg chg="mod">
-          <ac:chgData name="게스트 사용자" userId="S::urn:spo:anon#b3860dc8331868868ef051a5c71491108560e43b4fdf57277abb2020915563df::" providerId="AD" clId="Web-{6D82C239-AE18-4C56-906D-1D47210C0BB0}" dt="2019-01-05T12:26:26.278" v="68" actId="1076"/>
-          <ac:picMkLst>
-            <pc:docMk/>
-            <pc:sldMk cId="1491327750" sldId="273"/>
-            <ac:picMk id="4" creationId="{71E88A35-6A3C-4713-AFDE-13A476FDF15B}"/>
-          </ac:picMkLst>
-        </pc:picChg>
-        <pc:picChg chg="add del mod">
-          <ac:chgData name="게스트 사용자" userId="S::urn:spo:anon#b3860dc8331868868ef051a5c71491108560e43b4fdf57277abb2020915563df::" providerId="AD" clId="Web-{6D82C239-AE18-4C56-906D-1D47210C0BB0}" dt="2019-01-05T12:30:56.733" v="69"/>
-          <ac:picMkLst>
-            <pc:docMk/>
-            <pc:sldMk cId="1491327750" sldId="273"/>
-            <ac:picMk id="5" creationId="{5957B96D-4214-4A15-9430-D1D47394C5A8}"/>
-          </ac:picMkLst>
-        </pc:picChg>
-        <pc:picChg chg="add mod">
-          <ac:chgData name="게스트 사용자" userId="S::urn:spo:anon#b3860dc8331868868ef051a5c71491108560e43b4fdf57277abb2020915563df::" providerId="AD" clId="Web-{6D82C239-AE18-4C56-906D-1D47210C0BB0}" dt="2019-01-05T12:31:08.437" v="73" actId="14100"/>
-          <ac:picMkLst>
-            <pc:docMk/>
-            <pc:sldMk cId="1491327750" sldId="273"/>
-            <ac:picMk id="7" creationId="{19DA6002-0479-4513-8860-48703C457655}"/>
-          </ac:picMkLst>
-        </pc:picChg>
-      </pc:sldChg>
-      <pc:sldChg chg="modSp">
-        <pc:chgData name="게스트 사용자" userId="S::urn:spo:anon#b3860dc8331868868ef051a5c71491108560e43b4fdf57277abb2020915563df::" providerId="AD" clId="Web-{6D82C239-AE18-4C56-906D-1D47210C0BB0}" dt="2019-01-05T11:18:41.040" v="62" actId="14100"/>
-        <pc:sldMkLst>
-          <pc:docMk/>
-          <pc:sldMk cId="4174912067" sldId="277"/>
-        </pc:sldMkLst>
-        <pc:spChg chg="mod">
-          <ac:chgData name="게스트 사용자" userId="S::urn:spo:anon#b3860dc8331868868ef051a5c71491108560e43b4fdf57277abb2020915563df::" providerId="AD" clId="Web-{6D82C239-AE18-4C56-906D-1D47210C0BB0}" dt="2019-01-05T11:18:41.040" v="62" actId="14100"/>
-          <ac:spMkLst>
-            <pc:docMk/>
-            <pc:sldMk cId="4174912067" sldId="277"/>
-            <ac:spMk id="3" creationId="{7D02FFD5-DED4-4357-A705-C197CFC7CDA8}"/>
-          </ac:spMkLst>
-        </pc:spChg>
-        <pc:spChg chg="mod">
-          <ac:chgData name="게스트 사용자" userId="S::urn:spo:anon#b3860dc8331868868ef051a5c71491108560e43b4fdf57277abb2020915563df::" providerId="AD" clId="Web-{6D82C239-AE18-4C56-906D-1D47210C0BB0}" dt="2019-01-05T11:18:36.337" v="57" actId="1076"/>
-          <ac:spMkLst>
-            <pc:docMk/>
-            <pc:sldMk cId="4174912067" sldId="277"/>
-            <ac:spMk id="9" creationId="{9E8479C2-8250-4A01-A7AC-BF325E4CF382}"/>
-          </ac:spMkLst>
-        </pc:spChg>
-        <pc:spChg chg="mod">
-          <ac:chgData name="게스트 사용자" userId="S::urn:spo:anon#b3860dc8331868868ef051a5c71491108560e43b4fdf57277abb2020915563df::" providerId="AD" clId="Web-{6D82C239-AE18-4C56-906D-1D47210C0BB0}" dt="2019-01-05T11:18:36.353" v="58" actId="1076"/>
-          <ac:spMkLst>
-            <pc:docMk/>
-            <pc:sldMk cId="4174912067" sldId="277"/>
-            <ac:spMk id="13" creationId="{58FA3BE5-3E5A-4CA7-918A-7142578F4C13}"/>
-          </ac:spMkLst>
-        </pc:spChg>
-        <pc:spChg chg="mod">
-          <ac:chgData name="게스트 사용자" userId="S::urn:spo:anon#b3860dc8331868868ef051a5c71491108560e43b4fdf57277abb2020915563df::" providerId="AD" clId="Web-{6D82C239-AE18-4C56-906D-1D47210C0BB0}" dt="2019-01-05T11:18:36.368" v="59" actId="1076"/>
-          <ac:spMkLst>
-            <pc:docMk/>
-            <pc:sldMk cId="4174912067" sldId="277"/>
-            <ac:spMk id="16" creationId="{7CA278C3-3C06-4DBF-B87E-11EA94862389}"/>
-          </ac:spMkLst>
-        </pc:spChg>
-        <pc:spChg chg="mod">
-          <ac:chgData name="게스트 사용자" userId="S::urn:spo:anon#b3860dc8331868868ef051a5c71491108560e43b4fdf57277abb2020915563df::" providerId="AD" clId="Web-{6D82C239-AE18-4C56-906D-1D47210C0BB0}" dt="2019-01-05T11:18:36.368" v="60" actId="1076"/>
-          <ac:spMkLst>
-            <pc:docMk/>
-            <pc:sldMk cId="4174912067" sldId="277"/>
-            <ac:spMk id="17" creationId="{1CE2A4E5-16C9-4D64-9D5F-025FFB4742E4}"/>
           </ac:spMkLst>
         </pc:spChg>
       </pc:sldChg>
@@ -1119,6 +929,196 @@
             <pc:docMk/>
             <pc:sldMk cId="4174912067" sldId="277"/>
             <ac:spMk id="9" creationId="{9E8479C2-8250-4A01-A7AC-BF325E4CF382}"/>
+          </ac:spMkLst>
+        </pc:spChg>
+      </pc:sldChg>
+    </pc:docChg>
+  </pc:docChgLst>
+  <pc:docChgLst>
+    <pc:chgData name="게스트 사용자" userId="S::urn:spo:anon#b3860dc8331868868ef051a5c71491108560e43b4fdf57277abb2020915563df::" providerId="AD" clId="Web-{6D82C239-AE18-4C56-906D-1D47210C0BB0}"/>
+    <pc:docChg chg="modSld">
+      <pc:chgData name="게스트 사용자" userId="S::urn:spo:anon#b3860dc8331868868ef051a5c71491108560e43b4fdf57277abb2020915563df::" providerId="AD" clId="Web-{6D82C239-AE18-4C56-906D-1D47210C0BB0}" dt="2019-01-05T12:31:08.437" v="73" actId="14100"/>
+      <pc:docMkLst>
+        <pc:docMk/>
+      </pc:docMkLst>
+      <pc:sldChg chg="modSp">
+        <pc:chgData name="게스트 사용자" userId="S::urn:spo:anon#b3860dc8331868868ef051a5c71491108560e43b4fdf57277abb2020915563df::" providerId="AD" clId="Web-{6D82C239-AE18-4C56-906D-1D47210C0BB0}" dt="2019-01-05T11:16:34.896" v="22" actId="1076"/>
+        <pc:sldMkLst>
+          <pc:docMk/>
+          <pc:sldMk cId="3286203646" sldId="262"/>
+        </pc:sldMkLst>
+        <pc:spChg chg="mod">
+          <ac:chgData name="게스트 사용자" userId="S::urn:spo:anon#b3860dc8331868868ef051a5c71491108560e43b4fdf57277abb2020915563df::" providerId="AD" clId="Web-{6D82C239-AE18-4C56-906D-1D47210C0BB0}" dt="2019-01-05T11:16:34.896" v="22" actId="1076"/>
+          <ac:spMkLst>
+            <pc:docMk/>
+            <pc:sldMk cId="3286203646" sldId="262"/>
+            <ac:spMk id="2" creationId="{1528303D-A888-4BF3-B818-2CFAB40AA959}"/>
+          </ac:spMkLst>
+        </pc:spChg>
+        <pc:spChg chg="mod">
+          <ac:chgData name="게스트 사용자" userId="S::urn:spo:anon#b3860dc8331868868ef051a5c71491108560e43b4fdf57277abb2020915563df::" providerId="AD" clId="Web-{6D82C239-AE18-4C56-906D-1D47210C0BB0}" dt="2019-01-05T11:15:34.693" v="18" actId="1076"/>
+          <ac:spMkLst>
+            <pc:docMk/>
+            <pc:sldMk cId="3286203646" sldId="262"/>
+            <ac:spMk id="11" creationId="{CD3B85D1-CA5C-4DF2-99C9-01E53FA5704B}"/>
+          </ac:spMkLst>
+        </pc:spChg>
+        <pc:spChg chg="mod">
+          <ac:chgData name="게스트 사용자" userId="S::urn:spo:anon#b3860dc8331868868ef051a5c71491108560e43b4fdf57277abb2020915563df::" providerId="AD" clId="Web-{6D82C239-AE18-4C56-906D-1D47210C0BB0}" dt="2019-01-05T11:15:34.693" v="19" actId="1076"/>
+          <ac:spMkLst>
+            <pc:docMk/>
+            <pc:sldMk cId="3286203646" sldId="262"/>
+            <ac:spMk id="12" creationId="{E9485842-0BB6-4B96-8DD2-9B17B615FE97}"/>
+          </ac:spMkLst>
+        </pc:spChg>
+        <pc:spChg chg="mod">
+          <ac:chgData name="게스트 사용자" userId="S::urn:spo:anon#b3860dc8331868868ef051a5c71491108560e43b4fdf57277abb2020915563df::" providerId="AD" clId="Web-{6D82C239-AE18-4C56-906D-1D47210C0BB0}" dt="2019-01-05T11:15:24.849" v="15" actId="1076"/>
+          <ac:spMkLst>
+            <pc:docMk/>
+            <pc:sldMk cId="3286203646" sldId="262"/>
+            <ac:spMk id="13" creationId="{E019BBA3-68CE-4362-9215-1998382E325F}"/>
+          </ac:spMkLst>
+        </pc:spChg>
+        <pc:spChg chg="mod">
+          <ac:chgData name="게스트 사용자" userId="S::urn:spo:anon#b3860dc8331868868ef051a5c71491108560e43b4fdf57277abb2020915563df::" providerId="AD" clId="Web-{6D82C239-AE18-4C56-906D-1D47210C0BB0}" dt="2019-01-05T11:15:24.849" v="16" actId="1076"/>
+          <ac:spMkLst>
+            <pc:docMk/>
+            <pc:sldMk cId="3286203646" sldId="262"/>
+            <ac:spMk id="14" creationId="{61A0C3F8-499C-4C5E-9E9B-08EE08A2643C}"/>
+          </ac:spMkLst>
+        </pc:spChg>
+        <pc:spChg chg="mod">
+          <ac:chgData name="게스트 사용자" userId="S::urn:spo:anon#b3860dc8331868868ef051a5c71491108560e43b4fdf57277abb2020915563df::" providerId="AD" clId="Web-{6D82C239-AE18-4C56-906D-1D47210C0BB0}" dt="2019-01-05T11:15:45.662" v="21" actId="1076"/>
+          <ac:spMkLst>
+            <pc:docMk/>
+            <pc:sldMk cId="3286203646" sldId="262"/>
+            <ac:spMk id="17" creationId="{4BBB6954-3378-47EA-B23B-24A2C200DBD1}"/>
+          </ac:spMkLst>
+        </pc:spChg>
+        <pc:spChg chg="mod">
+          <ac:chgData name="게스트 사용자" userId="S::urn:spo:anon#b3860dc8331868868ef051a5c71491108560e43b4fdf57277abb2020915563df::" providerId="AD" clId="Web-{6D82C239-AE18-4C56-906D-1D47210C0BB0}" dt="2019-01-05T11:14:35.005" v="1" actId="1076"/>
+          <ac:spMkLst>
+            <pc:docMk/>
+            <pc:sldMk cId="3286203646" sldId="262"/>
+            <ac:spMk id="18" creationId="{9A863ECD-64B0-444C-9A8A-867EA7E19264}"/>
+          </ac:spMkLst>
+        </pc:spChg>
+        <pc:picChg chg="mod">
+          <ac:chgData name="게스트 사용자" userId="S::urn:spo:anon#b3860dc8331868868ef051a5c71491108560e43b4fdf57277abb2020915563df::" providerId="AD" clId="Web-{6D82C239-AE18-4C56-906D-1D47210C0BB0}" dt="2019-01-05T11:14:28.880" v="0" actId="1076"/>
+          <ac:picMkLst>
+            <pc:docMk/>
+            <pc:sldMk cId="3286203646" sldId="262"/>
+            <ac:picMk id="4" creationId="{E07066B4-989F-4C68-961C-683430887661}"/>
+          </ac:picMkLst>
+        </pc:picChg>
+        <pc:picChg chg="mod">
+          <ac:chgData name="게스트 사용자" userId="S::urn:spo:anon#b3860dc8331868868ef051a5c71491108560e43b4fdf57277abb2020915563df::" providerId="AD" clId="Web-{6D82C239-AE18-4C56-906D-1D47210C0BB0}" dt="2019-01-05T11:15:34.677" v="17" actId="1076"/>
+          <ac:picMkLst>
+            <pc:docMk/>
+            <pc:sldMk cId="3286203646" sldId="262"/>
+            <ac:picMk id="6" creationId="{29A9456B-227A-4A7F-AD97-0CE0472BF2A4}"/>
+          </ac:picMkLst>
+        </pc:picChg>
+        <pc:picChg chg="mod">
+          <ac:chgData name="게스트 사용자" userId="S::urn:spo:anon#b3860dc8331868868ef051a5c71491108560e43b4fdf57277abb2020915563df::" providerId="AD" clId="Web-{6D82C239-AE18-4C56-906D-1D47210C0BB0}" dt="2019-01-05T11:15:24.834" v="13" actId="1076"/>
+          <ac:picMkLst>
+            <pc:docMk/>
+            <pc:sldMk cId="3286203646" sldId="262"/>
+            <ac:picMk id="8" creationId="{8A7F63D5-C0E2-49AF-9AF4-C443255F9310}"/>
+          </ac:picMkLst>
+        </pc:picChg>
+        <pc:picChg chg="mod">
+          <ac:chgData name="게스트 사용자" userId="S::urn:spo:anon#b3860dc8331868868ef051a5c71491108560e43b4fdf57277abb2020915563df::" providerId="AD" clId="Web-{6D82C239-AE18-4C56-906D-1D47210C0BB0}" dt="2019-01-05T11:15:24.834" v="14" actId="1076"/>
+          <ac:picMkLst>
+            <pc:docMk/>
+            <pc:sldMk cId="3286203646" sldId="262"/>
+            <ac:picMk id="10" creationId="{25EFECA6-C09C-4B01-BDA5-286C1CB4C023}"/>
+          </ac:picMkLst>
+        </pc:picChg>
+        <pc:picChg chg="mod">
+          <ac:chgData name="게스트 사용자" userId="S::urn:spo:anon#b3860dc8331868868ef051a5c71491108560e43b4fdf57277abb2020915563df::" providerId="AD" clId="Web-{6D82C239-AE18-4C56-906D-1D47210C0BB0}" dt="2019-01-05T11:15:45.662" v="20" actId="1076"/>
+          <ac:picMkLst>
+            <pc:docMk/>
+            <pc:sldMk cId="3286203646" sldId="262"/>
+            <ac:picMk id="16" creationId="{044D9BE0-4508-4992-BBE2-AD1143EE7F68}"/>
+          </ac:picMkLst>
+        </pc:picChg>
+      </pc:sldChg>
+      <pc:sldChg chg="addSp delSp modSp">
+        <pc:chgData name="게스트 사용자" userId="S::urn:spo:anon#b3860dc8331868868ef051a5c71491108560e43b4fdf57277abb2020915563df::" providerId="AD" clId="Web-{6D82C239-AE18-4C56-906D-1D47210C0BB0}" dt="2019-01-05T12:31:08.437" v="73" actId="14100"/>
+        <pc:sldMkLst>
+          <pc:docMk/>
+          <pc:sldMk cId="1491327750" sldId="273"/>
+        </pc:sldMkLst>
+        <pc:picChg chg="mod">
+          <ac:chgData name="게스트 사용자" userId="S::urn:spo:anon#b3860dc8331868868ef051a5c71491108560e43b4fdf57277abb2020915563df::" providerId="AD" clId="Web-{6D82C239-AE18-4C56-906D-1D47210C0BB0}" dt="2019-01-05T12:26:26.278" v="68" actId="1076"/>
+          <ac:picMkLst>
+            <pc:docMk/>
+            <pc:sldMk cId="1491327750" sldId="273"/>
+            <ac:picMk id="4" creationId="{71E88A35-6A3C-4713-AFDE-13A476FDF15B}"/>
+          </ac:picMkLst>
+        </pc:picChg>
+        <pc:picChg chg="add del mod">
+          <ac:chgData name="게스트 사용자" userId="S::urn:spo:anon#b3860dc8331868868ef051a5c71491108560e43b4fdf57277abb2020915563df::" providerId="AD" clId="Web-{6D82C239-AE18-4C56-906D-1D47210C0BB0}" dt="2019-01-05T12:30:56.733" v="69"/>
+          <ac:picMkLst>
+            <pc:docMk/>
+            <pc:sldMk cId="1491327750" sldId="273"/>
+            <ac:picMk id="5" creationId="{5957B96D-4214-4A15-9430-D1D47394C5A8}"/>
+          </ac:picMkLst>
+        </pc:picChg>
+        <pc:picChg chg="add mod">
+          <ac:chgData name="게스트 사용자" userId="S::urn:spo:anon#b3860dc8331868868ef051a5c71491108560e43b4fdf57277abb2020915563df::" providerId="AD" clId="Web-{6D82C239-AE18-4C56-906D-1D47210C0BB0}" dt="2019-01-05T12:31:08.437" v="73" actId="14100"/>
+          <ac:picMkLst>
+            <pc:docMk/>
+            <pc:sldMk cId="1491327750" sldId="273"/>
+            <ac:picMk id="7" creationId="{19DA6002-0479-4513-8860-48703C457655}"/>
+          </ac:picMkLst>
+        </pc:picChg>
+      </pc:sldChg>
+      <pc:sldChg chg="modSp">
+        <pc:chgData name="게스트 사용자" userId="S::urn:spo:anon#b3860dc8331868868ef051a5c71491108560e43b4fdf57277abb2020915563df::" providerId="AD" clId="Web-{6D82C239-AE18-4C56-906D-1D47210C0BB0}" dt="2019-01-05T11:18:41.040" v="62" actId="14100"/>
+        <pc:sldMkLst>
+          <pc:docMk/>
+          <pc:sldMk cId="4174912067" sldId="277"/>
+        </pc:sldMkLst>
+        <pc:spChg chg="mod">
+          <ac:chgData name="게스트 사용자" userId="S::urn:spo:anon#b3860dc8331868868ef051a5c71491108560e43b4fdf57277abb2020915563df::" providerId="AD" clId="Web-{6D82C239-AE18-4C56-906D-1D47210C0BB0}" dt="2019-01-05T11:18:41.040" v="62" actId="14100"/>
+          <ac:spMkLst>
+            <pc:docMk/>
+            <pc:sldMk cId="4174912067" sldId="277"/>
+            <ac:spMk id="3" creationId="{7D02FFD5-DED4-4357-A705-C197CFC7CDA8}"/>
+          </ac:spMkLst>
+        </pc:spChg>
+        <pc:spChg chg="mod">
+          <ac:chgData name="게스트 사용자" userId="S::urn:spo:anon#b3860dc8331868868ef051a5c71491108560e43b4fdf57277abb2020915563df::" providerId="AD" clId="Web-{6D82C239-AE18-4C56-906D-1D47210C0BB0}" dt="2019-01-05T11:18:36.337" v="57" actId="1076"/>
+          <ac:spMkLst>
+            <pc:docMk/>
+            <pc:sldMk cId="4174912067" sldId="277"/>
+            <ac:spMk id="9" creationId="{9E8479C2-8250-4A01-A7AC-BF325E4CF382}"/>
+          </ac:spMkLst>
+        </pc:spChg>
+        <pc:spChg chg="mod">
+          <ac:chgData name="게스트 사용자" userId="S::urn:spo:anon#b3860dc8331868868ef051a5c71491108560e43b4fdf57277abb2020915563df::" providerId="AD" clId="Web-{6D82C239-AE18-4C56-906D-1D47210C0BB0}" dt="2019-01-05T11:18:36.353" v="58" actId="1076"/>
+          <ac:spMkLst>
+            <pc:docMk/>
+            <pc:sldMk cId="4174912067" sldId="277"/>
+            <ac:spMk id="13" creationId="{58FA3BE5-3E5A-4CA7-918A-7142578F4C13}"/>
+          </ac:spMkLst>
+        </pc:spChg>
+        <pc:spChg chg="mod">
+          <ac:chgData name="게스트 사용자" userId="S::urn:spo:anon#b3860dc8331868868ef051a5c71491108560e43b4fdf57277abb2020915563df::" providerId="AD" clId="Web-{6D82C239-AE18-4C56-906D-1D47210C0BB0}" dt="2019-01-05T11:18:36.368" v="59" actId="1076"/>
+          <ac:spMkLst>
+            <pc:docMk/>
+            <pc:sldMk cId="4174912067" sldId="277"/>
+            <ac:spMk id="16" creationId="{7CA278C3-3C06-4DBF-B87E-11EA94862389}"/>
+          </ac:spMkLst>
+        </pc:spChg>
+        <pc:spChg chg="mod">
+          <ac:chgData name="게스트 사용자" userId="S::urn:spo:anon#b3860dc8331868868ef051a5c71491108560e43b4fdf57277abb2020915563df::" providerId="AD" clId="Web-{6D82C239-AE18-4C56-906D-1D47210C0BB0}" dt="2019-01-05T11:18:36.368" v="60" actId="1076"/>
+          <ac:spMkLst>
+            <pc:docMk/>
+            <pc:sldMk cId="4174912067" sldId="277"/>
+            <ac:spMk id="17" creationId="{1CE2A4E5-16C9-4D64-9D5F-025FFB4742E4}"/>
           </ac:spMkLst>
         </pc:spChg>
       </pc:sldChg>
@@ -24837,8 +24837,8 @@
         </p:nvSpPr>
         <p:spPr>
           <a:xfrm>
-            <a:off x="6938883" y="1659603"/>
-            <a:ext cx="5257800" cy="4351338"/>
+            <a:off x="1344147" y="3780146"/>
+            <a:ext cx="10151067" cy="2230793"/>
           </a:xfrm>
           <a:prstGeom prst="rect">
             <a:avLst/>
@@ -25013,19 +25013,21 @@
             </a:lvl9pPr>
           </a:lstStyle>
           <a:p>
+            <a:pPr algn="ctr"/>
             <a:endParaRPr lang="en-US" altLang="ko-KR" sz="2000" dirty="0">
               <a:latin typeface="HY수평선B" panose="02030600000101010101" pitchFamily="18" charset="-127"/>
               <a:ea typeface="HY수평선B" panose="02030600000101010101" pitchFamily="18" charset="-127"/>
             </a:endParaRPr>
           </a:p>
           <a:p>
+            <a:pPr algn="ctr"/>
             <a:endParaRPr lang="en-US" altLang="ko-KR" sz="2000" b="1" dirty="0">
               <a:latin typeface="HY수평선B" panose="02030600000101010101" pitchFamily="18" charset="-127"/>
               <a:ea typeface="HY수평선B"/>
             </a:endParaRPr>
           </a:p>
           <a:p>
-            <a:pPr marL="0" indent="0">
+            <a:pPr marL="0" indent="0" algn="ctr">
               <a:buNone/>
             </a:pPr>
             <a:endParaRPr lang="en-US" altLang="ko-KR" sz="2000" b="1" dirty="0">
@@ -25034,7 +25036,7 @@
             </a:endParaRPr>
           </a:p>
           <a:p>
-            <a:pPr marL="0" indent="0">
+            <a:pPr marL="0" indent="0" algn="ctr">
               <a:buNone/>
             </a:pPr>
             <a:endParaRPr lang="en-US" altLang="ko-KR" sz="2000" b="1" dirty="0">
@@ -25043,26 +25045,54 @@
             </a:endParaRPr>
           </a:p>
           <a:p>
+            <a:pPr algn="ctr"/>
             <a:r>
               <a:rPr lang="ko-KR" altLang="en-US" sz="2000" b="1" dirty="0">
                 <a:latin typeface="HY수평선B" panose="02030600000101010101" pitchFamily="18" charset="-127"/>
                 <a:ea typeface="HY수평선B"/>
               </a:rPr>
-              <a:t>장애물 오브젝트를 생성</a:t>
+              <a:t>장애물 오브젝트를 </a:t>
+            </a:r>
+            <a:r>
+              <a:rPr lang="ko-KR" altLang="en-US" sz="2000" b="1" dirty="0">
+                <a:solidFill>
+                  <a:srgbClr val="00B050"/>
+                </a:solidFill>
+                <a:latin typeface="HY수평선B" panose="02030600000101010101" pitchFamily="18" charset="-127"/>
+                <a:ea typeface="HY수평선B"/>
+              </a:rPr>
+              <a:t>생성</a:t>
+            </a:r>
+            <a:r>
+              <a:rPr lang="ko-KR" altLang="en-US" sz="2000" b="1" dirty="0">
+                <a:latin typeface="HY수평선B" panose="02030600000101010101" pitchFamily="18" charset="-127"/>
+                <a:ea typeface="HY수평선B"/>
+              </a:rPr>
+              <a:t> </a:t>
             </a:r>
             <a:r>
               <a:rPr lang="en-US" altLang="ko-KR" sz="2000" b="1" dirty="0">
                 <a:latin typeface="HY수평선B" panose="02030600000101010101" pitchFamily="18" charset="-127"/>
                 <a:ea typeface="HY수평선B"/>
               </a:rPr>
-              <a:t>/</a:t>
+              <a:t>/ </a:t>
+            </a:r>
+            <a:r>
+              <a:rPr lang="ko-KR" altLang="en-US" sz="2000" b="1" dirty="0">
+                <a:solidFill>
+                  <a:srgbClr val="FF0000"/>
+                </a:solidFill>
+                <a:latin typeface="HY수평선B" panose="02030600000101010101" pitchFamily="18" charset="-127"/>
+                <a:ea typeface="HY수평선B"/>
+              </a:rPr>
+              <a:t>파괴</a:t>
             </a:r>
             <a:r>
               <a:rPr lang="ko-KR" altLang="en-US" sz="2000" b="1" dirty="0">
                 <a:latin typeface="HY수평선B" panose="02030600000101010101" pitchFamily="18" charset="-127"/>
                 <a:ea typeface="HY수평선B"/>
               </a:rPr>
-              <a:t>파괴하여 예측 불가한 플레이 가능</a:t>
+              <a:t>하여 예측 불가한 플레이 가능</a:t>
             </a:r>
             <a:endParaRPr lang="en-US" altLang="ko-KR" sz="2000" b="1" dirty="0">
               <a:latin typeface="HY수평선B" panose="02030600000101010101" pitchFamily="18" charset="-127"/>
@@ -25070,12 +25100,14 @@
             </a:endParaRPr>
           </a:p>
           <a:p>
+            <a:pPr algn="ctr"/>
             <a:endParaRPr lang="en-US" altLang="ko-KR" sz="2000" b="1" dirty="0">
               <a:latin typeface="HY수평선B" panose="02030600000101010101" pitchFamily="18" charset="-127"/>
               <a:ea typeface="HY수평선B"/>
             </a:endParaRPr>
           </a:p>
           <a:p>
+            <a:pPr algn="ctr"/>
             <a:endParaRPr lang="en-US" altLang="ko-KR" sz="2000" dirty="0">
               <a:latin typeface="HY수평선B" panose="02030600000101010101" pitchFamily="18" charset="-127"/>
               <a:ea typeface="HY수평선B" panose="02030600000101010101" pitchFamily="18" charset="-127"/>
@@ -25105,8 +25137,8 @@
         </p:blipFill>
         <p:spPr>
           <a:xfrm>
-            <a:off x="1528282" y="1944052"/>
-            <a:ext cx="5051646" cy="3782439"/>
+            <a:off x="4125398" y="1558940"/>
+            <a:ext cx="4456209" cy="3336603"/>
           </a:xfrm>
           <a:prstGeom prst="rect">
             <a:avLst/>
@@ -25204,7 +25236,7 @@
           <p:nvPr>
             <p:extLst>
               <p:ext uri="{D42A27DB-BD31-4B8C-83A1-F6EECF244321}">
-                <p14:modId xmlns:p14="http://schemas.microsoft.com/office/powerpoint/2010/main" val="3358722547"/>
+                <p14:modId xmlns:p14="http://schemas.microsoft.com/office/powerpoint/2010/main" val="1098518731"/>
               </p:ext>
             </p:extLst>
           </p:nvPr>
@@ -26779,7 +26811,7 @@
         </p:nvSpPr>
         <p:spPr>
           <a:xfrm>
-            <a:off x="1799270" y="1752598"/>
+            <a:off x="1893538" y="1318965"/>
             <a:ext cx="10018713" cy="5184000"/>
           </a:xfrm>
         </p:spPr>

--- a/Jungle War 박정훈 신상우 이수진 이병철.pptx
+++ b/Jungle War 박정훈 신상우 이수진 이병철.pptx
@@ -129,9 +129,9 @@
 <p1510:revInfo xmlns:a="http://schemas.openxmlformats.org/drawingml/2006/main" xmlns:r="http://schemas.openxmlformats.org/officeDocument/2006/relationships" xmlns:p1510="http://schemas.microsoft.com/office/powerpoint/2015/10/main">
   <p1510:revLst>
     <p1510:client id="{C49925BA-3958-7621-AF0E-1D9201CFF7D5}" v="2" dt="2019-01-05T10:02:57.903"/>
+    <p1510:client id="{04377AED-CE6A-4659-A1C3-BDBFCEBFCFE7}" v="5" dt="2019-01-05T11:54:31.062"/>
+    <p1510:client id="{D9DAD4DE-084D-4B10-B9AE-4F3A3C40D8F0}" v="297" dt="2019-01-05T11:52:46.892"/>
     <p1510:client id="{6D82C239-AE18-4C56-906D-1D47210C0BB0}" v="63" dt="2019-01-05T11:18:41.040"/>
-    <p1510:client id="{D9DAD4DE-084D-4B10-B9AE-4F3A3C40D8F0}" v="297" dt="2019-01-05T11:52:46.892"/>
-    <p1510:client id="{04377AED-CE6A-4659-A1C3-BDBFCEBFCFE7}" v="5" dt="2019-01-05T11:54:31.062"/>
     <p1510:client id="{C33680D2-9E9D-A3B5-A7C7-897D3C3F0FA9}" v="5" dt="2019-01-05T11:15:33.369"/>
     <p1510:client id="{713B925A-96F6-EFC2-F8C7-E056AD9079CE}" v="171" dt="2019-01-05T11:47:49.573"/>
   </p1510:revLst>
@@ -316,196 +316,6 @@
             <pc:docMk/>
             <pc:sldMk cId="1632885297" sldId="256"/>
             <ac:spMk id="2" creationId="{41D02B6C-7ED2-450D-B045-19F419547D83}"/>
-          </ac:spMkLst>
-        </pc:spChg>
-      </pc:sldChg>
-    </pc:docChg>
-  </pc:docChgLst>
-  <pc:docChgLst>
-    <pc:chgData name="게스트 사용자" userId="S::urn:spo:anon#b3860dc8331868868ef051a5c71491108560e43b4fdf57277abb2020915563df::" providerId="AD" clId="Web-{6D82C239-AE18-4C56-906D-1D47210C0BB0}"/>
-    <pc:docChg chg="modSld">
-      <pc:chgData name="게스트 사용자" userId="S::urn:spo:anon#b3860dc8331868868ef051a5c71491108560e43b4fdf57277abb2020915563df::" providerId="AD" clId="Web-{6D82C239-AE18-4C56-906D-1D47210C0BB0}" dt="2019-01-05T12:31:08.437" v="73" actId="14100"/>
-      <pc:docMkLst>
-        <pc:docMk/>
-      </pc:docMkLst>
-      <pc:sldChg chg="modSp">
-        <pc:chgData name="게스트 사용자" userId="S::urn:spo:anon#b3860dc8331868868ef051a5c71491108560e43b4fdf57277abb2020915563df::" providerId="AD" clId="Web-{6D82C239-AE18-4C56-906D-1D47210C0BB0}" dt="2019-01-05T11:16:34.896" v="22" actId="1076"/>
-        <pc:sldMkLst>
-          <pc:docMk/>
-          <pc:sldMk cId="3286203646" sldId="262"/>
-        </pc:sldMkLst>
-        <pc:spChg chg="mod">
-          <ac:chgData name="게스트 사용자" userId="S::urn:spo:anon#b3860dc8331868868ef051a5c71491108560e43b4fdf57277abb2020915563df::" providerId="AD" clId="Web-{6D82C239-AE18-4C56-906D-1D47210C0BB0}" dt="2019-01-05T11:16:34.896" v="22" actId="1076"/>
-          <ac:spMkLst>
-            <pc:docMk/>
-            <pc:sldMk cId="3286203646" sldId="262"/>
-            <ac:spMk id="2" creationId="{1528303D-A888-4BF3-B818-2CFAB40AA959}"/>
-          </ac:spMkLst>
-        </pc:spChg>
-        <pc:spChg chg="mod">
-          <ac:chgData name="게스트 사용자" userId="S::urn:spo:anon#b3860dc8331868868ef051a5c71491108560e43b4fdf57277abb2020915563df::" providerId="AD" clId="Web-{6D82C239-AE18-4C56-906D-1D47210C0BB0}" dt="2019-01-05T11:15:34.693" v="18" actId="1076"/>
-          <ac:spMkLst>
-            <pc:docMk/>
-            <pc:sldMk cId="3286203646" sldId="262"/>
-            <ac:spMk id="11" creationId="{CD3B85D1-CA5C-4DF2-99C9-01E53FA5704B}"/>
-          </ac:spMkLst>
-        </pc:spChg>
-        <pc:spChg chg="mod">
-          <ac:chgData name="게스트 사용자" userId="S::urn:spo:anon#b3860dc8331868868ef051a5c71491108560e43b4fdf57277abb2020915563df::" providerId="AD" clId="Web-{6D82C239-AE18-4C56-906D-1D47210C0BB0}" dt="2019-01-05T11:15:34.693" v="19" actId="1076"/>
-          <ac:spMkLst>
-            <pc:docMk/>
-            <pc:sldMk cId="3286203646" sldId="262"/>
-            <ac:spMk id="12" creationId="{E9485842-0BB6-4B96-8DD2-9B17B615FE97}"/>
-          </ac:spMkLst>
-        </pc:spChg>
-        <pc:spChg chg="mod">
-          <ac:chgData name="게스트 사용자" userId="S::urn:spo:anon#b3860dc8331868868ef051a5c71491108560e43b4fdf57277abb2020915563df::" providerId="AD" clId="Web-{6D82C239-AE18-4C56-906D-1D47210C0BB0}" dt="2019-01-05T11:15:24.849" v="15" actId="1076"/>
-          <ac:spMkLst>
-            <pc:docMk/>
-            <pc:sldMk cId="3286203646" sldId="262"/>
-            <ac:spMk id="13" creationId="{E019BBA3-68CE-4362-9215-1998382E325F}"/>
-          </ac:spMkLst>
-        </pc:spChg>
-        <pc:spChg chg="mod">
-          <ac:chgData name="게스트 사용자" userId="S::urn:spo:anon#b3860dc8331868868ef051a5c71491108560e43b4fdf57277abb2020915563df::" providerId="AD" clId="Web-{6D82C239-AE18-4C56-906D-1D47210C0BB0}" dt="2019-01-05T11:15:24.849" v="16" actId="1076"/>
-          <ac:spMkLst>
-            <pc:docMk/>
-            <pc:sldMk cId="3286203646" sldId="262"/>
-            <ac:spMk id="14" creationId="{61A0C3F8-499C-4C5E-9E9B-08EE08A2643C}"/>
-          </ac:spMkLst>
-        </pc:spChg>
-        <pc:spChg chg="mod">
-          <ac:chgData name="게스트 사용자" userId="S::urn:spo:anon#b3860dc8331868868ef051a5c71491108560e43b4fdf57277abb2020915563df::" providerId="AD" clId="Web-{6D82C239-AE18-4C56-906D-1D47210C0BB0}" dt="2019-01-05T11:15:45.662" v="21" actId="1076"/>
-          <ac:spMkLst>
-            <pc:docMk/>
-            <pc:sldMk cId="3286203646" sldId="262"/>
-            <ac:spMk id="17" creationId="{4BBB6954-3378-47EA-B23B-24A2C200DBD1}"/>
-          </ac:spMkLst>
-        </pc:spChg>
-        <pc:spChg chg="mod">
-          <ac:chgData name="게스트 사용자" userId="S::urn:spo:anon#b3860dc8331868868ef051a5c71491108560e43b4fdf57277abb2020915563df::" providerId="AD" clId="Web-{6D82C239-AE18-4C56-906D-1D47210C0BB0}" dt="2019-01-05T11:14:35.005" v="1" actId="1076"/>
-          <ac:spMkLst>
-            <pc:docMk/>
-            <pc:sldMk cId="3286203646" sldId="262"/>
-            <ac:spMk id="18" creationId="{9A863ECD-64B0-444C-9A8A-867EA7E19264}"/>
-          </ac:spMkLst>
-        </pc:spChg>
-        <pc:picChg chg="mod">
-          <ac:chgData name="게스트 사용자" userId="S::urn:spo:anon#b3860dc8331868868ef051a5c71491108560e43b4fdf57277abb2020915563df::" providerId="AD" clId="Web-{6D82C239-AE18-4C56-906D-1D47210C0BB0}" dt="2019-01-05T11:14:28.880" v="0" actId="1076"/>
-          <ac:picMkLst>
-            <pc:docMk/>
-            <pc:sldMk cId="3286203646" sldId="262"/>
-            <ac:picMk id="4" creationId="{E07066B4-989F-4C68-961C-683430887661}"/>
-          </ac:picMkLst>
-        </pc:picChg>
-        <pc:picChg chg="mod">
-          <ac:chgData name="게스트 사용자" userId="S::urn:spo:anon#b3860dc8331868868ef051a5c71491108560e43b4fdf57277abb2020915563df::" providerId="AD" clId="Web-{6D82C239-AE18-4C56-906D-1D47210C0BB0}" dt="2019-01-05T11:15:34.677" v="17" actId="1076"/>
-          <ac:picMkLst>
-            <pc:docMk/>
-            <pc:sldMk cId="3286203646" sldId="262"/>
-            <ac:picMk id="6" creationId="{29A9456B-227A-4A7F-AD97-0CE0472BF2A4}"/>
-          </ac:picMkLst>
-        </pc:picChg>
-        <pc:picChg chg="mod">
-          <ac:chgData name="게스트 사용자" userId="S::urn:spo:anon#b3860dc8331868868ef051a5c71491108560e43b4fdf57277abb2020915563df::" providerId="AD" clId="Web-{6D82C239-AE18-4C56-906D-1D47210C0BB0}" dt="2019-01-05T11:15:24.834" v="13" actId="1076"/>
-          <ac:picMkLst>
-            <pc:docMk/>
-            <pc:sldMk cId="3286203646" sldId="262"/>
-            <ac:picMk id="8" creationId="{8A7F63D5-C0E2-49AF-9AF4-C443255F9310}"/>
-          </ac:picMkLst>
-        </pc:picChg>
-        <pc:picChg chg="mod">
-          <ac:chgData name="게스트 사용자" userId="S::urn:spo:anon#b3860dc8331868868ef051a5c71491108560e43b4fdf57277abb2020915563df::" providerId="AD" clId="Web-{6D82C239-AE18-4C56-906D-1D47210C0BB0}" dt="2019-01-05T11:15:24.834" v="14" actId="1076"/>
-          <ac:picMkLst>
-            <pc:docMk/>
-            <pc:sldMk cId="3286203646" sldId="262"/>
-            <ac:picMk id="10" creationId="{25EFECA6-C09C-4B01-BDA5-286C1CB4C023}"/>
-          </ac:picMkLst>
-        </pc:picChg>
-        <pc:picChg chg="mod">
-          <ac:chgData name="게스트 사용자" userId="S::urn:spo:anon#b3860dc8331868868ef051a5c71491108560e43b4fdf57277abb2020915563df::" providerId="AD" clId="Web-{6D82C239-AE18-4C56-906D-1D47210C0BB0}" dt="2019-01-05T11:15:45.662" v="20" actId="1076"/>
-          <ac:picMkLst>
-            <pc:docMk/>
-            <pc:sldMk cId="3286203646" sldId="262"/>
-            <ac:picMk id="16" creationId="{044D9BE0-4508-4992-BBE2-AD1143EE7F68}"/>
-          </ac:picMkLst>
-        </pc:picChg>
-      </pc:sldChg>
-      <pc:sldChg chg="addSp delSp modSp">
-        <pc:chgData name="게스트 사용자" userId="S::urn:spo:anon#b3860dc8331868868ef051a5c71491108560e43b4fdf57277abb2020915563df::" providerId="AD" clId="Web-{6D82C239-AE18-4C56-906D-1D47210C0BB0}" dt="2019-01-05T12:31:08.437" v="73" actId="14100"/>
-        <pc:sldMkLst>
-          <pc:docMk/>
-          <pc:sldMk cId="1491327750" sldId="273"/>
-        </pc:sldMkLst>
-        <pc:picChg chg="mod">
-          <ac:chgData name="게스트 사용자" userId="S::urn:spo:anon#b3860dc8331868868ef051a5c71491108560e43b4fdf57277abb2020915563df::" providerId="AD" clId="Web-{6D82C239-AE18-4C56-906D-1D47210C0BB0}" dt="2019-01-05T12:26:26.278" v="68" actId="1076"/>
-          <ac:picMkLst>
-            <pc:docMk/>
-            <pc:sldMk cId="1491327750" sldId="273"/>
-            <ac:picMk id="4" creationId="{71E88A35-6A3C-4713-AFDE-13A476FDF15B}"/>
-          </ac:picMkLst>
-        </pc:picChg>
-        <pc:picChg chg="add del mod">
-          <ac:chgData name="게스트 사용자" userId="S::urn:spo:anon#b3860dc8331868868ef051a5c71491108560e43b4fdf57277abb2020915563df::" providerId="AD" clId="Web-{6D82C239-AE18-4C56-906D-1D47210C0BB0}" dt="2019-01-05T12:30:56.733" v="69"/>
-          <ac:picMkLst>
-            <pc:docMk/>
-            <pc:sldMk cId="1491327750" sldId="273"/>
-            <ac:picMk id="5" creationId="{5957B96D-4214-4A15-9430-D1D47394C5A8}"/>
-          </ac:picMkLst>
-        </pc:picChg>
-        <pc:picChg chg="add mod">
-          <ac:chgData name="게스트 사용자" userId="S::urn:spo:anon#b3860dc8331868868ef051a5c71491108560e43b4fdf57277abb2020915563df::" providerId="AD" clId="Web-{6D82C239-AE18-4C56-906D-1D47210C0BB0}" dt="2019-01-05T12:31:08.437" v="73" actId="14100"/>
-          <ac:picMkLst>
-            <pc:docMk/>
-            <pc:sldMk cId="1491327750" sldId="273"/>
-            <ac:picMk id="7" creationId="{19DA6002-0479-4513-8860-48703C457655}"/>
-          </ac:picMkLst>
-        </pc:picChg>
-      </pc:sldChg>
-      <pc:sldChg chg="modSp">
-        <pc:chgData name="게스트 사용자" userId="S::urn:spo:anon#b3860dc8331868868ef051a5c71491108560e43b4fdf57277abb2020915563df::" providerId="AD" clId="Web-{6D82C239-AE18-4C56-906D-1D47210C0BB0}" dt="2019-01-05T11:18:41.040" v="62" actId="14100"/>
-        <pc:sldMkLst>
-          <pc:docMk/>
-          <pc:sldMk cId="4174912067" sldId="277"/>
-        </pc:sldMkLst>
-        <pc:spChg chg="mod">
-          <ac:chgData name="게스트 사용자" userId="S::urn:spo:anon#b3860dc8331868868ef051a5c71491108560e43b4fdf57277abb2020915563df::" providerId="AD" clId="Web-{6D82C239-AE18-4C56-906D-1D47210C0BB0}" dt="2019-01-05T11:18:41.040" v="62" actId="14100"/>
-          <ac:spMkLst>
-            <pc:docMk/>
-            <pc:sldMk cId="4174912067" sldId="277"/>
-            <ac:spMk id="3" creationId="{7D02FFD5-DED4-4357-A705-C197CFC7CDA8}"/>
-          </ac:spMkLst>
-        </pc:spChg>
-        <pc:spChg chg="mod">
-          <ac:chgData name="게스트 사용자" userId="S::urn:spo:anon#b3860dc8331868868ef051a5c71491108560e43b4fdf57277abb2020915563df::" providerId="AD" clId="Web-{6D82C239-AE18-4C56-906D-1D47210C0BB0}" dt="2019-01-05T11:18:36.337" v="57" actId="1076"/>
-          <ac:spMkLst>
-            <pc:docMk/>
-            <pc:sldMk cId="4174912067" sldId="277"/>
-            <ac:spMk id="9" creationId="{9E8479C2-8250-4A01-A7AC-BF325E4CF382}"/>
-          </ac:spMkLst>
-        </pc:spChg>
-        <pc:spChg chg="mod">
-          <ac:chgData name="게스트 사용자" userId="S::urn:spo:anon#b3860dc8331868868ef051a5c71491108560e43b4fdf57277abb2020915563df::" providerId="AD" clId="Web-{6D82C239-AE18-4C56-906D-1D47210C0BB0}" dt="2019-01-05T11:18:36.353" v="58" actId="1076"/>
-          <ac:spMkLst>
-            <pc:docMk/>
-            <pc:sldMk cId="4174912067" sldId="277"/>
-            <ac:spMk id="13" creationId="{58FA3BE5-3E5A-4CA7-918A-7142578F4C13}"/>
-          </ac:spMkLst>
-        </pc:spChg>
-        <pc:spChg chg="mod">
-          <ac:chgData name="게스트 사용자" userId="S::urn:spo:anon#b3860dc8331868868ef051a5c71491108560e43b4fdf57277abb2020915563df::" providerId="AD" clId="Web-{6D82C239-AE18-4C56-906D-1D47210C0BB0}" dt="2019-01-05T11:18:36.368" v="59" actId="1076"/>
-          <ac:spMkLst>
-            <pc:docMk/>
-            <pc:sldMk cId="4174912067" sldId="277"/>
-            <ac:spMk id="16" creationId="{7CA278C3-3C06-4DBF-B87E-11EA94862389}"/>
-          </ac:spMkLst>
-        </pc:spChg>
-        <pc:spChg chg="mod">
-          <ac:chgData name="게스트 사용자" userId="S::urn:spo:anon#b3860dc8331868868ef051a5c71491108560e43b4fdf57277abb2020915563df::" providerId="AD" clId="Web-{6D82C239-AE18-4C56-906D-1D47210C0BB0}" dt="2019-01-05T11:18:36.368" v="60" actId="1076"/>
-          <ac:spMkLst>
-            <pc:docMk/>
-            <pc:sldMk cId="4174912067" sldId="277"/>
-            <ac:spMk id="17" creationId="{1CE2A4E5-16C9-4D64-9D5F-025FFB4742E4}"/>
           </ac:spMkLst>
         </pc:spChg>
       </pc:sldChg>
@@ -1116,6 +926,196 @@
             <pc:docMk/>
             <pc:sldMk cId="4174912067" sldId="277"/>
             <ac:spMk id="9" creationId="{9E8479C2-8250-4A01-A7AC-BF325E4CF382}"/>
+          </ac:spMkLst>
+        </pc:spChg>
+      </pc:sldChg>
+    </pc:docChg>
+  </pc:docChgLst>
+  <pc:docChgLst>
+    <pc:chgData name="게스트 사용자" userId="S::urn:spo:anon#b3860dc8331868868ef051a5c71491108560e43b4fdf57277abb2020915563df::" providerId="AD" clId="Web-{6D82C239-AE18-4C56-906D-1D47210C0BB0}"/>
+    <pc:docChg chg="modSld">
+      <pc:chgData name="게스트 사용자" userId="S::urn:spo:anon#b3860dc8331868868ef051a5c71491108560e43b4fdf57277abb2020915563df::" providerId="AD" clId="Web-{6D82C239-AE18-4C56-906D-1D47210C0BB0}" dt="2019-01-05T12:31:08.437" v="73" actId="14100"/>
+      <pc:docMkLst>
+        <pc:docMk/>
+      </pc:docMkLst>
+      <pc:sldChg chg="modSp">
+        <pc:chgData name="게스트 사용자" userId="S::urn:spo:anon#b3860dc8331868868ef051a5c71491108560e43b4fdf57277abb2020915563df::" providerId="AD" clId="Web-{6D82C239-AE18-4C56-906D-1D47210C0BB0}" dt="2019-01-05T11:16:34.896" v="22" actId="1076"/>
+        <pc:sldMkLst>
+          <pc:docMk/>
+          <pc:sldMk cId="3286203646" sldId="262"/>
+        </pc:sldMkLst>
+        <pc:spChg chg="mod">
+          <ac:chgData name="게스트 사용자" userId="S::urn:spo:anon#b3860dc8331868868ef051a5c71491108560e43b4fdf57277abb2020915563df::" providerId="AD" clId="Web-{6D82C239-AE18-4C56-906D-1D47210C0BB0}" dt="2019-01-05T11:16:34.896" v="22" actId="1076"/>
+          <ac:spMkLst>
+            <pc:docMk/>
+            <pc:sldMk cId="3286203646" sldId="262"/>
+            <ac:spMk id="2" creationId="{1528303D-A888-4BF3-B818-2CFAB40AA959}"/>
+          </ac:spMkLst>
+        </pc:spChg>
+        <pc:spChg chg="mod">
+          <ac:chgData name="게스트 사용자" userId="S::urn:spo:anon#b3860dc8331868868ef051a5c71491108560e43b4fdf57277abb2020915563df::" providerId="AD" clId="Web-{6D82C239-AE18-4C56-906D-1D47210C0BB0}" dt="2019-01-05T11:15:34.693" v="18" actId="1076"/>
+          <ac:spMkLst>
+            <pc:docMk/>
+            <pc:sldMk cId="3286203646" sldId="262"/>
+            <ac:spMk id="11" creationId="{CD3B85D1-CA5C-4DF2-99C9-01E53FA5704B}"/>
+          </ac:spMkLst>
+        </pc:spChg>
+        <pc:spChg chg="mod">
+          <ac:chgData name="게스트 사용자" userId="S::urn:spo:anon#b3860dc8331868868ef051a5c71491108560e43b4fdf57277abb2020915563df::" providerId="AD" clId="Web-{6D82C239-AE18-4C56-906D-1D47210C0BB0}" dt="2019-01-05T11:15:34.693" v="19" actId="1076"/>
+          <ac:spMkLst>
+            <pc:docMk/>
+            <pc:sldMk cId="3286203646" sldId="262"/>
+            <ac:spMk id="12" creationId="{E9485842-0BB6-4B96-8DD2-9B17B615FE97}"/>
+          </ac:spMkLst>
+        </pc:spChg>
+        <pc:spChg chg="mod">
+          <ac:chgData name="게스트 사용자" userId="S::urn:spo:anon#b3860dc8331868868ef051a5c71491108560e43b4fdf57277abb2020915563df::" providerId="AD" clId="Web-{6D82C239-AE18-4C56-906D-1D47210C0BB0}" dt="2019-01-05T11:15:24.849" v="15" actId="1076"/>
+          <ac:spMkLst>
+            <pc:docMk/>
+            <pc:sldMk cId="3286203646" sldId="262"/>
+            <ac:spMk id="13" creationId="{E019BBA3-68CE-4362-9215-1998382E325F}"/>
+          </ac:spMkLst>
+        </pc:spChg>
+        <pc:spChg chg="mod">
+          <ac:chgData name="게스트 사용자" userId="S::urn:spo:anon#b3860dc8331868868ef051a5c71491108560e43b4fdf57277abb2020915563df::" providerId="AD" clId="Web-{6D82C239-AE18-4C56-906D-1D47210C0BB0}" dt="2019-01-05T11:15:24.849" v="16" actId="1076"/>
+          <ac:spMkLst>
+            <pc:docMk/>
+            <pc:sldMk cId="3286203646" sldId="262"/>
+            <ac:spMk id="14" creationId="{61A0C3F8-499C-4C5E-9E9B-08EE08A2643C}"/>
+          </ac:spMkLst>
+        </pc:spChg>
+        <pc:spChg chg="mod">
+          <ac:chgData name="게스트 사용자" userId="S::urn:spo:anon#b3860dc8331868868ef051a5c71491108560e43b4fdf57277abb2020915563df::" providerId="AD" clId="Web-{6D82C239-AE18-4C56-906D-1D47210C0BB0}" dt="2019-01-05T11:15:45.662" v="21" actId="1076"/>
+          <ac:spMkLst>
+            <pc:docMk/>
+            <pc:sldMk cId="3286203646" sldId="262"/>
+            <ac:spMk id="17" creationId="{4BBB6954-3378-47EA-B23B-24A2C200DBD1}"/>
+          </ac:spMkLst>
+        </pc:spChg>
+        <pc:spChg chg="mod">
+          <ac:chgData name="게스트 사용자" userId="S::urn:spo:anon#b3860dc8331868868ef051a5c71491108560e43b4fdf57277abb2020915563df::" providerId="AD" clId="Web-{6D82C239-AE18-4C56-906D-1D47210C0BB0}" dt="2019-01-05T11:14:35.005" v="1" actId="1076"/>
+          <ac:spMkLst>
+            <pc:docMk/>
+            <pc:sldMk cId="3286203646" sldId="262"/>
+            <ac:spMk id="18" creationId="{9A863ECD-64B0-444C-9A8A-867EA7E19264}"/>
+          </ac:spMkLst>
+        </pc:spChg>
+        <pc:picChg chg="mod">
+          <ac:chgData name="게스트 사용자" userId="S::urn:spo:anon#b3860dc8331868868ef051a5c71491108560e43b4fdf57277abb2020915563df::" providerId="AD" clId="Web-{6D82C239-AE18-4C56-906D-1D47210C0BB0}" dt="2019-01-05T11:14:28.880" v="0" actId="1076"/>
+          <ac:picMkLst>
+            <pc:docMk/>
+            <pc:sldMk cId="3286203646" sldId="262"/>
+            <ac:picMk id="4" creationId="{E07066B4-989F-4C68-961C-683430887661}"/>
+          </ac:picMkLst>
+        </pc:picChg>
+        <pc:picChg chg="mod">
+          <ac:chgData name="게스트 사용자" userId="S::urn:spo:anon#b3860dc8331868868ef051a5c71491108560e43b4fdf57277abb2020915563df::" providerId="AD" clId="Web-{6D82C239-AE18-4C56-906D-1D47210C0BB0}" dt="2019-01-05T11:15:34.677" v="17" actId="1076"/>
+          <ac:picMkLst>
+            <pc:docMk/>
+            <pc:sldMk cId="3286203646" sldId="262"/>
+            <ac:picMk id="6" creationId="{29A9456B-227A-4A7F-AD97-0CE0472BF2A4}"/>
+          </ac:picMkLst>
+        </pc:picChg>
+        <pc:picChg chg="mod">
+          <ac:chgData name="게스트 사용자" userId="S::urn:spo:anon#b3860dc8331868868ef051a5c71491108560e43b4fdf57277abb2020915563df::" providerId="AD" clId="Web-{6D82C239-AE18-4C56-906D-1D47210C0BB0}" dt="2019-01-05T11:15:24.834" v="13" actId="1076"/>
+          <ac:picMkLst>
+            <pc:docMk/>
+            <pc:sldMk cId="3286203646" sldId="262"/>
+            <ac:picMk id="8" creationId="{8A7F63D5-C0E2-49AF-9AF4-C443255F9310}"/>
+          </ac:picMkLst>
+        </pc:picChg>
+        <pc:picChg chg="mod">
+          <ac:chgData name="게스트 사용자" userId="S::urn:spo:anon#b3860dc8331868868ef051a5c71491108560e43b4fdf57277abb2020915563df::" providerId="AD" clId="Web-{6D82C239-AE18-4C56-906D-1D47210C0BB0}" dt="2019-01-05T11:15:24.834" v="14" actId="1076"/>
+          <ac:picMkLst>
+            <pc:docMk/>
+            <pc:sldMk cId="3286203646" sldId="262"/>
+            <ac:picMk id="10" creationId="{25EFECA6-C09C-4B01-BDA5-286C1CB4C023}"/>
+          </ac:picMkLst>
+        </pc:picChg>
+        <pc:picChg chg="mod">
+          <ac:chgData name="게스트 사용자" userId="S::urn:spo:anon#b3860dc8331868868ef051a5c71491108560e43b4fdf57277abb2020915563df::" providerId="AD" clId="Web-{6D82C239-AE18-4C56-906D-1D47210C0BB0}" dt="2019-01-05T11:15:45.662" v="20" actId="1076"/>
+          <ac:picMkLst>
+            <pc:docMk/>
+            <pc:sldMk cId="3286203646" sldId="262"/>
+            <ac:picMk id="16" creationId="{044D9BE0-4508-4992-BBE2-AD1143EE7F68}"/>
+          </ac:picMkLst>
+        </pc:picChg>
+      </pc:sldChg>
+      <pc:sldChg chg="addSp delSp modSp">
+        <pc:chgData name="게스트 사용자" userId="S::urn:spo:anon#b3860dc8331868868ef051a5c71491108560e43b4fdf57277abb2020915563df::" providerId="AD" clId="Web-{6D82C239-AE18-4C56-906D-1D47210C0BB0}" dt="2019-01-05T12:31:08.437" v="73" actId="14100"/>
+        <pc:sldMkLst>
+          <pc:docMk/>
+          <pc:sldMk cId="1491327750" sldId="273"/>
+        </pc:sldMkLst>
+        <pc:picChg chg="mod">
+          <ac:chgData name="게스트 사용자" userId="S::urn:spo:anon#b3860dc8331868868ef051a5c71491108560e43b4fdf57277abb2020915563df::" providerId="AD" clId="Web-{6D82C239-AE18-4C56-906D-1D47210C0BB0}" dt="2019-01-05T12:26:26.278" v="68" actId="1076"/>
+          <ac:picMkLst>
+            <pc:docMk/>
+            <pc:sldMk cId="1491327750" sldId="273"/>
+            <ac:picMk id="4" creationId="{71E88A35-6A3C-4713-AFDE-13A476FDF15B}"/>
+          </ac:picMkLst>
+        </pc:picChg>
+        <pc:picChg chg="add del mod">
+          <ac:chgData name="게스트 사용자" userId="S::urn:spo:anon#b3860dc8331868868ef051a5c71491108560e43b4fdf57277abb2020915563df::" providerId="AD" clId="Web-{6D82C239-AE18-4C56-906D-1D47210C0BB0}" dt="2019-01-05T12:30:56.733" v="69"/>
+          <ac:picMkLst>
+            <pc:docMk/>
+            <pc:sldMk cId="1491327750" sldId="273"/>
+            <ac:picMk id="5" creationId="{5957B96D-4214-4A15-9430-D1D47394C5A8}"/>
+          </ac:picMkLst>
+        </pc:picChg>
+        <pc:picChg chg="add mod">
+          <ac:chgData name="게스트 사용자" userId="S::urn:spo:anon#b3860dc8331868868ef051a5c71491108560e43b4fdf57277abb2020915563df::" providerId="AD" clId="Web-{6D82C239-AE18-4C56-906D-1D47210C0BB0}" dt="2019-01-05T12:31:08.437" v="73" actId="14100"/>
+          <ac:picMkLst>
+            <pc:docMk/>
+            <pc:sldMk cId="1491327750" sldId="273"/>
+            <ac:picMk id="7" creationId="{19DA6002-0479-4513-8860-48703C457655}"/>
+          </ac:picMkLst>
+        </pc:picChg>
+      </pc:sldChg>
+      <pc:sldChg chg="modSp">
+        <pc:chgData name="게스트 사용자" userId="S::urn:spo:anon#b3860dc8331868868ef051a5c71491108560e43b4fdf57277abb2020915563df::" providerId="AD" clId="Web-{6D82C239-AE18-4C56-906D-1D47210C0BB0}" dt="2019-01-05T11:18:41.040" v="62" actId="14100"/>
+        <pc:sldMkLst>
+          <pc:docMk/>
+          <pc:sldMk cId="4174912067" sldId="277"/>
+        </pc:sldMkLst>
+        <pc:spChg chg="mod">
+          <ac:chgData name="게스트 사용자" userId="S::urn:spo:anon#b3860dc8331868868ef051a5c71491108560e43b4fdf57277abb2020915563df::" providerId="AD" clId="Web-{6D82C239-AE18-4C56-906D-1D47210C0BB0}" dt="2019-01-05T11:18:41.040" v="62" actId="14100"/>
+          <ac:spMkLst>
+            <pc:docMk/>
+            <pc:sldMk cId="4174912067" sldId="277"/>
+            <ac:spMk id="3" creationId="{7D02FFD5-DED4-4357-A705-C197CFC7CDA8}"/>
+          </ac:spMkLst>
+        </pc:spChg>
+        <pc:spChg chg="mod">
+          <ac:chgData name="게스트 사용자" userId="S::urn:spo:anon#b3860dc8331868868ef051a5c71491108560e43b4fdf57277abb2020915563df::" providerId="AD" clId="Web-{6D82C239-AE18-4C56-906D-1D47210C0BB0}" dt="2019-01-05T11:18:36.337" v="57" actId="1076"/>
+          <ac:spMkLst>
+            <pc:docMk/>
+            <pc:sldMk cId="4174912067" sldId="277"/>
+            <ac:spMk id="9" creationId="{9E8479C2-8250-4A01-A7AC-BF325E4CF382}"/>
+          </ac:spMkLst>
+        </pc:spChg>
+        <pc:spChg chg="mod">
+          <ac:chgData name="게스트 사용자" userId="S::urn:spo:anon#b3860dc8331868868ef051a5c71491108560e43b4fdf57277abb2020915563df::" providerId="AD" clId="Web-{6D82C239-AE18-4C56-906D-1D47210C0BB0}" dt="2019-01-05T11:18:36.353" v="58" actId="1076"/>
+          <ac:spMkLst>
+            <pc:docMk/>
+            <pc:sldMk cId="4174912067" sldId="277"/>
+            <ac:spMk id="13" creationId="{58FA3BE5-3E5A-4CA7-918A-7142578F4C13}"/>
+          </ac:spMkLst>
+        </pc:spChg>
+        <pc:spChg chg="mod">
+          <ac:chgData name="게스트 사용자" userId="S::urn:spo:anon#b3860dc8331868868ef051a5c71491108560e43b4fdf57277abb2020915563df::" providerId="AD" clId="Web-{6D82C239-AE18-4C56-906D-1D47210C0BB0}" dt="2019-01-05T11:18:36.368" v="59" actId="1076"/>
+          <ac:spMkLst>
+            <pc:docMk/>
+            <pc:sldMk cId="4174912067" sldId="277"/>
+            <ac:spMk id="16" creationId="{7CA278C3-3C06-4DBF-B87E-11EA94862389}"/>
+          </ac:spMkLst>
+        </pc:spChg>
+        <pc:spChg chg="mod">
+          <ac:chgData name="게스트 사용자" userId="S::urn:spo:anon#b3860dc8331868868ef051a5c71491108560e43b4fdf57277abb2020915563df::" providerId="AD" clId="Web-{6D82C239-AE18-4C56-906D-1D47210C0BB0}" dt="2019-01-05T11:18:36.368" v="60" actId="1076"/>
+          <ac:spMkLst>
+            <pc:docMk/>
+            <pc:sldMk cId="4174912067" sldId="277"/>
+            <ac:spMk id="17" creationId="{1CE2A4E5-16C9-4D64-9D5F-025FFB4742E4}"/>
           </ac:spMkLst>
         </pc:spChg>
       </pc:sldChg>
@@ -10755,7 +10755,7 @@
               <a:rPr lang="ko-KR" altLang="en-US" sz="3000" dirty="0">
                 <a:ea typeface="HY수평선B" panose="02030600000101010101"/>
               </a:rPr>
-              <a:t>시작화면 </a:t>
+              <a:t> 시작화면 </a:t>
             </a:r>
             <a:r>
               <a:rPr lang="en-US" altLang="ko-KR" sz="3000" dirty="0">
@@ -10795,7 +10795,7 @@
               <a:rPr lang="en-US" altLang="ko-KR" sz="3000" dirty="0">
                 <a:ea typeface="HY수평선B" panose="02030600000101010101"/>
               </a:rPr>
-              <a:t>UI</a:t>
+              <a:t> UI</a:t>
             </a:r>
           </a:p>
           <a:p>
@@ -10808,7 +10808,7 @@
               <a:rPr lang="ko-KR" altLang="en-US" sz="3000" dirty="0">
                 <a:ea typeface="HY수평선B" panose="02030600000101010101"/>
               </a:rPr>
-              <a:t>오브젝트 생성</a:t>
+              <a:t> 오브젝트 생성</a:t>
             </a:r>
             <a:r>
               <a:rPr lang="en-US" altLang="ko-KR" sz="3000" dirty="0">
@@ -10836,7 +10836,7 @@
               <a:rPr lang="ko-KR" altLang="en-US" sz="3000" dirty="0">
                 <a:ea typeface="HY수평선B" panose="02030600000101010101"/>
               </a:rPr>
-              <a:t>애니메이션</a:t>
+              <a:t> 애니메이션</a:t>
             </a:r>
             <a:endParaRPr lang="en-US" altLang="ko-KR" b="1" dirty="0">
               <a:ea typeface="HY수평선B" panose="02030600000101010101"/>
@@ -11055,7 +11055,7 @@
               <a:rPr lang="ko-KR" altLang="en-US" sz="3000" dirty="0">
                 <a:ea typeface="HY수평선B" panose="02030600000101010101"/>
               </a:rPr>
-              <a:t>네트워크 동기화 </a:t>
+              <a:t> 네트워크 동기화 </a:t>
             </a:r>
             <a:endParaRPr lang="en-US" altLang="ko-KR" sz="3000" dirty="0">
               <a:ea typeface="HY수평선B" panose="02030600000101010101"/>
@@ -11071,7 +11071,7 @@
               <a:rPr lang="ko-KR" altLang="en-US" sz="3000" dirty="0">
                 <a:ea typeface="HY수평선B" panose="02030600000101010101"/>
               </a:rPr>
-              <a:t>충돌처리 </a:t>
+              <a:t> 충돌처리 </a:t>
             </a:r>
             <a:r>
               <a:rPr lang="en-US" altLang="ko-KR" sz="3000" dirty="0">
@@ -11123,7 +11123,7 @@
               <a:rPr lang="ko-KR" altLang="en-US" sz="3000" dirty="0">
                 <a:ea typeface="HY수평선B" panose="02030600000101010101"/>
               </a:rPr>
-              <a:t>캐릭터 상태 처리</a:t>
+              <a:t> 캐릭터 상태 처리</a:t>
             </a:r>
             <a:r>
               <a:rPr lang="en-US" altLang="ko-KR" sz="3000" dirty="0">

--- a/Jungle War 박정훈 신상우 이수진 이병철.pptx
+++ b/Jungle War 박정훈 신상우 이수진 이병철.pptx
@@ -2,7 +2,7 @@
 <file path=ppt/presentation.xml><?xml version="1.0" encoding="utf-8"?>
 <p:presentation xmlns:a="http://schemas.openxmlformats.org/drawingml/2006/main" xmlns:r="http://schemas.openxmlformats.org/officeDocument/2006/relationships" xmlns:p="http://schemas.openxmlformats.org/presentationml/2006/main" saveSubsetFonts="1">
   <p:sldMasterIdLst>
-    <p:sldMasterId id="2147483786" r:id="rId1"/>
+    <p:sldMasterId id="2147483804" r:id="rId1"/>
   </p:sldMasterIdLst>
   <p:notesMasterIdLst>
     <p:notesMasterId r:id="rId13"/>
@@ -24,9 +24,9 @@
   <p:notesSz cx="6858000" cy="9144000"/>
   <p:defaultTextStyle>
     <a:defPPr>
-      <a:defRPr lang="ko-KR"/>
+      <a:defRPr lang="en-US"/>
     </a:defPPr>
-    <a:lvl1pPr marL="0" algn="l" defTabSz="914400" rtl="0" eaLnBrk="1" latinLnBrk="1" hangingPunct="1">
+    <a:lvl1pPr marL="0" algn="l" defTabSz="457200" rtl="0" eaLnBrk="1" latinLnBrk="0" hangingPunct="1">
       <a:defRPr sz="1800" kern="1200">
         <a:solidFill>
           <a:schemeClr val="tx1"/>
@@ -36,7 +36,7 @@
         <a:cs typeface="+mn-cs"/>
       </a:defRPr>
     </a:lvl1pPr>
-    <a:lvl2pPr marL="457200" algn="l" defTabSz="914400" rtl="0" eaLnBrk="1" latinLnBrk="1" hangingPunct="1">
+    <a:lvl2pPr marL="457200" algn="l" defTabSz="457200" rtl="0" eaLnBrk="1" latinLnBrk="0" hangingPunct="1">
       <a:defRPr sz="1800" kern="1200">
         <a:solidFill>
           <a:schemeClr val="tx1"/>
@@ -46,7 +46,7 @@
         <a:cs typeface="+mn-cs"/>
       </a:defRPr>
     </a:lvl2pPr>
-    <a:lvl3pPr marL="914400" algn="l" defTabSz="914400" rtl="0" eaLnBrk="1" latinLnBrk="1" hangingPunct="1">
+    <a:lvl3pPr marL="914400" algn="l" defTabSz="457200" rtl="0" eaLnBrk="1" latinLnBrk="0" hangingPunct="1">
       <a:defRPr sz="1800" kern="1200">
         <a:solidFill>
           <a:schemeClr val="tx1"/>
@@ -56,7 +56,7 @@
         <a:cs typeface="+mn-cs"/>
       </a:defRPr>
     </a:lvl3pPr>
-    <a:lvl4pPr marL="1371600" algn="l" defTabSz="914400" rtl="0" eaLnBrk="1" latinLnBrk="1" hangingPunct="1">
+    <a:lvl4pPr marL="1371600" algn="l" defTabSz="457200" rtl="0" eaLnBrk="1" latinLnBrk="0" hangingPunct="1">
       <a:defRPr sz="1800" kern="1200">
         <a:solidFill>
           <a:schemeClr val="tx1"/>
@@ -66,7 +66,7 @@
         <a:cs typeface="+mn-cs"/>
       </a:defRPr>
     </a:lvl4pPr>
-    <a:lvl5pPr marL="1828800" algn="l" defTabSz="914400" rtl="0" eaLnBrk="1" latinLnBrk="1" hangingPunct="1">
+    <a:lvl5pPr marL="1828800" algn="l" defTabSz="457200" rtl="0" eaLnBrk="1" latinLnBrk="0" hangingPunct="1">
       <a:defRPr sz="1800" kern="1200">
         <a:solidFill>
           <a:schemeClr val="tx1"/>
@@ -76,7 +76,7 @@
         <a:cs typeface="+mn-cs"/>
       </a:defRPr>
     </a:lvl5pPr>
-    <a:lvl6pPr marL="2286000" algn="l" defTabSz="914400" rtl="0" eaLnBrk="1" latinLnBrk="1" hangingPunct="1">
+    <a:lvl6pPr marL="2286000" algn="l" defTabSz="457200" rtl="0" eaLnBrk="1" latinLnBrk="0" hangingPunct="1">
       <a:defRPr sz="1800" kern="1200">
         <a:solidFill>
           <a:schemeClr val="tx1"/>
@@ -86,7 +86,7 @@
         <a:cs typeface="+mn-cs"/>
       </a:defRPr>
     </a:lvl6pPr>
-    <a:lvl7pPr marL="2743200" algn="l" defTabSz="914400" rtl="0" eaLnBrk="1" latinLnBrk="1" hangingPunct="1">
+    <a:lvl7pPr marL="2743200" algn="l" defTabSz="457200" rtl="0" eaLnBrk="1" latinLnBrk="0" hangingPunct="1">
       <a:defRPr sz="1800" kern="1200">
         <a:solidFill>
           <a:schemeClr val="tx1"/>
@@ -96,7 +96,7 @@
         <a:cs typeface="+mn-cs"/>
       </a:defRPr>
     </a:lvl7pPr>
-    <a:lvl8pPr marL="3200400" algn="l" defTabSz="914400" rtl="0" eaLnBrk="1" latinLnBrk="1" hangingPunct="1">
+    <a:lvl8pPr marL="3200400" algn="l" defTabSz="457200" rtl="0" eaLnBrk="1" latinLnBrk="0" hangingPunct="1">
       <a:defRPr sz="1800" kern="1200">
         <a:solidFill>
           <a:schemeClr val="tx1"/>
@@ -106,7 +106,7 @@
         <a:cs typeface="+mn-cs"/>
       </a:defRPr>
     </a:lvl8pPr>
-    <a:lvl9pPr marL="3657600" algn="l" defTabSz="914400" rtl="0" eaLnBrk="1" latinLnBrk="1" hangingPunct="1">
+    <a:lvl9pPr marL="3657600" algn="l" defTabSz="457200" rtl="0" eaLnBrk="1" latinLnBrk="0" hangingPunct="1">
       <a:defRPr sz="1800" kern="1200">
         <a:solidFill>
           <a:schemeClr val="tx1"/>
@@ -1254,7 +1254,7 @@
           <a:p>
             <a:fld id="{9CA91F1B-9D24-40F1-A1BF-13C680275030}" type="datetimeFigureOut">
               <a:rPr lang="ko-KR" altLang="en-US" smtClean="0"/>
-              <a:t>2019-05-13</a:t>
+              <a:t>2019-05-26</a:t>
             </a:fld>
             <a:endParaRPr lang="ko-KR" altLang="en-US"/>
           </a:p>
@@ -1820,7 +1820,7 @@
           <a:bodyPr/>
           <a:lstStyle/>
           <a:p>
-            <a:endParaRPr lang="en-US" altLang="ko-KR"/>
+            <a:endParaRPr lang="en-US" altLang="ko-KR" dirty="0"/>
           </a:p>
         </p:txBody>
       </p:sp>
@@ -1904,7 +1904,7 @@
           <a:bodyPr/>
           <a:lstStyle/>
           <a:p>
-            <a:endParaRPr lang="en-US" altLang="ko-KR"/>
+            <a:endParaRPr lang="en-US" altLang="ko-KR" dirty="0"/>
           </a:p>
         </p:txBody>
       </p:sp>
@@ -2045,319 +2045,6 @@
           <a:chExt cx="0" cy="0"/>
         </a:xfrm>
       </p:grpSpPr>
-      <p:grpSp>
-        <p:nvGrpSpPr>
-          <p:cNvPr id="19" name="Group 18"/>
-          <p:cNvGrpSpPr/>
-          <p:nvPr/>
-        </p:nvGrpSpPr>
-        <p:grpSpPr>
-          <a:xfrm>
-            <a:off x="546100" y="-4763"/>
-            <a:ext cx="5014912" cy="6862763"/>
-            <a:chOff x="2928938" y="-4763"/>
-            <a:chExt cx="5014912" cy="6862763"/>
-          </a:xfrm>
-        </p:grpSpPr>
-        <p:sp>
-          <p:nvSpPr>
-            <p:cNvPr id="22" name="Freeform 6"/>
-            <p:cNvSpPr/>
-            <p:nvPr/>
-          </p:nvSpPr>
-          <p:spPr bwMode="auto">
-            <a:xfrm>
-              <a:off x="3367088" y="-4763"/>
-              <a:ext cx="1063625" cy="2782888"/>
-            </a:xfrm>
-            <a:custGeom>
-              <a:avLst/>
-              <a:gdLst/>
-              <a:ahLst/>
-              <a:cxnLst/>
-              <a:rect l="0" t="0" r="r" b="b"/>
-              <a:pathLst>
-                <a:path w="670" h="1753">
-                  <a:moveTo>
-                    <a:pt x="0" y="1696"/>
-                  </a:moveTo>
-                  <a:lnTo>
-                    <a:pt x="225" y="1753"/>
-                  </a:lnTo>
-                  <a:lnTo>
-                    <a:pt x="670" y="0"/>
-                  </a:lnTo>
-                  <a:lnTo>
-                    <a:pt x="430" y="0"/>
-                  </a:lnTo>
-                  <a:lnTo>
-                    <a:pt x="0" y="1696"/>
-                  </a:lnTo>
-                  <a:close/>
-                </a:path>
-              </a:pathLst>
-            </a:custGeom>
-            <a:solidFill>
-              <a:schemeClr val="accent1"/>
-            </a:solidFill>
-            <a:ln>
-              <a:noFill/>
-            </a:ln>
-          </p:spPr>
-        </p:sp>
-        <p:sp>
-          <p:nvSpPr>
-            <p:cNvPr id="23" name="Freeform 7"/>
-            <p:cNvSpPr/>
-            <p:nvPr/>
-          </p:nvSpPr>
-          <p:spPr bwMode="auto">
-            <a:xfrm>
-              <a:off x="2928938" y="-4763"/>
-              <a:ext cx="1035050" cy="2673350"/>
-            </a:xfrm>
-            <a:custGeom>
-              <a:avLst/>
-              <a:gdLst/>
-              <a:ahLst/>
-              <a:cxnLst/>
-              <a:rect l="0" t="0" r="r" b="b"/>
-              <a:pathLst>
-                <a:path w="652" h="1684">
-                  <a:moveTo>
-                    <a:pt x="225" y="1684"/>
-                  </a:moveTo>
-                  <a:lnTo>
-                    <a:pt x="652" y="0"/>
-                  </a:lnTo>
-                  <a:lnTo>
-                    <a:pt x="411" y="0"/>
-                  </a:lnTo>
-                  <a:lnTo>
-                    <a:pt x="0" y="1627"/>
-                  </a:lnTo>
-                  <a:lnTo>
-                    <a:pt x="219" y="1681"/>
-                  </a:lnTo>
-                  <a:lnTo>
-                    <a:pt x="225" y="1684"/>
-                  </a:lnTo>
-                  <a:close/>
-                </a:path>
-              </a:pathLst>
-            </a:custGeom>
-            <a:solidFill>
-              <a:schemeClr val="tx1">
-                <a:lumMod val="65000"/>
-                <a:lumOff val="35000"/>
-              </a:schemeClr>
-            </a:solidFill>
-            <a:ln>
-              <a:noFill/>
-            </a:ln>
-          </p:spPr>
-        </p:sp>
-        <p:sp>
-          <p:nvSpPr>
-            <p:cNvPr id="24" name="Freeform 9"/>
-            <p:cNvSpPr/>
-            <p:nvPr/>
-          </p:nvSpPr>
-          <p:spPr bwMode="auto">
-            <a:xfrm>
-              <a:off x="2928938" y="2582862"/>
-              <a:ext cx="2693987" cy="4275138"/>
-            </a:xfrm>
-            <a:custGeom>
-              <a:avLst/>
-              <a:gdLst/>
-              <a:ahLst/>
-              <a:cxnLst/>
-              <a:rect l="0" t="0" r="r" b="b"/>
-              <a:pathLst>
-                <a:path w="1697" h="2693">
-                  <a:moveTo>
-                    <a:pt x="0" y="0"/>
-                  </a:moveTo>
-                  <a:lnTo>
-                    <a:pt x="1622" y="2693"/>
-                  </a:lnTo>
-                  <a:lnTo>
-                    <a:pt x="1697" y="2693"/>
-                  </a:lnTo>
-                  <a:lnTo>
-                    <a:pt x="0" y="0"/>
-                  </a:lnTo>
-                  <a:close/>
-                </a:path>
-              </a:pathLst>
-            </a:custGeom>
-            <a:solidFill>
-              <a:schemeClr val="tx1">
-                <a:lumMod val="85000"/>
-                <a:lumOff val="15000"/>
-              </a:schemeClr>
-            </a:solidFill>
-            <a:ln>
-              <a:noFill/>
-            </a:ln>
-          </p:spPr>
-        </p:sp>
-        <p:sp>
-          <p:nvSpPr>
-            <p:cNvPr id="25" name="Freeform 10"/>
-            <p:cNvSpPr/>
-            <p:nvPr/>
-          </p:nvSpPr>
-          <p:spPr bwMode="auto">
-            <a:xfrm>
-              <a:off x="3371850" y="2692400"/>
-              <a:ext cx="3332162" cy="4165600"/>
-            </a:xfrm>
-            <a:custGeom>
-              <a:avLst/>
-              <a:gdLst/>
-              <a:ahLst/>
-              <a:cxnLst/>
-              <a:rect l="0" t="0" r="r" b="b"/>
-              <a:pathLst>
-                <a:path w="2099" h="2624">
-                  <a:moveTo>
-                    <a:pt x="2099" y="2624"/>
-                  </a:moveTo>
-                  <a:lnTo>
-                    <a:pt x="0" y="0"/>
-                  </a:lnTo>
-                  <a:lnTo>
-                    <a:pt x="2021" y="2624"/>
-                  </a:lnTo>
-                  <a:lnTo>
-                    <a:pt x="2099" y="2624"/>
-                  </a:lnTo>
-                  <a:close/>
-                </a:path>
-              </a:pathLst>
-            </a:custGeom>
-            <a:solidFill>
-              <a:schemeClr val="accent1">
-                <a:lumMod val="50000"/>
-              </a:schemeClr>
-            </a:solidFill>
-            <a:ln>
-              <a:noFill/>
-            </a:ln>
-          </p:spPr>
-        </p:sp>
-        <p:sp>
-          <p:nvSpPr>
-            <p:cNvPr id="26" name="Freeform 11"/>
-            <p:cNvSpPr/>
-            <p:nvPr/>
-          </p:nvSpPr>
-          <p:spPr bwMode="auto">
-            <a:xfrm>
-              <a:off x="3367088" y="2687637"/>
-              <a:ext cx="4576762" cy="4170363"/>
-            </a:xfrm>
-            <a:custGeom>
-              <a:avLst/>
-              <a:gdLst/>
-              <a:ahLst/>
-              <a:cxnLst/>
-              <a:rect l="0" t="0" r="r" b="b"/>
-              <a:pathLst>
-                <a:path w="2883" h="2627">
-                  <a:moveTo>
-                    <a:pt x="0" y="0"/>
-                  </a:moveTo>
-                  <a:lnTo>
-                    <a:pt x="3" y="3"/>
-                  </a:lnTo>
-                  <a:lnTo>
-                    <a:pt x="2102" y="2627"/>
-                  </a:lnTo>
-                  <a:lnTo>
-                    <a:pt x="2883" y="2627"/>
-                  </a:lnTo>
-                  <a:lnTo>
-                    <a:pt x="225" y="57"/>
-                  </a:lnTo>
-                  <a:lnTo>
-                    <a:pt x="0" y="0"/>
-                  </a:lnTo>
-                  <a:close/>
-                </a:path>
-              </a:pathLst>
-            </a:custGeom>
-            <a:solidFill>
-              <a:schemeClr val="accent1">
-                <a:lumMod val="75000"/>
-              </a:schemeClr>
-            </a:solidFill>
-            <a:ln>
-              <a:noFill/>
-            </a:ln>
-          </p:spPr>
-        </p:sp>
-        <p:sp>
-          <p:nvSpPr>
-            <p:cNvPr id="27" name="Freeform 12"/>
-            <p:cNvSpPr/>
-            <p:nvPr/>
-          </p:nvSpPr>
-          <p:spPr bwMode="auto">
-            <a:xfrm>
-              <a:off x="2928938" y="2578100"/>
-              <a:ext cx="3584575" cy="4279900"/>
-            </a:xfrm>
-            <a:custGeom>
-              <a:avLst/>
-              <a:gdLst/>
-              <a:ahLst/>
-              <a:cxnLst/>
-              <a:rect l="0" t="0" r="r" b="b"/>
-              <a:pathLst>
-                <a:path w="2258" h="2696">
-                  <a:moveTo>
-                    <a:pt x="2258" y="2696"/>
-                  </a:moveTo>
-                  <a:lnTo>
-                    <a:pt x="264" y="111"/>
-                  </a:lnTo>
-                  <a:lnTo>
-                    <a:pt x="228" y="60"/>
-                  </a:lnTo>
-                  <a:lnTo>
-                    <a:pt x="225" y="57"/>
-                  </a:lnTo>
-                  <a:lnTo>
-                    <a:pt x="0" y="0"/>
-                  </a:lnTo>
-                  <a:lnTo>
-                    <a:pt x="0" y="3"/>
-                  </a:lnTo>
-                  <a:lnTo>
-                    <a:pt x="1697" y="2696"/>
-                  </a:lnTo>
-                  <a:lnTo>
-                    <a:pt x="2258" y="2696"/>
-                  </a:lnTo>
-                  <a:close/>
-                </a:path>
-              </a:pathLst>
-            </a:custGeom>
-            <a:solidFill>
-              <a:schemeClr val="tx1">
-                <a:lumMod val="75000"/>
-                <a:lumOff val="25000"/>
-              </a:schemeClr>
-            </a:solidFill>
-            <a:ln>
-              <a:noFill/>
-            </a:ln>
-          </p:spPr>
-        </p:sp>
-      </p:grpSp>
       <p:sp>
         <p:nvSpPr>
           <p:cNvPr id="2" name="Title 1"/>
@@ -2370,19 +2057,17 @@
         </p:nvSpPr>
         <p:spPr>
           <a:xfrm>
-            <a:off x="2928401" y="1380068"/>
-            <a:ext cx="8574622" cy="2616199"/>
+            <a:off x="2417779" y="802298"/>
+            <a:ext cx="8637073" cy="2541431"/>
           </a:xfrm>
         </p:spPr>
         <p:txBody>
-          <a:bodyPr anchor="b">
+          <a:bodyPr bIns="0" anchor="b">
             <a:normAutofit/>
           </a:bodyPr>
           <a:lstStyle>
-            <a:lvl1pPr algn="r">
-              <a:defRPr sz="6000">
-                <a:effectLst/>
-              </a:defRPr>
+            <a:lvl1pPr algn="l">
+              <a:defRPr sz="6600"/>
             </a:lvl1pPr>
           </a:lstStyle>
           <a:p>
@@ -2390,7 +2075,7 @@
               <a:rPr lang="ko-KR" altLang="en-US"/>
               <a:t>마스터 제목 스타일 편집</a:t>
             </a:r>
-            <a:endParaRPr lang="en-US"/>
+            <a:endParaRPr lang="en-US" dirty="0"/>
           </a:p>
         </p:txBody>
       </p:sp>
@@ -2406,18 +2091,18 @@
         </p:nvSpPr>
         <p:spPr>
           <a:xfrm>
-            <a:off x="4515377" y="3996267"/>
-            <a:ext cx="6987645" cy="1388534"/>
+            <a:off x="2417780" y="3531204"/>
+            <a:ext cx="8637072" cy="977621"/>
           </a:xfrm>
         </p:spPr>
         <p:txBody>
-          <a:bodyPr anchor="t">
+          <a:bodyPr tIns="91440" bIns="91440">
             <a:normAutofit/>
           </a:bodyPr>
           <a:lstStyle>
-            <a:lvl1pPr marL="0" indent="0" algn="r">
+            <a:lvl1pPr marL="0" indent="0" algn="l">
               <a:buNone/>
-              <a:defRPr sz="2100">
+              <a:defRPr sz="1800" b="0" cap="all" baseline="0">
                 <a:solidFill>
                   <a:schemeClr val="tx1"/>
                 </a:solidFill>
@@ -2425,83 +2110,35 @@
             </a:lvl1pPr>
             <a:lvl2pPr marL="457200" indent="0" algn="ctr">
               <a:buNone/>
-              <a:defRPr>
-                <a:solidFill>
-                  <a:schemeClr val="tx1">
-                    <a:tint val="75000"/>
-                  </a:schemeClr>
-                </a:solidFill>
-              </a:defRPr>
+              <a:defRPr sz="1800"/>
             </a:lvl2pPr>
             <a:lvl3pPr marL="914400" indent="0" algn="ctr">
               <a:buNone/>
-              <a:defRPr>
-                <a:solidFill>
-                  <a:schemeClr val="tx1">
-                    <a:tint val="75000"/>
-                  </a:schemeClr>
-                </a:solidFill>
-              </a:defRPr>
+              <a:defRPr sz="1800"/>
             </a:lvl3pPr>
             <a:lvl4pPr marL="1371600" indent="0" algn="ctr">
               <a:buNone/>
-              <a:defRPr>
-                <a:solidFill>
-                  <a:schemeClr val="tx1">
-                    <a:tint val="75000"/>
-                  </a:schemeClr>
-                </a:solidFill>
-              </a:defRPr>
+              <a:defRPr sz="1600"/>
             </a:lvl4pPr>
             <a:lvl5pPr marL="1828800" indent="0" algn="ctr">
               <a:buNone/>
-              <a:defRPr>
-                <a:solidFill>
-                  <a:schemeClr val="tx1">
-                    <a:tint val="75000"/>
-                  </a:schemeClr>
-                </a:solidFill>
-              </a:defRPr>
+              <a:defRPr sz="1600"/>
             </a:lvl5pPr>
             <a:lvl6pPr marL="2286000" indent="0" algn="ctr">
               <a:buNone/>
-              <a:defRPr>
-                <a:solidFill>
-                  <a:schemeClr val="tx1">
-                    <a:tint val="75000"/>
-                  </a:schemeClr>
-                </a:solidFill>
-              </a:defRPr>
+              <a:defRPr sz="1600"/>
             </a:lvl6pPr>
             <a:lvl7pPr marL="2743200" indent="0" algn="ctr">
               <a:buNone/>
-              <a:defRPr>
-                <a:solidFill>
-                  <a:schemeClr val="tx1">
-                    <a:tint val="75000"/>
-                  </a:schemeClr>
-                </a:solidFill>
-              </a:defRPr>
+              <a:defRPr sz="1600"/>
             </a:lvl7pPr>
             <a:lvl8pPr marL="3200400" indent="0" algn="ctr">
               <a:buNone/>
-              <a:defRPr>
-                <a:solidFill>
-                  <a:schemeClr val="tx1">
-                    <a:tint val="75000"/>
-                  </a:schemeClr>
-                </a:solidFill>
-              </a:defRPr>
+              <a:defRPr sz="1600"/>
             </a:lvl8pPr>
             <a:lvl9pPr marL="3657600" indent="0" algn="ctr">
               <a:buNone/>
-              <a:defRPr>
-                <a:solidFill>
-                  <a:schemeClr val="tx1">
-                    <a:tint val="75000"/>
-                  </a:schemeClr>
-                </a:solidFill>
-              </a:defRPr>
+              <a:defRPr sz="1600"/>
             </a:lvl9pPr>
           </a:lstStyle>
           <a:p>
@@ -2509,7 +2146,7 @@
               <a:rPr lang="ko-KR" altLang="en-US"/>
               <a:t>클릭하여 마스터 부제목 스타일 편집</a:t>
             </a:r>
-            <a:endParaRPr lang="en-US"/>
+            <a:endParaRPr lang="en-US" dirty="0"/>
           </a:p>
         </p:txBody>
       </p:sp>
@@ -2530,7 +2167,7 @@
           <a:p>
             <a:fld id="{7052EFC6-043C-4278-956A-6E9BEEB4DACF}" type="datetimeFigureOut">
               <a:rPr lang="ko-KR" altLang="en-US" smtClean="0"/>
-              <a:t>2019-05-13</a:t>
+              <a:t>2019-05-26</a:t>
             </a:fld>
             <a:endParaRPr lang="ko-KR" altLang="en-US"/>
           </a:p>
@@ -2548,10 +2185,216 @@
         </p:nvSpPr>
         <p:spPr>
           <a:xfrm>
-            <a:off x="5332412" y="5883275"/>
-            <a:ext cx="4324044" cy="365125"/>
+            <a:off x="2416500" y="329307"/>
+            <a:ext cx="4973915" cy="309201"/>
           </a:xfrm>
         </p:spPr>
+        <p:txBody>
+          <a:bodyPr/>
+          <a:lstStyle/>
+          <a:p>
+            <a:endParaRPr lang="ko-KR" altLang="en-US"/>
+          </a:p>
+        </p:txBody>
+      </p:sp>
+      <p:sp>
+        <p:nvSpPr>
+          <p:cNvPr id="6" name="Slide Number Placeholder 5"/>
+          <p:cNvSpPr>
+            <a:spLocks noGrp="1"/>
+          </p:cNvSpPr>
+          <p:nvPr>
+            <p:ph type="sldNum" sz="quarter" idx="12"/>
+          </p:nvPr>
+        </p:nvSpPr>
+        <p:spPr>
+          <a:xfrm>
+            <a:off x="1437664" y="798973"/>
+            <a:ext cx="811019" cy="503578"/>
+          </a:xfrm>
+        </p:spPr>
+        <p:txBody>
+          <a:bodyPr/>
+          <a:lstStyle/>
+          <a:p>
+            <a:fld id="{38582F93-1A41-4837-AB23-37D9DCAE00A3}" type="slidenum">
+              <a:rPr lang="ko-KR" altLang="en-US" smtClean="0"/>
+              <a:t>‹#›</a:t>
+            </a:fld>
+            <a:endParaRPr lang="ko-KR" altLang="en-US"/>
+          </a:p>
+        </p:txBody>
+      </p:sp>
+      <p:cxnSp>
+        <p:nvCxnSpPr>
+          <p:cNvPr id="15" name="Straight Connector 14"/>
+          <p:cNvCxnSpPr/>
+          <p:nvPr/>
+        </p:nvCxnSpPr>
+        <p:spPr>
+          <a:xfrm>
+            <a:off x="2417780" y="3528542"/>
+            <a:ext cx="8637072" cy="0"/>
+          </a:xfrm>
+          <a:prstGeom prst="line">
+            <a:avLst/>
+          </a:prstGeom>
+          <a:ln w="31750"/>
+        </p:spPr>
+        <p:style>
+          <a:lnRef idx="3">
+            <a:schemeClr val="accent1"/>
+          </a:lnRef>
+          <a:fillRef idx="0">
+            <a:schemeClr val="accent1"/>
+          </a:fillRef>
+          <a:effectRef idx="2">
+            <a:schemeClr val="accent1"/>
+          </a:effectRef>
+          <a:fontRef idx="minor">
+            <a:schemeClr val="tx1"/>
+          </a:fontRef>
+        </p:style>
+      </p:cxnSp>
+    </p:spTree>
+    <p:extLst>
+      <p:ext uri="{BB962C8B-B14F-4D97-AF65-F5344CB8AC3E}">
+        <p14:creationId xmlns:p14="http://schemas.microsoft.com/office/powerpoint/2010/main" val="705228355"/>
+      </p:ext>
+    </p:extLst>
+  </p:cSld>
+  <p:clrMapOvr>
+    <a:masterClrMapping/>
+  </p:clrMapOvr>
+</p:sldLayout>
+</file>
+
+<file path=ppt/slideLayouts/slideLayout10.xml><?xml version="1.0" encoding="utf-8"?>
+<p:sldLayout xmlns:a="http://schemas.openxmlformats.org/drawingml/2006/main" xmlns:r="http://schemas.openxmlformats.org/officeDocument/2006/relationships" xmlns:p="http://schemas.openxmlformats.org/presentationml/2006/main" type="vertTx" preserve="1">
+  <p:cSld name="제목 및 세로 텍스트">
+    <p:spTree>
+      <p:nvGrpSpPr>
+        <p:cNvPr id="1" name=""/>
+        <p:cNvGrpSpPr/>
+        <p:nvPr/>
+      </p:nvGrpSpPr>
+      <p:grpSpPr>
+        <a:xfrm>
+          <a:off x="0" y="0"/>
+          <a:ext cx="0" cy="0"/>
+          <a:chOff x="0" y="0"/>
+          <a:chExt cx="0" cy="0"/>
+        </a:xfrm>
+      </p:grpSpPr>
+      <p:sp>
+        <p:nvSpPr>
+          <p:cNvPr id="2" name="Title 1"/>
+          <p:cNvSpPr>
+            <a:spLocks noGrp="1"/>
+          </p:cNvSpPr>
+          <p:nvPr>
+            <p:ph type="title"/>
+          </p:nvPr>
+        </p:nvSpPr>
+        <p:spPr/>
+        <p:txBody>
+          <a:bodyPr/>
+          <a:lstStyle/>
+          <a:p>
+            <a:r>
+              <a:rPr lang="ko-KR" altLang="en-US"/>
+              <a:t>마스터 제목 스타일 편집</a:t>
+            </a:r>
+            <a:endParaRPr lang="en-US" dirty="0"/>
+          </a:p>
+        </p:txBody>
+      </p:sp>
+      <p:sp>
+        <p:nvSpPr>
+          <p:cNvPr id="3" name="Vertical Text Placeholder 2"/>
+          <p:cNvSpPr>
+            <a:spLocks noGrp="1"/>
+          </p:cNvSpPr>
+          <p:nvPr>
+            <p:ph type="body" orient="vert" idx="1"/>
+          </p:nvPr>
+        </p:nvSpPr>
+        <p:spPr/>
+        <p:txBody>
+          <a:bodyPr vert="eaVert"/>
+          <a:lstStyle/>
+          <a:p>
+            <a:pPr lvl="0"/>
+            <a:r>
+              <a:rPr lang="ko-KR" altLang="en-US"/>
+              <a:t>마스터 텍스트 스타일을 편집하려면 클릭</a:t>
+            </a:r>
+          </a:p>
+          <a:p>
+            <a:pPr lvl="1"/>
+            <a:r>
+              <a:rPr lang="ko-KR" altLang="en-US"/>
+              <a:t>두 번째 수준</a:t>
+            </a:r>
+          </a:p>
+          <a:p>
+            <a:pPr lvl="2"/>
+            <a:r>
+              <a:rPr lang="ko-KR" altLang="en-US"/>
+              <a:t>세 번째 수준</a:t>
+            </a:r>
+          </a:p>
+          <a:p>
+            <a:pPr lvl="3"/>
+            <a:r>
+              <a:rPr lang="ko-KR" altLang="en-US"/>
+              <a:t>네 번째 수준</a:t>
+            </a:r>
+          </a:p>
+          <a:p>
+            <a:pPr lvl="4"/>
+            <a:r>
+              <a:rPr lang="ko-KR" altLang="en-US"/>
+              <a:t>다섯 번째 수준</a:t>
+            </a:r>
+            <a:endParaRPr lang="en-US" dirty="0"/>
+          </a:p>
+        </p:txBody>
+      </p:sp>
+      <p:sp>
+        <p:nvSpPr>
+          <p:cNvPr id="4" name="Date Placeholder 3"/>
+          <p:cNvSpPr>
+            <a:spLocks noGrp="1"/>
+          </p:cNvSpPr>
+          <p:nvPr>
+            <p:ph type="dt" sz="half" idx="10"/>
+          </p:nvPr>
+        </p:nvSpPr>
+        <p:spPr/>
+        <p:txBody>
+          <a:bodyPr/>
+          <a:lstStyle/>
+          <a:p>
+            <a:fld id="{7052EFC6-043C-4278-956A-6E9BEEB4DACF}" type="datetimeFigureOut">
+              <a:rPr lang="ko-KR" altLang="en-US" smtClean="0"/>
+              <a:t>2019-05-26</a:t>
+            </a:fld>
+            <a:endParaRPr lang="ko-KR" altLang="en-US"/>
+          </a:p>
+        </p:txBody>
+      </p:sp>
+      <p:sp>
+        <p:nvSpPr>
+          <p:cNvPr id="5" name="Footer Placeholder 4"/>
+          <p:cNvSpPr>
+            <a:spLocks noGrp="1"/>
+          </p:cNvSpPr>
+          <p:nvPr>
+            <p:ph type="ftr" sz="quarter" idx="11"/>
+          </p:nvPr>
+        </p:nvSpPr>
+        <p:spPr/>
         <p:txBody>
           <a:bodyPr/>
           <a:lstStyle/>
@@ -2583,10 +2426,41 @@
           </a:p>
         </p:txBody>
       </p:sp>
+      <p:cxnSp>
+        <p:nvCxnSpPr>
+          <p:cNvPr id="26" name="Straight Connector 25"/>
+          <p:cNvCxnSpPr/>
+          <p:nvPr/>
+        </p:nvCxnSpPr>
+        <p:spPr>
+          <a:xfrm>
+            <a:off x="1453896" y="1847088"/>
+            <a:ext cx="9607522" cy="0"/>
+          </a:xfrm>
+          <a:prstGeom prst="line">
+            <a:avLst/>
+          </a:prstGeom>
+          <a:ln w="31750"/>
+        </p:spPr>
+        <p:style>
+          <a:lnRef idx="3">
+            <a:schemeClr val="accent1"/>
+          </a:lnRef>
+          <a:fillRef idx="0">
+            <a:schemeClr val="accent1"/>
+          </a:fillRef>
+          <a:effectRef idx="2">
+            <a:schemeClr val="accent1"/>
+          </a:effectRef>
+          <a:fontRef idx="minor">
+            <a:schemeClr val="tx1"/>
+          </a:fontRef>
+        </p:style>
+      </p:cxnSp>
     </p:spTree>
     <p:extLst>
       <p:ext uri="{BB962C8B-B14F-4D97-AF65-F5344CB8AC3E}">
-        <p14:creationId xmlns:p14="http://schemas.microsoft.com/office/powerpoint/2010/main" val="160615789"/>
+        <p14:creationId xmlns:p14="http://schemas.microsoft.com/office/powerpoint/2010/main" val="3125132620"/>
       </p:ext>
     </p:extLst>
   </p:cSld>
@@ -2596,9 +2470,425 @@
 </p:sldLayout>
 </file>
 
-<file path=ppt/slideLayouts/slideLayout10.xml><?xml version="1.0" encoding="utf-8"?>
-<p:sldLayout xmlns:a="http://schemas.openxmlformats.org/drawingml/2006/main" xmlns:r="http://schemas.openxmlformats.org/officeDocument/2006/relationships" xmlns:p="http://schemas.openxmlformats.org/presentationml/2006/main" preserve="1">
-  <p:cSld name="캡션 있는 파노라마 그림">
+<file path=ppt/slideLayouts/slideLayout11.xml><?xml version="1.0" encoding="utf-8"?>
+<p:sldLayout xmlns:a="http://schemas.openxmlformats.org/drawingml/2006/main" xmlns:r="http://schemas.openxmlformats.org/officeDocument/2006/relationships" xmlns:p="http://schemas.openxmlformats.org/presentationml/2006/main" type="vertTitleAndTx" preserve="1">
+  <p:cSld name="세로 제목 및 텍스트">
+    <p:spTree>
+      <p:nvGrpSpPr>
+        <p:cNvPr id="1" name=""/>
+        <p:cNvGrpSpPr/>
+        <p:nvPr/>
+      </p:nvGrpSpPr>
+      <p:grpSpPr>
+        <a:xfrm>
+          <a:off x="0" y="0"/>
+          <a:ext cx="0" cy="0"/>
+          <a:chOff x="0" y="0"/>
+          <a:chExt cx="0" cy="0"/>
+        </a:xfrm>
+      </p:grpSpPr>
+      <p:sp>
+        <p:nvSpPr>
+          <p:cNvPr id="2" name="Vertical Title 1"/>
+          <p:cNvSpPr>
+            <a:spLocks noGrp="1"/>
+          </p:cNvSpPr>
+          <p:nvPr>
+            <p:ph type="title" orient="vert"/>
+          </p:nvPr>
+        </p:nvSpPr>
+        <p:spPr>
+          <a:xfrm>
+            <a:off x="9439111" y="798973"/>
+            <a:ext cx="1615742" cy="4659889"/>
+          </a:xfrm>
+        </p:spPr>
+        <p:txBody>
+          <a:bodyPr vert="eaVert"/>
+          <a:lstStyle>
+            <a:lvl1pPr algn="l">
+              <a:defRPr/>
+            </a:lvl1pPr>
+          </a:lstStyle>
+          <a:p>
+            <a:r>
+              <a:rPr lang="ko-KR" altLang="en-US"/>
+              <a:t>마스터 제목 스타일 편집</a:t>
+            </a:r>
+            <a:endParaRPr lang="en-US" dirty="0"/>
+          </a:p>
+        </p:txBody>
+      </p:sp>
+      <p:sp>
+        <p:nvSpPr>
+          <p:cNvPr id="3" name="Vertical Text Placeholder 2"/>
+          <p:cNvSpPr>
+            <a:spLocks noGrp="1"/>
+          </p:cNvSpPr>
+          <p:nvPr>
+            <p:ph type="body" orient="vert" idx="1"/>
+          </p:nvPr>
+        </p:nvSpPr>
+        <p:spPr>
+          <a:xfrm>
+            <a:off x="1444672" y="798973"/>
+            <a:ext cx="7828830" cy="4659889"/>
+          </a:xfrm>
+        </p:spPr>
+        <p:txBody>
+          <a:bodyPr vert="eaVert"/>
+          <a:lstStyle/>
+          <a:p>
+            <a:pPr lvl="0"/>
+            <a:r>
+              <a:rPr lang="ko-KR" altLang="en-US"/>
+              <a:t>마스터 텍스트 스타일을 편집하려면 클릭</a:t>
+            </a:r>
+          </a:p>
+          <a:p>
+            <a:pPr lvl="1"/>
+            <a:r>
+              <a:rPr lang="ko-KR" altLang="en-US"/>
+              <a:t>두 번째 수준</a:t>
+            </a:r>
+          </a:p>
+          <a:p>
+            <a:pPr lvl="2"/>
+            <a:r>
+              <a:rPr lang="ko-KR" altLang="en-US"/>
+              <a:t>세 번째 수준</a:t>
+            </a:r>
+          </a:p>
+          <a:p>
+            <a:pPr lvl="3"/>
+            <a:r>
+              <a:rPr lang="ko-KR" altLang="en-US"/>
+              <a:t>네 번째 수준</a:t>
+            </a:r>
+          </a:p>
+          <a:p>
+            <a:pPr lvl="4"/>
+            <a:r>
+              <a:rPr lang="ko-KR" altLang="en-US"/>
+              <a:t>다섯 번째 수준</a:t>
+            </a:r>
+            <a:endParaRPr lang="en-US" dirty="0"/>
+          </a:p>
+        </p:txBody>
+      </p:sp>
+      <p:sp>
+        <p:nvSpPr>
+          <p:cNvPr id="4" name="Date Placeholder 3"/>
+          <p:cNvSpPr>
+            <a:spLocks noGrp="1"/>
+          </p:cNvSpPr>
+          <p:nvPr>
+            <p:ph type="dt" sz="half" idx="10"/>
+          </p:nvPr>
+        </p:nvSpPr>
+        <p:spPr/>
+        <p:txBody>
+          <a:bodyPr/>
+          <a:lstStyle/>
+          <a:p>
+            <a:fld id="{7052EFC6-043C-4278-956A-6E9BEEB4DACF}" type="datetimeFigureOut">
+              <a:rPr lang="ko-KR" altLang="en-US" smtClean="0"/>
+              <a:t>2019-05-26</a:t>
+            </a:fld>
+            <a:endParaRPr lang="ko-KR" altLang="en-US"/>
+          </a:p>
+        </p:txBody>
+      </p:sp>
+      <p:sp>
+        <p:nvSpPr>
+          <p:cNvPr id="5" name="Footer Placeholder 4"/>
+          <p:cNvSpPr>
+            <a:spLocks noGrp="1"/>
+          </p:cNvSpPr>
+          <p:nvPr>
+            <p:ph type="ftr" sz="quarter" idx="11"/>
+          </p:nvPr>
+        </p:nvSpPr>
+        <p:spPr/>
+        <p:txBody>
+          <a:bodyPr/>
+          <a:lstStyle/>
+          <a:p>
+            <a:endParaRPr lang="ko-KR" altLang="en-US"/>
+          </a:p>
+        </p:txBody>
+      </p:sp>
+      <p:sp>
+        <p:nvSpPr>
+          <p:cNvPr id="6" name="Slide Number Placeholder 5"/>
+          <p:cNvSpPr>
+            <a:spLocks noGrp="1"/>
+          </p:cNvSpPr>
+          <p:nvPr>
+            <p:ph type="sldNum" sz="quarter" idx="12"/>
+          </p:nvPr>
+        </p:nvSpPr>
+        <p:spPr/>
+        <p:txBody>
+          <a:bodyPr/>
+          <a:lstStyle/>
+          <a:p>
+            <a:fld id="{38582F93-1A41-4837-AB23-37D9DCAE00A3}" type="slidenum">
+              <a:rPr lang="ko-KR" altLang="en-US" smtClean="0"/>
+              <a:t>‹#›</a:t>
+            </a:fld>
+            <a:endParaRPr lang="ko-KR" altLang="en-US"/>
+          </a:p>
+        </p:txBody>
+      </p:sp>
+      <p:cxnSp>
+        <p:nvCxnSpPr>
+          <p:cNvPr id="15" name="Straight Connector 14"/>
+          <p:cNvCxnSpPr/>
+          <p:nvPr/>
+        </p:nvCxnSpPr>
+        <p:spPr>
+          <a:xfrm>
+            <a:off x="9439111" y="798973"/>
+            <a:ext cx="0" cy="4659889"/>
+          </a:xfrm>
+          <a:prstGeom prst="line">
+            <a:avLst/>
+          </a:prstGeom>
+          <a:ln w="31750"/>
+        </p:spPr>
+        <p:style>
+          <a:lnRef idx="3">
+            <a:schemeClr val="accent1"/>
+          </a:lnRef>
+          <a:fillRef idx="0">
+            <a:schemeClr val="accent1"/>
+          </a:fillRef>
+          <a:effectRef idx="2">
+            <a:schemeClr val="accent1"/>
+          </a:effectRef>
+          <a:fontRef idx="minor">
+            <a:schemeClr val="tx1"/>
+          </a:fontRef>
+        </p:style>
+      </p:cxnSp>
+    </p:spTree>
+    <p:extLst>
+      <p:ext uri="{BB962C8B-B14F-4D97-AF65-F5344CB8AC3E}">
+        <p14:creationId xmlns:p14="http://schemas.microsoft.com/office/powerpoint/2010/main" val="2360485714"/>
+      </p:ext>
+    </p:extLst>
+  </p:cSld>
+  <p:clrMapOvr>
+    <a:masterClrMapping/>
+  </p:clrMapOvr>
+</p:sldLayout>
+</file>
+
+<file path=ppt/slideLayouts/slideLayout2.xml><?xml version="1.0" encoding="utf-8"?>
+<p:sldLayout xmlns:a="http://schemas.openxmlformats.org/drawingml/2006/main" xmlns:r="http://schemas.openxmlformats.org/officeDocument/2006/relationships" xmlns:p="http://schemas.openxmlformats.org/presentationml/2006/main" type="obj" preserve="1">
+  <p:cSld name="제목 및 내용">
+    <p:spTree>
+      <p:nvGrpSpPr>
+        <p:cNvPr id="1" name=""/>
+        <p:cNvGrpSpPr/>
+        <p:nvPr/>
+      </p:nvGrpSpPr>
+      <p:grpSpPr>
+        <a:xfrm>
+          <a:off x="0" y="0"/>
+          <a:ext cx="0" cy="0"/>
+          <a:chOff x="0" y="0"/>
+          <a:chExt cx="0" cy="0"/>
+        </a:xfrm>
+      </p:grpSpPr>
+      <p:sp>
+        <p:nvSpPr>
+          <p:cNvPr id="2" name="Title 1"/>
+          <p:cNvSpPr>
+            <a:spLocks noGrp="1"/>
+          </p:cNvSpPr>
+          <p:nvPr>
+            <p:ph type="title"/>
+          </p:nvPr>
+        </p:nvSpPr>
+        <p:spPr/>
+        <p:txBody>
+          <a:bodyPr/>
+          <a:lstStyle/>
+          <a:p>
+            <a:r>
+              <a:rPr lang="ko-KR" altLang="en-US"/>
+              <a:t>마스터 제목 스타일 편집</a:t>
+            </a:r>
+            <a:endParaRPr lang="en-US" dirty="0"/>
+          </a:p>
+        </p:txBody>
+      </p:sp>
+      <p:sp>
+        <p:nvSpPr>
+          <p:cNvPr id="3" name="Content Placeholder 2"/>
+          <p:cNvSpPr>
+            <a:spLocks noGrp="1"/>
+          </p:cNvSpPr>
+          <p:nvPr>
+            <p:ph idx="1"/>
+          </p:nvPr>
+        </p:nvSpPr>
+        <p:spPr/>
+        <p:txBody>
+          <a:bodyPr anchor="t"/>
+          <a:lstStyle/>
+          <a:p>
+            <a:pPr lvl="0"/>
+            <a:r>
+              <a:rPr lang="ko-KR" altLang="en-US"/>
+              <a:t>마스터 텍스트 스타일을 편집하려면 클릭</a:t>
+            </a:r>
+          </a:p>
+          <a:p>
+            <a:pPr lvl="1"/>
+            <a:r>
+              <a:rPr lang="ko-KR" altLang="en-US"/>
+              <a:t>두 번째 수준</a:t>
+            </a:r>
+          </a:p>
+          <a:p>
+            <a:pPr lvl="2"/>
+            <a:r>
+              <a:rPr lang="ko-KR" altLang="en-US"/>
+              <a:t>세 번째 수준</a:t>
+            </a:r>
+          </a:p>
+          <a:p>
+            <a:pPr lvl="3"/>
+            <a:r>
+              <a:rPr lang="ko-KR" altLang="en-US"/>
+              <a:t>네 번째 수준</a:t>
+            </a:r>
+          </a:p>
+          <a:p>
+            <a:pPr lvl="4"/>
+            <a:r>
+              <a:rPr lang="ko-KR" altLang="en-US"/>
+              <a:t>다섯 번째 수준</a:t>
+            </a:r>
+            <a:endParaRPr lang="en-US" dirty="0"/>
+          </a:p>
+        </p:txBody>
+      </p:sp>
+      <p:sp>
+        <p:nvSpPr>
+          <p:cNvPr id="4" name="Date Placeholder 3"/>
+          <p:cNvSpPr>
+            <a:spLocks noGrp="1"/>
+          </p:cNvSpPr>
+          <p:nvPr>
+            <p:ph type="dt" sz="half" idx="10"/>
+          </p:nvPr>
+        </p:nvSpPr>
+        <p:spPr/>
+        <p:txBody>
+          <a:bodyPr/>
+          <a:lstStyle/>
+          <a:p>
+            <a:fld id="{7052EFC6-043C-4278-956A-6E9BEEB4DACF}" type="datetimeFigureOut">
+              <a:rPr lang="ko-KR" altLang="en-US" smtClean="0"/>
+              <a:t>2019-05-26</a:t>
+            </a:fld>
+            <a:endParaRPr lang="ko-KR" altLang="en-US"/>
+          </a:p>
+        </p:txBody>
+      </p:sp>
+      <p:sp>
+        <p:nvSpPr>
+          <p:cNvPr id="5" name="Footer Placeholder 4"/>
+          <p:cNvSpPr>
+            <a:spLocks noGrp="1"/>
+          </p:cNvSpPr>
+          <p:nvPr>
+            <p:ph type="ftr" sz="quarter" idx="11"/>
+          </p:nvPr>
+        </p:nvSpPr>
+        <p:spPr/>
+        <p:txBody>
+          <a:bodyPr/>
+          <a:lstStyle/>
+          <a:p>
+            <a:endParaRPr lang="ko-KR" altLang="en-US"/>
+          </a:p>
+        </p:txBody>
+      </p:sp>
+      <p:sp>
+        <p:nvSpPr>
+          <p:cNvPr id="6" name="Slide Number Placeholder 5"/>
+          <p:cNvSpPr>
+            <a:spLocks noGrp="1"/>
+          </p:cNvSpPr>
+          <p:nvPr>
+            <p:ph type="sldNum" sz="quarter" idx="12"/>
+          </p:nvPr>
+        </p:nvSpPr>
+        <p:spPr/>
+        <p:txBody>
+          <a:bodyPr/>
+          <a:lstStyle/>
+          <a:p>
+            <a:fld id="{38582F93-1A41-4837-AB23-37D9DCAE00A3}" type="slidenum">
+              <a:rPr lang="ko-KR" altLang="en-US" smtClean="0"/>
+              <a:t>‹#›</a:t>
+            </a:fld>
+            <a:endParaRPr lang="ko-KR" altLang="en-US"/>
+          </a:p>
+        </p:txBody>
+      </p:sp>
+      <p:cxnSp>
+        <p:nvCxnSpPr>
+          <p:cNvPr id="33" name="Straight Connector 32"/>
+          <p:cNvCxnSpPr/>
+          <p:nvPr/>
+        </p:nvCxnSpPr>
+        <p:spPr>
+          <a:xfrm>
+            <a:off x="1453896" y="1847088"/>
+            <a:ext cx="9607522" cy="0"/>
+          </a:xfrm>
+          <a:prstGeom prst="line">
+            <a:avLst/>
+          </a:prstGeom>
+          <a:ln w="31750"/>
+        </p:spPr>
+        <p:style>
+          <a:lnRef idx="3">
+            <a:schemeClr val="accent1"/>
+          </a:lnRef>
+          <a:fillRef idx="0">
+            <a:schemeClr val="accent1"/>
+          </a:fillRef>
+          <a:effectRef idx="2">
+            <a:schemeClr val="accent1"/>
+          </a:effectRef>
+          <a:fontRef idx="minor">
+            <a:schemeClr val="tx1"/>
+          </a:fontRef>
+        </p:style>
+      </p:cxnSp>
+    </p:spTree>
+    <p:extLst>
+      <p:ext uri="{BB962C8B-B14F-4D97-AF65-F5344CB8AC3E}">
+        <p14:creationId xmlns:p14="http://schemas.microsoft.com/office/powerpoint/2010/main" val="2347630837"/>
+      </p:ext>
+    </p:extLst>
+  </p:cSld>
+  <p:clrMapOvr>
+    <a:masterClrMapping/>
+  </p:clrMapOvr>
+</p:sldLayout>
+</file>
+
+<file path=ppt/slideLayouts/slideLayout3.xml><?xml version="1.0" encoding="utf-8"?>
+<p:sldLayout xmlns:a="http://schemas.openxmlformats.org/drawingml/2006/main" xmlns:r="http://schemas.openxmlformats.org/officeDocument/2006/relationships" xmlns:p="http://schemas.openxmlformats.org/presentationml/2006/main" type="secHead" preserve="1">
+  <p:cSld name="구역 머리글">
     <p:spTree>
       <p:nvGrpSpPr>
         <p:cNvPr id="1" name=""/>
@@ -2625,8 +2915,8 @@
         </p:nvSpPr>
         <p:spPr>
           <a:xfrm>
-            <a:off x="1484311" y="4732865"/>
-            <a:ext cx="10018711" cy="566738"/>
+            <a:off x="1454239" y="1756130"/>
+            <a:ext cx="8643154" cy="1887950"/>
           </a:xfrm>
         </p:spPr>
         <p:txBody>
@@ -2634,8 +2924,8 @@
             <a:normAutofit/>
           </a:bodyPr>
           <a:lstStyle>
-            <a:lvl1pPr algn="ctr">
-              <a:defRPr sz="2400" b="0"/>
+            <a:lvl1pPr algn="l">
+              <a:defRPr sz="3600"/>
             </a:lvl1pPr>
           </a:lstStyle>
           <a:p>
@@ -2643,169 +2933,394 @@
               <a:rPr lang="ko-KR" altLang="en-US"/>
               <a:t>마스터 제목 스타일 편집</a:t>
             </a:r>
-            <a:endParaRPr lang="en-US"/>
+            <a:endParaRPr lang="en-US" dirty="0"/>
           </a:p>
         </p:txBody>
       </p:sp>
       <p:sp>
         <p:nvSpPr>
-          <p:cNvPr id="3" name="Picture Placeholder 2"/>
+          <p:cNvPr id="3" name="Text Placeholder 2"/>
           <p:cNvSpPr>
-            <a:spLocks noGrp="1" noChangeAspect="1"/>
+            <a:spLocks noGrp="1"/>
           </p:cNvSpPr>
           <p:nvPr>
-            <p:ph type="pic" idx="1"/>
+            <p:ph type="body" idx="1"/>
           </p:nvPr>
         </p:nvSpPr>
         <p:spPr>
           <a:xfrm>
-            <a:off x="2386012" y="932112"/>
-            <a:ext cx="8225944" cy="3164976"/>
+            <a:off x="1454239" y="3806195"/>
+            <a:ext cx="8630446" cy="1012929"/>
           </a:xfrm>
-          <a:prstGeom prst="roundRect">
-            <a:avLst>
-              <a:gd name="adj" fmla="val 4380"/>
-            </a:avLst>
-          </a:prstGeom>
-          <a:ln w="38100">
-            <a:gradFill flip="none" rotWithShape="1">
-              <a:gsLst>
-                <a:gs pos="0">
-                  <a:schemeClr val="bg2"/>
-                </a:gs>
-                <a:gs pos="100000">
-                  <a:schemeClr val="bg2">
-                    <a:lumMod val="75000"/>
-                  </a:schemeClr>
-                </a:gs>
-              </a:gsLst>
-              <a:lin ang="5400000" scaled="0"/>
-              <a:tileRect/>
-            </a:gradFill>
-          </a:ln>
-          <a:effectLst>
-            <a:innerShdw blurRad="57150" dist="38100" dir="14460000">
-              <a:srgbClr val="000000">
-                <a:alpha val="70000"/>
-              </a:srgbClr>
-            </a:innerShdw>
-          </a:effectLst>
         </p:spPr>
         <p:txBody>
-          <a:bodyPr anchor="t">
+          <a:bodyPr tIns="91440">
             <a:normAutofit/>
           </a:bodyPr>
           <a:lstStyle>
-            <a:lvl1pPr marL="0" indent="0" algn="ctr">
+            <a:lvl1pPr marL="0" indent="0" algn="l">
               <a:buNone/>
-              <a:defRPr sz="1600"/>
+              <a:defRPr sz="1800">
+                <a:solidFill>
+                  <a:schemeClr val="tx1"/>
+                </a:solidFill>
+              </a:defRPr>
             </a:lvl1pPr>
             <a:lvl2pPr marL="457200" indent="0">
               <a:buNone/>
-              <a:defRPr sz="1600"/>
+              <a:defRPr sz="1800">
+                <a:solidFill>
+                  <a:schemeClr val="tx1">
+                    <a:tint val="75000"/>
+                  </a:schemeClr>
+                </a:solidFill>
+              </a:defRPr>
             </a:lvl2pPr>
             <a:lvl3pPr marL="914400" indent="0">
               <a:buNone/>
-              <a:defRPr sz="1600"/>
+              <a:defRPr sz="1800">
+                <a:solidFill>
+                  <a:schemeClr val="tx1">
+                    <a:tint val="75000"/>
+                  </a:schemeClr>
+                </a:solidFill>
+              </a:defRPr>
             </a:lvl3pPr>
             <a:lvl4pPr marL="1371600" indent="0">
               <a:buNone/>
-              <a:defRPr sz="1600"/>
+              <a:defRPr sz="1600">
+                <a:solidFill>
+                  <a:schemeClr val="tx1">
+                    <a:tint val="75000"/>
+                  </a:schemeClr>
+                </a:solidFill>
+              </a:defRPr>
             </a:lvl4pPr>
             <a:lvl5pPr marL="1828800" indent="0">
               <a:buNone/>
-              <a:defRPr sz="1600"/>
+              <a:defRPr sz="1600">
+                <a:solidFill>
+                  <a:schemeClr val="tx1">
+                    <a:tint val="75000"/>
+                  </a:schemeClr>
+                </a:solidFill>
+              </a:defRPr>
             </a:lvl5pPr>
             <a:lvl6pPr marL="2286000" indent="0">
               <a:buNone/>
-              <a:defRPr sz="1600"/>
+              <a:defRPr sz="1600">
+                <a:solidFill>
+                  <a:schemeClr val="tx1">
+                    <a:tint val="75000"/>
+                  </a:schemeClr>
+                </a:solidFill>
+              </a:defRPr>
             </a:lvl6pPr>
             <a:lvl7pPr marL="2743200" indent="0">
               <a:buNone/>
-              <a:defRPr sz="1600"/>
+              <a:defRPr sz="1600">
+                <a:solidFill>
+                  <a:schemeClr val="tx1">
+                    <a:tint val="75000"/>
+                  </a:schemeClr>
+                </a:solidFill>
+              </a:defRPr>
             </a:lvl7pPr>
             <a:lvl8pPr marL="3200400" indent="0">
               <a:buNone/>
-              <a:defRPr sz="1600"/>
+              <a:defRPr sz="1600">
+                <a:solidFill>
+                  <a:schemeClr val="tx1">
+                    <a:tint val="75000"/>
+                  </a:schemeClr>
+                </a:solidFill>
+              </a:defRPr>
             </a:lvl8pPr>
             <a:lvl9pPr marL="3657600" indent="0">
               <a:buNone/>
-              <a:defRPr sz="1600"/>
-            </a:lvl9pPr>
-          </a:lstStyle>
-          <a:p>
-            <a:r>
-              <a:rPr lang="ko-KR" altLang="en-US"/>
-              <a:t>그림을 추가하려면 아이콘을 클릭하십시오</a:t>
-            </a:r>
-            <a:endParaRPr lang="en-US"/>
-          </a:p>
-        </p:txBody>
-      </p:sp>
-      <p:sp>
-        <p:nvSpPr>
-          <p:cNvPr id="4" name="Text Placeholder 3"/>
-          <p:cNvSpPr>
-            <a:spLocks noGrp="1"/>
-          </p:cNvSpPr>
-          <p:nvPr>
-            <p:ph type="body" sz="half" idx="2"/>
-          </p:nvPr>
-        </p:nvSpPr>
-        <p:spPr>
-          <a:xfrm>
-            <a:off x="1484311" y="5299603"/>
-            <a:ext cx="10018711" cy="493712"/>
-          </a:xfrm>
-        </p:spPr>
-        <p:txBody>
-          <a:bodyPr>
-            <a:normAutofit/>
-          </a:bodyPr>
-          <a:lstStyle>
-            <a:lvl1pPr marL="0" indent="0" algn="ctr">
-              <a:buNone/>
-              <a:defRPr sz="1400"/>
-            </a:lvl1pPr>
-            <a:lvl2pPr marL="457200" indent="0">
-              <a:buNone/>
-              <a:defRPr sz="1200"/>
-            </a:lvl2pPr>
-            <a:lvl3pPr marL="914400" indent="0">
-              <a:buNone/>
-              <a:defRPr sz="1000"/>
-            </a:lvl3pPr>
-            <a:lvl4pPr marL="1371600" indent="0">
-              <a:buNone/>
-              <a:defRPr sz="900"/>
-            </a:lvl4pPr>
-            <a:lvl5pPr marL="1828800" indent="0">
-              <a:buNone/>
-              <a:defRPr sz="900"/>
-            </a:lvl5pPr>
-            <a:lvl6pPr marL="2286000" indent="0">
-              <a:buNone/>
-              <a:defRPr sz="900"/>
-            </a:lvl6pPr>
-            <a:lvl7pPr marL="2743200" indent="0">
-              <a:buNone/>
-              <a:defRPr sz="900"/>
-            </a:lvl7pPr>
-            <a:lvl8pPr marL="3200400" indent="0">
-              <a:buNone/>
-              <a:defRPr sz="900"/>
-            </a:lvl8pPr>
-            <a:lvl9pPr marL="3657600" indent="0">
-              <a:buNone/>
-              <a:defRPr sz="900"/>
+              <a:defRPr sz="1600">
+                <a:solidFill>
+                  <a:schemeClr val="tx1">
+                    <a:tint val="75000"/>
+                  </a:schemeClr>
+                </a:solidFill>
+              </a:defRPr>
             </a:lvl9pPr>
           </a:lstStyle>
           <a:p>
             <a:pPr lvl="0"/>
             <a:r>
               <a:rPr lang="ko-KR" altLang="en-US"/>
-              <a:t>마스터 텍스트 스타일 편집</a:t>
+              <a:t>마스터 텍스트 스타일을 편집하려면 클릭</a:t>
             </a:r>
+          </a:p>
+        </p:txBody>
+      </p:sp>
+      <p:sp>
+        <p:nvSpPr>
+          <p:cNvPr id="4" name="Date Placeholder 3"/>
+          <p:cNvSpPr>
+            <a:spLocks noGrp="1"/>
+          </p:cNvSpPr>
+          <p:nvPr>
+            <p:ph type="dt" sz="half" idx="10"/>
+          </p:nvPr>
+        </p:nvSpPr>
+        <p:spPr/>
+        <p:txBody>
+          <a:bodyPr/>
+          <a:lstStyle/>
+          <a:p>
+            <a:fld id="{7052EFC6-043C-4278-956A-6E9BEEB4DACF}" type="datetimeFigureOut">
+              <a:rPr lang="ko-KR" altLang="en-US" smtClean="0"/>
+              <a:t>2019-05-26</a:t>
+            </a:fld>
+            <a:endParaRPr lang="ko-KR" altLang="en-US"/>
+          </a:p>
+        </p:txBody>
+      </p:sp>
+      <p:sp>
+        <p:nvSpPr>
+          <p:cNvPr id="5" name="Footer Placeholder 4"/>
+          <p:cNvSpPr>
+            <a:spLocks noGrp="1"/>
+          </p:cNvSpPr>
+          <p:nvPr>
+            <p:ph type="ftr" sz="quarter" idx="11"/>
+          </p:nvPr>
+        </p:nvSpPr>
+        <p:spPr/>
+        <p:txBody>
+          <a:bodyPr/>
+          <a:lstStyle/>
+          <a:p>
+            <a:endParaRPr lang="ko-KR" altLang="en-US"/>
+          </a:p>
+        </p:txBody>
+      </p:sp>
+      <p:sp>
+        <p:nvSpPr>
+          <p:cNvPr id="6" name="Slide Number Placeholder 5"/>
+          <p:cNvSpPr>
+            <a:spLocks noGrp="1"/>
+          </p:cNvSpPr>
+          <p:nvPr>
+            <p:ph type="sldNum" sz="quarter" idx="12"/>
+          </p:nvPr>
+        </p:nvSpPr>
+        <p:spPr/>
+        <p:txBody>
+          <a:bodyPr/>
+          <a:lstStyle/>
+          <a:p>
+            <a:fld id="{38582F93-1A41-4837-AB23-37D9DCAE00A3}" type="slidenum">
+              <a:rPr lang="ko-KR" altLang="en-US" smtClean="0"/>
+              <a:t>‹#›</a:t>
+            </a:fld>
+            <a:endParaRPr lang="ko-KR" altLang="en-US"/>
+          </a:p>
+        </p:txBody>
+      </p:sp>
+      <p:cxnSp>
+        <p:nvCxnSpPr>
+          <p:cNvPr id="15" name="Straight Connector 14"/>
+          <p:cNvCxnSpPr/>
+          <p:nvPr/>
+        </p:nvCxnSpPr>
+        <p:spPr>
+          <a:xfrm>
+            <a:off x="1454239" y="3804985"/>
+            <a:ext cx="8630446" cy="0"/>
+          </a:xfrm>
+          <a:prstGeom prst="line">
+            <a:avLst/>
+          </a:prstGeom>
+          <a:ln w="31750"/>
+        </p:spPr>
+        <p:style>
+          <a:lnRef idx="3">
+            <a:schemeClr val="accent1"/>
+          </a:lnRef>
+          <a:fillRef idx="0">
+            <a:schemeClr val="accent1"/>
+          </a:fillRef>
+          <a:effectRef idx="2">
+            <a:schemeClr val="accent1"/>
+          </a:effectRef>
+          <a:fontRef idx="minor">
+            <a:schemeClr val="tx1"/>
+          </a:fontRef>
+        </p:style>
+      </p:cxnSp>
+    </p:spTree>
+    <p:extLst>
+      <p:ext uri="{BB962C8B-B14F-4D97-AF65-F5344CB8AC3E}">
+        <p14:creationId xmlns:p14="http://schemas.microsoft.com/office/powerpoint/2010/main" val="3426630383"/>
+      </p:ext>
+    </p:extLst>
+  </p:cSld>
+  <p:clrMapOvr>
+    <a:masterClrMapping/>
+  </p:clrMapOvr>
+</p:sldLayout>
+</file>
+
+<file path=ppt/slideLayouts/slideLayout4.xml><?xml version="1.0" encoding="utf-8"?>
+<p:sldLayout xmlns:a="http://schemas.openxmlformats.org/drawingml/2006/main" xmlns:r="http://schemas.openxmlformats.org/officeDocument/2006/relationships" xmlns:p="http://schemas.openxmlformats.org/presentationml/2006/main" type="twoObj" preserve="1">
+  <p:cSld name="콘텐츠 2개">
+    <p:spTree>
+      <p:nvGrpSpPr>
+        <p:cNvPr id="1" name=""/>
+        <p:cNvGrpSpPr/>
+        <p:nvPr/>
+      </p:nvGrpSpPr>
+      <p:grpSpPr>
+        <a:xfrm>
+          <a:off x="0" y="0"/>
+          <a:ext cx="0" cy="0"/>
+          <a:chOff x="0" y="0"/>
+          <a:chExt cx="0" cy="0"/>
+        </a:xfrm>
+      </p:grpSpPr>
+      <p:sp>
+        <p:nvSpPr>
+          <p:cNvPr id="2" name="Title 1"/>
+          <p:cNvSpPr>
+            <a:spLocks noGrp="1"/>
+          </p:cNvSpPr>
+          <p:nvPr>
+            <p:ph type="title"/>
+          </p:nvPr>
+        </p:nvSpPr>
+        <p:spPr>
+          <a:xfrm>
+            <a:off x="1449217" y="804889"/>
+            <a:ext cx="9605635" cy="1059305"/>
+          </a:xfrm>
+        </p:spPr>
+        <p:txBody>
+          <a:bodyPr/>
+          <a:lstStyle/>
+          <a:p>
+            <a:r>
+              <a:rPr lang="ko-KR" altLang="en-US"/>
+              <a:t>마스터 제목 스타일 편집</a:t>
+            </a:r>
+            <a:endParaRPr lang="en-US" dirty="0"/>
+          </a:p>
+        </p:txBody>
+      </p:sp>
+      <p:sp>
+        <p:nvSpPr>
+          <p:cNvPr id="3" name="Content Placeholder 2"/>
+          <p:cNvSpPr>
+            <a:spLocks noGrp="1"/>
+          </p:cNvSpPr>
+          <p:nvPr>
+            <p:ph sz="half" idx="1"/>
+          </p:nvPr>
+        </p:nvSpPr>
+        <p:spPr>
+          <a:xfrm>
+            <a:off x="1447331" y="2010878"/>
+            <a:ext cx="4645152" cy="3448595"/>
+          </a:xfrm>
+        </p:spPr>
+        <p:txBody>
+          <a:bodyPr/>
+          <a:lstStyle/>
+          <a:p>
+            <a:pPr lvl="0"/>
+            <a:r>
+              <a:rPr lang="ko-KR" altLang="en-US"/>
+              <a:t>마스터 텍스트 스타일을 편집하려면 클릭</a:t>
+            </a:r>
+          </a:p>
+          <a:p>
+            <a:pPr lvl="1"/>
+            <a:r>
+              <a:rPr lang="ko-KR" altLang="en-US"/>
+              <a:t>두 번째 수준</a:t>
+            </a:r>
+          </a:p>
+          <a:p>
+            <a:pPr lvl="2"/>
+            <a:r>
+              <a:rPr lang="ko-KR" altLang="en-US"/>
+              <a:t>세 번째 수준</a:t>
+            </a:r>
+          </a:p>
+          <a:p>
+            <a:pPr lvl="3"/>
+            <a:r>
+              <a:rPr lang="ko-KR" altLang="en-US"/>
+              <a:t>네 번째 수준</a:t>
+            </a:r>
+          </a:p>
+          <a:p>
+            <a:pPr lvl="4"/>
+            <a:r>
+              <a:rPr lang="ko-KR" altLang="en-US"/>
+              <a:t>다섯 번째 수준</a:t>
+            </a:r>
+            <a:endParaRPr lang="en-US" dirty="0"/>
+          </a:p>
+        </p:txBody>
+      </p:sp>
+      <p:sp>
+        <p:nvSpPr>
+          <p:cNvPr id="4" name="Content Placeholder 3"/>
+          <p:cNvSpPr>
+            <a:spLocks noGrp="1"/>
+          </p:cNvSpPr>
+          <p:nvPr>
+            <p:ph sz="half" idx="2"/>
+          </p:nvPr>
+        </p:nvSpPr>
+        <p:spPr>
+          <a:xfrm>
+            <a:off x="6413771" y="2017343"/>
+            <a:ext cx="4645152" cy="3441520"/>
+          </a:xfrm>
+        </p:spPr>
+        <p:txBody>
+          <a:bodyPr/>
+          <a:lstStyle/>
+          <a:p>
+            <a:pPr lvl="0"/>
+            <a:r>
+              <a:rPr lang="ko-KR" altLang="en-US"/>
+              <a:t>마스터 텍스트 스타일을 편집하려면 클릭</a:t>
+            </a:r>
+          </a:p>
+          <a:p>
+            <a:pPr lvl="1"/>
+            <a:r>
+              <a:rPr lang="ko-KR" altLang="en-US"/>
+              <a:t>두 번째 수준</a:t>
+            </a:r>
+          </a:p>
+          <a:p>
+            <a:pPr lvl="2"/>
+            <a:r>
+              <a:rPr lang="ko-KR" altLang="en-US"/>
+              <a:t>세 번째 수준</a:t>
+            </a:r>
+          </a:p>
+          <a:p>
+            <a:pPr lvl="3"/>
+            <a:r>
+              <a:rPr lang="ko-KR" altLang="en-US"/>
+              <a:t>네 번째 수준</a:t>
+            </a:r>
+          </a:p>
+          <a:p>
+            <a:pPr lvl="4"/>
+            <a:r>
+              <a:rPr lang="ko-KR" altLang="en-US"/>
+              <a:t>다섯 번째 수준</a:t>
+            </a:r>
+            <a:endParaRPr lang="en-US" dirty="0"/>
           </a:p>
         </p:txBody>
       </p:sp>
@@ -2826,7 +3341,7 @@
           <a:p>
             <a:fld id="{7052EFC6-043C-4278-956A-6E9BEEB4DACF}" type="datetimeFigureOut">
               <a:rPr lang="ko-KR" altLang="en-US" smtClean="0"/>
-              <a:t>2019-05-13</a:t>
+              <a:t>2019-05-26</a:t>
             </a:fld>
             <a:endParaRPr lang="ko-KR" altLang="en-US"/>
           </a:p>
@@ -2874,2947 +3389,41 @@
           </a:p>
         </p:txBody>
       </p:sp>
+      <p:cxnSp>
+        <p:nvCxnSpPr>
+          <p:cNvPr id="35" name="Straight Connector 34"/>
+          <p:cNvCxnSpPr/>
+          <p:nvPr/>
+        </p:nvCxnSpPr>
+        <p:spPr>
+          <a:xfrm>
+            <a:off x="1453896" y="1847088"/>
+            <a:ext cx="9607522" cy="0"/>
+          </a:xfrm>
+          <a:prstGeom prst="line">
+            <a:avLst/>
+          </a:prstGeom>
+          <a:ln w="31750"/>
+        </p:spPr>
+        <p:style>
+          <a:lnRef idx="3">
+            <a:schemeClr val="accent1"/>
+          </a:lnRef>
+          <a:fillRef idx="0">
+            <a:schemeClr val="accent1"/>
+          </a:fillRef>
+          <a:effectRef idx="2">
+            <a:schemeClr val="accent1"/>
+          </a:effectRef>
+          <a:fontRef idx="minor">
+            <a:schemeClr val="tx1"/>
+          </a:fontRef>
+        </p:style>
+      </p:cxnSp>
     </p:spTree>
     <p:extLst>
       <p:ext uri="{BB962C8B-B14F-4D97-AF65-F5344CB8AC3E}">
-        <p14:creationId xmlns:p14="http://schemas.microsoft.com/office/powerpoint/2010/main" val="1421819281"/>
-      </p:ext>
-    </p:extLst>
-  </p:cSld>
-  <p:clrMapOvr>
-    <a:masterClrMapping/>
-  </p:clrMapOvr>
-</p:sldLayout>
-</file>
-
-<file path=ppt/slideLayouts/slideLayout11.xml><?xml version="1.0" encoding="utf-8"?>
-<p:sldLayout xmlns:a="http://schemas.openxmlformats.org/drawingml/2006/main" xmlns:r="http://schemas.openxmlformats.org/officeDocument/2006/relationships" xmlns:p="http://schemas.openxmlformats.org/presentationml/2006/main" preserve="1">
-  <p:cSld name="제목 및 캡션">
-    <p:spTree>
-      <p:nvGrpSpPr>
-        <p:cNvPr id="1" name=""/>
-        <p:cNvGrpSpPr/>
-        <p:nvPr/>
-      </p:nvGrpSpPr>
-      <p:grpSpPr>
-        <a:xfrm>
-          <a:off x="0" y="0"/>
-          <a:ext cx="0" cy="0"/>
-          <a:chOff x="0" y="0"/>
-          <a:chExt cx="0" cy="0"/>
-        </a:xfrm>
-      </p:grpSpPr>
-      <p:sp>
-        <p:nvSpPr>
-          <p:cNvPr id="2" name="Title 1"/>
-          <p:cNvSpPr>
-            <a:spLocks noGrp="1"/>
-          </p:cNvSpPr>
-          <p:nvPr>
-            <p:ph type="title"/>
-          </p:nvPr>
-        </p:nvSpPr>
-        <p:spPr>
-          <a:xfrm>
-            <a:off x="1484312" y="685800"/>
-            <a:ext cx="10018711" cy="3048000"/>
-          </a:xfrm>
-        </p:spPr>
-        <p:txBody>
-          <a:bodyPr anchor="ctr">
-            <a:normAutofit/>
-          </a:bodyPr>
-          <a:lstStyle>
-            <a:lvl1pPr algn="ctr">
-              <a:defRPr sz="3200" b="0" cap="none"/>
-            </a:lvl1pPr>
-          </a:lstStyle>
-          <a:p>
-            <a:r>
-              <a:rPr lang="ko-KR" altLang="en-US"/>
-              <a:t>마스터 제목 스타일 편집</a:t>
-            </a:r>
-            <a:endParaRPr lang="en-US"/>
-          </a:p>
-        </p:txBody>
-      </p:sp>
-      <p:sp>
-        <p:nvSpPr>
-          <p:cNvPr id="3" name="Text Placeholder 2"/>
-          <p:cNvSpPr>
-            <a:spLocks noGrp="1"/>
-          </p:cNvSpPr>
-          <p:nvPr>
-            <p:ph type="body" idx="1"/>
-          </p:nvPr>
-        </p:nvSpPr>
-        <p:spPr>
-          <a:xfrm>
-            <a:off x="1484312" y="4343400"/>
-            <a:ext cx="10018713" cy="1447800"/>
-          </a:xfrm>
-        </p:spPr>
-        <p:txBody>
-          <a:bodyPr anchor="ctr">
-            <a:normAutofit/>
-          </a:bodyPr>
-          <a:lstStyle>
-            <a:lvl1pPr marL="0" indent="0" algn="ctr">
-              <a:buNone/>
-              <a:defRPr sz="2000">
-                <a:solidFill>
-                  <a:schemeClr val="tx1"/>
-                </a:solidFill>
-              </a:defRPr>
-            </a:lvl1pPr>
-            <a:lvl2pPr marL="457200" indent="0">
-              <a:buNone/>
-              <a:defRPr sz="1800">
-                <a:solidFill>
-                  <a:schemeClr val="tx1">
-                    <a:tint val="75000"/>
-                  </a:schemeClr>
-                </a:solidFill>
-              </a:defRPr>
-            </a:lvl2pPr>
-            <a:lvl3pPr marL="914400" indent="0">
-              <a:buNone/>
-              <a:defRPr sz="1600">
-                <a:solidFill>
-                  <a:schemeClr val="tx1">
-                    <a:tint val="75000"/>
-                  </a:schemeClr>
-                </a:solidFill>
-              </a:defRPr>
-            </a:lvl3pPr>
-            <a:lvl4pPr marL="1371600" indent="0">
-              <a:buNone/>
-              <a:defRPr sz="1400">
-                <a:solidFill>
-                  <a:schemeClr val="tx1">
-                    <a:tint val="75000"/>
-                  </a:schemeClr>
-                </a:solidFill>
-              </a:defRPr>
-            </a:lvl4pPr>
-            <a:lvl5pPr marL="1828800" indent="0">
-              <a:buNone/>
-              <a:defRPr sz="1400">
-                <a:solidFill>
-                  <a:schemeClr val="tx1">
-                    <a:tint val="75000"/>
-                  </a:schemeClr>
-                </a:solidFill>
-              </a:defRPr>
-            </a:lvl5pPr>
-            <a:lvl6pPr marL="2286000" indent="0">
-              <a:buNone/>
-              <a:defRPr sz="1400">
-                <a:solidFill>
-                  <a:schemeClr val="tx1">
-                    <a:tint val="75000"/>
-                  </a:schemeClr>
-                </a:solidFill>
-              </a:defRPr>
-            </a:lvl6pPr>
-            <a:lvl7pPr marL="2743200" indent="0">
-              <a:buNone/>
-              <a:defRPr sz="1400">
-                <a:solidFill>
-                  <a:schemeClr val="tx1">
-                    <a:tint val="75000"/>
-                  </a:schemeClr>
-                </a:solidFill>
-              </a:defRPr>
-            </a:lvl7pPr>
-            <a:lvl8pPr marL="3200400" indent="0">
-              <a:buNone/>
-              <a:defRPr sz="1400">
-                <a:solidFill>
-                  <a:schemeClr val="tx1">
-                    <a:tint val="75000"/>
-                  </a:schemeClr>
-                </a:solidFill>
-              </a:defRPr>
-            </a:lvl8pPr>
-            <a:lvl9pPr marL="3657600" indent="0">
-              <a:buNone/>
-              <a:defRPr sz="1400">
-                <a:solidFill>
-                  <a:schemeClr val="tx1">
-                    <a:tint val="75000"/>
-                  </a:schemeClr>
-                </a:solidFill>
-              </a:defRPr>
-            </a:lvl9pPr>
-          </a:lstStyle>
-          <a:p>
-            <a:pPr lvl="0"/>
-            <a:r>
-              <a:rPr lang="ko-KR" altLang="en-US"/>
-              <a:t>마스터 텍스트 스타일 편집</a:t>
-            </a:r>
-          </a:p>
-        </p:txBody>
-      </p:sp>
-      <p:sp>
-        <p:nvSpPr>
-          <p:cNvPr id="4" name="Date Placeholder 3"/>
-          <p:cNvSpPr>
-            <a:spLocks noGrp="1"/>
-          </p:cNvSpPr>
-          <p:nvPr>
-            <p:ph type="dt" sz="half" idx="10"/>
-          </p:nvPr>
-        </p:nvSpPr>
-        <p:spPr/>
-        <p:txBody>
-          <a:bodyPr/>
-          <a:lstStyle/>
-          <a:p>
-            <a:fld id="{7052EFC6-043C-4278-956A-6E9BEEB4DACF}" type="datetimeFigureOut">
-              <a:rPr lang="ko-KR" altLang="en-US" smtClean="0"/>
-              <a:t>2019-05-13</a:t>
-            </a:fld>
-            <a:endParaRPr lang="ko-KR" altLang="en-US"/>
-          </a:p>
-        </p:txBody>
-      </p:sp>
-      <p:sp>
-        <p:nvSpPr>
-          <p:cNvPr id="5" name="Footer Placeholder 4"/>
-          <p:cNvSpPr>
-            <a:spLocks noGrp="1"/>
-          </p:cNvSpPr>
-          <p:nvPr>
-            <p:ph type="ftr" sz="quarter" idx="11"/>
-          </p:nvPr>
-        </p:nvSpPr>
-        <p:spPr/>
-        <p:txBody>
-          <a:bodyPr/>
-          <a:lstStyle/>
-          <a:p>
-            <a:endParaRPr lang="ko-KR" altLang="en-US"/>
-          </a:p>
-        </p:txBody>
-      </p:sp>
-      <p:sp>
-        <p:nvSpPr>
-          <p:cNvPr id="6" name="Slide Number Placeholder 5"/>
-          <p:cNvSpPr>
-            <a:spLocks noGrp="1"/>
-          </p:cNvSpPr>
-          <p:nvPr>
-            <p:ph type="sldNum" sz="quarter" idx="12"/>
-          </p:nvPr>
-        </p:nvSpPr>
-        <p:spPr/>
-        <p:txBody>
-          <a:bodyPr/>
-          <a:lstStyle/>
-          <a:p>
-            <a:fld id="{38582F93-1A41-4837-AB23-37D9DCAE00A3}" type="slidenum">
-              <a:rPr lang="ko-KR" altLang="en-US" smtClean="0"/>
-              <a:t>‹#›</a:t>
-            </a:fld>
-            <a:endParaRPr lang="ko-KR" altLang="en-US"/>
-          </a:p>
-        </p:txBody>
-      </p:sp>
-    </p:spTree>
-    <p:extLst>
-      <p:ext uri="{BB962C8B-B14F-4D97-AF65-F5344CB8AC3E}">
-        <p14:creationId xmlns:p14="http://schemas.microsoft.com/office/powerpoint/2010/main" val="2135515957"/>
-      </p:ext>
-    </p:extLst>
-  </p:cSld>
-  <p:clrMapOvr>
-    <a:masterClrMapping/>
-  </p:clrMapOvr>
-</p:sldLayout>
-</file>
-
-<file path=ppt/slideLayouts/slideLayout12.xml><?xml version="1.0" encoding="utf-8"?>
-<p:sldLayout xmlns:a="http://schemas.openxmlformats.org/drawingml/2006/main" xmlns:r="http://schemas.openxmlformats.org/officeDocument/2006/relationships" xmlns:p="http://schemas.openxmlformats.org/presentationml/2006/main" preserve="1">
-  <p:cSld name="캡션 있는 인용문">
-    <p:spTree>
-      <p:nvGrpSpPr>
-        <p:cNvPr id="1" name=""/>
-        <p:cNvGrpSpPr/>
-        <p:nvPr/>
-      </p:nvGrpSpPr>
-      <p:grpSpPr>
-        <a:xfrm>
-          <a:off x="0" y="0"/>
-          <a:ext cx="0" cy="0"/>
-          <a:chOff x="0" y="0"/>
-          <a:chExt cx="0" cy="0"/>
-        </a:xfrm>
-      </p:grpSpPr>
-      <p:sp>
-        <p:nvSpPr>
-          <p:cNvPr id="14" name="TextBox 13"/>
-          <p:cNvSpPr txBox="1"/>
-          <p:nvPr/>
-        </p:nvSpPr>
-        <p:spPr>
-          <a:xfrm>
-            <a:off x="1598612" y="863023"/>
-            <a:ext cx="609600" cy="584776"/>
-          </a:xfrm>
-          <a:prstGeom prst="rect">
-            <a:avLst/>
-          </a:prstGeom>
-        </p:spPr>
-        <p:txBody>
-          <a:bodyPr vert="horz" lIns="91440" tIns="45720" rIns="91440" bIns="45720" rtlCol="0" anchor="ctr">
-            <a:noAutofit/>
-          </a:bodyPr>
-          <a:lstStyle>
-            <a:lvl1pPr>
-              <a:spcBef>
-                <a:spcPct val="0"/>
-              </a:spcBef>
-              <a:buNone/>
-              <a:defRPr sz="3200" b="0" cap="all">
-                <a:ln w="3175" cmpd="sng">
-                  <a:noFill/>
-                </a:ln>
-                <a:effectLst>
-                  <a:glow rad="38100">
-                    <a:schemeClr val="bg1">
-                      <a:lumMod val="65000"/>
-                      <a:lumOff val="35000"/>
-                      <a:alpha val="40000"/>
-                    </a:schemeClr>
-                  </a:glow>
-                  <a:outerShdw blurRad="28575" dist="38100" dir="14040000" algn="tl" rotWithShape="0">
-                    <a:srgbClr val="000000">
-                      <a:alpha val="25000"/>
-                    </a:srgbClr>
-                  </a:outerShdw>
-                </a:effectLst>
-              </a:defRPr>
-            </a:lvl1pPr>
-            <a:lvl2pPr>
-              <a:defRPr>
-                <a:solidFill>
-                  <a:schemeClr val="tx2"/>
-                </a:solidFill>
-              </a:defRPr>
-            </a:lvl2pPr>
-            <a:lvl3pPr>
-              <a:defRPr>
-                <a:solidFill>
-                  <a:schemeClr val="tx2"/>
-                </a:solidFill>
-              </a:defRPr>
-            </a:lvl3pPr>
-            <a:lvl4pPr>
-              <a:defRPr>
-                <a:solidFill>
-                  <a:schemeClr val="tx2"/>
-                </a:solidFill>
-              </a:defRPr>
-            </a:lvl4pPr>
-            <a:lvl5pPr>
-              <a:defRPr>
-                <a:solidFill>
-                  <a:schemeClr val="tx2"/>
-                </a:solidFill>
-              </a:defRPr>
-            </a:lvl5pPr>
-            <a:lvl6pPr>
-              <a:defRPr>
-                <a:solidFill>
-                  <a:schemeClr val="tx2"/>
-                </a:solidFill>
-              </a:defRPr>
-            </a:lvl6pPr>
-            <a:lvl7pPr>
-              <a:defRPr>
-                <a:solidFill>
-                  <a:schemeClr val="tx2"/>
-                </a:solidFill>
-              </a:defRPr>
-            </a:lvl7pPr>
-            <a:lvl8pPr>
-              <a:defRPr>
-                <a:solidFill>
-                  <a:schemeClr val="tx2"/>
-                </a:solidFill>
-              </a:defRPr>
-            </a:lvl8pPr>
-            <a:lvl9pPr>
-              <a:defRPr>
-                <a:solidFill>
-                  <a:schemeClr val="tx2"/>
-                </a:solidFill>
-              </a:defRPr>
-            </a:lvl9pPr>
-          </a:lstStyle>
-          <a:p>
-            <a:pPr lvl="0"/>
-            <a:r>
-              <a:rPr lang="en-US" sz="8000">
-                <a:solidFill>
-                  <a:schemeClr val="tx1"/>
-                </a:solidFill>
-                <a:effectLst/>
-              </a:rPr>
-              <a:t>“</a:t>
-            </a:r>
-          </a:p>
-        </p:txBody>
-      </p:sp>
-      <p:sp>
-        <p:nvSpPr>
-          <p:cNvPr id="15" name="TextBox 14"/>
-          <p:cNvSpPr txBox="1"/>
-          <p:nvPr/>
-        </p:nvSpPr>
-        <p:spPr>
-          <a:xfrm>
-            <a:off x="10893425" y="2819399"/>
-            <a:ext cx="609600" cy="584776"/>
-          </a:xfrm>
-          <a:prstGeom prst="rect">
-            <a:avLst/>
-          </a:prstGeom>
-        </p:spPr>
-        <p:txBody>
-          <a:bodyPr vert="horz" lIns="91440" tIns="45720" rIns="91440" bIns="45720" rtlCol="0" anchor="ctr">
-            <a:noAutofit/>
-          </a:bodyPr>
-          <a:lstStyle>
-            <a:lvl1pPr>
-              <a:spcBef>
-                <a:spcPct val="0"/>
-              </a:spcBef>
-              <a:buNone/>
-              <a:defRPr sz="3200" b="0" cap="all">
-                <a:ln w="3175" cmpd="sng">
-                  <a:noFill/>
-                </a:ln>
-                <a:effectLst>
-                  <a:glow rad="38100">
-                    <a:schemeClr val="bg1">
-                      <a:lumMod val="65000"/>
-                      <a:lumOff val="35000"/>
-                      <a:alpha val="40000"/>
-                    </a:schemeClr>
-                  </a:glow>
-                  <a:outerShdw blurRad="28575" dist="38100" dir="14040000" algn="tl" rotWithShape="0">
-                    <a:srgbClr val="000000">
-                      <a:alpha val="25000"/>
-                    </a:srgbClr>
-                  </a:outerShdw>
-                </a:effectLst>
-              </a:defRPr>
-            </a:lvl1pPr>
-            <a:lvl2pPr>
-              <a:defRPr>
-                <a:solidFill>
-                  <a:schemeClr val="tx2"/>
-                </a:solidFill>
-              </a:defRPr>
-            </a:lvl2pPr>
-            <a:lvl3pPr>
-              <a:defRPr>
-                <a:solidFill>
-                  <a:schemeClr val="tx2"/>
-                </a:solidFill>
-              </a:defRPr>
-            </a:lvl3pPr>
-            <a:lvl4pPr>
-              <a:defRPr>
-                <a:solidFill>
-                  <a:schemeClr val="tx2"/>
-                </a:solidFill>
-              </a:defRPr>
-            </a:lvl4pPr>
-            <a:lvl5pPr>
-              <a:defRPr>
-                <a:solidFill>
-                  <a:schemeClr val="tx2"/>
-                </a:solidFill>
-              </a:defRPr>
-            </a:lvl5pPr>
-            <a:lvl6pPr>
-              <a:defRPr>
-                <a:solidFill>
-                  <a:schemeClr val="tx2"/>
-                </a:solidFill>
-              </a:defRPr>
-            </a:lvl6pPr>
-            <a:lvl7pPr>
-              <a:defRPr>
-                <a:solidFill>
-                  <a:schemeClr val="tx2"/>
-                </a:solidFill>
-              </a:defRPr>
-            </a:lvl7pPr>
-            <a:lvl8pPr>
-              <a:defRPr>
-                <a:solidFill>
-                  <a:schemeClr val="tx2"/>
-                </a:solidFill>
-              </a:defRPr>
-            </a:lvl8pPr>
-            <a:lvl9pPr>
-              <a:defRPr>
-                <a:solidFill>
-                  <a:schemeClr val="tx2"/>
-                </a:solidFill>
-              </a:defRPr>
-            </a:lvl9pPr>
-          </a:lstStyle>
-          <a:p>
-            <a:pPr lvl="0" algn="r"/>
-            <a:r>
-              <a:rPr lang="en-US" sz="8000">
-                <a:solidFill>
-                  <a:schemeClr val="tx1"/>
-                </a:solidFill>
-                <a:effectLst/>
-              </a:rPr>
-              <a:t>”</a:t>
-            </a:r>
-          </a:p>
-        </p:txBody>
-      </p:sp>
-      <p:sp>
-        <p:nvSpPr>
-          <p:cNvPr id="2" name="Title 1"/>
-          <p:cNvSpPr>
-            <a:spLocks noGrp="1"/>
-          </p:cNvSpPr>
-          <p:nvPr>
-            <p:ph type="title"/>
-          </p:nvPr>
-        </p:nvSpPr>
-        <p:spPr>
-          <a:xfrm>
-            <a:off x="2208212" y="685800"/>
-            <a:ext cx="8990012" cy="2743199"/>
-          </a:xfrm>
-        </p:spPr>
-        <p:txBody>
-          <a:bodyPr anchor="ctr">
-            <a:normAutofit/>
-          </a:bodyPr>
-          <a:lstStyle>
-            <a:lvl1pPr algn="ctr">
-              <a:defRPr sz="3200" b="0" cap="none">
-                <a:solidFill>
-                  <a:schemeClr val="tx1"/>
-                </a:solidFill>
-              </a:defRPr>
-            </a:lvl1pPr>
-          </a:lstStyle>
-          <a:p>
-            <a:r>
-              <a:rPr lang="ko-KR" altLang="en-US"/>
-              <a:t>마스터 제목 스타일 편집</a:t>
-            </a:r>
-            <a:endParaRPr lang="en-US"/>
-          </a:p>
-        </p:txBody>
-      </p:sp>
-      <p:sp>
-        <p:nvSpPr>
-          <p:cNvPr id="10" name="Text Placeholder 9"/>
-          <p:cNvSpPr>
-            <a:spLocks noGrp="1"/>
-          </p:cNvSpPr>
-          <p:nvPr>
-            <p:ph type="body" sz="quarter" idx="13"/>
-          </p:nvPr>
-        </p:nvSpPr>
-        <p:spPr>
-          <a:xfrm>
-            <a:off x="2436811" y="3428999"/>
-            <a:ext cx="8532815" cy="381000"/>
-          </a:xfrm>
-        </p:spPr>
-        <p:txBody>
-          <a:bodyPr anchor="ctr">
-            <a:normAutofit/>
-          </a:bodyPr>
-          <a:lstStyle>
-            <a:lvl1pPr marL="0" indent="0">
-              <a:buFontTx/>
-              <a:buNone/>
-              <a:defRPr sz="1800"/>
-            </a:lvl1pPr>
-            <a:lvl2pPr marL="457200" indent="0">
-              <a:buFontTx/>
-              <a:buNone/>
-              <a:defRPr/>
-            </a:lvl2pPr>
-            <a:lvl3pPr marL="914400" indent="0">
-              <a:buFontTx/>
-              <a:buNone/>
-              <a:defRPr/>
-            </a:lvl3pPr>
-            <a:lvl4pPr marL="1371600" indent="0">
-              <a:buFontTx/>
-              <a:buNone/>
-              <a:defRPr/>
-            </a:lvl4pPr>
-            <a:lvl5pPr marL="1828800" indent="0">
-              <a:buFontTx/>
-              <a:buNone/>
-              <a:defRPr/>
-            </a:lvl5pPr>
-          </a:lstStyle>
-          <a:p>
-            <a:pPr lvl="0"/>
-            <a:r>
-              <a:rPr lang="ko-KR" altLang="en-US"/>
-              <a:t>마스터 텍스트 스타일 편집</a:t>
-            </a:r>
-          </a:p>
-        </p:txBody>
-      </p:sp>
-      <p:sp>
-        <p:nvSpPr>
-          <p:cNvPr id="3" name="Text Placeholder 2"/>
-          <p:cNvSpPr>
-            <a:spLocks noGrp="1"/>
-          </p:cNvSpPr>
-          <p:nvPr>
-            <p:ph type="body" idx="1"/>
-          </p:nvPr>
-        </p:nvSpPr>
-        <p:spPr>
-          <a:xfrm>
-            <a:off x="1484311" y="4343400"/>
-            <a:ext cx="10018711" cy="1447800"/>
-          </a:xfrm>
-        </p:spPr>
-        <p:txBody>
-          <a:bodyPr anchor="ctr">
-            <a:normAutofit/>
-          </a:bodyPr>
-          <a:lstStyle>
-            <a:lvl1pPr marL="0" indent="0" algn="ctr">
-              <a:buNone/>
-              <a:defRPr sz="2000">
-                <a:solidFill>
-                  <a:schemeClr val="tx1"/>
-                </a:solidFill>
-              </a:defRPr>
-            </a:lvl1pPr>
-            <a:lvl2pPr marL="457200" indent="0">
-              <a:buNone/>
-              <a:defRPr sz="1800">
-                <a:solidFill>
-                  <a:schemeClr val="tx1">
-                    <a:tint val="75000"/>
-                  </a:schemeClr>
-                </a:solidFill>
-              </a:defRPr>
-            </a:lvl2pPr>
-            <a:lvl3pPr marL="914400" indent="0">
-              <a:buNone/>
-              <a:defRPr sz="1600">
-                <a:solidFill>
-                  <a:schemeClr val="tx1">
-                    <a:tint val="75000"/>
-                  </a:schemeClr>
-                </a:solidFill>
-              </a:defRPr>
-            </a:lvl3pPr>
-            <a:lvl4pPr marL="1371600" indent="0">
-              <a:buNone/>
-              <a:defRPr sz="1400">
-                <a:solidFill>
-                  <a:schemeClr val="tx1">
-                    <a:tint val="75000"/>
-                  </a:schemeClr>
-                </a:solidFill>
-              </a:defRPr>
-            </a:lvl4pPr>
-            <a:lvl5pPr marL="1828800" indent="0">
-              <a:buNone/>
-              <a:defRPr sz="1400">
-                <a:solidFill>
-                  <a:schemeClr val="tx1">
-                    <a:tint val="75000"/>
-                  </a:schemeClr>
-                </a:solidFill>
-              </a:defRPr>
-            </a:lvl5pPr>
-            <a:lvl6pPr marL="2286000" indent="0">
-              <a:buNone/>
-              <a:defRPr sz="1400">
-                <a:solidFill>
-                  <a:schemeClr val="tx1">
-                    <a:tint val="75000"/>
-                  </a:schemeClr>
-                </a:solidFill>
-              </a:defRPr>
-            </a:lvl6pPr>
-            <a:lvl7pPr marL="2743200" indent="0">
-              <a:buNone/>
-              <a:defRPr sz="1400">
-                <a:solidFill>
-                  <a:schemeClr val="tx1">
-                    <a:tint val="75000"/>
-                  </a:schemeClr>
-                </a:solidFill>
-              </a:defRPr>
-            </a:lvl7pPr>
-            <a:lvl8pPr marL="3200400" indent="0">
-              <a:buNone/>
-              <a:defRPr sz="1400">
-                <a:solidFill>
-                  <a:schemeClr val="tx1">
-                    <a:tint val="75000"/>
-                  </a:schemeClr>
-                </a:solidFill>
-              </a:defRPr>
-            </a:lvl8pPr>
-            <a:lvl9pPr marL="3657600" indent="0">
-              <a:buNone/>
-              <a:defRPr sz="1400">
-                <a:solidFill>
-                  <a:schemeClr val="tx1">
-                    <a:tint val="75000"/>
-                  </a:schemeClr>
-                </a:solidFill>
-              </a:defRPr>
-            </a:lvl9pPr>
-          </a:lstStyle>
-          <a:p>
-            <a:pPr lvl="0"/>
-            <a:r>
-              <a:rPr lang="ko-KR" altLang="en-US"/>
-              <a:t>마스터 텍스트 스타일 편집</a:t>
-            </a:r>
-          </a:p>
-        </p:txBody>
-      </p:sp>
-      <p:sp>
-        <p:nvSpPr>
-          <p:cNvPr id="4" name="Date Placeholder 3"/>
-          <p:cNvSpPr>
-            <a:spLocks noGrp="1"/>
-          </p:cNvSpPr>
-          <p:nvPr>
-            <p:ph type="dt" sz="half" idx="10"/>
-          </p:nvPr>
-        </p:nvSpPr>
-        <p:spPr/>
-        <p:txBody>
-          <a:bodyPr/>
-          <a:lstStyle/>
-          <a:p>
-            <a:fld id="{7052EFC6-043C-4278-956A-6E9BEEB4DACF}" type="datetimeFigureOut">
-              <a:rPr lang="ko-KR" altLang="en-US" smtClean="0"/>
-              <a:t>2019-05-13</a:t>
-            </a:fld>
-            <a:endParaRPr lang="ko-KR" altLang="en-US"/>
-          </a:p>
-        </p:txBody>
-      </p:sp>
-      <p:sp>
-        <p:nvSpPr>
-          <p:cNvPr id="5" name="Footer Placeholder 4"/>
-          <p:cNvSpPr>
-            <a:spLocks noGrp="1"/>
-          </p:cNvSpPr>
-          <p:nvPr>
-            <p:ph type="ftr" sz="quarter" idx="11"/>
-          </p:nvPr>
-        </p:nvSpPr>
-        <p:spPr/>
-        <p:txBody>
-          <a:bodyPr/>
-          <a:lstStyle/>
-          <a:p>
-            <a:endParaRPr lang="ko-KR" altLang="en-US"/>
-          </a:p>
-        </p:txBody>
-      </p:sp>
-      <p:sp>
-        <p:nvSpPr>
-          <p:cNvPr id="6" name="Slide Number Placeholder 5"/>
-          <p:cNvSpPr>
-            <a:spLocks noGrp="1"/>
-          </p:cNvSpPr>
-          <p:nvPr>
-            <p:ph type="sldNum" sz="quarter" idx="12"/>
-          </p:nvPr>
-        </p:nvSpPr>
-        <p:spPr/>
-        <p:txBody>
-          <a:bodyPr/>
-          <a:lstStyle/>
-          <a:p>
-            <a:fld id="{38582F93-1A41-4837-AB23-37D9DCAE00A3}" type="slidenum">
-              <a:rPr lang="ko-KR" altLang="en-US" smtClean="0"/>
-              <a:t>‹#›</a:t>
-            </a:fld>
-            <a:endParaRPr lang="ko-KR" altLang="en-US"/>
-          </a:p>
-        </p:txBody>
-      </p:sp>
-    </p:spTree>
-    <p:extLst>
-      <p:ext uri="{BB962C8B-B14F-4D97-AF65-F5344CB8AC3E}">
-        <p14:creationId xmlns:p14="http://schemas.microsoft.com/office/powerpoint/2010/main" val="760396232"/>
-      </p:ext>
-    </p:extLst>
-  </p:cSld>
-  <p:clrMapOvr>
-    <a:masterClrMapping/>
-  </p:clrMapOvr>
-</p:sldLayout>
-</file>
-
-<file path=ppt/slideLayouts/slideLayout13.xml><?xml version="1.0" encoding="utf-8"?>
-<p:sldLayout xmlns:a="http://schemas.openxmlformats.org/drawingml/2006/main" xmlns:r="http://schemas.openxmlformats.org/officeDocument/2006/relationships" xmlns:p="http://schemas.openxmlformats.org/presentationml/2006/main" preserve="1">
-  <p:cSld name="명함">
-    <p:spTree>
-      <p:nvGrpSpPr>
-        <p:cNvPr id="1" name=""/>
-        <p:cNvGrpSpPr/>
-        <p:nvPr/>
-      </p:nvGrpSpPr>
-      <p:grpSpPr>
-        <a:xfrm>
-          <a:off x="0" y="0"/>
-          <a:ext cx="0" cy="0"/>
-          <a:chOff x="0" y="0"/>
-          <a:chExt cx="0" cy="0"/>
-        </a:xfrm>
-      </p:grpSpPr>
-      <p:sp>
-        <p:nvSpPr>
-          <p:cNvPr id="2" name="Title 1"/>
-          <p:cNvSpPr>
-            <a:spLocks noGrp="1"/>
-          </p:cNvSpPr>
-          <p:nvPr>
-            <p:ph type="title"/>
-          </p:nvPr>
-        </p:nvSpPr>
-        <p:spPr>
-          <a:xfrm>
-            <a:off x="1484313" y="3308581"/>
-            <a:ext cx="10018709" cy="1468800"/>
-          </a:xfrm>
-        </p:spPr>
-        <p:txBody>
-          <a:bodyPr anchor="b">
-            <a:normAutofit/>
-          </a:bodyPr>
-          <a:lstStyle>
-            <a:lvl1pPr algn="r">
-              <a:defRPr sz="3200" b="0" cap="none"/>
-            </a:lvl1pPr>
-          </a:lstStyle>
-          <a:p>
-            <a:r>
-              <a:rPr lang="ko-KR" altLang="en-US"/>
-              <a:t>마스터 제목 스타일 편집</a:t>
-            </a:r>
-            <a:endParaRPr lang="en-US"/>
-          </a:p>
-        </p:txBody>
-      </p:sp>
-      <p:sp>
-        <p:nvSpPr>
-          <p:cNvPr id="3" name="Text Placeholder 2"/>
-          <p:cNvSpPr>
-            <a:spLocks noGrp="1"/>
-          </p:cNvSpPr>
-          <p:nvPr>
-            <p:ph type="body" idx="1"/>
-          </p:nvPr>
-        </p:nvSpPr>
-        <p:spPr>
-          <a:xfrm>
-            <a:off x="1484312" y="4777381"/>
-            <a:ext cx="10018710" cy="860400"/>
-          </a:xfrm>
-        </p:spPr>
-        <p:txBody>
-          <a:bodyPr anchor="t">
-            <a:normAutofit/>
-          </a:bodyPr>
-          <a:lstStyle>
-            <a:lvl1pPr marL="0" indent="0" algn="r">
-              <a:buNone/>
-              <a:defRPr sz="2000">
-                <a:solidFill>
-                  <a:schemeClr val="tx1"/>
-                </a:solidFill>
-              </a:defRPr>
-            </a:lvl1pPr>
-            <a:lvl2pPr marL="457200" indent="0">
-              <a:buNone/>
-              <a:defRPr sz="1800">
-                <a:solidFill>
-                  <a:schemeClr val="tx1">
-                    <a:tint val="75000"/>
-                  </a:schemeClr>
-                </a:solidFill>
-              </a:defRPr>
-            </a:lvl2pPr>
-            <a:lvl3pPr marL="914400" indent="0">
-              <a:buNone/>
-              <a:defRPr sz="1600">
-                <a:solidFill>
-                  <a:schemeClr val="tx1">
-                    <a:tint val="75000"/>
-                  </a:schemeClr>
-                </a:solidFill>
-              </a:defRPr>
-            </a:lvl3pPr>
-            <a:lvl4pPr marL="1371600" indent="0">
-              <a:buNone/>
-              <a:defRPr sz="1400">
-                <a:solidFill>
-                  <a:schemeClr val="tx1">
-                    <a:tint val="75000"/>
-                  </a:schemeClr>
-                </a:solidFill>
-              </a:defRPr>
-            </a:lvl4pPr>
-            <a:lvl5pPr marL="1828800" indent="0">
-              <a:buNone/>
-              <a:defRPr sz="1400">
-                <a:solidFill>
-                  <a:schemeClr val="tx1">
-                    <a:tint val="75000"/>
-                  </a:schemeClr>
-                </a:solidFill>
-              </a:defRPr>
-            </a:lvl5pPr>
-            <a:lvl6pPr marL="2286000" indent="0">
-              <a:buNone/>
-              <a:defRPr sz="1400">
-                <a:solidFill>
-                  <a:schemeClr val="tx1">
-                    <a:tint val="75000"/>
-                  </a:schemeClr>
-                </a:solidFill>
-              </a:defRPr>
-            </a:lvl6pPr>
-            <a:lvl7pPr marL="2743200" indent="0">
-              <a:buNone/>
-              <a:defRPr sz="1400">
-                <a:solidFill>
-                  <a:schemeClr val="tx1">
-                    <a:tint val="75000"/>
-                  </a:schemeClr>
-                </a:solidFill>
-              </a:defRPr>
-            </a:lvl7pPr>
-            <a:lvl8pPr marL="3200400" indent="0">
-              <a:buNone/>
-              <a:defRPr sz="1400">
-                <a:solidFill>
-                  <a:schemeClr val="tx1">
-                    <a:tint val="75000"/>
-                  </a:schemeClr>
-                </a:solidFill>
-              </a:defRPr>
-            </a:lvl8pPr>
-            <a:lvl9pPr marL="3657600" indent="0">
-              <a:buNone/>
-              <a:defRPr sz="1400">
-                <a:solidFill>
-                  <a:schemeClr val="tx1">
-                    <a:tint val="75000"/>
-                  </a:schemeClr>
-                </a:solidFill>
-              </a:defRPr>
-            </a:lvl9pPr>
-          </a:lstStyle>
-          <a:p>
-            <a:pPr lvl="0"/>
-            <a:r>
-              <a:rPr lang="ko-KR" altLang="en-US"/>
-              <a:t>마스터 텍스트 스타일 편집</a:t>
-            </a:r>
-          </a:p>
-        </p:txBody>
-      </p:sp>
-      <p:sp>
-        <p:nvSpPr>
-          <p:cNvPr id="4" name="Date Placeholder 3"/>
-          <p:cNvSpPr>
-            <a:spLocks noGrp="1"/>
-          </p:cNvSpPr>
-          <p:nvPr>
-            <p:ph type="dt" sz="half" idx="10"/>
-          </p:nvPr>
-        </p:nvSpPr>
-        <p:spPr/>
-        <p:txBody>
-          <a:bodyPr/>
-          <a:lstStyle/>
-          <a:p>
-            <a:fld id="{7052EFC6-043C-4278-956A-6E9BEEB4DACF}" type="datetimeFigureOut">
-              <a:rPr lang="ko-KR" altLang="en-US" smtClean="0"/>
-              <a:t>2019-05-13</a:t>
-            </a:fld>
-            <a:endParaRPr lang="ko-KR" altLang="en-US"/>
-          </a:p>
-        </p:txBody>
-      </p:sp>
-      <p:sp>
-        <p:nvSpPr>
-          <p:cNvPr id="5" name="Footer Placeholder 4"/>
-          <p:cNvSpPr>
-            <a:spLocks noGrp="1"/>
-          </p:cNvSpPr>
-          <p:nvPr>
-            <p:ph type="ftr" sz="quarter" idx="11"/>
-          </p:nvPr>
-        </p:nvSpPr>
-        <p:spPr/>
-        <p:txBody>
-          <a:bodyPr/>
-          <a:lstStyle/>
-          <a:p>
-            <a:endParaRPr lang="ko-KR" altLang="en-US"/>
-          </a:p>
-        </p:txBody>
-      </p:sp>
-      <p:sp>
-        <p:nvSpPr>
-          <p:cNvPr id="6" name="Slide Number Placeholder 5"/>
-          <p:cNvSpPr>
-            <a:spLocks noGrp="1"/>
-          </p:cNvSpPr>
-          <p:nvPr>
-            <p:ph type="sldNum" sz="quarter" idx="12"/>
-          </p:nvPr>
-        </p:nvSpPr>
-        <p:spPr/>
-        <p:txBody>
-          <a:bodyPr/>
-          <a:lstStyle/>
-          <a:p>
-            <a:fld id="{38582F93-1A41-4837-AB23-37D9DCAE00A3}" type="slidenum">
-              <a:rPr lang="ko-KR" altLang="en-US" smtClean="0"/>
-              <a:t>‹#›</a:t>
-            </a:fld>
-            <a:endParaRPr lang="ko-KR" altLang="en-US"/>
-          </a:p>
-        </p:txBody>
-      </p:sp>
-    </p:spTree>
-    <p:extLst>
-      <p:ext uri="{BB962C8B-B14F-4D97-AF65-F5344CB8AC3E}">
-        <p14:creationId xmlns:p14="http://schemas.microsoft.com/office/powerpoint/2010/main" val="3147646360"/>
-      </p:ext>
-    </p:extLst>
-  </p:cSld>
-  <p:clrMapOvr>
-    <a:masterClrMapping/>
-  </p:clrMapOvr>
-</p:sldLayout>
-</file>
-
-<file path=ppt/slideLayouts/slideLayout14.xml><?xml version="1.0" encoding="utf-8"?>
-<p:sldLayout xmlns:a="http://schemas.openxmlformats.org/drawingml/2006/main" xmlns:r="http://schemas.openxmlformats.org/officeDocument/2006/relationships" xmlns:p="http://schemas.openxmlformats.org/presentationml/2006/main" preserve="1">
-  <p:cSld name="인용문 있는 명함">
-    <p:spTree>
-      <p:nvGrpSpPr>
-        <p:cNvPr id="1" name=""/>
-        <p:cNvGrpSpPr/>
-        <p:nvPr/>
-      </p:nvGrpSpPr>
-      <p:grpSpPr>
-        <a:xfrm>
-          <a:off x="0" y="0"/>
-          <a:ext cx="0" cy="0"/>
-          <a:chOff x="0" y="0"/>
-          <a:chExt cx="0" cy="0"/>
-        </a:xfrm>
-      </p:grpSpPr>
-      <p:sp>
-        <p:nvSpPr>
-          <p:cNvPr id="14" name="TextBox 13"/>
-          <p:cNvSpPr txBox="1"/>
-          <p:nvPr/>
-        </p:nvSpPr>
-        <p:spPr>
-          <a:xfrm>
-            <a:off x="1598612" y="863023"/>
-            <a:ext cx="609600" cy="584776"/>
-          </a:xfrm>
-          <a:prstGeom prst="rect">
-            <a:avLst/>
-          </a:prstGeom>
-        </p:spPr>
-        <p:txBody>
-          <a:bodyPr vert="horz" lIns="91440" tIns="45720" rIns="91440" bIns="45720" rtlCol="0" anchor="ctr">
-            <a:noAutofit/>
-          </a:bodyPr>
-          <a:lstStyle>
-            <a:lvl1pPr>
-              <a:spcBef>
-                <a:spcPct val="0"/>
-              </a:spcBef>
-              <a:buNone/>
-              <a:defRPr sz="3200" b="0" cap="all">
-                <a:ln w="3175" cmpd="sng">
-                  <a:noFill/>
-                </a:ln>
-                <a:effectLst>
-                  <a:glow rad="38100">
-                    <a:schemeClr val="bg1">
-                      <a:lumMod val="65000"/>
-                      <a:lumOff val="35000"/>
-                      <a:alpha val="40000"/>
-                    </a:schemeClr>
-                  </a:glow>
-                  <a:outerShdw blurRad="28575" dist="38100" dir="14040000" algn="tl" rotWithShape="0">
-                    <a:srgbClr val="000000">
-                      <a:alpha val="25000"/>
-                    </a:srgbClr>
-                  </a:outerShdw>
-                </a:effectLst>
-              </a:defRPr>
-            </a:lvl1pPr>
-            <a:lvl2pPr>
-              <a:defRPr>
-                <a:solidFill>
-                  <a:schemeClr val="tx2"/>
-                </a:solidFill>
-              </a:defRPr>
-            </a:lvl2pPr>
-            <a:lvl3pPr>
-              <a:defRPr>
-                <a:solidFill>
-                  <a:schemeClr val="tx2"/>
-                </a:solidFill>
-              </a:defRPr>
-            </a:lvl3pPr>
-            <a:lvl4pPr>
-              <a:defRPr>
-                <a:solidFill>
-                  <a:schemeClr val="tx2"/>
-                </a:solidFill>
-              </a:defRPr>
-            </a:lvl4pPr>
-            <a:lvl5pPr>
-              <a:defRPr>
-                <a:solidFill>
-                  <a:schemeClr val="tx2"/>
-                </a:solidFill>
-              </a:defRPr>
-            </a:lvl5pPr>
-            <a:lvl6pPr>
-              <a:defRPr>
-                <a:solidFill>
-                  <a:schemeClr val="tx2"/>
-                </a:solidFill>
-              </a:defRPr>
-            </a:lvl6pPr>
-            <a:lvl7pPr>
-              <a:defRPr>
-                <a:solidFill>
-                  <a:schemeClr val="tx2"/>
-                </a:solidFill>
-              </a:defRPr>
-            </a:lvl7pPr>
-            <a:lvl8pPr>
-              <a:defRPr>
-                <a:solidFill>
-                  <a:schemeClr val="tx2"/>
-                </a:solidFill>
-              </a:defRPr>
-            </a:lvl8pPr>
-            <a:lvl9pPr>
-              <a:defRPr>
-                <a:solidFill>
-                  <a:schemeClr val="tx2"/>
-                </a:solidFill>
-              </a:defRPr>
-            </a:lvl9pPr>
-          </a:lstStyle>
-          <a:p>
-            <a:pPr lvl="0"/>
-            <a:r>
-              <a:rPr lang="en-US" sz="8000">
-                <a:solidFill>
-                  <a:schemeClr val="tx1"/>
-                </a:solidFill>
-                <a:effectLst/>
-              </a:rPr>
-              <a:t>“</a:t>
-            </a:r>
-          </a:p>
-        </p:txBody>
-      </p:sp>
-      <p:sp>
-        <p:nvSpPr>
-          <p:cNvPr id="15" name="TextBox 14"/>
-          <p:cNvSpPr txBox="1"/>
-          <p:nvPr/>
-        </p:nvSpPr>
-        <p:spPr>
-          <a:xfrm>
-            <a:off x="10893425" y="2819399"/>
-            <a:ext cx="609600" cy="584776"/>
-          </a:xfrm>
-          <a:prstGeom prst="rect">
-            <a:avLst/>
-          </a:prstGeom>
-        </p:spPr>
-        <p:txBody>
-          <a:bodyPr vert="horz" lIns="91440" tIns="45720" rIns="91440" bIns="45720" rtlCol="0" anchor="ctr">
-            <a:noAutofit/>
-          </a:bodyPr>
-          <a:lstStyle>
-            <a:lvl1pPr>
-              <a:spcBef>
-                <a:spcPct val="0"/>
-              </a:spcBef>
-              <a:buNone/>
-              <a:defRPr sz="3200" b="0" cap="all">
-                <a:ln w="3175" cmpd="sng">
-                  <a:noFill/>
-                </a:ln>
-                <a:effectLst>
-                  <a:glow rad="38100">
-                    <a:schemeClr val="bg1">
-                      <a:lumMod val="65000"/>
-                      <a:lumOff val="35000"/>
-                      <a:alpha val="40000"/>
-                    </a:schemeClr>
-                  </a:glow>
-                  <a:outerShdw blurRad="28575" dist="38100" dir="14040000" algn="tl" rotWithShape="0">
-                    <a:srgbClr val="000000">
-                      <a:alpha val="25000"/>
-                    </a:srgbClr>
-                  </a:outerShdw>
-                </a:effectLst>
-              </a:defRPr>
-            </a:lvl1pPr>
-            <a:lvl2pPr>
-              <a:defRPr>
-                <a:solidFill>
-                  <a:schemeClr val="tx2"/>
-                </a:solidFill>
-              </a:defRPr>
-            </a:lvl2pPr>
-            <a:lvl3pPr>
-              <a:defRPr>
-                <a:solidFill>
-                  <a:schemeClr val="tx2"/>
-                </a:solidFill>
-              </a:defRPr>
-            </a:lvl3pPr>
-            <a:lvl4pPr>
-              <a:defRPr>
-                <a:solidFill>
-                  <a:schemeClr val="tx2"/>
-                </a:solidFill>
-              </a:defRPr>
-            </a:lvl4pPr>
-            <a:lvl5pPr>
-              <a:defRPr>
-                <a:solidFill>
-                  <a:schemeClr val="tx2"/>
-                </a:solidFill>
-              </a:defRPr>
-            </a:lvl5pPr>
-            <a:lvl6pPr>
-              <a:defRPr>
-                <a:solidFill>
-                  <a:schemeClr val="tx2"/>
-                </a:solidFill>
-              </a:defRPr>
-            </a:lvl6pPr>
-            <a:lvl7pPr>
-              <a:defRPr>
-                <a:solidFill>
-                  <a:schemeClr val="tx2"/>
-                </a:solidFill>
-              </a:defRPr>
-            </a:lvl7pPr>
-            <a:lvl8pPr>
-              <a:defRPr>
-                <a:solidFill>
-                  <a:schemeClr val="tx2"/>
-                </a:solidFill>
-              </a:defRPr>
-            </a:lvl8pPr>
-            <a:lvl9pPr>
-              <a:defRPr>
-                <a:solidFill>
-                  <a:schemeClr val="tx2"/>
-                </a:solidFill>
-              </a:defRPr>
-            </a:lvl9pPr>
-          </a:lstStyle>
-          <a:p>
-            <a:pPr lvl="0" algn="r"/>
-            <a:r>
-              <a:rPr lang="en-US" sz="8000">
-                <a:solidFill>
-                  <a:schemeClr val="tx1"/>
-                </a:solidFill>
-                <a:effectLst/>
-              </a:rPr>
-              <a:t>”</a:t>
-            </a:r>
-          </a:p>
-        </p:txBody>
-      </p:sp>
-      <p:sp>
-        <p:nvSpPr>
-          <p:cNvPr id="2" name="Title 1"/>
-          <p:cNvSpPr>
-            <a:spLocks noGrp="1"/>
-          </p:cNvSpPr>
-          <p:nvPr>
-            <p:ph type="title"/>
-          </p:nvPr>
-        </p:nvSpPr>
-        <p:spPr>
-          <a:xfrm>
-            <a:off x="2208212" y="685800"/>
-            <a:ext cx="8990012" cy="2743199"/>
-          </a:xfrm>
-        </p:spPr>
-        <p:txBody>
-          <a:bodyPr anchor="ctr">
-            <a:normAutofit/>
-          </a:bodyPr>
-          <a:lstStyle>
-            <a:lvl1pPr algn="ctr">
-              <a:defRPr sz="3200" b="0" cap="none">
-                <a:solidFill>
-                  <a:schemeClr val="tx1"/>
-                </a:solidFill>
-              </a:defRPr>
-            </a:lvl1pPr>
-          </a:lstStyle>
-          <a:p>
-            <a:r>
-              <a:rPr lang="ko-KR" altLang="en-US"/>
-              <a:t>마스터 제목 스타일 편집</a:t>
-            </a:r>
-            <a:endParaRPr lang="en-US"/>
-          </a:p>
-        </p:txBody>
-      </p:sp>
-      <p:sp>
-        <p:nvSpPr>
-          <p:cNvPr id="10" name="Text Placeholder 9"/>
-          <p:cNvSpPr>
-            <a:spLocks noGrp="1"/>
-          </p:cNvSpPr>
-          <p:nvPr>
-            <p:ph type="body" sz="quarter" idx="13"/>
-          </p:nvPr>
-        </p:nvSpPr>
-        <p:spPr>
-          <a:xfrm>
-            <a:off x="1484313" y="3886200"/>
-            <a:ext cx="10018710" cy="889000"/>
-          </a:xfrm>
-        </p:spPr>
-        <p:txBody>
-          <a:bodyPr vert="horz" lIns="91440" tIns="45720" rIns="91440" bIns="45720" rtlCol="0" anchor="b">
-            <a:normAutofit/>
-          </a:bodyPr>
-          <a:lstStyle>
-            <a:lvl1pPr algn="r">
-              <a:buNone/>
-              <a:defRPr lang="en-US" sz="2400" b="0" cap="none" dirty="0">
-                <a:ln w="3175" cmpd="sng">
-                  <a:noFill/>
-                </a:ln>
-                <a:solidFill>
-                  <a:schemeClr val="tx1"/>
-                </a:solidFill>
-                <a:effectLst/>
-              </a:defRPr>
-            </a:lvl1pPr>
-          </a:lstStyle>
-          <a:p>
-            <a:pPr marL="0" lvl="0">
-              <a:spcBef>
-                <a:spcPct val="0"/>
-              </a:spcBef>
-              <a:buNone/>
-            </a:pPr>
-            <a:r>
-              <a:rPr lang="ko-KR" altLang="en-US"/>
-              <a:t>마스터 텍스트 스타일 편집</a:t>
-            </a:r>
-          </a:p>
-        </p:txBody>
-      </p:sp>
-      <p:sp>
-        <p:nvSpPr>
-          <p:cNvPr id="3" name="Text Placeholder 2"/>
-          <p:cNvSpPr>
-            <a:spLocks noGrp="1"/>
-          </p:cNvSpPr>
-          <p:nvPr>
-            <p:ph type="body" idx="1"/>
-          </p:nvPr>
-        </p:nvSpPr>
-        <p:spPr>
-          <a:xfrm>
-            <a:off x="1484312" y="4775200"/>
-            <a:ext cx="10018710" cy="1016000"/>
-          </a:xfrm>
-        </p:spPr>
-        <p:txBody>
-          <a:bodyPr anchor="t">
-            <a:normAutofit/>
-          </a:bodyPr>
-          <a:lstStyle>
-            <a:lvl1pPr marL="0" indent="0" algn="r">
-              <a:buNone/>
-              <a:defRPr sz="1800">
-                <a:solidFill>
-                  <a:schemeClr val="tx1"/>
-                </a:solidFill>
-              </a:defRPr>
-            </a:lvl1pPr>
-            <a:lvl2pPr marL="457200" indent="0">
-              <a:buNone/>
-              <a:defRPr sz="1800">
-                <a:solidFill>
-                  <a:schemeClr val="tx1">
-                    <a:tint val="75000"/>
-                  </a:schemeClr>
-                </a:solidFill>
-              </a:defRPr>
-            </a:lvl2pPr>
-            <a:lvl3pPr marL="914400" indent="0">
-              <a:buNone/>
-              <a:defRPr sz="1600">
-                <a:solidFill>
-                  <a:schemeClr val="tx1">
-                    <a:tint val="75000"/>
-                  </a:schemeClr>
-                </a:solidFill>
-              </a:defRPr>
-            </a:lvl3pPr>
-            <a:lvl4pPr marL="1371600" indent="0">
-              <a:buNone/>
-              <a:defRPr sz="1400">
-                <a:solidFill>
-                  <a:schemeClr val="tx1">
-                    <a:tint val="75000"/>
-                  </a:schemeClr>
-                </a:solidFill>
-              </a:defRPr>
-            </a:lvl4pPr>
-            <a:lvl5pPr marL="1828800" indent="0">
-              <a:buNone/>
-              <a:defRPr sz="1400">
-                <a:solidFill>
-                  <a:schemeClr val="tx1">
-                    <a:tint val="75000"/>
-                  </a:schemeClr>
-                </a:solidFill>
-              </a:defRPr>
-            </a:lvl5pPr>
-            <a:lvl6pPr marL="2286000" indent="0">
-              <a:buNone/>
-              <a:defRPr sz="1400">
-                <a:solidFill>
-                  <a:schemeClr val="tx1">
-                    <a:tint val="75000"/>
-                  </a:schemeClr>
-                </a:solidFill>
-              </a:defRPr>
-            </a:lvl6pPr>
-            <a:lvl7pPr marL="2743200" indent="0">
-              <a:buNone/>
-              <a:defRPr sz="1400">
-                <a:solidFill>
-                  <a:schemeClr val="tx1">
-                    <a:tint val="75000"/>
-                  </a:schemeClr>
-                </a:solidFill>
-              </a:defRPr>
-            </a:lvl7pPr>
-            <a:lvl8pPr marL="3200400" indent="0">
-              <a:buNone/>
-              <a:defRPr sz="1400">
-                <a:solidFill>
-                  <a:schemeClr val="tx1">
-                    <a:tint val="75000"/>
-                  </a:schemeClr>
-                </a:solidFill>
-              </a:defRPr>
-            </a:lvl8pPr>
-            <a:lvl9pPr marL="3657600" indent="0">
-              <a:buNone/>
-              <a:defRPr sz="1400">
-                <a:solidFill>
-                  <a:schemeClr val="tx1">
-                    <a:tint val="75000"/>
-                  </a:schemeClr>
-                </a:solidFill>
-              </a:defRPr>
-            </a:lvl9pPr>
-          </a:lstStyle>
-          <a:p>
-            <a:pPr lvl="0"/>
-            <a:r>
-              <a:rPr lang="ko-KR" altLang="en-US"/>
-              <a:t>마스터 텍스트 스타일 편집</a:t>
-            </a:r>
-          </a:p>
-        </p:txBody>
-      </p:sp>
-      <p:sp>
-        <p:nvSpPr>
-          <p:cNvPr id="4" name="Date Placeholder 3"/>
-          <p:cNvSpPr>
-            <a:spLocks noGrp="1"/>
-          </p:cNvSpPr>
-          <p:nvPr>
-            <p:ph type="dt" sz="half" idx="10"/>
-          </p:nvPr>
-        </p:nvSpPr>
-        <p:spPr/>
-        <p:txBody>
-          <a:bodyPr/>
-          <a:lstStyle/>
-          <a:p>
-            <a:fld id="{7052EFC6-043C-4278-956A-6E9BEEB4DACF}" type="datetimeFigureOut">
-              <a:rPr lang="ko-KR" altLang="en-US" smtClean="0"/>
-              <a:t>2019-05-13</a:t>
-            </a:fld>
-            <a:endParaRPr lang="ko-KR" altLang="en-US"/>
-          </a:p>
-        </p:txBody>
-      </p:sp>
-      <p:sp>
-        <p:nvSpPr>
-          <p:cNvPr id="5" name="Footer Placeholder 4"/>
-          <p:cNvSpPr>
-            <a:spLocks noGrp="1"/>
-          </p:cNvSpPr>
-          <p:nvPr>
-            <p:ph type="ftr" sz="quarter" idx="11"/>
-          </p:nvPr>
-        </p:nvSpPr>
-        <p:spPr/>
-        <p:txBody>
-          <a:bodyPr/>
-          <a:lstStyle/>
-          <a:p>
-            <a:endParaRPr lang="ko-KR" altLang="en-US"/>
-          </a:p>
-        </p:txBody>
-      </p:sp>
-      <p:sp>
-        <p:nvSpPr>
-          <p:cNvPr id="6" name="Slide Number Placeholder 5"/>
-          <p:cNvSpPr>
-            <a:spLocks noGrp="1"/>
-          </p:cNvSpPr>
-          <p:nvPr>
-            <p:ph type="sldNum" sz="quarter" idx="12"/>
-          </p:nvPr>
-        </p:nvSpPr>
-        <p:spPr/>
-        <p:txBody>
-          <a:bodyPr/>
-          <a:lstStyle/>
-          <a:p>
-            <a:fld id="{38582F93-1A41-4837-AB23-37D9DCAE00A3}" type="slidenum">
-              <a:rPr lang="ko-KR" altLang="en-US" smtClean="0"/>
-              <a:t>‹#›</a:t>
-            </a:fld>
-            <a:endParaRPr lang="ko-KR" altLang="en-US"/>
-          </a:p>
-        </p:txBody>
-      </p:sp>
-    </p:spTree>
-    <p:extLst>
-      <p:ext uri="{BB962C8B-B14F-4D97-AF65-F5344CB8AC3E}">
-        <p14:creationId xmlns:p14="http://schemas.microsoft.com/office/powerpoint/2010/main" val="3085828480"/>
-      </p:ext>
-    </p:extLst>
-  </p:cSld>
-  <p:clrMapOvr>
-    <a:masterClrMapping/>
-  </p:clrMapOvr>
-</p:sldLayout>
-</file>
-
-<file path=ppt/slideLayouts/slideLayout15.xml><?xml version="1.0" encoding="utf-8"?>
-<p:sldLayout xmlns:a="http://schemas.openxmlformats.org/drawingml/2006/main" xmlns:r="http://schemas.openxmlformats.org/officeDocument/2006/relationships" xmlns:p="http://schemas.openxmlformats.org/presentationml/2006/main" preserve="1">
-  <p:cSld name="참 또는 거짓">
-    <p:spTree>
-      <p:nvGrpSpPr>
-        <p:cNvPr id="1" name=""/>
-        <p:cNvGrpSpPr/>
-        <p:nvPr/>
-      </p:nvGrpSpPr>
-      <p:grpSpPr>
-        <a:xfrm>
-          <a:off x="0" y="0"/>
-          <a:ext cx="0" cy="0"/>
-          <a:chOff x="0" y="0"/>
-          <a:chExt cx="0" cy="0"/>
-        </a:xfrm>
-      </p:grpSpPr>
-      <p:sp>
-        <p:nvSpPr>
-          <p:cNvPr id="2" name="Title 1"/>
-          <p:cNvSpPr>
-            <a:spLocks noGrp="1"/>
-          </p:cNvSpPr>
-          <p:nvPr>
-            <p:ph type="title"/>
-          </p:nvPr>
-        </p:nvSpPr>
-        <p:spPr>
-          <a:xfrm>
-            <a:off x="1484313" y="685800"/>
-            <a:ext cx="10018712" cy="2727325"/>
-          </a:xfrm>
-        </p:spPr>
-        <p:txBody>
-          <a:bodyPr vert="horz" lIns="91440" tIns="45720" rIns="91440" bIns="45720" rtlCol="0" anchor="ctr">
-            <a:normAutofit/>
-          </a:bodyPr>
-          <a:lstStyle>
-            <a:lvl1pPr>
-              <a:defRPr lang="en-US" b="0" dirty="0"/>
-            </a:lvl1pPr>
-          </a:lstStyle>
-          <a:p>
-            <a:pPr marL="0" lvl="0"/>
-            <a:r>
-              <a:rPr lang="ko-KR" altLang="en-US"/>
-              <a:t>마스터 제목 스타일 편집</a:t>
-            </a:r>
-            <a:endParaRPr lang="en-US"/>
-          </a:p>
-        </p:txBody>
-      </p:sp>
-      <p:sp>
-        <p:nvSpPr>
-          <p:cNvPr id="10" name="Text Placeholder 9"/>
-          <p:cNvSpPr>
-            <a:spLocks noGrp="1"/>
-          </p:cNvSpPr>
-          <p:nvPr>
-            <p:ph type="body" sz="quarter" idx="13"/>
-          </p:nvPr>
-        </p:nvSpPr>
-        <p:spPr>
-          <a:xfrm>
-            <a:off x="1484312" y="3505200"/>
-            <a:ext cx="10018713" cy="838200"/>
-          </a:xfrm>
-        </p:spPr>
-        <p:txBody>
-          <a:bodyPr vert="horz" lIns="91440" tIns="45720" rIns="91440" bIns="45720" rtlCol="0" anchor="b">
-            <a:normAutofit/>
-          </a:bodyPr>
-          <a:lstStyle>
-            <a:lvl1pPr>
-              <a:buNone/>
-              <a:defRPr lang="en-US" sz="2800" b="0" cap="none" dirty="0">
-                <a:ln w="3175" cmpd="sng">
-                  <a:noFill/>
-                </a:ln>
-                <a:solidFill>
-                  <a:schemeClr val="tx1"/>
-                </a:solidFill>
-                <a:effectLst/>
-              </a:defRPr>
-            </a:lvl1pPr>
-          </a:lstStyle>
-          <a:p>
-            <a:pPr marL="0" lvl="0">
-              <a:spcBef>
-                <a:spcPct val="0"/>
-              </a:spcBef>
-              <a:buNone/>
-            </a:pPr>
-            <a:r>
-              <a:rPr lang="ko-KR" altLang="en-US"/>
-              <a:t>마스터 텍스트 스타일 편집</a:t>
-            </a:r>
-          </a:p>
-        </p:txBody>
-      </p:sp>
-      <p:sp>
-        <p:nvSpPr>
-          <p:cNvPr id="3" name="Text Placeholder 2"/>
-          <p:cNvSpPr>
-            <a:spLocks noGrp="1"/>
-          </p:cNvSpPr>
-          <p:nvPr>
-            <p:ph type="body" idx="1"/>
-          </p:nvPr>
-        </p:nvSpPr>
-        <p:spPr>
-          <a:xfrm>
-            <a:off x="1484311" y="4343400"/>
-            <a:ext cx="10018713" cy="1447800"/>
-          </a:xfrm>
-        </p:spPr>
-        <p:txBody>
-          <a:bodyPr anchor="t">
-            <a:normAutofit/>
-          </a:bodyPr>
-          <a:lstStyle>
-            <a:lvl1pPr marL="0" indent="0" algn="l">
-              <a:buNone/>
-              <a:defRPr sz="1800">
-                <a:solidFill>
-                  <a:schemeClr val="tx1"/>
-                </a:solidFill>
-              </a:defRPr>
-            </a:lvl1pPr>
-            <a:lvl2pPr marL="457200" indent="0">
-              <a:buNone/>
-              <a:defRPr sz="1800">
-                <a:solidFill>
-                  <a:schemeClr val="tx1">
-                    <a:tint val="75000"/>
-                  </a:schemeClr>
-                </a:solidFill>
-              </a:defRPr>
-            </a:lvl2pPr>
-            <a:lvl3pPr marL="914400" indent="0">
-              <a:buNone/>
-              <a:defRPr sz="1600">
-                <a:solidFill>
-                  <a:schemeClr val="tx1">
-                    <a:tint val="75000"/>
-                  </a:schemeClr>
-                </a:solidFill>
-              </a:defRPr>
-            </a:lvl3pPr>
-            <a:lvl4pPr marL="1371600" indent="0">
-              <a:buNone/>
-              <a:defRPr sz="1400">
-                <a:solidFill>
-                  <a:schemeClr val="tx1">
-                    <a:tint val="75000"/>
-                  </a:schemeClr>
-                </a:solidFill>
-              </a:defRPr>
-            </a:lvl4pPr>
-            <a:lvl5pPr marL="1828800" indent="0">
-              <a:buNone/>
-              <a:defRPr sz="1400">
-                <a:solidFill>
-                  <a:schemeClr val="tx1">
-                    <a:tint val="75000"/>
-                  </a:schemeClr>
-                </a:solidFill>
-              </a:defRPr>
-            </a:lvl5pPr>
-            <a:lvl6pPr marL="2286000" indent="0">
-              <a:buNone/>
-              <a:defRPr sz="1400">
-                <a:solidFill>
-                  <a:schemeClr val="tx1">
-                    <a:tint val="75000"/>
-                  </a:schemeClr>
-                </a:solidFill>
-              </a:defRPr>
-            </a:lvl6pPr>
-            <a:lvl7pPr marL="2743200" indent="0">
-              <a:buNone/>
-              <a:defRPr sz="1400">
-                <a:solidFill>
-                  <a:schemeClr val="tx1">
-                    <a:tint val="75000"/>
-                  </a:schemeClr>
-                </a:solidFill>
-              </a:defRPr>
-            </a:lvl7pPr>
-            <a:lvl8pPr marL="3200400" indent="0">
-              <a:buNone/>
-              <a:defRPr sz="1400">
-                <a:solidFill>
-                  <a:schemeClr val="tx1">
-                    <a:tint val="75000"/>
-                  </a:schemeClr>
-                </a:solidFill>
-              </a:defRPr>
-            </a:lvl8pPr>
-            <a:lvl9pPr marL="3657600" indent="0">
-              <a:buNone/>
-              <a:defRPr sz="1400">
-                <a:solidFill>
-                  <a:schemeClr val="tx1">
-                    <a:tint val="75000"/>
-                  </a:schemeClr>
-                </a:solidFill>
-              </a:defRPr>
-            </a:lvl9pPr>
-          </a:lstStyle>
-          <a:p>
-            <a:pPr lvl="0"/>
-            <a:r>
-              <a:rPr lang="ko-KR" altLang="en-US"/>
-              <a:t>마스터 텍스트 스타일 편집</a:t>
-            </a:r>
-          </a:p>
-        </p:txBody>
-      </p:sp>
-      <p:sp>
-        <p:nvSpPr>
-          <p:cNvPr id="4" name="Date Placeholder 3"/>
-          <p:cNvSpPr>
-            <a:spLocks noGrp="1"/>
-          </p:cNvSpPr>
-          <p:nvPr>
-            <p:ph type="dt" sz="half" idx="10"/>
-          </p:nvPr>
-        </p:nvSpPr>
-        <p:spPr/>
-        <p:txBody>
-          <a:bodyPr/>
-          <a:lstStyle/>
-          <a:p>
-            <a:fld id="{7052EFC6-043C-4278-956A-6E9BEEB4DACF}" type="datetimeFigureOut">
-              <a:rPr lang="ko-KR" altLang="en-US" smtClean="0"/>
-              <a:t>2019-05-13</a:t>
-            </a:fld>
-            <a:endParaRPr lang="ko-KR" altLang="en-US"/>
-          </a:p>
-        </p:txBody>
-      </p:sp>
-      <p:sp>
-        <p:nvSpPr>
-          <p:cNvPr id="5" name="Footer Placeholder 4"/>
-          <p:cNvSpPr>
-            <a:spLocks noGrp="1"/>
-          </p:cNvSpPr>
-          <p:nvPr>
-            <p:ph type="ftr" sz="quarter" idx="11"/>
-          </p:nvPr>
-        </p:nvSpPr>
-        <p:spPr/>
-        <p:txBody>
-          <a:bodyPr/>
-          <a:lstStyle/>
-          <a:p>
-            <a:endParaRPr lang="ko-KR" altLang="en-US"/>
-          </a:p>
-        </p:txBody>
-      </p:sp>
-      <p:sp>
-        <p:nvSpPr>
-          <p:cNvPr id="6" name="Slide Number Placeholder 5"/>
-          <p:cNvSpPr>
-            <a:spLocks noGrp="1"/>
-          </p:cNvSpPr>
-          <p:nvPr>
-            <p:ph type="sldNum" sz="quarter" idx="12"/>
-          </p:nvPr>
-        </p:nvSpPr>
-        <p:spPr/>
-        <p:txBody>
-          <a:bodyPr/>
-          <a:lstStyle/>
-          <a:p>
-            <a:fld id="{38582F93-1A41-4837-AB23-37D9DCAE00A3}" type="slidenum">
-              <a:rPr lang="ko-KR" altLang="en-US" smtClean="0"/>
-              <a:t>‹#›</a:t>
-            </a:fld>
-            <a:endParaRPr lang="ko-KR" altLang="en-US"/>
-          </a:p>
-        </p:txBody>
-      </p:sp>
-    </p:spTree>
-    <p:extLst>
-      <p:ext uri="{BB962C8B-B14F-4D97-AF65-F5344CB8AC3E}">
-        <p14:creationId xmlns:p14="http://schemas.microsoft.com/office/powerpoint/2010/main" val="3938869936"/>
-      </p:ext>
-    </p:extLst>
-  </p:cSld>
-  <p:clrMapOvr>
-    <a:masterClrMapping/>
-  </p:clrMapOvr>
-</p:sldLayout>
-</file>
-
-<file path=ppt/slideLayouts/slideLayout16.xml><?xml version="1.0" encoding="utf-8"?>
-<p:sldLayout xmlns:a="http://schemas.openxmlformats.org/drawingml/2006/main" xmlns:r="http://schemas.openxmlformats.org/officeDocument/2006/relationships" xmlns:p="http://schemas.openxmlformats.org/presentationml/2006/main" type="vertTx" preserve="1">
-  <p:cSld name="제목 및 세로 텍스트">
-    <p:spTree>
-      <p:nvGrpSpPr>
-        <p:cNvPr id="1" name=""/>
-        <p:cNvGrpSpPr/>
-        <p:nvPr/>
-      </p:nvGrpSpPr>
-      <p:grpSpPr>
-        <a:xfrm>
-          <a:off x="0" y="0"/>
-          <a:ext cx="0" cy="0"/>
-          <a:chOff x="0" y="0"/>
-          <a:chExt cx="0" cy="0"/>
-        </a:xfrm>
-      </p:grpSpPr>
-      <p:sp>
-        <p:nvSpPr>
-          <p:cNvPr id="2" name="Title 1"/>
-          <p:cNvSpPr>
-            <a:spLocks noGrp="1"/>
-          </p:cNvSpPr>
-          <p:nvPr>
-            <p:ph type="title"/>
-          </p:nvPr>
-        </p:nvSpPr>
-        <p:spPr/>
-        <p:txBody>
-          <a:bodyPr/>
-          <a:lstStyle>
-            <a:lvl1pPr algn="ctr">
-              <a:defRPr/>
-            </a:lvl1pPr>
-          </a:lstStyle>
-          <a:p>
-            <a:r>
-              <a:rPr lang="ko-KR" altLang="en-US"/>
-              <a:t>마스터 제목 스타일 편집</a:t>
-            </a:r>
-            <a:endParaRPr lang="en-US"/>
-          </a:p>
-        </p:txBody>
-      </p:sp>
-      <p:sp>
-        <p:nvSpPr>
-          <p:cNvPr id="3" name="Vertical Text Placeholder 2"/>
-          <p:cNvSpPr>
-            <a:spLocks noGrp="1"/>
-          </p:cNvSpPr>
-          <p:nvPr>
-            <p:ph type="body" orient="vert" idx="1"/>
-          </p:nvPr>
-        </p:nvSpPr>
-        <p:spPr/>
-        <p:txBody>
-          <a:bodyPr vert="eaVert" anchor="t"/>
-          <a:lstStyle/>
-          <a:p>
-            <a:pPr lvl="0"/>
-            <a:r>
-              <a:rPr lang="ko-KR" altLang="en-US"/>
-              <a:t>마스터 텍스트 스타일 편집</a:t>
-            </a:r>
-          </a:p>
-          <a:p>
-            <a:pPr lvl="1"/>
-            <a:r>
-              <a:rPr lang="ko-KR" altLang="en-US"/>
-              <a:t>둘째 수준</a:t>
-            </a:r>
-          </a:p>
-          <a:p>
-            <a:pPr lvl="2"/>
-            <a:r>
-              <a:rPr lang="ko-KR" altLang="en-US"/>
-              <a:t>셋째 수준</a:t>
-            </a:r>
-          </a:p>
-          <a:p>
-            <a:pPr lvl="3"/>
-            <a:r>
-              <a:rPr lang="ko-KR" altLang="en-US"/>
-              <a:t>넷째 수준</a:t>
-            </a:r>
-          </a:p>
-          <a:p>
-            <a:pPr lvl="4"/>
-            <a:r>
-              <a:rPr lang="ko-KR" altLang="en-US"/>
-              <a:t>다섯째 수준</a:t>
-            </a:r>
-            <a:endParaRPr lang="en-US"/>
-          </a:p>
-        </p:txBody>
-      </p:sp>
-      <p:sp>
-        <p:nvSpPr>
-          <p:cNvPr id="4" name="Date Placeholder 3"/>
-          <p:cNvSpPr>
-            <a:spLocks noGrp="1"/>
-          </p:cNvSpPr>
-          <p:nvPr>
-            <p:ph type="dt" sz="half" idx="10"/>
-          </p:nvPr>
-        </p:nvSpPr>
-        <p:spPr/>
-        <p:txBody>
-          <a:bodyPr/>
-          <a:lstStyle/>
-          <a:p>
-            <a:fld id="{7052EFC6-043C-4278-956A-6E9BEEB4DACF}" type="datetimeFigureOut">
-              <a:rPr lang="ko-KR" altLang="en-US" smtClean="0"/>
-              <a:t>2019-05-13</a:t>
-            </a:fld>
-            <a:endParaRPr lang="ko-KR" altLang="en-US"/>
-          </a:p>
-        </p:txBody>
-      </p:sp>
-      <p:sp>
-        <p:nvSpPr>
-          <p:cNvPr id="5" name="Footer Placeholder 4"/>
-          <p:cNvSpPr>
-            <a:spLocks noGrp="1"/>
-          </p:cNvSpPr>
-          <p:nvPr>
-            <p:ph type="ftr" sz="quarter" idx="11"/>
-          </p:nvPr>
-        </p:nvSpPr>
-        <p:spPr/>
-        <p:txBody>
-          <a:bodyPr/>
-          <a:lstStyle/>
-          <a:p>
-            <a:endParaRPr lang="ko-KR" altLang="en-US"/>
-          </a:p>
-        </p:txBody>
-      </p:sp>
-      <p:sp>
-        <p:nvSpPr>
-          <p:cNvPr id="6" name="Slide Number Placeholder 5"/>
-          <p:cNvSpPr>
-            <a:spLocks noGrp="1"/>
-          </p:cNvSpPr>
-          <p:nvPr>
-            <p:ph type="sldNum" sz="quarter" idx="12"/>
-          </p:nvPr>
-        </p:nvSpPr>
-        <p:spPr/>
-        <p:txBody>
-          <a:bodyPr/>
-          <a:lstStyle/>
-          <a:p>
-            <a:fld id="{38582F93-1A41-4837-AB23-37D9DCAE00A3}" type="slidenum">
-              <a:rPr lang="ko-KR" altLang="en-US" smtClean="0"/>
-              <a:t>‹#›</a:t>
-            </a:fld>
-            <a:endParaRPr lang="ko-KR" altLang="en-US"/>
-          </a:p>
-        </p:txBody>
-      </p:sp>
-    </p:spTree>
-    <p:extLst>
-      <p:ext uri="{BB962C8B-B14F-4D97-AF65-F5344CB8AC3E}">
-        <p14:creationId xmlns:p14="http://schemas.microsoft.com/office/powerpoint/2010/main" val="3602026079"/>
-      </p:ext>
-    </p:extLst>
-  </p:cSld>
-  <p:clrMapOvr>
-    <a:masterClrMapping/>
-  </p:clrMapOvr>
-</p:sldLayout>
-</file>
-
-<file path=ppt/slideLayouts/slideLayout17.xml><?xml version="1.0" encoding="utf-8"?>
-<p:sldLayout xmlns:a="http://schemas.openxmlformats.org/drawingml/2006/main" xmlns:r="http://schemas.openxmlformats.org/officeDocument/2006/relationships" xmlns:p="http://schemas.openxmlformats.org/presentationml/2006/main" type="vertTitleAndTx" preserve="1">
-  <p:cSld name="세로 제목 및 텍스트">
-    <p:spTree>
-      <p:nvGrpSpPr>
-        <p:cNvPr id="1" name=""/>
-        <p:cNvGrpSpPr/>
-        <p:nvPr/>
-      </p:nvGrpSpPr>
-      <p:grpSpPr>
-        <a:xfrm>
-          <a:off x="0" y="0"/>
-          <a:ext cx="0" cy="0"/>
-          <a:chOff x="0" y="0"/>
-          <a:chExt cx="0" cy="0"/>
-        </a:xfrm>
-      </p:grpSpPr>
-      <p:sp>
-        <p:nvSpPr>
-          <p:cNvPr id="2" name="Vertical Title 1"/>
-          <p:cNvSpPr>
-            <a:spLocks noGrp="1"/>
-          </p:cNvSpPr>
-          <p:nvPr>
-            <p:ph type="title" orient="vert"/>
-          </p:nvPr>
-        </p:nvSpPr>
-        <p:spPr>
-          <a:xfrm>
-            <a:off x="9732655" y="685800"/>
-            <a:ext cx="1770369" cy="5105400"/>
-          </a:xfrm>
-        </p:spPr>
-        <p:txBody>
-          <a:bodyPr vert="eaVert"/>
-          <a:lstStyle/>
-          <a:p>
-            <a:r>
-              <a:rPr lang="ko-KR" altLang="en-US"/>
-              <a:t>마스터 제목 스타일 편집</a:t>
-            </a:r>
-            <a:endParaRPr lang="en-US"/>
-          </a:p>
-        </p:txBody>
-      </p:sp>
-      <p:sp>
-        <p:nvSpPr>
-          <p:cNvPr id="3" name="Vertical Text Placeholder 2"/>
-          <p:cNvSpPr>
-            <a:spLocks noGrp="1"/>
-          </p:cNvSpPr>
-          <p:nvPr>
-            <p:ph type="body" orient="vert" idx="1"/>
-          </p:nvPr>
-        </p:nvSpPr>
-        <p:spPr>
-          <a:xfrm>
-            <a:off x="1484312" y="685800"/>
-            <a:ext cx="8019742" cy="5105400"/>
-          </a:xfrm>
-        </p:spPr>
-        <p:txBody>
-          <a:bodyPr vert="eaVert" anchor="t"/>
-          <a:lstStyle/>
-          <a:p>
-            <a:pPr lvl="0"/>
-            <a:r>
-              <a:rPr lang="ko-KR" altLang="en-US"/>
-              <a:t>마스터 텍스트 스타일 편집</a:t>
-            </a:r>
-          </a:p>
-          <a:p>
-            <a:pPr lvl="1"/>
-            <a:r>
-              <a:rPr lang="ko-KR" altLang="en-US"/>
-              <a:t>둘째 수준</a:t>
-            </a:r>
-          </a:p>
-          <a:p>
-            <a:pPr lvl="2"/>
-            <a:r>
-              <a:rPr lang="ko-KR" altLang="en-US"/>
-              <a:t>셋째 수준</a:t>
-            </a:r>
-          </a:p>
-          <a:p>
-            <a:pPr lvl="3"/>
-            <a:r>
-              <a:rPr lang="ko-KR" altLang="en-US"/>
-              <a:t>넷째 수준</a:t>
-            </a:r>
-          </a:p>
-          <a:p>
-            <a:pPr lvl="4"/>
-            <a:r>
-              <a:rPr lang="ko-KR" altLang="en-US"/>
-              <a:t>다섯째 수준</a:t>
-            </a:r>
-            <a:endParaRPr lang="en-US"/>
-          </a:p>
-        </p:txBody>
-      </p:sp>
-      <p:sp>
-        <p:nvSpPr>
-          <p:cNvPr id="4" name="Date Placeholder 3"/>
-          <p:cNvSpPr>
-            <a:spLocks noGrp="1"/>
-          </p:cNvSpPr>
-          <p:nvPr>
-            <p:ph type="dt" sz="half" idx="10"/>
-          </p:nvPr>
-        </p:nvSpPr>
-        <p:spPr/>
-        <p:txBody>
-          <a:bodyPr/>
-          <a:lstStyle/>
-          <a:p>
-            <a:fld id="{7052EFC6-043C-4278-956A-6E9BEEB4DACF}" type="datetimeFigureOut">
-              <a:rPr lang="ko-KR" altLang="en-US" smtClean="0"/>
-              <a:t>2019-05-13</a:t>
-            </a:fld>
-            <a:endParaRPr lang="ko-KR" altLang="en-US"/>
-          </a:p>
-        </p:txBody>
-      </p:sp>
-      <p:sp>
-        <p:nvSpPr>
-          <p:cNvPr id="5" name="Footer Placeholder 4"/>
-          <p:cNvSpPr>
-            <a:spLocks noGrp="1"/>
-          </p:cNvSpPr>
-          <p:nvPr>
-            <p:ph type="ftr" sz="quarter" idx="11"/>
-          </p:nvPr>
-        </p:nvSpPr>
-        <p:spPr/>
-        <p:txBody>
-          <a:bodyPr/>
-          <a:lstStyle/>
-          <a:p>
-            <a:endParaRPr lang="ko-KR" altLang="en-US"/>
-          </a:p>
-        </p:txBody>
-      </p:sp>
-      <p:sp>
-        <p:nvSpPr>
-          <p:cNvPr id="6" name="Slide Number Placeholder 5"/>
-          <p:cNvSpPr>
-            <a:spLocks noGrp="1"/>
-          </p:cNvSpPr>
-          <p:nvPr>
-            <p:ph type="sldNum" sz="quarter" idx="12"/>
-          </p:nvPr>
-        </p:nvSpPr>
-        <p:spPr/>
-        <p:txBody>
-          <a:bodyPr/>
-          <a:lstStyle/>
-          <a:p>
-            <a:fld id="{38582F93-1A41-4837-AB23-37D9DCAE00A3}" type="slidenum">
-              <a:rPr lang="ko-KR" altLang="en-US" smtClean="0"/>
-              <a:t>‹#›</a:t>
-            </a:fld>
-            <a:endParaRPr lang="ko-KR" altLang="en-US"/>
-          </a:p>
-        </p:txBody>
-      </p:sp>
-    </p:spTree>
-    <p:extLst>
-      <p:ext uri="{BB962C8B-B14F-4D97-AF65-F5344CB8AC3E}">
-        <p14:creationId xmlns:p14="http://schemas.microsoft.com/office/powerpoint/2010/main" val="2607730990"/>
-      </p:ext>
-    </p:extLst>
-  </p:cSld>
-  <p:clrMapOvr>
-    <a:masterClrMapping/>
-  </p:clrMapOvr>
-</p:sldLayout>
-</file>
-
-<file path=ppt/slideLayouts/slideLayout2.xml><?xml version="1.0" encoding="utf-8"?>
-<p:sldLayout xmlns:a="http://schemas.openxmlformats.org/drawingml/2006/main" xmlns:r="http://schemas.openxmlformats.org/officeDocument/2006/relationships" xmlns:p="http://schemas.openxmlformats.org/presentationml/2006/main" type="obj" preserve="1">
-  <p:cSld name="제목 및 내용">
-    <p:spTree>
-      <p:nvGrpSpPr>
-        <p:cNvPr id="1" name=""/>
-        <p:cNvGrpSpPr/>
-        <p:nvPr/>
-      </p:nvGrpSpPr>
-      <p:grpSpPr>
-        <a:xfrm>
-          <a:off x="0" y="0"/>
-          <a:ext cx="0" cy="0"/>
-          <a:chOff x="0" y="0"/>
-          <a:chExt cx="0" cy="0"/>
-        </a:xfrm>
-      </p:grpSpPr>
-      <p:sp>
-        <p:nvSpPr>
-          <p:cNvPr id="2" name="Title 1"/>
-          <p:cNvSpPr>
-            <a:spLocks noGrp="1"/>
-          </p:cNvSpPr>
-          <p:nvPr>
-            <p:ph type="title"/>
-          </p:nvPr>
-        </p:nvSpPr>
-        <p:spPr/>
-        <p:txBody>
-          <a:bodyPr/>
-          <a:lstStyle/>
-          <a:p>
-            <a:r>
-              <a:rPr lang="ko-KR" altLang="en-US"/>
-              <a:t>마스터 제목 스타일 편집</a:t>
-            </a:r>
-            <a:endParaRPr lang="en-US"/>
-          </a:p>
-        </p:txBody>
-      </p:sp>
-      <p:sp>
-        <p:nvSpPr>
-          <p:cNvPr id="3" name="Content Placeholder 2"/>
-          <p:cNvSpPr>
-            <a:spLocks noGrp="1"/>
-          </p:cNvSpPr>
-          <p:nvPr>
-            <p:ph idx="1"/>
-          </p:nvPr>
-        </p:nvSpPr>
-        <p:spPr/>
-        <p:txBody>
-          <a:bodyPr anchor="ctr"/>
-          <a:lstStyle/>
-          <a:p>
-            <a:pPr lvl="0"/>
-            <a:r>
-              <a:rPr lang="ko-KR" altLang="en-US"/>
-              <a:t>마스터 텍스트 스타일 편집</a:t>
-            </a:r>
-          </a:p>
-          <a:p>
-            <a:pPr lvl="1"/>
-            <a:r>
-              <a:rPr lang="ko-KR" altLang="en-US"/>
-              <a:t>둘째 수준</a:t>
-            </a:r>
-          </a:p>
-          <a:p>
-            <a:pPr lvl="2"/>
-            <a:r>
-              <a:rPr lang="ko-KR" altLang="en-US"/>
-              <a:t>셋째 수준</a:t>
-            </a:r>
-          </a:p>
-          <a:p>
-            <a:pPr lvl="3"/>
-            <a:r>
-              <a:rPr lang="ko-KR" altLang="en-US"/>
-              <a:t>넷째 수준</a:t>
-            </a:r>
-          </a:p>
-          <a:p>
-            <a:pPr lvl="4"/>
-            <a:r>
-              <a:rPr lang="ko-KR" altLang="en-US"/>
-              <a:t>다섯째 수준</a:t>
-            </a:r>
-            <a:endParaRPr lang="en-US"/>
-          </a:p>
-        </p:txBody>
-      </p:sp>
-      <p:sp>
-        <p:nvSpPr>
-          <p:cNvPr id="4" name="Date Placeholder 3"/>
-          <p:cNvSpPr>
-            <a:spLocks noGrp="1"/>
-          </p:cNvSpPr>
-          <p:nvPr>
-            <p:ph type="dt" sz="half" idx="10"/>
-          </p:nvPr>
-        </p:nvSpPr>
-        <p:spPr/>
-        <p:txBody>
-          <a:bodyPr/>
-          <a:lstStyle/>
-          <a:p>
-            <a:fld id="{7052EFC6-043C-4278-956A-6E9BEEB4DACF}" type="datetimeFigureOut">
-              <a:rPr lang="ko-KR" altLang="en-US" smtClean="0"/>
-              <a:t>2019-05-13</a:t>
-            </a:fld>
-            <a:endParaRPr lang="ko-KR" altLang="en-US"/>
-          </a:p>
-        </p:txBody>
-      </p:sp>
-      <p:sp>
-        <p:nvSpPr>
-          <p:cNvPr id="5" name="Footer Placeholder 4"/>
-          <p:cNvSpPr>
-            <a:spLocks noGrp="1"/>
-          </p:cNvSpPr>
-          <p:nvPr>
-            <p:ph type="ftr" sz="quarter" idx="11"/>
-          </p:nvPr>
-        </p:nvSpPr>
-        <p:spPr/>
-        <p:txBody>
-          <a:bodyPr/>
-          <a:lstStyle/>
-          <a:p>
-            <a:endParaRPr lang="ko-KR" altLang="en-US"/>
-          </a:p>
-        </p:txBody>
-      </p:sp>
-      <p:sp>
-        <p:nvSpPr>
-          <p:cNvPr id="6" name="Slide Number Placeholder 5"/>
-          <p:cNvSpPr>
-            <a:spLocks noGrp="1"/>
-          </p:cNvSpPr>
-          <p:nvPr>
-            <p:ph type="sldNum" sz="quarter" idx="12"/>
-          </p:nvPr>
-        </p:nvSpPr>
-        <p:spPr>
-          <a:xfrm>
-            <a:off x="10951856" y="5867131"/>
-            <a:ext cx="551167" cy="365125"/>
-          </a:xfrm>
-        </p:spPr>
-        <p:txBody>
-          <a:bodyPr/>
-          <a:lstStyle/>
-          <a:p>
-            <a:fld id="{38582F93-1A41-4837-AB23-37D9DCAE00A3}" type="slidenum">
-              <a:rPr lang="ko-KR" altLang="en-US" smtClean="0"/>
-              <a:t>‹#›</a:t>
-            </a:fld>
-            <a:endParaRPr lang="ko-KR" altLang="en-US"/>
-          </a:p>
-        </p:txBody>
-      </p:sp>
-    </p:spTree>
-    <p:extLst>
-      <p:ext uri="{BB962C8B-B14F-4D97-AF65-F5344CB8AC3E}">
-        <p14:creationId xmlns:p14="http://schemas.microsoft.com/office/powerpoint/2010/main" val="4061776566"/>
-      </p:ext>
-    </p:extLst>
-  </p:cSld>
-  <p:clrMapOvr>
-    <a:masterClrMapping/>
-  </p:clrMapOvr>
-</p:sldLayout>
-</file>
-
-<file path=ppt/slideLayouts/slideLayout3.xml><?xml version="1.0" encoding="utf-8"?>
-<p:sldLayout xmlns:a="http://schemas.openxmlformats.org/drawingml/2006/main" xmlns:r="http://schemas.openxmlformats.org/officeDocument/2006/relationships" xmlns:p="http://schemas.openxmlformats.org/presentationml/2006/main" type="secHead" preserve="1">
-  <p:cSld name="구역 머리글">
-    <p:spTree>
-      <p:nvGrpSpPr>
-        <p:cNvPr id="1" name=""/>
-        <p:cNvGrpSpPr/>
-        <p:nvPr/>
-      </p:nvGrpSpPr>
-      <p:grpSpPr>
-        <a:xfrm>
-          <a:off x="0" y="0"/>
-          <a:ext cx="0" cy="0"/>
-          <a:chOff x="0" y="0"/>
-          <a:chExt cx="0" cy="0"/>
-        </a:xfrm>
-      </p:grpSpPr>
-      <p:sp>
-        <p:nvSpPr>
-          <p:cNvPr id="2" name="Title 1"/>
-          <p:cNvSpPr>
-            <a:spLocks noGrp="1"/>
-          </p:cNvSpPr>
-          <p:nvPr>
-            <p:ph type="title"/>
-          </p:nvPr>
-        </p:nvSpPr>
-        <p:spPr>
-          <a:xfrm>
-            <a:off x="2572279" y="2666999"/>
-            <a:ext cx="8930747" cy="2110382"/>
-          </a:xfrm>
-        </p:spPr>
-        <p:txBody>
-          <a:bodyPr anchor="b"/>
-          <a:lstStyle>
-            <a:lvl1pPr algn="r">
-              <a:defRPr sz="4000" b="0" cap="none"/>
-            </a:lvl1pPr>
-          </a:lstStyle>
-          <a:p>
-            <a:r>
-              <a:rPr lang="ko-KR" altLang="en-US"/>
-              <a:t>마스터 제목 스타일 편집</a:t>
-            </a:r>
-            <a:endParaRPr lang="en-US"/>
-          </a:p>
-        </p:txBody>
-      </p:sp>
-      <p:sp>
-        <p:nvSpPr>
-          <p:cNvPr id="3" name="Text Placeholder 2"/>
-          <p:cNvSpPr>
-            <a:spLocks noGrp="1"/>
-          </p:cNvSpPr>
-          <p:nvPr>
-            <p:ph type="body" idx="1"/>
-          </p:nvPr>
-        </p:nvSpPr>
-        <p:spPr>
-          <a:xfrm>
-            <a:off x="2572278" y="4777381"/>
-            <a:ext cx="8930748" cy="860400"/>
-          </a:xfrm>
-        </p:spPr>
-        <p:txBody>
-          <a:bodyPr anchor="t">
-            <a:normAutofit/>
-          </a:bodyPr>
-          <a:lstStyle>
-            <a:lvl1pPr marL="0" indent="0" algn="r">
-              <a:buNone/>
-              <a:defRPr sz="2000">
-                <a:solidFill>
-                  <a:schemeClr val="tx1"/>
-                </a:solidFill>
-              </a:defRPr>
-            </a:lvl1pPr>
-            <a:lvl2pPr marL="457200" indent="0">
-              <a:buNone/>
-              <a:defRPr sz="1800">
-                <a:solidFill>
-                  <a:schemeClr val="tx1">
-                    <a:tint val="75000"/>
-                  </a:schemeClr>
-                </a:solidFill>
-              </a:defRPr>
-            </a:lvl2pPr>
-            <a:lvl3pPr marL="914400" indent="0">
-              <a:buNone/>
-              <a:defRPr sz="1600">
-                <a:solidFill>
-                  <a:schemeClr val="tx1">
-                    <a:tint val="75000"/>
-                  </a:schemeClr>
-                </a:solidFill>
-              </a:defRPr>
-            </a:lvl3pPr>
-            <a:lvl4pPr marL="1371600" indent="0">
-              <a:buNone/>
-              <a:defRPr sz="1400">
-                <a:solidFill>
-                  <a:schemeClr val="tx1">
-                    <a:tint val="75000"/>
-                  </a:schemeClr>
-                </a:solidFill>
-              </a:defRPr>
-            </a:lvl4pPr>
-            <a:lvl5pPr marL="1828800" indent="0">
-              <a:buNone/>
-              <a:defRPr sz="1400">
-                <a:solidFill>
-                  <a:schemeClr val="tx1">
-                    <a:tint val="75000"/>
-                  </a:schemeClr>
-                </a:solidFill>
-              </a:defRPr>
-            </a:lvl5pPr>
-            <a:lvl6pPr marL="2286000" indent="0">
-              <a:buNone/>
-              <a:defRPr sz="1400">
-                <a:solidFill>
-                  <a:schemeClr val="tx1">
-                    <a:tint val="75000"/>
-                  </a:schemeClr>
-                </a:solidFill>
-              </a:defRPr>
-            </a:lvl6pPr>
-            <a:lvl7pPr marL="2743200" indent="0">
-              <a:buNone/>
-              <a:defRPr sz="1400">
-                <a:solidFill>
-                  <a:schemeClr val="tx1">
-                    <a:tint val="75000"/>
-                  </a:schemeClr>
-                </a:solidFill>
-              </a:defRPr>
-            </a:lvl7pPr>
-            <a:lvl8pPr marL="3200400" indent="0">
-              <a:buNone/>
-              <a:defRPr sz="1400">
-                <a:solidFill>
-                  <a:schemeClr val="tx1">
-                    <a:tint val="75000"/>
-                  </a:schemeClr>
-                </a:solidFill>
-              </a:defRPr>
-            </a:lvl8pPr>
-            <a:lvl9pPr marL="3657600" indent="0">
-              <a:buNone/>
-              <a:defRPr sz="1400">
-                <a:solidFill>
-                  <a:schemeClr val="tx1">
-                    <a:tint val="75000"/>
-                  </a:schemeClr>
-                </a:solidFill>
-              </a:defRPr>
-            </a:lvl9pPr>
-          </a:lstStyle>
-          <a:p>
-            <a:pPr lvl="0"/>
-            <a:r>
-              <a:rPr lang="ko-KR" altLang="en-US"/>
-              <a:t>마스터 텍스트 스타일 편집</a:t>
-            </a:r>
-          </a:p>
-        </p:txBody>
-      </p:sp>
-      <p:sp>
-        <p:nvSpPr>
-          <p:cNvPr id="4" name="Date Placeholder 3"/>
-          <p:cNvSpPr>
-            <a:spLocks noGrp="1"/>
-          </p:cNvSpPr>
-          <p:nvPr>
-            <p:ph type="dt" sz="half" idx="10"/>
-          </p:nvPr>
-        </p:nvSpPr>
-        <p:spPr/>
-        <p:txBody>
-          <a:bodyPr/>
-          <a:lstStyle/>
-          <a:p>
-            <a:fld id="{7052EFC6-043C-4278-956A-6E9BEEB4DACF}" type="datetimeFigureOut">
-              <a:rPr lang="ko-KR" altLang="en-US" smtClean="0"/>
-              <a:t>2019-05-13</a:t>
-            </a:fld>
-            <a:endParaRPr lang="ko-KR" altLang="en-US"/>
-          </a:p>
-        </p:txBody>
-      </p:sp>
-      <p:sp>
-        <p:nvSpPr>
-          <p:cNvPr id="5" name="Footer Placeholder 4"/>
-          <p:cNvSpPr>
-            <a:spLocks noGrp="1"/>
-          </p:cNvSpPr>
-          <p:nvPr>
-            <p:ph type="ftr" sz="quarter" idx="11"/>
-          </p:nvPr>
-        </p:nvSpPr>
-        <p:spPr/>
-        <p:txBody>
-          <a:bodyPr/>
-          <a:lstStyle/>
-          <a:p>
-            <a:endParaRPr lang="ko-KR" altLang="en-US"/>
-          </a:p>
-        </p:txBody>
-      </p:sp>
-      <p:sp>
-        <p:nvSpPr>
-          <p:cNvPr id="6" name="Slide Number Placeholder 5"/>
-          <p:cNvSpPr>
-            <a:spLocks noGrp="1"/>
-          </p:cNvSpPr>
-          <p:nvPr>
-            <p:ph type="sldNum" sz="quarter" idx="12"/>
-          </p:nvPr>
-        </p:nvSpPr>
-        <p:spPr/>
-        <p:txBody>
-          <a:bodyPr/>
-          <a:lstStyle/>
-          <a:p>
-            <a:fld id="{38582F93-1A41-4837-AB23-37D9DCAE00A3}" type="slidenum">
-              <a:rPr lang="ko-KR" altLang="en-US" smtClean="0"/>
-              <a:t>‹#›</a:t>
-            </a:fld>
-            <a:endParaRPr lang="ko-KR" altLang="en-US"/>
-          </a:p>
-        </p:txBody>
-      </p:sp>
-    </p:spTree>
-    <p:extLst>
-      <p:ext uri="{BB962C8B-B14F-4D97-AF65-F5344CB8AC3E}">
-        <p14:creationId xmlns:p14="http://schemas.microsoft.com/office/powerpoint/2010/main" val="2643304476"/>
-      </p:ext>
-    </p:extLst>
-  </p:cSld>
-  <p:clrMapOvr>
-    <a:masterClrMapping/>
-  </p:clrMapOvr>
-</p:sldLayout>
-</file>
-
-<file path=ppt/slideLayouts/slideLayout4.xml><?xml version="1.0" encoding="utf-8"?>
-<p:sldLayout xmlns:a="http://schemas.openxmlformats.org/drawingml/2006/main" xmlns:r="http://schemas.openxmlformats.org/officeDocument/2006/relationships" xmlns:p="http://schemas.openxmlformats.org/presentationml/2006/main" type="twoObj" preserve="1">
-  <p:cSld name="콘텐츠 2개">
-    <p:spTree>
-      <p:nvGrpSpPr>
-        <p:cNvPr id="1" name=""/>
-        <p:cNvGrpSpPr/>
-        <p:nvPr/>
-      </p:nvGrpSpPr>
-      <p:grpSpPr>
-        <a:xfrm>
-          <a:off x="0" y="0"/>
-          <a:ext cx="0" cy="0"/>
-          <a:chOff x="0" y="0"/>
-          <a:chExt cx="0" cy="0"/>
-        </a:xfrm>
-      </p:grpSpPr>
-      <p:sp>
-        <p:nvSpPr>
-          <p:cNvPr id="2" name="Title 1"/>
-          <p:cNvSpPr>
-            <a:spLocks noGrp="1"/>
-          </p:cNvSpPr>
-          <p:nvPr>
-            <p:ph type="title"/>
-          </p:nvPr>
-        </p:nvSpPr>
-        <p:spPr>
-          <a:xfrm>
-            <a:off x="1484311" y="685800"/>
-            <a:ext cx="10018713" cy="1752599"/>
-          </a:xfrm>
-        </p:spPr>
-        <p:txBody>
-          <a:bodyPr/>
-          <a:lstStyle/>
-          <a:p>
-            <a:r>
-              <a:rPr lang="ko-KR" altLang="en-US"/>
-              <a:t>마스터 제목 스타일 편집</a:t>
-            </a:r>
-            <a:endParaRPr lang="en-US"/>
-          </a:p>
-        </p:txBody>
-      </p:sp>
-      <p:sp>
-        <p:nvSpPr>
-          <p:cNvPr id="3" name="Content Placeholder 2"/>
-          <p:cNvSpPr>
-            <a:spLocks noGrp="1"/>
-          </p:cNvSpPr>
-          <p:nvPr>
-            <p:ph sz="half" idx="1"/>
-          </p:nvPr>
-        </p:nvSpPr>
-        <p:spPr>
-          <a:xfrm>
-            <a:off x="1484312" y="2666999"/>
-            <a:ext cx="4895055" cy="3124201"/>
-          </a:xfrm>
-        </p:spPr>
-        <p:txBody>
-          <a:bodyPr>
-            <a:normAutofit/>
-          </a:bodyPr>
-          <a:lstStyle>
-            <a:lvl1pPr>
-              <a:defRPr sz="1800"/>
-            </a:lvl1pPr>
-            <a:lvl2pPr>
-              <a:defRPr sz="1600"/>
-            </a:lvl2pPr>
-            <a:lvl3pPr>
-              <a:defRPr sz="1400"/>
-            </a:lvl3pPr>
-            <a:lvl4pPr>
-              <a:defRPr sz="1200"/>
-            </a:lvl4pPr>
-            <a:lvl5pPr>
-              <a:defRPr sz="1200"/>
-            </a:lvl5pPr>
-            <a:lvl6pPr>
-              <a:defRPr sz="1200"/>
-            </a:lvl6pPr>
-            <a:lvl7pPr>
-              <a:defRPr sz="1200"/>
-            </a:lvl7pPr>
-            <a:lvl8pPr>
-              <a:defRPr sz="1200"/>
-            </a:lvl8pPr>
-            <a:lvl9pPr>
-              <a:defRPr sz="1200"/>
-            </a:lvl9pPr>
-          </a:lstStyle>
-          <a:p>
-            <a:pPr lvl="0"/>
-            <a:r>
-              <a:rPr lang="ko-KR" altLang="en-US"/>
-              <a:t>마스터 텍스트 스타일 편집</a:t>
-            </a:r>
-          </a:p>
-          <a:p>
-            <a:pPr lvl="1"/>
-            <a:r>
-              <a:rPr lang="ko-KR" altLang="en-US"/>
-              <a:t>둘째 수준</a:t>
-            </a:r>
-          </a:p>
-          <a:p>
-            <a:pPr lvl="2"/>
-            <a:r>
-              <a:rPr lang="ko-KR" altLang="en-US"/>
-              <a:t>셋째 수준</a:t>
-            </a:r>
-          </a:p>
-          <a:p>
-            <a:pPr lvl="3"/>
-            <a:r>
-              <a:rPr lang="ko-KR" altLang="en-US"/>
-              <a:t>넷째 수준</a:t>
-            </a:r>
-          </a:p>
-          <a:p>
-            <a:pPr lvl="4"/>
-            <a:r>
-              <a:rPr lang="ko-KR" altLang="en-US"/>
-              <a:t>다섯째 수준</a:t>
-            </a:r>
-            <a:endParaRPr lang="en-US"/>
-          </a:p>
-        </p:txBody>
-      </p:sp>
-      <p:sp>
-        <p:nvSpPr>
-          <p:cNvPr id="4" name="Content Placeholder 3"/>
-          <p:cNvSpPr>
-            <a:spLocks noGrp="1"/>
-          </p:cNvSpPr>
-          <p:nvPr>
-            <p:ph sz="half" idx="2"/>
-          </p:nvPr>
-        </p:nvSpPr>
-        <p:spPr>
-          <a:xfrm>
-            <a:off x="6607967" y="2667000"/>
-            <a:ext cx="4895056" cy="3124200"/>
-          </a:xfrm>
-        </p:spPr>
-        <p:txBody>
-          <a:bodyPr>
-            <a:normAutofit/>
-          </a:bodyPr>
-          <a:lstStyle>
-            <a:lvl1pPr>
-              <a:defRPr sz="1800"/>
-            </a:lvl1pPr>
-            <a:lvl2pPr>
-              <a:defRPr sz="1600"/>
-            </a:lvl2pPr>
-            <a:lvl3pPr>
-              <a:defRPr sz="1400"/>
-            </a:lvl3pPr>
-            <a:lvl4pPr>
-              <a:defRPr sz="1200"/>
-            </a:lvl4pPr>
-            <a:lvl5pPr>
-              <a:defRPr sz="1200"/>
-            </a:lvl5pPr>
-            <a:lvl6pPr>
-              <a:defRPr sz="1200"/>
-            </a:lvl6pPr>
-            <a:lvl7pPr>
-              <a:defRPr sz="1200"/>
-            </a:lvl7pPr>
-            <a:lvl8pPr>
-              <a:defRPr sz="1200"/>
-            </a:lvl8pPr>
-            <a:lvl9pPr>
-              <a:defRPr sz="1200"/>
-            </a:lvl9pPr>
-          </a:lstStyle>
-          <a:p>
-            <a:pPr lvl="0"/>
-            <a:r>
-              <a:rPr lang="ko-KR" altLang="en-US"/>
-              <a:t>마스터 텍스트 스타일 편집</a:t>
-            </a:r>
-          </a:p>
-          <a:p>
-            <a:pPr lvl="1"/>
-            <a:r>
-              <a:rPr lang="ko-KR" altLang="en-US"/>
-              <a:t>둘째 수준</a:t>
-            </a:r>
-          </a:p>
-          <a:p>
-            <a:pPr lvl="2"/>
-            <a:r>
-              <a:rPr lang="ko-KR" altLang="en-US"/>
-              <a:t>셋째 수준</a:t>
-            </a:r>
-          </a:p>
-          <a:p>
-            <a:pPr lvl="3"/>
-            <a:r>
-              <a:rPr lang="ko-KR" altLang="en-US"/>
-              <a:t>넷째 수준</a:t>
-            </a:r>
-          </a:p>
-          <a:p>
-            <a:pPr lvl="4"/>
-            <a:r>
-              <a:rPr lang="ko-KR" altLang="en-US"/>
-              <a:t>다섯째 수준</a:t>
-            </a:r>
-            <a:endParaRPr lang="en-US"/>
-          </a:p>
-        </p:txBody>
-      </p:sp>
-      <p:sp>
-        <p:nvSpPr>
-          <p:cNvPr id="5" name="Date Placeholder 4"/>
-          <p:cNvSpPr>
-            <a:spLocks noGrp="1"/>
-          </p:cNvSpPr>
-          <p:nvPr>
-            <p:ph type="dt" sz="half" idx="10"/>
-          </p:nvPr>
-        </p:nvSpPr>
-        <p:spPr/>
-        <p:txBody>
-          <a:bodyPr/>
-          <a:lstStyle/>
-          <a:p>
-            <a:fld id="{7052EFC6-043C-4278-956A-6E9BEEB4DACF}" type="datetimeFigureOut">
-              <a:rPr lang="ko-KR" altLang="en-US" smtClean="0"/>
-              <a:t>2019-05-13</a:t>
-            </a:fld>
-            <a:endParaRPr lang="ko-KR" altLang="en-US"/>
-          </a:p>
-        </p:txBody>
-      </p:sp>
-      <p:sp>
-        <p:nvSpPr>
-          <p:cNvPr id="6" name="Footer Placeholder 5"/>
-          <p:cNvSpPr>
-            <a:spLocks noGrp="1"/>
-          </p:cNvSpPr>
-          <p:nvPr>
-            <p:ph type="ftr" sz="quarter" idx="11"/>
-          </p:nvPr>
-        </p:nvSpPr>
-        <p:spPr/>
-        <p:txBody>
-          <a:bodyPr/>
-          <a:lstStyle/>
-          <a:p>
-            <a:endParaRPr lang="ko-KR" altLang="en-US"/>
-          </a:p>
-        </p:txBody>
-      </p:sp>
-      <p:sp>
-        <p:nvSpPr>
-          <p:cNvPr id="7" name="Slide Number Placeholder 6"/>
-          <p:cNvSpPr>
-            <a:spLocks noGrp="1"/>
-          </p:cNvSpPr>
-          <p:nvPr>
-            <p:ph type="sldNum" sz="quarter" idx="12"/>
-          </p:nvPr>
-        </p:nvSpPr>
-        <p:spPr/>
-        <p:txBody>
-          <a:bodyPr/>
-          <a:lstStyle/>
-          <a:p>
-            <a:fld id="{38582F93-1A41-4837-AB23-37D9DCAE00A3}" type="slidenum">
-              <a:rPr lang="ko-KR" altLang="en-US" smtClean="0"/>
-              <a:t>‹#›</a:t>
-            </a:fld>
-            <a:endParaRPr lang="ko-KR" altLang="en-US"/>
-          </a:p>
-        </p:txBody>
-      </p:sp>
-    </p:spTree>
-    <p:extLst>
-      <p:ext uri="{BB962C8B-B14F-4D97-AF65-F5344CB8AC3E}">
-        <p14:creationId xmlns:p14="http://schemas.microsoft.com/office/powerpoint/2010/main" val="1415580019"/>
+        <p14:creationId xmlns:p14="http://schemas.microsoft.com/office/powerpoint/2010/main" val="2441970420"/>
       </p:ext>
     </p:extLst>
   </p:cSld>
@@ -5851,20 +3460,21 @@
             <p:ph type="title"/>
           </p:nvPr>
         </p:nvSpPr>
-        <p:spPr/>
+        <p:spPr>
+          <a:xfrm>
+            <a:off x="1447191" y="804163"/>
+            <a:ext cx="9607661" cy="1056319"/>
+          </a:xfrm>
+        </p:spPr>
         <p:txBody>
           <a:bodyPr/>
-          <a:lstStyle>
-            <a:lvl1pPr>
-              <a:defRPr/>
-            </a:lvl1pPr>
-          </a:lstStyle>
+          <a:lstStyle/>
           <a:p>
             <a:r>
               <a:rPr lang="ko-KR" altLang="en-US"/>
               <a:t>마스터 제목 스타일 편집</a:t>
             </a:r>
-            <a:endParaRPr lang="en-US"/>
+            <a:endParaRPr lang="en-US" dirty="0"/>
           </a:p>
         </p:txBody>
       </p:sp>
@@ -5880,22 +3490,23 @@
         </p:nvSpPr>
         <p:spPr>
           <a:xfrm>
-            <a:off x="1772179" y="2658533"/>
-            <a:ext cx="4607188" cy="576262"/>
+            <a:off x="1447191" y="2019549"/>
+            <a:ext cx="4645152" cy="801943"/>
           </a:xfrm>
         </p:spPr>
         <p:txBody>
           <a:bodyPr anchor="b">
-            <a:noAutofit/>
+            <a:normAutofit/>
           </a:bodyPr>
           <a:lstStyle>
             <a:lvl1pPr marL="0" indent="0">
+              <a:lnSpc>
+                <a:spcPct val="100000"/>
+              </a:lnSpc>
               <a:buNone/>
-              <a:defRPr sz="2800" b="0">
+              <a:defRPr sz="2200" b="0" cap="all" baseline="0">
                 <a:solidFill>
-                  <a:schemeClr val="accent1">
-                    <a:lumMod val="75000"/>
-                  </a:schemeClr>
+                  <a:schemeClr val="accent1"/>
                 </a:solidFill>
               </a:defRPr>
             </a:lvl1pPr>
@@ -5936,7 +3547,7 @@
             <a:pPr lvl="0"/>
             <a:r>
               <a:rPr lang="ko-KR" altLang="en-US"/>
-              <a:t>마스터 텍스트 스타일 편집</a:t>
+              <a:t>마스터 텍스트 스타일을 편집하려면 클릭</a:t>
             </a:r>
           </a:p>
         </p:txBody>
@@ -5953,78 +3564,48 @@
         </p:nvSpPr>
         <p:spPr>
           <a:xfrm>
-            <a:off x="1484311" y="3335337"/>
-            <a:ext cx="4895056" cy="2455862"/>
+            <a:off x="1447191" y="2824269"/>
+            <a:ext cx="4645152" cy="2644457"/>
           </a:xfrm>
         </p:spPr>
         <p:txBody>
-          <a:bodyPr anchor="t">
-            <a:normAutofit/>
-          </a:bodyPr>
-          <a:lstStyle>
-            <a:lvl1pPr>
-              <a:defRPr sz="1800"/>
-            </a:lvl1pPr>
-            <a:lvl2pPr>
-              <a:defRPr sz="1600"/>
-            </a:lvl2pPr>
-            <a:lvl3pPr>
-              <a:defRPr sz="1400"/>
-            </a:lvl3pPr>
-            <a:lvl4pPr>
-              <a:defRPr sz="1200"/>
-            </a:lvl4pPr>
-            <a:lvl5pPr>
-              <a:defRPr sz="1200"/>
-            </a:lvl5pPr>
-            <a:lvl6pPr>
-              <a:defRPr sz="1200"/>
-            </a:lvl6pPr>
-            <a:lvl7pPr>
-              <a:defRPr sz="1200"/>
-            </a:lvl7pPr>
-            <a:lvl8pPr>
-              <a:defRPr sz="1200"/>
-            </a:lvl8pPr>
-            <a:lvl9pPr>
-              <a:defRPr sz="1200"/>
-            </a:lvl9pPr>
-          </a:lstStyle>
+          <a:bodyPr/>
+          <a:lstStyle/>
           <a:p>
             <a:pPr lvl="0"/>
             <a:r>
               <a:rPr lang="ko-KR" altLang="en-US"/>
-              <a:t>마스터 텍스트 스타일 편집</a:t>
+              <a:t>마스터 텍스트 스타일을 편집하려면 클릭</a:t>
             </a:r>
           </a:p>
           <a:p>
             <a:pPr lvl="1"/>
             <a:r>
               <a:rPr lang="ko-KR" altLang="en-US"/>
-              <a:t>둘째 수준</a:t>
+              <a:t>두 번째 수준</a:t>
             </a:r>
           </a:p>
           <a:p>
             <a:pPr lvl="2"/>
             <a:r>
               <a:rPr lang="ko-KR" altLang="en-US"/>
-              <a:t>셋째 수준</a:t>
+              <a:t>세 번째 수준</a:t>
             </a:r>
           </a:p>
           <a:p>
             <a:pPr lvl="3"/>
             <a:r>
               <a:rPr lang="ko-KR" altLang="en-US"/>
-              <a:t>넷째 수준</a:t>
+              <a:t>네 번째 수준</a:t>
             </a:r>
           </a:p>
           <a:p>
             <a:pPr lvl="4"/>
             <a:r>
               <a:rPr lang="ko-KR" altLang="en-US"/>
-              <a:t>다섯째 수준</a:t>
+              <a:t>다섯 번째 수준</a:t>
             </a:r>
-            <a:endParaRPr lang="en-US"/>
+            <a:endParaRPr lang="en-US" dirty="0"/>
           </a:p>
         </p:txBody>
       </p:sp>
@@ -6040,22 +3621,23 @@
         </p:nvSpPr>
         <p:spPr>
           <a:xfrm>
-            <a:off x="6880487" y="2667000"/>
-            <a:ext cx="4622537" cy="576262"/>
+            <a:off x="6412362" y="2023003"/>
+            <a:ext cx="4645152" cy="802237"/>
           </a:xfrm>
         </p:spPr>
         <p:txBody>
           <a:bodyPr anchor="b">
-            <a:noAutofit/>
+            <a:normAutofit/>
           </a:bodyPr>
           <a:lstStyle>
             <a:lvl1pPr marL="0" indent="0">
+              <a:lnSpc>
+                <a:spcPct val="100000"/>
+              </a:lnSpc>
               <a:buNone/>
-              <a:defRPr sz="2800" b="0">
+              <a:defRPr sz="2200" b="0" cap="all" baseline="0">
                 <a:solidFill>
-                  <a:schemeClr val="accent1">
-                    <a:lumMod val="75000"/>
-                  </a:schemeClr>
+                  <a:schemeClr val="accent1"/>
                 </a:solidFill>
               </a:defRPr>
             </a:lvl1pPr>
@@ -6096,7 +3678,7 @@
             <a:pPr lvl="0"/>
             <a:r>
               <a:rPr lang="ko-KR" altLang="en-US"/>
-              <a:t>마스터 텍스트 스타일 편집</a:t>
+              <a:t>마스터 텍스트 스타일을 편집하려면 클릭</a:t>
             </a:r>
           </a:p>
         </p:txBody>
@@ -6113,78 +3695,48 @@
         </p:nvSpPr>
         <p:spPr>
           <a:xfrm>
-            <a:off x="6607967" y="3335337"/>
-            <a:ext cx="4895056" cy="2455862"/>
+            <a:off x="6412362" y="2821491"/>
+            <a:ext cx="4645152" cy="2637371"/>
           </a:xfrm>
         </p:spPr>
         <p:txBody>
-          <a:bodyPr anchor="t">
-            <a:normAutofit/>
-          </a:bodyPr>
-          <a:lstStyle>
-            <a:lvl1pPr>
-              <a:defRPr sz="1800"/>
-            </a:lvl1pPr>
-            <a:lvl2pPr>
-              <a:defRPr sz="1600"/>
-            </a:lvl2pPr>
-            <a:lvl3pPr>
-              <a:defRPr sz="1400"/>
-            </a:lvl3pPr>
-            <a:lvl4pPr>
-              <a:defRPr sz="1200"/>
-            </a:lvl4pPr>
-            <a:lvl5pPr>
-              <a:defRPr sz="1200"/>
-            </a:lvl5pPr>
-            <a:lvl6pPr>
-              <a:defRPr sz="1200"/>
-            </a:lvl6pPr>
-            <a:lvl7pPr>
-              <a:defRPr sz="1200"/>
-            </a:lvl7pPr>
-            <a:lvl8pPr>
-              <a:defRPr sz="1200"/>
-            </a:lvl8pPr>
-            <a:lvl9pPr>
-              <a:defRPr sz="1200"/>
-            </a:lvl9pPr>
-          </a:lstStyle>
+          <a:bodyPr/>
+          <a:lstStyle/>
           <a:p>
             <a:pPr lvl="0"/>
             <a:r>
               <a:rPr lang="ko-KR" altLang="en-US"/>
-              <a:t>마스터 텍스트 스타일 편집</a:t>
+              <a:t>마스터 텍스트 스타일을 편집하려면 클릭</a:t>
             </a:r>
           </a:p>
           <a:p>
             <a:pPr lvl="1"/>
             <a:r>
               <a:rPr lang="ko-KR" altLang="en-US"/>
-              <a:t>둘째 수준</a:t>
+              <a:t>두 번째 수준</a:t>
             </a:r>
           </a:p>
           <a:p>
             <a:pPr lvl="2"/>
             <a:r>
               <a:rPr lang="ko-KR" altLang="en-US"/>
-              <a:t>셋째 수준</a:t>
+              <a:t>세 번째 수준</a:t>
             </a:r>
           </a:p>
           <a:p>
             <a:pPr lvl="3"/>
             <a:r>
               <a:rPr lang="ko-KR" altLang="en-US"/>
-              <a:t>넷째 수준</a:t>
+              <a:t>네 번째 수준</a:t>
             </a:r>
           </a:p>
           <a:p>
             <a:pPr lvl="4"/>
             <a:r>
               <a:rPr lang="ko-KR" altLang="en-US"/>
-              <a:t>다섯째 수준</a:t>
+              <a:t>다섯 번째 수준</a:t>
             </a:r>
-            <a:endParaRPr lang="en-US"/>
+            <a:endParaRPr lang="en-US" dirty="0"/>
           </a:p>
         </p:txBody>
       </p:sp>
@@ -6205,7 +3757,7 @@
           <a:p>
             <a:fld id="{7052EFC6-043C-4278-956A-6E9BEEB4DACF}" type="datetimeFigureOut">
               <a:rPr lang="ko-KR" altLang="en-US" smtClean="0"/>
-              <a:t>2019-05-13</a:t>
+              <a:t>2019-05-26</a:t>
             </a:fld>
             <a:endParaRPr lang="ko-KR" altLang="en-US"/>
           </a:p>
@@ -6253,10 +3805,41 @@
           </a:p>
         </p:txBody>
       </p:sp>
+      <p:cxnSp>
+        <p:nvCxnSpPr>
+          <p:cNvPr id="29" name="Straight Connector 28"/>
+          <p:cNvCxnSpPr/>
+          <p:nvPr/>
+        </p:nvCxnSpPr>
+        <p:spPr>
+          <a:xfrm>
+            <a:off x="1453896" y="1847088"/>
+            <a:ext cx="9607522" cy="0"/>
+          </a:xfrm>
+          <a:prstGeom prst="line">
+            <a:avLst/>
+          </a:prstGeom>
+          <a:ln w="31750"/>
+        </p:spPr>
+        <p:style>
+          <a:lnRef idx="3">
+            <a:schemeClr val="accent1"/>
+          </a:lnRef>
+          <a:fillRef idx="0">
+            <a:schemeClr val="accent1"/>
+          </a:fillRef>
+          <a:effectRef idx="2">
+            <a:schemeClr val="accent1"/>
+          </a:effectRef>
+          <a:fontRef idx="minor">
+            <a:schemeClr val="tx1"/>
+          </a:fontRef>
+        </p:style>
+      </p:cxnSp>
     </p:spTree>
     <p:extLst>
       <p:ext uri="{BB962C8B-B14F-4D97-AF65-F5344CB8AC3E}">
-        <p14:creationId xmlns:p14="http://schemas.microsoft.com/office/powerpoint/2010/main" val="322991836"/>
+        <p14:creationId xmlns:p14="http://schemas.microsoft.com/office/powerpoint/2010/main" val="3227490570"/>
       </p:ext>
     </p:extLst>
   </p:cSld>
@@ -6302,7 +3885,7 @@
               <a:rPr lang="ko-KR" altLang="en-US"/>
               <a:t>마스터 제목 스타일 편집</a:t>
             </a:r>
-            <a:endParaRPr lang="en-US"/>
+            <a:endParaRPr lang="en-US" dirty="0"/>
           </a:p>
         </p:txBody>
       </p:sp>
@@ -6323,7 +3906,7 @@
           <a:p>
             <a:fld id="{7052EFC6-043C-4278-956A-6E9BEEB4DACF}" type="datetimeFigureOut">
               <a:rPr lang="ko-KR" altLang="en-US" smtClean="0"/>
-              <a:t>2019-05-13</a:t>
+              <a:t>2019-05-26</a:t>
             </a:fld>
             <a:endParaRPr lang="ko-KR" altLang="en-US"/>
           </a:p>
@@ -6371,10 +3954,41 @@
           </a:p>
         </p:txBody>
       </p:sp>
+      <p:cxnSp>
+        <p:nvCxnSpPr>
+          <p:cNvPr id="25" name="Straight Connector 24"/>
+          <p:cNvCxnSpPr/>
+          <p:nvPr/>
+        </p:nvCxnSpPr>
+        <p:spPr>
+          <a:xfrm>
+            <a:off x="1453896" y="1847088"/>
+            <a:ext cx="9607522" cy="0"/>
+          </a:xfrm>
+          <a:prstGeom prst="line">
+            <a:avLst/>
+          </a:prstGeom>
+          <a:ln w="31750"/>
+        </p:spPr>
+        <p:style>
+          <a:lnRef idx="3">
+            <a:schemeClr val="accent1"/>
+          </a:lnRef>
+          <a:fillRef idx="0">
+            <a:schemeClr val="accent1"/>
+          </a:fillRef>
+          <a:effectRef idx="2">
+            <a:schemeClr val="accent1"/>
+          </a:effectRef>
+          <a:fontRef idx="minor">
+            <a:schemeClr val="tx1"/>
+          </a:fontRef>
+        </p:style>
+      </p:cxnSp>
     </p:spTree>
     <p:extLst>
       <p:ext uri="{BB962C8B-B14F-4D97-AF65-F5344CB8AC3E}">
-        <p14:creationId xmlns:p14="http://schemas.microsoft.com/office/powerpoint/2010/main" val="3370799030"/>
+        <p14:creationId xmlns:p14="http://schemas.microsoft.com/office/powerpoint/2010/main" val="866516881"/>
       </p:ext>
     </p:extLst>
   </p:cSld>
@@ -6418,7 +4032,7 @@
           <a:p>
             <a:fld id="{7052EFC6-043C-4278-956A-6E9BEEB4DACF}" type="datetimeFigureOut">
               <a:rPr lang="ko-KR" altLang="en-US" smtClean="0"/>
-              <a:t>2019-05-13</a:t>
+              <a:t>2019-05-26</a:t>
             </a:fld>
             <a:endParaRPr lang="ko-KR" altLang="en-US"/>
           </a:p>
@@ -6469,7 +4083,7 @@
     </p:spTree>
     <p:extLst>
       <p:ext uri="{BB962C8B-B14F-4D97-AF65-F5344CB8AC3E}">
-        <p14:creationId xmlns:p14="http://schemas.microsoft.com/office/powerpoint/2010/main" val="190283317"/>
+        <p14:creationId xmlns:p14="http://schemas.microsoft.com/office/powerpoint/2010/main" val="3992233080"/>
       </p:ext>
     </p:extLst>
   </p:cSld>
@@ -6508,8 +4122,8 @@
         </p:nvSpPr>
         <p:spPr>
           <a:xfrm>
-            <a:off x="1484312" y="1600200"/>
-            <a:ext cx="3549121" cy="1371600"/>
+            <a:off x="1444671" y="798973"/>
+            <a:ext cx="3273099" cy="2247117"/>
           </a:xfrm>
         </p:spPr>
         <p:txBody>
@@ -6517,8 +4131,8 @@
             <a:normAutofit/>
           </a:bodyPr>
           <a:lstStyle>
-            <a:lvl1pPr algn="ctr">
-              <a:defRPr sz="2400" b="0"/>
+            <a:lvl1pPr algn="l">
+              <a:defRPr sz="2400"/>
             </a:lvl1pPr>
           </a:lstStyle>
           <a:p>
@@ -6526,7 +4140,7 @@
               <a:rPr lang="ko-KR" altLang="en-US"/>
               <a:t>마스터 제목 스타일 편집</a:t>
             </a:r>
-            <a:endParaRPr lang="en-US"/>
+            <a:endParaRPr lang="en-US" dirty="0"/>
           </a:p>
         </p:txBody>
       </p:sp>
@@ -6542,78 +4156,48 @@
         </p:nvSpPr>
         <p:spPr>
           <a:xfrm>
-            <a:off x="5262033" y="685799"/>
-            <a:ext cx="6240990" cy="5105401"/>
+            <a:off x="5043714" y="798974"/>
+            <a:ext cx="6012470" cy="4658826"/>
           </a:xfrm>
         </p:spPr>
         <p:txBody>
-          <a:bodyPr anchor="ctr">
-            <a:normAutofit/>
-          </a:bodyPr>
-          <a:lstStyle>
-            <a:lvl1pPr>
-              <a:defRPr sz="2000"/>
-            </a:lvl1pPr>
-            <a:lvl2pPr>
-              <a:defRPr sz="1800"/>
-            </a:lvl2pPr>
-            <a:lvl3pPr>
-              <a:defRPr sz="1600"/>
-            </a:lvl3pPr>
-            <a:lvl4pPr>
-              <a:defRPr sz="1400"/>
-            </a:lvl4pPr>
-            <a:lvl5pPr>
-              <a:defRPr sz="1400"/>
-            </a:lvl5pPr>
-            <a:lvl6pPr>
-              <a:defRPr sz="1400"/>
-            </a:lvl6pPr>
-            <a:lvl7pPr>
-              <a:defRPr sz="1400"/>
-            </a:lvl7pPr>
-            <a:lvl8pPr>
-              <a:defRPr sz="1400"/>
-            </a:lvl8pPr>
-            <a:lvl9pPr>
-              <a:defRPr sz="1400"/>
-            </a:lvl9pPr>
-          </a:lstStyle>
+          <a:bodyPr anchor="ctr"/>
+          <a:lstStyle/>
           <a:p>
             <a:pPr lvl="0"/>
             <a:r>
               <a:rPr lang="ko-KR" altLang="en-US"/>
-              <a:t>마스터 텍스트 스타일 편집</a:t>
+              <a:t>마스터 텍스트 스타일을 편집하려면 클릭</a:t>
             </a:r>
           </a:p>
           <a:p>
             <a:pPr lvl="1"/>
             <a:r>
               <a:rPr lang="ko-KR" altLang="en-US"/>
-              <a:t>둘째 수준</a:t>
+              <a:t>두 번째 수준</a:t>
             </a:r>
           </a:p>
           <a:p>
             <a:pPr lvl="2"/>
             <a:r>
               <a:rPr lang="ko-KR" altLang="en-US"/>
-              <a:t>셋째 수준</a:t>
+              <a:t>세 번째 수준</a:t>
             </a:r>
           </a:p>
           <a:p>
             <a:pPr lvl="3"/>
             <a:r>
               <a:rPr lang="ko-KR" altLang="en-US"/>
-              <a:t>넷째 수준</a:t>
+              <a:t>네 번째 수준</a:t>
             </a:r>
           </a:p>
           <a:p>
             <a:pPr lvl="4"/>
             <a:r>
               <a:rPr lang="ko-KR" altLang="en-US"/>
-              <a:t>다섯째 수준</a:t>
+              <a:t>다섯 번째 수준</a:t>
             </a:r>
-            <a:endParaRPr lang="en-US"/>
+            <a:endParaRPr lang="en-US" dirty="0"/>
           </a:p>
         </p:txBody>
       </p:sp>
@@ -6629,57 +4213,55 @@
         </p:nvSpPr>
         <p:spPr>
           <a:xfrm>
-            <a:off x="1484312" y="2971800"/>
-            <a:ext cx="3549121" cy="1828800"/>
+            <a:off x="1444671" y="3205491"/>
+            <a:ext cx="3275013" cy="2248181"/>
           </a:xfrm>
         </p:spPr>
         <p:txBody>
-          <a:bodyPr>
-            <a:normAutofit/>
-          </a:bodyPr>
+          <a:bodyPr/>
           <a:lstStyle>
-            <a:lvl1pPr marL="0" indent="0" algn="ctr">
+            <a:lvl1pPr marL="0" indent="0" algn="l">
               <a:buNone/>
               <a:defRPr sz="1600"/>
             </a:lvl1pPr>
             <a:lvl2pPr marL="457200" indent="0">
               <a:buNone/>
-              <a:defRPr sz="1200"/>
+              <a:defRPr sz="1400"/>
             </a:lvl2pPr>
             <a:lvl3pPr marL="914400" indent="0">
               <a:buNone/>
-              <a:defRPr sz="1000"/>
+              <a:defRPr sz="1200"/>
             </a:lvl3pPr>
             <a:lvl4pPr marL="1371600" indent="0">
               <a:buNone/>
-              <a:defRPr sz="900"/>
+              <a:defRPr sz="1000"/>
             </a:lvl4pPr>
             <a:lvl5pPr marL="1828800" indent="0">
               <a:buNone/>
-              <a:defRPr sz="900"/>
+              <a:defRPr sz="1000"/>
             </a:lvl5pPr>
             <a:lvl6pPr marL="2286000" indent="0">
               <a:buNone/>
-              <a:defRPr sz="900"/>
+              <a:defRPr sz="1000"/>
             </a:lvl6pPr>
             <a:lvl7pPr marL="2743200" indent="0">
               <a:buNone/>
-              <a:defRPr sz="900"/>
+              <a:defRPr sz="1000"/>
             </a:lvl7pPr>
             <a:lvl8pPr marL="3200400" indent="0">
               <a:buNone/>
-              <a:defRPr sz="900"/>
+              <a:defRPr sz="1000"/>
             </a:lvl8pPr>
             <a:lvl9pPr marL="3657600" indent="0">
               <a:buNone/>
-              <a:defRPr sz="900"/>
+              <a:defRPr sz="1000"/>
             </a:lvl9pPr>
           </a:lstStyle>
           <a:p>
             <a:pPr lvl="0"/>
             <a:r>
               <a:rPr lang="ko-KR" altLang="en-US"/>
-              <a:t>마스터 텍스트 스타일 편집</a:t>
+              <a:t>마스터 텍스트 스타일을 편집하려면 클릭</a:t>
             </a:r>
           </a:p>
         </p:txBody>
@@ -6701,7 +4283,7 @@
           <a:p>
             <a:fld id="{7052EFC6-043C-4278-956A-6E9BEEB4DACF}" type="datetimeFigureOut">
               <a:rPr lang="ko-KR" altLang="en-US" smtClean="0"/>
-              <a:t>2019-05-13</a:t>
+              <a:t>2019-05-26</a:t>
             </a:fld>
             <a:endParaRPr lang="ko-KR" altLang="en-US"/>
           </a:p>
@@ -6749,10 +4331,41 @@
           </a:p>
         </p:txBody>
       </p:sp>
+      <p:cxnSp>
+        <p:nvCxnSpPr>
+          <p:cNvPr id="17" name="Straight Connector 16"/>
+          <p:cNvCxnSpPr/>
+          <p:nvPr/>
+        </p:nvCxnSpPr>
+        <p:spPr>
+          <a:xfrm>
+            <a:off x="1448280" y="3205491"/>
+            <a:ext cx="3269490" cy="0"/>
+          </a:xfrm>
+          <a:prstGeom prst="line">
+            <a:avLst/>
+          </a:prstGeom>
+          <a:ln w="31750"/>
+        </p:spPr>
+        <p:style>
+          <a:lnRef idx="3">
+            <a:schemeClr val="accent1"/>
+          </a:lnRef>
+          <a:fillRef idx="0">
+            <a:schemeClr val="accent1"/>
+          </a:fillRef>
+          <a:effectRef idx="2">
+            <a:schemeClr val="accent1"/>
+          </a:effectRef>
+          <a:fontRef idx="minor">
+            <a:schemeClr val="tx1"/>
+          </a:fontRef>
+        </p:style>
+      </p:cxnSp>
     </p:spTree>
     <p:extLst>
       <p:ext uri="{BB962C8B-B14F-4D97-AF65-F5344CB8AC3E}">
-        <p14:creationId xmlns:p14="http://schemas.microsoft.com/office/powerpoint/2010/main" val="3496352691"/>
+        <p14:creationId xmlns:p14="http://schemas.microsoft.com/office/powerpoint/2010/main" val="2545507473"/>
       </p:ext>
     </p:extLst>
   </p:cSld>
@@ -6779,6 +4392,140 @@
           <a:chExt cx="0" cy="0"/>
         </a:xfrm>
       </p:grpSpPr>
+      <p:grpSp>
+        <p:nvGrpSpPr>
+          <p:cNvPr id="8" name="Group 7"/>
+          <p:cNvGrpSpPr/>
+          <p:nvPr/>
+        </p:nvGrpSpPr>
+        <p:grpSpPr>
+          <a:xfrm>
+            <a:off x="7477387" y="482170"/>
+            <a:ext cx="4074533" cy="5149101"/>
+            <a:chOff x="7477387" y="482170"/>
+            <a:chExt cx="4074533" cy="5149101"/>
+          </a:xfrm>
+        </p:grpSpPr>
+        <p:sp>
+          <p:nvSpPr>
+            <p:cNvPr id="18" name="Rectangle 17"/>
+            <p:cNvSpPr/>
+            <p:nvPr/>
+          </p:nvSpPr>
+          <p:spPr bwMode="black">
+            <a:xfrm>
+              <a:off x="7477387" y="482170"/>
+              <a:ext cx="4074533" cy="5149101"/>
+            </a:xfrm>
+            <a:prstGeom prst="rect">
+              <a:avLst/>
+            </a:prstGeom>
+            <a:gradFill>
+              <a:gsLst>
+                <a:gs pos="0">
+                  <a:srgbClr val="000001"/>
+                </a:gs>
+                <a:gs pos="100000">
+                  <a:srgbClr val="191919"/>
+                </a:gs>
+              </a:gsLst>
+            </a:gradFill>
+            <a:ln w="76200" cmpd="sng">
+              <a:noFill/>
+              <a:miter lim="800000"/>
+            </a:ln>
+            <a:effectLst>
+              <a:outerShdw blurRad="127000" dist="228600" dir="4740000" sx="98000" sy="98000" algn="tl" rotWithShape="0">
+                <a:srgbClr val="000000">
+                  <a:alpha val="34000"/>
+                </a:srgbClr>
+              </a:outerShdw>
+            </a:effectLst>
+            <a:scene3d>
+              <a:camera prst="orthographicFront"/>
+              <a:lightRig rig="threePt" dir="t"/>
+            </a:scene3d>
+            <a:sp3d>
+              <a:bevelT w="152400" h="50800" prst="softRound"/>
+            </a:sp3d>
+          </p:spPr>
+          <p:style>
+            <a:lnRef idx="1">
+              <a:schemeClr val="accent1"/>
+            </a:lnRef>
+            <a:fillRef idx="3">
+              <a:schemeClr val="accent1"/>
+            </a:fillRef>
+            <a:effectRef idx="2">
+              <a:schemeClr val="accent1"/>
+            </a:effectRef>
+            <a:fontRef idx="minor">
+              <a:schemeClr val="lt1"/>
+            </a:fontRef>
+          </p:style>
+        </p:sp>
+        <p:sp>
+          <p:nvSpPr>
+            <p:cNvPr id="19" name="Rectangle 18"/>
+            <p:cNvSpPr/>
+            <p:nvPr/>
+          </p:nvSpPr>
+          <p:spPr bwMode="blackWhite">
+            <a:xfrm>
+              <a:off x="7790446" y="812506"/>
+              <a:ext cx="3450289" cy="4466452"/>
+            </a:xfrm>
+            <a:prstGeom prst="rect">
+              <a:avLst/>
+            </a:prstGeom>
+            <a:gradFill>
+              <a:gsLst>
+                <a:gs pos="0">
+                  <a:srgbClr val="DADADA"/>
+                </a:gs>
+                <a:gs pos="100000">
+                  <a:srgbClr val="FFFFFE"/>
+                </a:gs>
+              </a:gsLst>
+              <a:lin ang="16200000" scaled="0"/>
+            </a:gradFill>
+            <a:ln w="50800" cmpd="sng">
+              <a:solidFill>
+                <a:srgbClr val="191919"/>
+              </a:solidFill>
+              <a:miter lim="800000"/>
+            </a:ln>
+            <a:effectLst>
+              <a:innerShdw blurRad="63500" dist="88900" dir="14100000">
+                <a:srgbClr val="000000">
+                  <a:alpha val="30000"/>
+                </a:srgbClr>
+              </a:innerShdw>
+            </a:effectLst>
+            <a:scene3d>
+              <a:camera prst="orthographicFront"/>
+              <a:lightRig rig="threePt" dir="t"/>
+            </a:scene3d>
+            <a:sp3d>
+              <a:bevelT prst="relaxedInset"/>
+            </a:sp3d>
+          </p:spPr>
+          <p:style>
+            <a:lnRef idx="1">
+              <a:schemeClr val="accent1"/>
+            </a:lnRef>
+            <a:fillRef idx="3">
+              <a:schemeClr val="accent1"/>
+            </a:fillRef>
+            <a:effectRef idx="2">
+              <a:schemeClr val="accent1"/>
+            </a:effectRef>
+            <a:fontRef idx="minor">
+              <a:schemeClr val="lt1"/>
+            </a:fontRef>
+          </p:style>
+        </p:sp>
+      </p:grpSp>
       <p:sp>
         <p:nvSpPr>
           <p:cNvPr id="2" name="Title 1"/>
@@ -6791,8 +4538,8 @@
         </p:nvSpPr>
         <p:spPr>
           <a:xfrm>
-            <a:off x="1482724" y="1752599"/>
-            <a:ext cx="5426158" cy="1371600"/>
+            <a:off x="1451206" y="1129513"/>
+            <a:ext cx="5532328" cy="1830584"/>
           </a:xfrm>
         </p:spPr>
         <p:txBody>
@@ -6800,8 +4547,8 @@
             <a:normAutofit/>
           </a:bodyPr>
           <a:lstStyle>
-            <a:lvl1pPr algn="ctr">
-              <a:defRPr sz="2800" b="0"/>
+            <a:lvl1pPr>
+              <a:defRPr sz="3200"/>
             </a:lvl1pPr>
           </a:lstStyle>
           <a:p>
@@ -6809,13 +4556,13 @@
               <a:rPr lang="ko-KR" altLang="en-US"/>
               <a:t>마스터 제목 스타일 편집</a:t>
             </a:r>
-            <a:endParaRPr lang="en-US"/>
+            <a:endParaRPr lang="en-US" dirty="0"/>
           </a:p>
         </p:txBody>
       </p:sp>
       <p:sp>
         <p:nvSpPr>
-          <p:cNvPr id="14" name="Picture Placeholder 2"/>
+          <p:cNvPr id="3" name="Picture Placeholder 2"/>
           <p:cNvSpPr>
             <a:spLocks noGrp="1" noChangeAspect="1"/>
           </p:cNvSpPr>
@@ -6825,78 +4572,58 @@
         </p:nvSpPr>
         <p:spPr>
           <a:xfrm>
-            <a:off x="7594682" y="914400"/>
-            <a:ext cx="3280974" cy="4572000"/>
+            <a:off x="8124389" y="1122542"/>
+            <a:ext cx="2791171" cy="3866327"/>
           </a:xfrm>
-          <a:prstGeom prst="roundRect">
-            <a:avLst>
-              <a:gd name="adj" fmla="val 4280"/>
-            </a:avLst>
-          </a:prstGeom>
-          <a:ln w="38100">
-            <a:gradFill flip="none" rotWithShape="1">
-              <a:gsLst>
-                <a:gs pos="0">
-                  <a:schemeClr val="bg2"/>
-                </a:gs>
-                <a:gs pos="100000">
-                  <a:schemeClr val="bg2">
-                    <a:lumMod val="75000"/>
-                  </a:schemeClr>
-                </a:gs>
-              </a:gsLst>
-              <a:lin ang="5400000" scaled="0"/>
-              <a:tileRect/>
-            </a:gradFill>
+          <a:solidFill>
+            <a:schemeClr val="bg1">
+              <a:lumMod val="85000"/>
+            </a:schemeClr>
+          </a:solidFill>
+          <a:ln w="9525" cap="sq">
+            <a:noFill/>
+            <a:miter lim="800000"/>
           </a:ln>
-          <a:effectLst>
-            <a:innerShdw blurRad="57150" dist="38100" dir="14460000">
-              <a:srgbClr val="000000">
-                <a:alpha val="70000"/>
-              </a:srgbClr>
-            </a:innerShdw>
-          </a:effectLst>
+          <a:effectLst/>
         </p:spPr>
         <p:txBody>
-          <a:bodyPr anchor="t">
-            <a:normAutofit/>
-          </a:bodyPr>
+          <a:bodyPr anchor="t"/>
           <a:lstStyle>
             <a:lvl1pPr marL="0" indent="0" algn="ctr">
               <a:buNone/>
-              <a:defRPr sz="1600"/>
+              <a:defRPr sz="3200"/>
             </a:lvl1pPr>
             <a:lvl2pPr marL="457200" indent="0">
               <a:buNone/>
-              <a:defRPr sz="1600"/>
+              <a:defRPr sz="2800"/>
             </a:lvl2pPr>
             <a:lvl3pPr marL="914400" indent="0">
               <a:buNone/>
-              <a:defRPr sz="1600"/>
+              <a:defRPr sz="2400"/>
             </a:lvl3pPr>
             <a:lvl4pPr marL="1371600" indent="0">
               <a:buNone/>
-              <a:defRPr sz="1600"/>
+              <a:defRPr sz="2000"/>
             </a:lvl4pPr>
             <a:lvl5pPr marL="1828800" indent="0">
               <a:buNone/>
-              <a:defRPr sz="1600"/>
+              <a:defRPr sz="2000"/>
             </a:lvl5pPr>
             <a:lvl6pPr marL="2286000" indent="0">
               <a:buNone/>
-              <a:defRPr sz="1600"/>
+              <a:defRPr sz="2000"/>
             </a:lvl6pPr>
             <a:lvl7pPr marL="2743200" indent="0">
               <a:buNone/>
-              <a:defRPr sz="1600"/>
+              <a:defRPr sz="2000"/>
             </a:lvl7pPr>
             <a:lvl8pPr marL="3200400" indent="0">
               <a:buNone/>
-              <a:defRPr sz="1600"/>
+              <a:defRPr sz="2000"/>
             </a:lvl8pPr>
             <a:lvl9pPr marL="3657600" indent="0">
               <a:buNone/>
-              <a:defRPr sz="1600"/>
+              <a:defRPr sz="2000"/>
             </a:lvl9pPr>
           </a:lstStyle>
           <a:p>
@@ -6904,7 +4631,7 @@
               <a:rPr lang="ko-KR" altLang="en-US"/>
               <a:t>그림을 추가하려면 아이콘을 클릭하십시오</a:t>
             </a:r>
-            <a:endParaRPr lang="en-US"/>
+            <a:endParaRPr lang="en-US" dirty="0"/>
           </a:p>
         </p:txBody>
       </p:sp>
@@ -6920,8 +4647,8 @@
         </p:nvSpPr>
         <p:spPr>
           <a:xfrm>
-            <a:off x="1482724" y="3124199"/>
-            <a:ext cx="5426158" cy="1828800"/>
+            <a:off x="1450329" y="3145992"/>
+            <a:ext cx="5524404" cy="2003742"/>
           </a:xfrm>
         </p:spPr>
         <p:txBody>
@@ -6929,48 +4656,48 @@
             <a:normAutofit/>
           </a:bodyPr>
           <a:lstStyle>
-            <a:lvl1pPr marL="0" indent="0" algn="ctr">
+            <a:lvl1pPr marL="0" indent="0" algn="l">
               <a:buNone/>
               <a:defRPr sz="1800"/>
             </a:lvl1pPr>
             <a:lvl2pPr marL="457200" indent="0">
               <a:buNone/>
-              <a:defRPr sz="1200"/>
+              <a:defRPr sz="1400"/>
             </a:lvl2pPr>
             <a:lvl3pPr marL="914400" indent="0">
               <a:buNone/>
-              <a:defRPr sz="1000"/>
+              <a:defRPr sz="1200"/>
             </a:lvl3pPr>
             <a:lvl4pPr marL="1371600" indent="0">
               <a:buNone/>
-              <a:defRPr sz="900"/>
+              <a:defRPr sz="1000"/>
             </a:lvl4pPr>
             <a:lvl5pPr marL="1828800" indent="0">
               <a:buNone/>
-              <a:defRPr sz="900"/>
+              <a:defRPr sz="1000"/>
             </a:lvl5pPr>
             <a:lvl6pPr marL="2286000" indent="0">
               <a:buNone/>
-              <a:defRPr sz="900"/>
+              <a:defRPr sz="1000"/>
             </a:lvl6pPr>
             <a:lvl7pPr marL="2743200" indent="0">
               <a:buNone/>
-              <a:defRPr sz="900"/>
+              <a:defRPr sz="1000"/>
             </a:lvl7pPr>
             <a:lvl8pPr marL="3200400" indent="0">
               <a:buNone/>
-              <a:defRPr sz="900"/>
+              <a:defRPr sz="1000"/>
             </a:lvl8pPr>
             <a:lvl9pPr marL="3657600" indent="0">
               <a:buNone/>
-              <a:defRPr sz="900"/>
+              <a:defRPr sz="1000"/>
             </a:lvl9pPr>
           </a:lstStyle>
           <a:p>
             <a:pPr lvl="0"/>
             <a:r>
               <a:rPr lang="ko-KR" altLang="en-US"/>
-              <a:t>마스터 텍스트 스타일 편집</a:t>
+              <a:t>마스터 텍스트 스타일을 편집하려면 클릭</a:t>
             </a:r>
           </a:p>
         </p:txBody>
@@ -6985,14 +4712,23 @@
             <p:ph type="dt" sz="half" idx="10"/>
           </p:nvPr>
         </p:nvSpPr>
-        <p:spPr/>
+        <p:spPr>
+          <a:xfrm>
+            <a:off x="1447382" y="5469856"/>
+            <a:ext cx="5527351" cy="320123"/>
+          </a:xfrm>
+        </p:spPr>
         <p:txBody>
           <a:bodyPr/>
-          <a:lstStyle/>
+          <a:lstStyle>
+            <a:lvl1pPr algn="l">
+              <a:defRPr/>
+            </a:lvl1pPr>
+          </a:lstStyle>
           <a:p>
             <a:fld id="{7052EFC6-043C-4278-956A-6E9BEEB4DACF}" type="datetimeFigureOut">
               <a:rPr lang="ko-KR" altLang="en-US" smtClean="0"/>
-              <a:t>2019-05-13</a:t>
+              <a:t>2019-05-26</a:t>
             </a:fld>
             <a:endParaRPr lang="ko-KR" altLang="en-US"/>
           </a:p>
@@ -7008,7 +4744,12 @@
             <p:ph type="ftr" sz="quarter" idx="11"/>
           </p:nvPr>
         </p:nvSpPr>
-        <p:spPr/>
+        <p:spPr>
+          <a:xfrm>
+            <a:off x="1447382" y="318640"/>
+            <a:ext cx="5541004" cy="320931"/>
+          </a:xfrm>
+        </p:spPr>
         <p:txBody>
           <a:bodyPr/>
           <a:lstStyle/>
@@ -7040,10 +4781,41 @@
           </a:p>
         </p:txBody>
       </p:sp>
+      <p:cxnSp>
+        <p:nvCxnSpPr>
+          <p:cNvPr id="31" name="Straight Connector 30"/>
+          <p:cNvCxnSpPr/>
+          <p:nvPr/>
+        </p:nvCxnSpPr>
+        <p:spPr>
+          <a:xfrm>
+            <a:off x="1447382" y="3143605"/>
+            <a:ext cx="5527351" cy="0"/>
+          </a:xfrm>
+          <a:prstGeom prst="line">
+            <a:avLst/>
+          </a:prstGeom>
+          <a:ln w="31750"/>
+        </p:spPr>
+        <p:style>
+          <a:lnRef idx="3">
+            <a:schemeClr val="accent1"/>
+          </a:lnRef>
+          <a:fillRef idx="0">
+            <a:schemeClr val="accent1"/>
+          </a:fillRef>
+          <a:effectRef idx="2">
+            <a:schemeClr val="accent1"/>
+          </a:effectRef>
+          <a:fontRef idx="minor">
+            <a:schemeClr val="tx1"/>
+          </a:fontRef>
+        </p:style>
+      </p:cxnSp>
     </p:spTree>
     <p:extLst>
       <p:ext uri="{BB962C8B-B14F-4D97-AF65-F5344CB8AC3E}">
-        <p14:creationId xmlns:p14="http://schemas.microsoft.com/office/powerpoint/2010/main" val="3552103839"/>
+        <p14:creationId xmlns:p14="http://schemas.microsoft.com/office/powerpoint/2010/main" val="1811256501"/>
       </p:ext>
     </p:extLst>
   </p:cSld>
@@ -7075,322 +4847,84 @@
           <a:chExt cx="0" cy="0"/>
         </a:xfrm>
       </p:grpSpPr>
-      <p:grpSp>
-        <p:nvGrpSpPr>
-          <p:cNvPr id="7" name="Group 6"/>
-          <p:cNvGrpSpPr/>
+      <p:sp>
+        <p:nvSpPr>
+          <p:cNvPr id="8" name="Rectangle 7"/>
+          <p:cNvSpPr/>
           <p:nvPr/>
-        </p:nvGrpSpPr>
-        <p:grpSpPr>
+        </p:nvSpPr>
+        <p:spPr>
           <a:xfrm>
-            <a:off x="150812" y="0"/>
-            <a:ext cx="2436813" cy="6858001"/>
-            <a:chOff x="1320800" y="0"/>
-            <a:chExt cx="2436813" cy="6858001"/>
+            <a:off x="0" y="2019476"/>
+            <a:ext cx="12192000" cy="4105941"/>
           </a:xfrm>
-        </p:grpSpPr>
-        <p:sp>
-          <p:nvSpPr>
-            <p:cNvPr id="8" name="Freeform 6"/>
-            <p:cNvSpPr/>
-            <p:nvPr/>
-          </p:nvSpPr>
-          <p:spPr bwMode="auto">
-            <a:xfrm>
-              <a:off x="1627188" y="0"/>
-              <a:ext cx="1122363" cy="5329238"/>
-            </a:xfrm>
-            <a:custGeom>
-              <a:avLst/>
-              <a:gdLst/>
-              <a:ahLst/>
-              <a:cxnLst/>
-              <a:rect l="0" t="0" r="r" b="b"/>
-              <a:pathLst>
-                <a:path w="707" h="3357">
-                  <a:moveTo>
-                    <a:pt x="0" y="3330"/>
-                  </a:moveTo>
-                  <a:lnTo>
-                    <a:pt x="156" y="3357"/>
-                  </a:lnTo>
-                  <a:lnTo>
-                    <a:pt x="707" y="0"/>
-                  </a:lnTo>
-                  <a:lnTo>
-                    <a:pt x="547" y="0"/>
-                  </a:lnTo>
-                  <a:lnTo>
-                    <a:pt x="0" y="3330"/>
-                  </a:lnTo>
-                  <a:close/>
-                </a:path>
-              </a:pathLst>
-            </a:custGeom>
-            <a:solidFill>
-              <a:schemeClr val="accent1"/>
-            </a:solidFill>
-            <a:ln>
-              <a:noFill/>
-            </a:ln>
-          </p:spPr>
-        </p:sp>
-        <p:sp>
-          <p:nvSpPr>
-            <p:cNvPr id="9" name="Freeform 7"/>
-            <p:cNvSpPr/>
-            <p:nvPr/>
-          </p:nvSpPr>
-          <p:spPr bwMode="auto">
-            <a:xfrm>
-              <a:off x="1320800" y="0"/>
-              <a:ext cx="1117600" cy="5276850"/>
-            </a:xfrm>
-            <a:custGeom>
-              <a:avLst/>
-              <a:gdLst/>
-              <a:ahLst/>
-              <a:cxnLst/>
-              <a:rect l="0" t="0" r="r" b="b"/>
-              <a:pathLst>
-                <a:path w="704" h="3324">
-                  <a:moveTo>
-                    <a:pt x="704" y="0"/>
-                  </a:moveTo>
-                  <a:lnTo>
-                    <a:pt x="545" y="0"/>
-                  </a:lnTo>
-                  <a:lnTo>
-                    <a:pt x="0" y="3300"/>
-                  </a:lnTo>
-                  <a:lnTo>
-                    <a:pt x="157" y="3324"/>
-                  </a:lnTo>
-                  <a:lnTo>
-                    <a:pt x="704" y="0"/>
-                  </a:lnTo>
-                  <a:close/>
-                </a:path>
-              </a:pathLst>
-            </a:custGeom>
-            <a:solidFill>
-              <a:schemeClr val="tx1">
-                <a:lumMod val="65000"/>
-                <a:lumOff val="35000"/>
-              </a:schemeClr>
-            </a:solidFill>
-            <a:ln>
-              <a:noFill/>
-            </a:ln>
-          </p:spPr>
-        </p:sp>
-        <p:sp>
-          <p:nvSpPr>
-            <p:cNvPr id="10" name="Freeform 8"/>
-            <p:cNvSpPr/>
-            <p:nvPr/>
-          </p:nvSpPr>
-          <p:spPr bwMode="auto">
-            <a:xfrm>
-              <a:off x="1320800" y="5238750"/>
-              <a:ext cx="1228725" cy="1619250"/>
-            </a:xfrm>
-            <a:custGeom>
-              <a:avLst/>
-              <a:gdLst/>
-              <a:ahLst/>
-              <a:cxnLst/>
-              <a:rect l="0" t="0" r="r" b="b"/>
-              <a:pathLst>
-                <a:path w="774" h="1020">
-                  <a:moveTo>
-                    <a:pt x="0" y="0"/>
-                  </a:moveTo>
-                  <a:lnTo>
-                    <a:pt x="740" y="1020"/>
-                  </a:lnTo>
-                  <a:lnTo>
-                    <a:pt x="774" y="1020"/>
-                  </a:lnTo>
-                  <a:lnTo>
-                    <a:pt x="0" y="0"/>
-                  </a:lnTo>
-                  <a:close/>
-                </a:path>
-              </a:pathLst>
-            </a:custGeom>
-            <a:solidFill>
-              <a:schemeClr val="tx1">
-                <a:lumMod val="85000"/>
-                <a:lumOff val="15000"/>
-              </a:schemeClr>
-            </a:solidFill>
-            <a:ln>
-              <a:noFill/>
-            </a:ln>
-          </p:spPr>
-        </p:sp>
-        <p:sp>
-          <p:nvSpPr>
-            <p:cNvPr id="11" name="Freeform 9"/>
-            <p:cNvSpPr/>
-            <p:nvPr/>
-          </p:nvSpPr>
-          <p:spPr bwMode="auto">
-            <a:xfrm>
-              <a:off x="1627188" y="5291138"/>
-              <a:ext cx="1495425" cy="1566863"/>
-            </a:xfrm>
-            <a:custGeom>
-              <a:avLst/>
-              <a:gdLst/>
-              <a:ahLst/>
-              <a:cxnLst/>
-              <a:rect l="0" t="0" r="r" b="b"/>
-              <a:pathLst>
-                <a:path w="942" h="987">
-                  <a:moveTo>
-                    <a:pt x="0" y="0"/>
-                  </a:moveTo>
-                  <a:lnTo>
-                    <a:pt x="909" y="987"/>
-                  </a:lnTo>
-                  <a:lnTo>
-                    <a:pt x="942" y="987"/>
-                  </a:lnTo>
-                  <a:lnTo>
-                    <a:pt x="0" y="0"/>
-                  </a:lnTo>
-                  <a:close/>
-                </a:path>
-              </a:pathLst>
-            </a:custGeom>
-            <a:solidFill>
-              <a:schemeClr val="accent1">
-                <a:lumMod val="50000"/>
-              </a:schemeClr>
-            </a:solidFill>
-            <a:ln>
-              <a:noFill/>
-            </a:ln>
-          </p:spPr>
-        </p:sp>
-        <p:sp>
-          <p:nvSpPr>
-            <p:cNvPr id="12" name="Freeform 10"/>
-            <p:cNvSpPr/>
-            <p:nvPr/>
-          </p:nvSpPr>
-          <p:spPr bwMode="auto">
-            <a:xfrm>
-              <a:off x="1627188" y="5286375"/>
-              <a:ext cx="2130425" cy="1571625"/>
-            </a:xfrm>
-            <a:custGeom>
-              <a:avLst/>
-              <a:gdLst/>
-              <a:ahLst/>
-              <a:cxnLst/>
-              <a:rect l="0" t="0" r="r" b="b"/>
-              <a:pathLst>
-                <a:path w="1342" h="990">
-                  <a:moveTo>
-                    <a:pt x="0" y="3"/>
-                  </a:moveTo>
-                  <a:lnTo>
-                    <a:pt x="942" y="990"/>
-                  </a:lnTo>
-                  <a:lnTo>
-                    <a:pt x="1342" y="990"/>
-                  </a:lnTo>
-                  <a:lnTo>
-                    <a:pt x="156" y="27"/>
-                  </a:lnTo>
-                  <a:lnTo>
-                    <a:pt x="0" y="0"/>
-                  </a:lnTo>
-                  <a:lnTo>
-                    <a:pt x="0" y="3"/>
-                  </a:lnTo>
-                  <a:close/>
-                </a:path>
-              </a:pathLst>
-            </a:custGeom>
-            <a:solidFill>
-              <a:schemeClr val="accent1">
-                <a:lumMod val="75000"/>
-              </a:schemeClr>
-            </a:solidFill>
-            <a:ln>
-              <a:noFill/>
-            </a:ln>
-          </p:spPr>
-        </p:sp>
-        <p:sp>
-          <p:nvSpPr>
-            <p:cNvPr id="13" name="Freeform 11"/>
-            <p:cNvSpPr/>
-            <p:nvPr/>
-          </p:nvSpPr>
-          <p:spPr bwMode="auto">
-            <a:xfrm>
-              <a:off x="1320800" y="5238750"/>
-              <a:ext cx="1695450" cy="1619250"/>
-            </a:xfrm>
-            <a:custGeom>
-              <a:avLst/>
-              <a:gdLst/>
-              <a:ahLst/>
-              <a:cxnLst/>
-              <a:rect l="0" t="0" r="r" b="b"/>
-              <a:pathLst>
-                <a:path w="1068" h="1020">
-                  <a:moveTo>
-                    <a:pt x="1068" y="1020"/>
-                  </a:moveTo>
-                  <a:lnTo>
-                    <a:pt x="184" y="60"/>
-                  </a:lnTo>
-                  <a:lnTo>
-                    <a:pt x="154" y="27"/>
-                  </a:lnTo>
-                  <a:lnTo>
-                    <a:pt x="157" y="27"/>
-                  </a:lnTo>
-                  <a:lnTo>
-                    <a:pt x="157" y="24"/>
-                  </a:lnTo>
-                  <a:lnTo>
-                    <a:pt x="154" y="24"/>
-                  </a:lnTo>
-                  <a:lnTo>
-                    <a:pt x="0" y="0"/>
-                  </a:lnTo>
-                  <a:lnTo>
-                    <a:pt x="0" y="0"/>
-                  </a:lnTo>
-                  <a:lnTo>
-                    <a:pt x="774" y="1020"/>
-                  </a:lnTo>
-                  <a:lnTo>
-                    <a:pt x="1068" y="1020"/>
-                  </a:lnTo>
-                  <a:close/>
-                </a:path>
-              </a:pathLst>
-            </a:custGeom>
-            <a:solidFill>
-              <a:schemeClr val="tx1">
-                <a:lumMod val="75000"/>
-                <a:lumOff val="25000"/>
-              </a:schemeClr>
-            </a:solidFill>
-            <a:ln>
-              <a:noFill/>
-            </a:ln>
-          </p:spPr>
-        </p:sp>
-      </p:grpSp>
+          <a:prstGeom prst="rect">
+            <a:avLst/>
+          </a:prstGeom>
+          <a:gradFill flip="none" rotWithShape="1">
+            <a:gsLst>
+              <a:gs pos="0">
+                <a:schemeClr val="bg2">
+                  <a:alpha val="0"/>
+                </a:schemeClr>
+              </a:gs>
+              <a:gs pos="100000">
+                <a:schemeClr val="bg2"/>
+              </a:gs>
+            </a:gsLst>
+            <a:lin ang="5400000" scaled="0"/>
+            <a:tileRect/>
+          </a:gradFill>
+          <a:ln>
+            <a:noFill/>
+          </a:ln>
+        </p:spPr>
+        <p:style>
+          <a:lnRef idx="2">
+            <a:schemeClr val="accent1">
+              <a:shade val="50000"/>
+            </a:schemeClr>
+          </a:lnRef>
+          <a:fillRef idx="1">
+            <a:schemeClr val="accent1"/>
+          </a:fillRef>
+          <a:effectRef idx="0">
+            <a:schemeClr val="accent1"/>
+          </a:effectRef>
+          <a:fontRef idx="minor">
+            <a:schemeClr val="lt1"/>
+          </a:fontRef>
+        </p:style>
+      </p:sp>
+      <p:pic>
+        <p:nvPicPr>
+          <p:cNvPr id="7" name="Picture 6"/>
+          <p:cNvPicPr>
+            <a:picLocks noChangeAspect="1"/>
+          </p:cNvPicPr>
+          <p:nvPr/>
+        </p:nvPicPr>
+        <p:blipFill rotWithShape="1">
+          <a:blip r:embed="rId13">
+            <a:extLst>
+              <a:ext uri="{28A0092B-C50C-407E-A947-70E740481C1C}">
+                <a14:useLocalDpi xmlns:a14="http://schemas.microsoft.com/office/drawing/2010/main" val="0"/>
+              </a:ext>
+            </a:extLst>
+          </a:blip>
+          <a:srcRect t="1538" b="-1538"/>
+          <a:stretch/>
+        </p:blipFill>
+        <p:spPr bwMode="black">
+          <a:xfrm>
+            <a:off x="0" y="6126480"/>
+            <a:ext cx="12192000" cy="742950"/>
+          </a:xfrm>
+          <a:prstGeom prst="rect">
+            <a:avLst/>
+          </a:prstGeom>
+        </p:spPr>
+      </p:pic>
       <p:sp>
         <p:nvSpPr>
           <p:cNvPr id="2" name="Title Placeholder 1"/>
@@ -7403,16 +4937,15 @@
         </p:nvSpPr>
         <p:spPr>
           <a:xfrm>
-            <a:off x="1484311" y="685800"/>
-            <a:ext cx="10018713" cy="1752599"/>
+            <a:off x="1451579" y="804519"/>
+            <a:ext cx="9603275" cy="1049235"/>
           </a:xfrm>
           <a:prstGeom prst="rect">
             <a:avLst/>
           </a:prstGeom>
-          <a:effectLst/>
         </p:spPr>
         <p:txBody>
-          <a:bodyPr vert="horz" lIns="91440" tIns="45720" rIns="91440" bIns="45720" rtlCol="0" anchor="ctr">
+          <a:bodyPr vert="horz" lIns="91440" tIns="45720" rIns="91440" bIns="45720" rtlCol="0" anchor="t">
             <a:normAutofit/>
           </a:bodyPr>
           <a:lstStyle/>
@@ -7421,7 +4954,7 @@
               <a:rPr lang="ko-KR" altLang="en-US"/>
               <a:t>마스터 제목 스타일 편집</a:t>
             </a:r>
-            <a:endParaRPr lang="en-US"/>
+            <a:endParaRPr lang="en-US" dirty="0"/>
           </a:p>
         </p:txBody>
       </p:sp>
@@ -7437,15 +4970,15 @@
         </p:nvSpPr>
         <p:spPr>
           <a:xfrm>
-            <a:off x="1484310" y="2666999"/>
-            <a:ext cx="10018713" cy="3124201"/>
+            <a:off x="1451579" y="2015732"/>
+            <a:ext cx="9603275" cy="3450613"/>
           </a:xfrm>
           <a:prstGeom prst="rect">
             <a:avLst/>
           </a:prstGeom>
         </p:spPr>
         <p:txBody>
-          <a:bodyPr vert="horz" lIns="91440" tIns="45720" rIns="91440" bIns="45720" rtlCol="0" anchor="ctr">
+          <a:bodyPr vert="horz" lIns="91440" tIns="45720" rIns="91440" bIns="45720" rtlCol="0">
             <a:normAutofit/>
           </a:bodyPr>
           <a:lstStyle/>
@@ -7453,37 +4986,37 @@
             <a:pPr lvl="0"/>
             <a:r>
               <a:rPr lang="ko-KR" altLang="en-US"/>
-              <a:t>마스터 텍스트 스타일 편집</a:t>
+              <a:t>마스터 텍스트 스타일을 편집하려면 클릭</a:t>
             </a:r>
           </a:p>
           <a:p>
             <a:pPr lvl="1"/>
             <a:r>
               <a:rPr lang="ko-KR" altLang="en-US"/>
-              <a:t>둘째 수준</a:t>
+              <a:t>두 번째 수준</a:t>
             </a:r>
           </a:p>
           <a:p>
             <a:pPr lvl="2"/>
             <a:r>
               <a:rPr lang="ko-KR" altLang="en-US"/>
-              <a:t>셋째 수준</a:t>
+              <a:t>세 번째 수준</a:t>
             </a:r>
           </a:p>
           <a:p>
             <a:pPr lvl="3"/>
             <a:r>
               <a:rPr lang="ko-KR" altLang="en-US"/>
-              <a:t>넷째 수준</a:t>
+              <a:t>네 번째 수준</a:t>
             </a:r>
           </a:p>
           <a:p>
             <a:pPr lvl="4"/>
             <a:r>
               <a:rPr lang="ko-KR" altLang="en-US"/>
-              <a:t>다섯째 수준</a:t>
+              <a:t>다섯 번째 수준</a:t>
             </a:r>
-            <a:endParaRPr lang="en-US"/>
+            <a:endParaRPr lang="en-US" dirty="0"/>
           </a:p>
         </p:txBody>
       </p:sp>
@@ -7499,8 +5032,8 @@
         </p:nvSpPr>
         <p:spPr>
           <a:xfrm>
-            <a:off x="9732656" y="5883275"/>
-            <a:ext cx="1143000" cy="365125"/>
+            <a:off x="7554138" y="330370"/>
+            <a:ext cx="3500715" cy="309201"/>
           </a:xfrm>
           <a:prstGeom prst="rect">
             <a:avLst/>
@@ -7510,19 +5043,19 @@
           <a:bodyPr vert="horz" lIns="91440" tIns="45720" rIns="91440" bIns="45720" rtlCol="0" anchor="ctr"/>
           <a:lstStyle>
             <a:lvl1pPr algn="r">
-              <a:defRPr sz="1000" b="0" i="0">
+              <a:defRPr sz="1000">
                 <a:solidFill>
-                  <a:schemeClr val="tx1"/>
+                  <a:schemeClr val="tx1">
+                    <a:tint val="75000"/>
+                  </a:schemeClr>
                 </a:solidFill>
-                <a:effectLst/>
-                <a:latin typeface="+mn-lt"/>
               </a:defRPr>
             </a:lvl1pPr>
           </a:lstStyle>
           <a:p>
             <a:fld id="{7052EFC6-043C-4278-956A-6E9BEEB4DACF}" type="datetimeFigureOut">
               <a:rPr lang="ko-KR" altLang="en-US" smtClean="0"/>
-              <a:t>2019-05-13</a:t>
+              <a:t>2019-05-26</a:t>
             </a:fld>
             <a:endParaRPr lang="ko-KR" altLang="en-US"/>
           </a:p>
@@ -7540,8 +5073,8 @@
         </p:nvSpPr>
         <p:spPr>
           <a:xfrm>
-            <a:off x="2572279" y="5883275"/>
-            <a:ext cx="7084177" cy="365125"/>
+            <a:off x="1451579" y="329307"/>
+            <a:ext cx="5938836" cy="309201"/>
           </a:xfrm>
           <a:prstGeom prst="rect">
             <a:avLst/>
@@ -7551,12 +5084,12 @@
           <a:bodyPr vert="horz" lIns="91440" tIns="45720" rIns="91440" bIns="45720" rtlCol="0" anchor="ctr"/>
           <a:lstStyle>
             <a:lvl1pPr algn="l">
-              <a:defRPr sz="1000" b="0" i="0">
+              <a:defRPr sz="1000">
                 <a:solidFill>
-                  <a:schemeClr val="tx1"/>
+                  <a:schemeClr val="tx1">
+                    <a:tint val="75000"/>
+                  </a:schemeClr>
                 </a:solidFill>
-                <a:effectLst/>
-                <a:latin typeface="+mn-lt"/>
               </a:defRPr>
             </a:lvl1pPr>
           </a:lstStyle>
@@ -7577,23 +5110,21 @@
         </p:nvSpPr>
         <p:spPr>
           <a:xfrm>
-            <a:off x="10951856" y="5883275"/>
-            <a:ext cx="551167" cy="365125"/>
+            <a:off x="480060" y="798973"/>
+            <a:ext cx="811019" cy="503578"/>
           </a:xfrm>
           <a:prstGeom prst="rect">
             <a:avLst/>
           </a:prstGeom>
         </p:spPr>
         <p:txBody>
-          <a:bodyPr vert="horz" lIns="91440" tIns="45720" rIns="91440" bIns="45720" rtlCol="0" anchor="ctr"/>
+          <a:bodyPr vert="horz" lIns="91440" tIns="45720" rIns="91440" bIns="45720" rtlCol="0" anchor="t"/>
           <a:lstStyle>
             <a:lvl1pPr algn="r">
-              <a:defRPr sz="1000" b="0" i="0">
+              <a:defRPr sz="2800">
                 <a:solidFill>
-                  <a:schemeClr val="tx1"/>
+                  <a:schemeClr val="accent1"/>
                 </a:solidFill>
-                <a:effectLst/>
-                <a:latin typeface="+mn-lt"/>
               </a:defRPr>
             </a:lvl1pPr>
           </a:lstStyle>
@@ -7606,44 +5137,75 @@
           </a:p>
         </p:txBody>
       </p:sp>
+      <p:cxnSp>
+        <p:nvCxnSpPr>
+          <p:cNvPr id="10" name="Straight Connector 9"/>
+          <p:cNvCxnSpPr/>
+          <p:nvPr/>
+        </p:nvCxnSpPr>
+        <p:spPr>
+          <a:xfrm>
+            <a:off x="0" y="6128413"/>
+            <a:ext cx="12192000" cy="0"/>
+          </a:xfrm>
+          <a:prstGeom prst="line">
+            <a:avLst/>
+          </a:prstGeom>
+          <a:ln w="12700">
+            <a:solidFill>
+              <a:srgbClr val="000001">
+                <a:alpha val="20000"/>
+              </a:srgbClr>
+            </a:solidFill>
+          </a:ln>
+        </p:spPr>
+        <p:style>
+          <a:lnRef idx="1">
+            <a:schemeClr val="accent1"/>
+          </a:lnRef>
+          <a:fillRef idx="0">
+            <a:schemeClr val="accent1"/>
+          </a:fillRef>
+          <a:effectRef idx="0">
+            <a:schemeClr val="accent1"/>
+          </a:effectRef>
+          <a:fontRef idx="minor">
+            <a:schemeClr val="tx1"/>
+          </a:fontRef>
+        </p:style>
+      </p:cxnSp>
     </p:spTree>
     <p:extLst>
       <p:ext uri="{BB962C8B-B14F-4D97-AF65-F5344CB8AC3E}">
-        <p14:creationId xmlns:p14="http://schemas.microsoft.com/office/powerpoint/2010/main" val="3179238504"/>
+        <p14:creationId xmlns:p14="http://schemas.microsoft.com/office/powerpoint/2010/main" val="2259517933"/>
       </p:ext>
     </p:extLst>
   </p:cSld>
   <p:clrMap bg1="lt1" tx1="dk1" bg2="lt2" tx2="dk2" accent1="accent1" accent2="accent2" accent3="accent3" accent4="accent4" accent5="accent5" accent6="accent6" hlink="hlink" folHlink="folHlink"/>
   <p:sldLayoutIdLst>
-    <p:sldLayoutId id="2147483787" r:id="rId1"/>
-    <p:sldLayoutId id="2147483788" r:id="rId2"/>
-    <p:sldLayoutId id="2147483789" r:id="rId3"/>
-    <p:sldLayoutId id="2147483790" r:id="rId4"/>
-    <p:sldLayoutId id="2147483791" r:id="rId5"/>
-    <p:sldLayoutId id="2147483792" r:id="rId6"/>
-    <p:sldLayoutId id="2147483793" r:id="rId7"/>
-    <p:sldLayoutId id="2147483794" r:id="rId8"/>
-    <p:sldLayoutId id="2147483795" r:id="rId9"/>
-    <p:sldLayoutId id="2147483796" r:id="rId10"/>
-    <p:sldLayoutId id="2147483797" r:id="rId11"/>
-    <p:sldLayoutId id="2147483798" r:id="rId12"/>
-    <p:sldLayoutId id="2147483799" r:id="rId13"/>
-    <p:sldLayoutId id="2147483800" r:id="rId14"/>
-    <p:sldLayoutId id="2147483801" r:id="rId15"/>
-    <p:sldLayoutId id="2147483802" r:id="rId16"/>
-    <p:sldLayoutId id="2147483803" r:id="rId17"/>
+    <p:sldLayoutId id="2147483805" r:id="rId1"/>
+    <p:sldLayoutId id="2147483806" r:id="rId2"/>
+    <p:sldLayoutId id="2147483807" r:id="rId3"/>
+    <p:sldLayoutId id="2147483808" r:id="rId4"/>
+    <p:sldLayoutId id="2147483809" r:id="rId5"/>
+    <p:sldLayoutId id="2147483810" r:id="rId6"/>
+    <p:sldLayoutId id="2147483811" r:id="rId7"/>
+    <p:sldLayoutId id="2147483812" r:id="rId8"/>
+    <p:sldLayoutId id="2147483813" r:id="rId9"/>
+    <p:sldLayoutId id="2147483814" r:id="rId10"/>
+    <p:sldLayoutId id="2147483815" r:id="rId11"/>
   </p:sldLayoutIdLst>
   <p:txStyles>
     <p:titleStyle>
-      <a:lvl1pPr algn="ctr" defTabSz="457200" rtl="0" eaLnBrk="1" latinLnBrk="1" hangingPunct="1">
+      <a:lvl1pPr algn="l" defTabSz="914400" rtl="0" eaLnBrk="1" latinLnBrk="1" hangingPunct="1">
+        <a:lnSpc>
+          <a:spcPct val="90000"/>
+        </a:lnSpc>
         <a:spcBef>
           <a:spcPct val="0"/>
         </a:spcBef>
         <a:buNone/>
-        <a:defRPr sz="4000" kern="1200" cap="none">
-          <a:ln w="3175" cmpd="sng">
-            <a:noFill/>
-          </a:ln>
+        <a:defRPr sz="3200" b="0" i="0" kern="1200" cap="all">
           <a:solidFill>
             <a:schemeClr val="tx1"/>
           </a:solidFill>
@@ -7653,80 +5215,22 @@
           <a:cs typeface="+mj-cs"/>
         </a:defRPr>
       </a:lvl1pPr>
-      <a:lvl2pPr eaLnBrk="1" latinLnBrk="1" hangingPunct="1">
-        <a:defRPr>
-          <a:solidFill>
-            <a:schemeClr val="tx2"/>
-          </a:solidFill>
-        </a:defRPr>
-      </a:lvl2pPr>
-      <a:lvl3pPr eaLnBrk="1" latinLnBrk="1" hangingPunct="1">
-        <a:defRPr>
-          <a:solidFill>
-            <a:schemeClr val="tx2"/>
-          </a:solidFill>
-        </a:defRPr>
-      </a:lvl3pPr>
-      <a:lvl4pPr eaLnBrk="1" latinLnBrk="1" hangingPunct="1">
-        <a:defRPr>
-          <a:solidFill>
-            <a:schemeClr val="tx2"/>
-          </a:solidFill>
-        </a:defRPr>
-      </a:lvl4pPr>
-      <a:lvl5pPr eaLnBrk="1" latinLnBrk="1" hangingPunct="1">
-        <a:defRPr>
-          <a:solidFill>
-            <a:schemeClr val="tx2"/>
-          </a:solidFill>
-        </a:defRPr>
-      </a:lvl5pPr>
-      <a:lvl6pPr eaLnBrk="1" latinLnBrk="1" hangingPunct="1">
-        <a:defRPr>
-          <a:solidFill>
-            <a:schemeClr val="tx2"/>
-          </a:solidFill>
-        </a:defRPr>
-      </a:lvl6pPr>
-      <a:lvl7pPr eaLnBrk="1" latinLnBrk="1" hangingPunct="1">
-        <a:defRPr>
-          <a:solidFill>
-            <a:schemeClr val="tx2"/>
-          </a:solidFill>
-        </a:defRPr>
-      </a:lvl7pPr>
-      <a:lvl8pPr eaLnBrk="1" latinLnBrk="1" hangingPunct="1">
-        <a:defRPr>
-          <a:solidFill>
-            <a:schemeClr val="tx2"/>
-          </a:solidFill>
-        </a:defRPr>
-      </a:lvl8pPr>
-      <a:lvl9pPr eaLnBrk="1" latinLnBrk="1" hangingPunct="1">
-        <a:defRPr>
-          <a:solidFill>
-            <a:schemeClr val="tx2"/>
-          </a:solidFill>
-        </a:defRPr>
-      </a:lvl9pPr>
     </p:titleStyle>
     <p:bodyStyle>
-      <a:lvl1pPr marL="285750" indent="-285750" algn="l" defTabSz="457200" rtl="0" eaLnBrk="1" latinLnBrk="1" hangingPunct="1">
+      <a:lvl1pPr marL="228600" indent="-228600" algn="l" defTabSz="914400" rtl="0" eaLnBrk="1" latinLnBrk="1" hangingPunct="1">
+        <a:lnSpc>
+          <a:spcPct val="120000"/>
+        </a:lnSpc>
         <a:spcBef>
-          <a:spcPct val="20000"/>
+          <a:spcPts val="1000"/>
         </a:spcBef>
-        <a:spcAft>
-          <a:spcPts val="600"/>
-        </a:spcAft>
         <a:buClr>
-          <a:schemeClr val="accent1">
-            <a:lumMod val="75000"/>
-          </a:schemeClr>
+          <a:schemeClr val="accent1"/>
         </a:buClr>
-        <a:buSzPct val="145000"/>
-        <a:buFont typeface="Arial"/>
+        <a:buSzPct val="100000"/>
+        <a:buFont typeface="Arial" panose="020B0604020202020204" pitchFamily="34" charset="0"/>
         <a:buChar char="•"/>
-        <a:defRPr sz="2400" kern="1200" cap="none">
+        <a:defRPr sz="2000" kern="1200">
           <a:solidFill>
             <a:schemeClr val="tx1"/>
           </a:solidFill>
@@ -7736,22 +5240,20 @@
           <a:cs typeface="+mn-cs"/>
         </a:defRPr>
       </a:lvl1pPr>
-      <a:lvl2pPr marL="742950" indent="-285750" algn="l" defTabSz="457200" rtl="0" eaLnBrk="1" latinLnBrk="1" hangingPunct="1">
+      <a:lvl2pPr marL="685800" indent="-228600" algn="l" defTabSz="914400" rtl="0" eaLnBrk="1" latinLnBrk="1" hangingPunct="1">
+        <a:lnSpc>
+          <a:spcPct val="120000"/>
+        </a:lnSpc>
         <a:spcBef>
-          <a:spcPct val="20000"/>
+          <a:spcPts val="500"/>
         </a:spcBef>
-        <a:spcAft>
-          <a:spcPts val="600"/>
-        </a:spcAft>
         <a:buClr>
-          <a:schemeClr val="accent1">
-            <a:lumMod val="75000"/>
-          </a:schemeClr>
+          <a:schemeClr val="accent1"/>
         </a:buClr>
-        <a:buSzPct val="145000"/>
-        <a:buFont typeface="Arial"/>
+        <a:buSzPct val="100000"/>
+        <a:buFont typeface="Arial" panose="020B0604020202020204" pitchFamily="34" charset="0"/>
         <a:buChar char="•"/>
-        <a:defRPr sz="2000" kern="1200" cap="none">
+        <a:defRPr sz="1800" kern="1200" cap="none" baseline="0">
           <a:solidFill>
             <a:schemeClr val="tx1"/>
           </a:solidFill>
@@ -7761,22 +5263,20 @@
           <a:cs typeface="+mn-cs"/>
         </a:defRPr>
       </a:lvl2pPr>
-      <a:lvl3pPr marL="1200150" indent="-285750" algn="l" defTabSz="457200" rtl="0" eaLnBrk="1" latinLnBrk="1" hangingPunct="1">
+      <a:lvl3pPr marL="1143000" indent="-228600" algn="l" defTabSz="914400" rtl="0" eaLnBrk="1" latinLnBrk="1" hangingPunct="1">
+        <a:lnSpc>
+          <a:spcPct val="120000"/>
+        </a:lnSpc>
         <a:spcBef>
-          <a:spcPct val="20000"/>
+          <a:spcPts val="500"/>
         </a:spcBef>
-        <a:spcAft>
-          <a:spcPts val="600"/>
-        </a:spcAft>
         <a:buClr>
-          <a:schemeClr val="accent1">
-            <a:lumMod val="75000"/>
-          </a:schemeClr>
+          <a:schemeClr val="accent1"/>
         </a:buClr>
-        <a:buSzPct val="145000"/>
-        <a:buFont typeface="Arial"/>
+        <a:buSzPct val="100000"/>
+        <a:buFont typeface="Arial" panose="020B0604020202020204" pitchFamily="34" charset="0"/>
         <a:buChar char="•"/>
-        <a:defRPr sz="1800" kern="1200" cap="none">
+        <a:defRPr sz="1600" kern="1200">
           <a:solidFill>
             <a:schemeClr val="tx1"/>
           </a:solidFill>
@@ -7786,22 +5286,20 @@
           <a:cs typeface="+mn-cs"/>
         </a:defRPr>
       </a:lvl3pPr>
-      <a:lvl4pPr marL="1543050" indent="-171450" algn="l" defTabSz="457200" rtl="0" eaLnBrk="1" latinLnBrk="1" hangingPunct="1">
+      <a:lvl4pPr marL="1600200" indent="-228600" algn="l" defTabSz="914400" rtl="0" eaLnBrk="1" latinLnBrk="1" hangingPunct="1">
+        <a:lnSpc>
+          <a:spcPct val="120000"/>
+        </a:lnSpc>
         <a:spcBef>
-          <a:spcPct val="20000"/>
+          <a:spcPts val="500"/>
         </a:spcBef>
-        <a:spcAft>
-          <a:spcPts val="600"/>
-        </a:spcAft>
         <a:buClr>
-          <a:schemeClr val="accent1">
-            <a:lumMod val="75000"/>
-          </a:schemeClr>
+          <a:schemeClr val="accent1"/>
         </a:buClr>
-        <a:buSzPct val="145000"/>
-        <a:buFont typeface="Arial"/>
+        <a:buSzPct val="100000"/>
+        <a:buFont typeface="Arial" panose="020B0604020202020204" pitchFamily="34" charset="0"/>
         <a:buChar char="•"/>
-        <a:defRPr sz="1600" kern="1200" cap="none">
+        <a:defRPr sz="1400" kern="1200" cap="none" baseline="0">
           <a:solidFill>
             <a:schemeClr val="tx1"/>
           </a:solidFill>
@@ -7811,22 +5309,20 @@
           <a:cs typeface="+mn-cs"/>
         </a:defRPr>
       </a:lvl4pPr>
-      <a:lvl5pPr marL="2000250" indent="-171450" algn="l" defTabSz="457200" rtl="0" eaLnBrk="1" latinLnBrk="1" hangingPunct="1">
+      <a:lvl5pPr marL="2057400" indent="-228600" algn="l" defTabSz="914400" rtl="0" eaLnBrk="1" latinLnBrk="1" hangingPunct="1">
+        <a:lnSpc>
+          <a:spcPct val="120000"/>
+        </a:lnSpc>
         <a:spcBef>
-          <a:spcPct val="20000"/>
+          <a:spcPts val="500"/>
         </a:spcBef>
-        <a:spcAft>
-          <a:spcPts val="600"/>
-        </a:spcAft>
         <a:buClr>
-          <a:schemeClr val="accent1">
-            <a:lumMod val="75000"/>
-          </a:schemeClr>
+          <a:schemeClr val="accent1"/>
         </a:buClr>
-        <a:buSzPct val="145000"/>
-        <a:buFont typeface="Arial"/>
+        <a:buSzPct val="100000"/>
+        <a:buFont typeface="Arial" panose="020B0604020202020204" pitchFamily="34" charset="0"/>
         <a:buChar char="•"/>
-        <a:defRPr sz="1400" kern="1200" cap="none">
+        <a:defRPr sz="1200" kern="1200">
           <a:solidFill>
             <a:schemeClr val="tx1"/>
           </a:solidFill>
@@ -7836,22 +5332,20 @@
           <a:cs typeface="+mn-cs"/>
         </a:defRPr>
       </a:lvl5pPr>
-      <a:lvl6pPr marL="2514600" indent="-228600" algn="l" defTabSz="457200" rtl="0" eaLnBrk="1" latinLnBrk="1" hangingPunct="1">
+      <a:lvl6pPr marL="2514600" indent="-228600" algn="l" defTabSz="914400" rtl="0" eaLnBrk="1" latinLnBrk="1" hangingPunct="1">
+        <a:lnSpc>
+          <a:spcPct val="120000"/>
+        </a:lnSpc>
         <a:spcBef>
-          <a:spcPct val="20000"/>
+          <a:spcPts val="500"/>
         </a:spcBef>
-        <a:spcAft>
-          <a:spcPts val="600"/>
-        </a:spcAft>
         <a:buClr>
-          <a:schemeClr val="accent1">
-            <a:lumMod val="75000"/>
-          </a:schemeClr>
+          <a:schemeClr val="accent1"/>
         </a:buClr>
-        <a:buSzPct val="145000"/>
-        <a:buFont typeface="Arial"/>
+        <a:buSzPct val="100000"/>
+        <a:buFont typeface="Arial" panose="020B0604020202020204" pitchFamily="34" charset="0"/>
         <a:buChar char="•"/>
-        <a:defRPr sz="1400" kern="1200" cap="none">
+        <a:defRPr sz="1200" kern="1200">
           <a:solidFill>
             <a:schemeClr val="tx1"/>
           </a:solidFill>
@@ -7861,22 +5355,20 @@
           <a:cs typeface="+mn-cs"/>
         </a:defRPr>
       </a:lvl6pPr>
-      <a:lvl7pPr marL="2971800" indent="-228600" algn="l" defTabSz="457200" rtl="0" eaLnBrk="1" latinLnBrk="1" hangingPunct="1">
+      <a:lvl7pPr marL="2971800" indent="-228600" algn="l" defTabSz="914400" rtl="0" eaLnBrk="1" latinLnBrk="1" hangingPunct="1">
+        <a:lnSpc>
+          <a:spcPct val="120000"/>
+        </a:lnSpc>
         <a:spcBef>
-          <a:spcPct val="20000"/>
+          <a:spcPts val="500"/>
         </a:spcBef>
-        <a:spcAft>
-          <a:spcPts val="600"/>
-        </a:spcAft>
         <a:buClr>
-          <a:schemeClr val="accent1">
-            <a:lumMod val="75000"/>
-          </a:schemeClr>
+          <a:schemeClr val="accent1"/>
         </a:buClr>
-        <a:buSzPct val="145000"/>
-        <a:buFont typeface="Arial"/>
+        <a:buSzPct val="100000"/>
+        <a:buFont typeface="Arial" panose="020B0604020202020204" pitchFamily="34" charset="0"/>
         <a:buChar char="•"/>
-        <a:defRPr sz="1400" kern="1200" cap="none">
+        <a:defRPr sz="1200" kern="1200">
           <a:solidFill>
             <a:schemeClr val="tx1"/>
           </a:solidFill>
@@ -7886,22 +5378,20 @@
           <a:cs typeface="+mn-cs"/>
         </a:defRPr>
       </a:lvl7pPr>
-      <a:lvl8pPr marL="3429000" indent="-228600" algn="l" defTabSz="457200" rtl="0" eaLnBrk="1" latinLnBrk="1" hangingPunct="1">
+      <a:lvl8pPr marL="3429000" indent="-228600" algn="l" defTabSz="914400" rtl="0" eaLnBrk="1" latinLnBrk="1" hangingPunct="1">
+        <a:lnSpc>
+          <a:spcPct val="120000"/>
+        </a:lnSpc>
         <a:spcBef>
-          <a:spcPct val="20000"/>
+          <a:spcPts val="500"/>
         </a:spcBef>
-        <a:spcAft>
-          <a:spcPts val="600"/>
-        </a:spcAft>
         <a:buClr>
-          <a:schemeClr val="accent1">
-            <a:lumMod val="75000"/>
-          </a:schemeClr>
+          <a:schemeClr val="accent1"/>
         </a:buClr>
-        <a:buSzPct val="145000"/>
-        <a:buFont typeface="Arial"/>
+        <a:buSzPct val="100000"/>
+        <a:buFont typeface="Arial" panose="020B0604020202020204" pitchFamily="34" charset="0"/>
         <a:buChar char="•"/>
-        <a:defRPr sz="1400" kern="1200" cap="none">
+        <a:defRPr sz="1200" kern="1200" baseline="0">
           <a:solidFill>
             <a:schemeClr val="tx1"/>
           </a:solidFill>
@@ -7911,22 +5401,20 @@
           <a:cs typeface="+mn-cs"/>
         </a:defRPr>
       </a:lvl8pPr>
-      <a:lvl9pPr marL="3886200" indent="-228600" algn="l" defTabSz="457200" rtl="0" eaLnBrk="1" latinLnBrk="1" hangingPunct="1">
+      <a:lvl9pPr marL="3886200" indent="-228600" algn="l" defTabSz="914400" rtl="0" eaLnBrk="1" latinLnBrk="1" hangingPunct="1">
+        <a:lnSpc>
+          <a:spcPct val="120000"/>
+        </a:lnSpc>
         <a:spcBef>
-          <a:spcPct val="20000"/>
+          <a:spcPts val="500"/>
         </a:spcBef>
-        <a:spcAft>
-          <a:spcPts val="600"/>
-        </a:spcAft>
         <a:buClr>
-          <a:schemeClr val="accent1">
-            <a:lumMod val="75000"/>
-          </a:schemeClr>
+          <a:schemeClr val="accent1"/>
         </a:buClr>
-        <a:buSzPct val="145000"/>
-        <a:buFont typeface="Arial"/>
+        <a:buSzPct val="100000"/>
+        <a:buFont typeface="Arial" panose="020B0604020202020204" pitchFamily="34" charset="0"/>
         <a:buChar char="•"/>
-        <a:defRPr sz="1400" kern="1200" cap="none">
+        <a:defRPr sz="1200" kern="1200" baseline="0">
           <a:solidFill>
             <a:schemeClr val="tx1"/>
           </a:solidFill>
@@ -7941,7 +5429,7 @@
       <a:defPPr>
         <a:defRPr lang="en-US"/>
       </a:defPPr>
-      <a:lvl1pPr marL="0" algn="l" defTabSz="457200" rtl="0" eaLnBrk="1" latinLnBrk="1" hangingPunct="1">
+      <a:lvl1pPr marL="0" algn="l" defTabSz="914400" rtl="0" eaLnBrk="1" latinLnBrk="1" hangingPunct="1">
         <a:defRPr sz="1800" kern="1200">
           <a:solidFill>
             <a:schemeClr val="tx1"/>
@@ -7951,7 +5439,7 @@
           <a:cs typeface="+mn-cs"/>
         </a:defRPr>
       </a:lvl1pPr>
-      <a:lvl2pPr marL="457200" algn="l" defTabSz="457200" rtl="0" eaLnBrk="1" latinLnBrk="1" hangingPunct="1">
+      <a:lvl2pPr marL="457200" algn="l" defTabSz="914400" rtl="0" eaLnBrk="1" latinLnBrk="1" hangingPunct="1">
         <a:defRPr sz="1800" kern="1200">
           <a:solidFill>
             <a:schemeClr val="tx1"/>
@@ -7961,7 +5449,7 @@
           <a:cs typeface="+mn-cs"/>
         </a:defRPr>
       </a:lvl2pPr>
-      <a:lvl3pPr marL="914400" algn="l" defTabSz="457200" rtl="0" eaLnBrk="1" latinLnBrk="1" hangingPunct="1">
+      <a:lvl3pPr marL="914400" algn="l" defTabSz="914400" rtl="0" eaLnBrk="1" latinLnBrk="1" hangingPunct="1">
         <a:defRPr sz="1800" kern="1200">
           <a:solidFill>
             <a:schemeClr val="tx1"/>
@@ -7971,7 +5459,7 @@
           <a:cs typeface="+mn-cs"/>
         </a:defRPr>
       </a:lvl3pPr>
-      <a:lvl4pPr marL="1371600" algn="l" defTabSz="457200" rtl="0" eaLnBrk="1" latinLnBrk="1" hangingPunct="1">
+      <a:lvl4pPr marL="1371600" algn="l" defTabSz="914400" rtl="0" eaLnBrk="1" latinLnBrk="1" hangingPunct="1">
         <a:defRPr sz="1800" kern="1200">
           <a:solidFill>
             <a:schemeClr val="tx1"/>
@@ -7981,7 +5469,7 @@
           <a:cs typeface="+mn-cs"/>
         </a:defRPr>
       </a:lvl4pPr>
-      <a:lvl5pPr marL="1828800" algn="l" defTabSz="457200" rtl="0" eaLnBrk="1" latinLnBrk="1" hangingPunct="1">
+      <a:lvl5pPr marL="1828800" algn="l" defTabSz="914400" rtl="0" eaLnBrk="1" latinLnBrk="1" hangingPunct="1">
         <a:defRPr sz="1800" kern="1200">
           <a:solidFill>
             <a:schemeClr val="tx1"/>
@@ -7991,7 +5479,7 @@
           <a:cs typeface="+mn-cs"/>
         </a:defRPr>
       </a:lvl5pPr>
-      <a:lvl6pPr marL="2286000" algn="l" defTabSz="457200" rtl="0" eaLnBrk="1" latinLnBrk="1" hangingPunct="1">
+      <a:lvl6pPr marL="2286000" algn="l" defTabSz="914400" rtl="0" eaLnBrk="1" latinLnBrk="1" hangingPunct="1">
         <a:defRPr sz="1800" kern="1200">
           <a:solidFill>
             <a:schemeClr val="tx1"/>
@@ -8001,7 +5489,7 @@
           <a:cs typeface="+mn-cs"/>
         </a:defRPr>
       </a:lvl6pPr>
-      <a:lvl7pPr marL="2743200" algn="l" defTabSz="457200" rtl="0" eaLnBrk="1" latinLnBrk="1" hangingPunct="1">
+      <a:lvl7pPr marL="2743200" algn="l" defTabSz="914400" rtl="0" eaLnBrk="1" latinLnBrk="1" hangingPunct="1">
         <a:defRPr sz="1800" kern="1200">
           <a:solidFill>
             <a:schemeClr val="tx1"/>
@@ -8011,7 +5499,7 @@
           <a:cs typeface="+mn-cs"/>
         </a:defRPr>
       </a:lvl7pPr>
-      <a:lvl8pPr marL="3200400" algn="l" defTabSz="457200" rtl="0" eaLnBrk="1" latinLnBrk="1" hangingPunct="1">
+      <a:lvl8pPr marL="3200400" algn="l" defTabSz="914400" rtl="0" eaLnBrk="1" latinLnBrk="1" hangingPunct="1">
         <a:defRPr sz="1800" kern="1200">
           <a:solidFill>
             <a:schemeClr val="tx1"/>
@@ -8021,7 +5509,7 @@
           <a:cs typeface="+mn-cs"/>
         </a:defRPr>
       </a:lvl8pPr>
-      <a:lvl9pPr marL="3657600" algn="l" defTabSz="457200" rtl="0" eaLnBrk="1" latinLnBrk="1" hangingPunct="1">
+      <a:lvl9pPr marL="3657600" algn="l" defTabSz="914400" rtl="0" eaLnBrk="1" latinLnBrk="1" hangingPunct="1">
         <a:defRPr sz="1800" kern="1200">
           <a:solidFill>
             <a:schemeClr val="tx1"/>
@@ -8077,14 +5565,14 @@
           <a:lstStyle/>
           <a:p>
             <a:r>
-              <a:rPr lang="en-US" altLang="ko-KR" sz="9600" dirty="0" err="1">
+              <a:rPr lang="en-US" altLang="ko-KR" sz="9600" dirty="0">
                 <a:solidFill>
                   <a:schemeClr val="accent1"/>
                 </a:solidFill>
                 <a:latin typeface="HY수평선B" panose="02030600000101010101" pitchFamily="18" charset="-127"/>
                 <a:ea typeface="HY수평선B"/>
               </a:rPr>
-              <a:t>JungleWar</a:t>
+              <a:t>Jungle War</a:t>
             </a:r>
             <a:endParaRPr lang="ko-KR" altLang="en-US" sz="9600" dirty="0">
               <a:solidFill>
@@ -8114,91 +5602,91 @@
         </p:nvSpPr>
         <p:spPr>
           <a:xfrm>
-            <a:off x="1524000" y="4782768"/>
+            <a:off x="1524000" y="4399940"/>
             <a:ext cx="9144000" cy="1655762"/>
           </a:xfrm>
         </p:spPr>
         <p:txBody>
           <a:bodyPr>
-            <a:normAutofit fontScale="92500"/>
+            <a:normAutofit fontScale="92500" lnSpcReduction="20000"/>
           </a:bodyPr>
           <a:lstStyle/>
           <a:p>
             <a:r>
-              <a:rPr lang="en-US" altLang="ko-KR">
+              <a:rPr lang="en-US" altLang="ko-KR" dirty="0">
                 <a:latin typeface="HY수평선B" panose="02030600000101010101" pitchFamily="18" charset="-127"/>
                 <a:ea typeface="HY수평선B" panose="02030600000101010101" pitchFamily="18" charset="-127"/>
               </a:rPr>
               <a:t>2013180010 </a:t>
             </a:r>
             <a:r>
-              <a:rPr lang="ko-KR" altLang="en-US">
+              <a:rPr lang="ko-KR" altLang="en-US" dirty="0">
                 <a:latin typeface="HY수평선B" panose="02030600000101010101" pitchFamily="18" charset="-127"/>
                 <a:ea typeface="HY수평선B" panose="02030600000101010101" pitchFamily="18" charset="-127"/>
               </a:rPr>
               <a:t>박정훈</a:t>
             </a:r>
-            <a:endParaRPr lang="en-US" altLang="ko-KR">
+            <a:endParaRPr lang="en-US" altLang="ko-KR" dirty="0">
               <a:latin typeface="HY수평선B" panose="02030600000101010101" pitchFamily="18" charset="-127"/>
               <a:ea typeface="HY수평선B" panose="02030600000101010101" pitchFamily="18" charset="-127"/>
             </a:endParaRPr>
           </a:p>
           <a:p>
             <a:r>
-              <a:rPr lang="en-US" altLang="ko-KR">
+              <a:rPr lang="en-US" altLang="ko-KR" dirty="0">
                 <a:latin typeface="HY수평선B" panose="02030600000101010101" pitchFamily="18" charset="-127"/>
                 <a:ea typeface="HY수평선B" panose="02030600000101010101" pitchFamily="18" charset="-127"/>
               </a:rPr>
               <a:t>2013180018 </a:t>
             </a:r>
             <a:r>
-              <a:rPr lang="ko-KR" altLang="en-US">
+              <a:rPr lang="ko-KR" altLang="en-US" dirty="0">
                 <a:latin typeface="HY수평선B" panose="02030600000101010101" pitchFamily="18" charset="-127"/>
                 <a:ea typeface="HY수평선B" panose="02030600000101010101" pitchFamily="18" charset="-127"/>
               </a:rPr>
               <a:t>신상우</a:t>
             </a:r>
-            <a:endParaRPr lang="en-US" altLang="ko-KR">
+            <a:endParaRPr lang="en-US" altLang="ko-KR" dirty="0">
               <a:latin typeface="HY수평선B" panose="02030600000101010101" pitchFamily="18" charset="-127"/>
               <a:ea typeface="HY수평선B" panose="02030600000101010101" pitchFamily="18" charset="-127"/>
             </a:endParaRPr>
           </a:p>
           <a:p>
             <a:r>
-              <a:rPr lang="en-US" altLang="ko-KR">
+              <a:rPr lang="en-US" altLang="ko-KR" dirty="0">
                 <a:latin typeface="HY수평선B" panose="02030600000101010101" pitchFamily="18" charset="-127"/>
                 <a:ea typeface="HY수평선B" panose="02030600000101010101" pitchFamily="18" charset="-127"/>
               </a:rPr>
               <a:t>2013182033 </a:t>
             </a:r>
             <a:r>
-              <a:rPr lang="ko-KR" altLang="en-US">
+              <a:rPr lang="ko-KR" altLang="en-US" dirty="0">
                 <a:latin typeface="HY수평선B" panose="02030600000101010101" pitchFamily="18" charset="-127"/>
                 <a:ea typeface="HY수평선B" panose="02030600000101010101" pitchFamily="18" charset="-127"/>
               </a:rPr>
               <a:t>이수진</a:t>
             </a:r>
-            <a:endParaRPr lang="en-US" altLang="ko-KR">
+            <a:endParaRPr lang="en-US" altLang="ko-KR" dirty="0">
               <a:latin typeface="HY수평선B" panose="02030600000101010101" pitchFamily="18" charset="-127"/>
               <a:ea typeface="HY수평선B" panose="02030600000101010101" pitchFamily="18" charset="-127"/>
             </a:endParaRPr>
           </a:p>
           <a:p>
             <a:r>
-              <a:rPr lang="en-US" altLang="ko-KR">
+              <a:rPr lang="en-US" altLang="ko-KR" dirty="0">
                 <a:latin typeface="HY수평선B" panose="02030600000101010101" pitchFamily="18" charset="-127"/>
                 <a:ea typeface="HY수평선B" panose="02030600000101010101" pitchFamily="18" charset="-127"/>
               </a:rPr>
               <a:t>2014182029 </a:t>
             </a:r>
             <a:r>
-              <a:rPr lang="ko-KR" altLang="en-US">
+              <a:rPr lang="ko-KR" altLang="en-US" dirty="0">
                 <a:latin typeface="HY수평선B" panose="02030600000101010101" pitchFamily="18" charset="-127"/>
                 <a:ea typeface="HY수평선B" panose="02030600000101010101" pitchFamily="18" charset="-127"/>
               </a:rPr>
               <a:t>이병철</a:t>
             </a:r>
-            <a:endParaRPr lang="en-US" altLang="ko-KR">
+            <a:endParaRPr lang="en-US" altLang="ko-KR" dirty="0">
               <a:latin typeface="HY수평선B" panose="02030600000101010101" pitchFamily="18" charset="-127"/>
               <a:ea typeface="HY수평선B" panose="02030600000101010101" pitchFamily="18" charset="-127"/>
             </a:endParaRPr>
@@ -8253,7 +5741,7 @@
         </p:nvSpPr>
         <p:spPr>
           <a:xfrm>
-            <a:off x="1341166" y="0"/>
+            <a:off x="1341162" y="615122"/>
             <a:ext cx="10018713" cy="1555423"/>
           </a:xfrm>
         </p:spPr>
@@ -8263,8 +5751,9 @@
           </a:bodyPr>
           <a:lstStyle/>
           <a:p>
+            <a:pPr algn="ctr"/>
             <a:r>
-              <a:rPr lang="en-US" altLang="ko-KR" sz="7500" b="1" dirty="0">
+              <a:rPr lang="en-US" altLang="ko-KR" sz="6000" dirty="0">
                 <a:solidFill>
                   <a:schemeClr val="accent1"/>
                 </a:solidFill>
@@ -8272,7 +5761,7 @@
               </a:rPr>
               <a:t>Git Hub</a:t>
             </a:r>
-            <a:endParaRPr lang="ko-KR" altLang="en-US" sz="7500" b="1" dirty="0">
+            <a:endParaRPr lang="ko-KR" altLang="en-US" sz="6000" dirty="0">
               <a:solidFill>
                 <a:schemeClr val="accent1"/>
               </a:solidFill>
@@ -8283,10 +5772,10 @@
       </p:sp>
       <p:pic>
         <p:nvPicPr>
-          <p:cNvPr id="3" name="그림 2">
+          <p:cNvPr id="5" name="그림 4">
             <a:extLst>
               <a:ext uri="{FF2B5EF4-FFF2-40B4-BE49-F238E27FC236}">
-                <a16:creationId xmlns:a16="http://schemas.microsoft.com/office/drawing/2014/main" id="{147D75D6-DCA3-430F-A4FD-4D89C99498C5}"/>
+                <a16:creationId xmlns:a16="http://schemas.microsoft.com/office/drawing/2014/main" id="{26CF4503-55A5-4EB6-A1E2-7030D322FFA3}"/>
               </a:ext>
             </a:extLst>
           </p:cNvPr>
@@ -8303,8 +5792,8 @@
         </p:blipFill>
         <p:spPr>
           <a:xfrm>
-            <a:off x="3478905" y="2193688"/>
-            <a:ext cx="5234190" cy="4208936"/>
+            <a:off x="1611830" y="2051049"/>
+            <a:ext cx="9477375" cy="571500"/>
           </a:xfrm>
           <a:prstGeom prst="rect">
             <a:avLst/>
@@ -8313,10 +5802,10 @@
       </p:pic>
       <p:pic>
         <p:nvPicPr>
-          <p:cNvPr id="4" name="그림 3">
+          <p:cNvPr id="6" name="그림 5">
             <a:extLst>
               <a:ext uri="{FF2B5EF4-FFF2-40B4-BE49-F238E27FC236}">
-                <a16:creationId xmlns:a16="http://schemas.microsoft.com/office/drawing/2014/main" id="{69D44D41-0468-4377-B310-7F8A97F537C3}"/>
+                <a16:creationId xmlns:a16="http://schemas.microsoft.com/office/drawing/2014/main" id="{7069841D-FD06-4AAA-B478-C59F6D8BE2C3}"/>
               </a:ext>
             </a:extLst>
           </p:cNvPr>
@@ -8333,8 +5822,8 @@
         </p:blipFill>
         <p:spPr>
           <a:xfrm>
-            <a:off x="1707603" y="1211813"/>
-            <a:ext cx="9285837" cy="687219"/>
+            <a:off x="3689768" y="2785667"/>
+            <a:ext cx="4812463" cy="3875809"/>
           </a:xfrm>
           <a:prstGeom prst="rect">
             <a:avLst/>
@@ -8535,7 +6024,7 @@
         </p:nvSpPr>
         <p:spPr>
           <a:xfrm>
-            <a:off x="1403417" y="0"/>
+            <a:off x="1403417" y="578325"/>
             <a:ext cx="10018713" cy="1395167"/>
           </a:xfrm>
         </p:spPr>
@@ -8545,15 +6034,16 @@
           </a:bodyPr>
           <a:lstStyle/>
           <a:p>
+            <a:pPr algn="ctr"/>
             <a:r>
-              <a:rPr lang="ko-KR" altLang="en-US" sz="7500" dirty="0">
+              <a:rPr lang="ko-KR" altLang="en-US" sz="6600" dirty="0">
                 <a:solidFill>
                   <a:schemeClr val="accent1"/>
                 </a:solidFill>
                 <a:latin typeface="HY수평선B" panose="02030600000101010101" pitchFamily="18" charset="-127"/>
                 <a:ea typeface="HY수평선B" panose="02030600000101010101" pitchFamily="18" charset="-127"/>
               </a:rPr>
-              <a:t>목차</a:t>
+              <a:t>목 차</a:t>
             </a:r>
           </a:p>
         </p:txBody>
@@ -8576,7 +6066,7 @@
         </p:nvSpPr>
         <p:spPr>
           <a:xfrm>
-            <a:off x="1403417" y="2374452"/>
+            <a:off x="1403417" y="2208198"/>
             <a:ext cx="5967663" cy="4351338"/>
           </a:xfrm>
         </p:spPr>
@@ -8717,8 +6207,8 @@
         </p:nvSpPr>
         <p:spPr>
           <a:xfrm>
-            <a:off x="6096000" y="1476019"/>
-            <a:ext cx="5967663" cy="4351338"/>
+            <a:off x="6096000" y="988292"/>
+            <a:ext cx="5967663" cy="5669598"/>
           </a:xfrm>
           <a:prstGeom prst="rect">
             <a:avLst/>
@@ -8726,7 +6216,7 @@
         </p:spPr>
         <p:txBody>
           <a:bodyPr vert="horz" lIns="91440" tIns="45720" rIns="91440" bIns="45720" rtlCol="0" anchor="ctr">
-            <a:normAutofit/>
+            <a:normAutofit fontScale="77500" lnSpcReduction="20000"/>
           </a:bodyPr>
           <a:lstStyle>
             <a:lvl1pPr marL="285750" indent="-285750" algn="l" defTabSz="457200" rtl="0" eaLnBrk="1" latinLnBrk="1" hangingPunct="1">
@@ -8958,7 +6448,7 @@
           <a:p>
             <a:pPr marL="0" indent="0">
               <a:lnSpc>
-                <a:spcPct val="150000"/>
+                <a:spcPct val="320000"/>
               </a:lnSpc>
               <a:spcBef>
                 <a:spcPts val="1000"/>
@@ -8976,7 +6466,7 @@
           <a:p>
             <a:pPr marL="742950" indent="-742950">
               <a:lnSpc>
-                <a:spcPct val="150000"/>
+                <a:spcPct val="320000"/>
               </a:lnSpc>
               <a:spcBef>
                 <a:spcPts val="1000"/>
@@ -8984,6 +6474,9 @@
               <a:spcAft>
                 <a:spcPts val="0"/>
               </a:spcAft>
+              <a:buClr>
+                <a:schemeClr val="accent1"/>
+              </a:buClr>
               <a:buFont typeface="+mj-ea"/>
               <a:buAutoNum type="circleNumDbPlain" startAt="5"/>
             </a:pPr>
@@ -9002,7 +6495,7 @@
           <a:p>
             <a:pPr marL="742950" indent="-742950">
               <a:lnSpc>
-                <a:spcPct val="150000"/>
+                <a:spcPct val="320000"/>
               </a:lnSpc>
               <a:spcBef>
                 <a:spcPts val="1000"/>
@@ -9024,7 +6517,7 @@
           <a:p>
             <a:pPr marL="742950" indent="-742950">
               <a:lnSpc>
-                <a:spcPct val="150000"/>
+                <a:spcPct val="320000"/>
               </a:lnSpc>
               <a:spcBef>
                 <a:spcPts val="1000"/>
@@ -9050,7 +6543,7 @@
           <a:p>
             <a:pPr marL="742950" indent="-742950">
               <a:lnSpc>
-                <a:spcPct val="150000"/>
+                <a:spcPct val="320000"/>
               </a:lnSpc>
               <a:buFont typeface="+mj-ea"/>
               <a:buAutoNum type="circleNumDbPlain" startAt="5"/>
@@ -9110,7 +6603,7 @@
         </p:nvSpPr>
         <p:spPr>
           <a:xfrm>
-            <a:off x="1357125" y="9427"/>
+            <a:off x="1357125" y="491784"/>
             <a:ext cx="10018713" cy="1752599"/>
           </a:xfrm>
         </p:spPr>
@@ -9120,8 +6613,9 @@
           </a:bodyPr>
           <a:lstStyle/>
           <a:p>
+            <a:pPr algn="ctr"/>
             <a:r>
-              <a:rPr lang="ko-KR" altLang="en-US" sz="7500" dirty="0">
+              <a:rPr lang="ko-KR" altLang="en-US" sz="6600" dirty="0">
                 <a:solidFill>
                   <a:schemeClr val="accent1"/>
                 </a:solidFill>
@@ -9130,7 +6624,7 @@
               </a:rPr>
               <a:t>게임 배경과 목적</a:t>
             </a:r>
-            <a:endParaRPr lang="ko-KR" altLang="en-US" sz="7500" dirty="0">
+            <a:endParaRPr lang="ko-KR" altLang="en-US" sz="6600" dirty="0">
               <a:solidFill>
                 <a:schemeClr val="accent1"/>
               </a:solidFill>
@@ -9156,7 +6650,7 @@
         </p:nvSpPr>
         <p:spPr>
           <a:xfrm>
-            <a:off x="1506546" y="1825625"/>
+            <a:off x="1505932" y="2244383"/>
             <a:ext cx="10639886" cy="4568300"/>
           </a:xfrm>
         </p:spPr>
@@ -9292,8 +6786,8 @@
         </p:blipFill>
         <p:spPr>
           <a:xfrm>
-            <a:off x="6825875" y="1825625"/>
-            <a:ext cx="4572000" cy="3429000"/>
+            <a:off x="6825875" y="1988731"/>
+            <a:ext cx="3999143" cy="2999357"/>
           </a:xfrm>
           <a:prstGeom prst="rect">
             <a:avLst/>
@@ -9314,7 +6808,7 @@
         </p:nvSpPr>
         <p:spPr>
           <a:xfrm>
-            <a:off x="860238" y="5431062"/>
+            <a:off x="860238" y="5243740"/>
             <a:ext cx="10515600" cy="707886"/>
           </a:xfrm>
           <a:prstGeom prst="rect">
@@ -9420,7 +6914,7 @@
         </p:nvSpPr>
         <p:spPr>
           <a:xfrm>
-            <a:off x="1474884" y="0"/>
+            <a:off x="1177512" y="601384"/>
             <a:ext cx="10018713" cy="1752599"/>
           </a:xfrm>
         </p:spPr>
@@ -9430,8 +6924,9 @@
           </a:bodyPr>
           <a:lstStyle/>
           <a:p>
+            <a:pPr algn="ctr"/>
             <a:r>
-              <a:rPr lang="ko-KR" altLang="en-US" sz="7500" dirty="0">
+              <a:rPr lang="ko-KR" altLang="en-US" sz="6600" dirty="0">
                 <a:solidFill>
                   <a:schemeClr val="accent1"/>
                 </a:solidFill>
@@ -9440,7 +6935,7 @@
               </a:rPr>
               <a:t>구성원 역할 분담</a:t>
             </a:r>
-            <a:endParaRPr lang="ko-KR" altLang="en-US" sz="7500" dirty="0">
+            <a:endParaRPr lang="ko-KR" altLang="en-US" sz="6600" dirty="0">
               <a:solidFill>
                 <a:schemeClr val="accent1"/>
               </a:solidFill>
@@ -9463,14 +6958,14 @@
           <p:nvPr>
             <p:extLst>
               <p:ext uri="{D42A27DB-BD31-4B8C-83A1-F6EECF244321}">
-                <p14:modId xmlns:p14="http://schemas.microsoft.com/office/powerpoint/2010/main" val="1098518731"/>
+                <p14:modId xmlns:p14="http://schemas.microsoft.com/office/powerpoint/2010/main" val="3405144199"/>
               </p:ext>
             </p:extLst>
           </p:nvPr>
         </p:nvGraphicFramePr>
         <p:xfrm>
-          <a:off x="1177512" y="2134258"/>
-          <a:ext cx="9836976" cy="4048467"/>
+          <a:off x="1422400" y="1995713"/>
+          <a:ext cx="9592088" cy="4023360"/>
         </p:xfrm>
         <a:graphic>
           <a:graphicData uri="http://schemas.openxmlformats.org/drawingml/2006/table">
@@ -9479,28 +6974,28 @@
                 <a:tableStyleId>{5C22544A-7EE6-4342-B048-85BDC9FD1C3A}</a:tableStyleId>
               </a:tblPr>
               <a:tblGrid>
-                <a:gridCol w="2459244">
+                <a:gridCol w="2398022">
                   <a:extLst>
                     <a:ext uri="{9D8B030D-6E8A-4147-A177-3AD203B41FA5}">
                       <a16:colId xmlns:a16="http://schemas.microsoft.com/office/drawing/2014/main" val="1316322894"/>
                     </a:ext>
                   </a:extLst>
                 </a:gridCol>
-                <a:gridCol w="2459244">
+                <a:gridCol w="2398022">
                   <a:extLst>
                     <a:ext uri="{9D8B030D-6E8A-4147-A177-3AD203B41FA5}">
                       <a16:colId xmlns:a16="http://schemas.microsoft.com/office/drawing/2014/main" val="1871442576"/>
                     </a:ext>
                   </a:extLst>
                 </a:gridCol>
-                <a:gridCol w="2459244">
+                <a:gridCol w="2398022">
                   <a:extLst>
                     <a:ext uri="{9D8B030D-6E8A-4147-A177-3AD203B41FA5}">
                       <a16:colId xmlns:a16="http://schemas.microsoft.com/office/drawing/2014/main" val="1529333561"/>
                     </a:ext>
                   </a:extLst>
                 </a:gridCol>
-                <a:gridCol w="2459244">
+                <a:gridCol w="2398022">
                   <a:extLst>
                     <a:ext uri="{9D8B030D-6E8A-4147-A177-3AD203B41FA5}">
                       <a16:colId xmlns:a16="http://schemas.microsoft.com/office/drawing/2014/main" val="1412985591"/>
@@ -9508,7 +7003,7 @@
                   </a:extLst>
                 </a:gridCol>
               </a:tblGrid>
-              <a:tr h="390867">
+              <a:tr h="363767">
                 <a:tc>
                   <a:txBody>
                     <a:bodyPr/>
@@ -9699,7 +7194,7 @@
                   </a:ext>
                 </a:extLst>
               </a:tr>
-              <a:tr h="3421503">
+              <a:tr h="3404011">
                 <a:tc>
                   <a:txBody>
                     <a:bodyPr/>
@@ -10738,7 +8233,7 @@
         </p:nvSpPr>
         <p:spPr>
           <a:xfrm>
-            <a:off x="1799270" y="1752598"/>
+            <a:off x="1516853" y="2125131"/>
             <a:ext cx="10018713" cy="5184000"/>
           </a:xfrm>
         </p:spPr>
@@ -10795,7 +8290,13 @@
               <a:rPr lang="en-US" altLang="ko-KR" sz="3000" dirty="0">
                 <a:ea typeface="HY수평선B" panose="02030600000101010101"/>
               </a:rPr>
-              <a:t> UI</a:t>
+              <a:t> </a:t>
+            </a:r>
+            <a:r>
+              <a:rPr lang="en-US" altLang="ko-KR" sz="3000" b="1" dirty="0">
+                <a:ea typeface="HY수평선B" panose="02030600000101010101"/>
+              </a:rPr>
+              <a:t>UI</a:t>
             </a:r>
           </a:p>
           <a:p>
@@ -10863,7 +8364,7 @@
         </p:nvSpPr>
         <p:spPr>
           <a:xfrm>
-            <a:off x="860421" y="0"/>
+            <a:off x="860419" y="120073"/>
             <a:ext cx="11331579" cy="1752599"/>
           </a:xfrm>
           <a:prstGeom prst="rect">
@@ -10953,7 +8454,7 @@
           </a:lstStyle>
           <a:p>
             <a:r>
-              <a:rPr lang="ko-KR" altLang="en-US" sz="7500" dirty="0">
+              <a:rPr lang="ko-KR" altLang="en-US" sz="6600" dirty="0">
                 <a:solidFill>
                   <a:schemeClr val="accent1"/>
                 </a:solidFill>
@@ -10963,7 +8464,7 @@
               <a:t>개발 내용 </a:t>
             </a:r>
             <a:r>
-              <a:rPr lang="en-US" altLang="ko-KR" sz="7500" dirty="0">
+              <a:rPr lang="en-US" altLang="ko-KR" sz="6600" dirty="0">
                 <a:solidFill>
                   <a:schemeClr val="accent1"/>
                 </a:solidFill>
@@ -10973,7 +8474,7 @@
               <a:t>– </a:t>
             </a:r>
             <a:r>
-              <a:rPr lang="ko-KR" altLang="en-US" sz="7500" dirty="0">
+              <a:rPr lang="ko-KR" altLang="en-US" sz="6600" dirty="0">
                 <a:solidFill>
                   <a:schemeClr val="accent1"/>
                 </a:solidFill>
@@ -10982,7 +8483,7 @@
               </a:rPr>
               <a:t>클라이언트</a:t>
             </a:r>
-            <a:endParaRPr lang="ko-KR" altLang="en-US" sz="7500" dirty="0">
+            <a:endParaRPr lang="ko-KR" altLang="en-US" sz="6600" dirty="0">
               <a:solidFill>
                 <a:schemeClr val="accent1"/>
               </a:solidFill>
@@ -11038,7 +8539,7 @@
         </p:nvSpPr>
         <p:spPr>
           <a:xfrm>
-            <a:off x="1893538" y="1318965"/>
+            <a:off x="1516853" y="2312387"/>
             <a:ext cx="10018713" cy="5184000"/>
           </a:xfrm>
         </p:spPr>
@@ -11186,7 +8687,7 @@
         </p:nvSpPr>
         <p:spPr>
           <a:xfrm>
-            <a:off x="860421" y="0"/>
+            <a:off x="430210" y="138545"/>
             <a:ext cx="11331579" cy="1752599"/>
           </a:xfrm>
           <a:prstGeom prst="rect">
@@ -11276,7 +8777,7 @@
           </a:lstStyle>
           <a:p>
             <a:r>
-              <a:rPr lang="ko-KR" altLang="en-US" sz="7500" dirty="0">
+              <a:rPr lang="ko-KR" altLang="en-US" sz="6600" dirty="0">
                 <a:solidFill>
                   <a:schemeClr val="accent1"/>
                 </a:solidFill>
@@ -11286,7 +8787,7 @@
               <a:t>개발 내용 </a:t>
             </a:r>
             <a:r>
-              <a:rPr lang="en-US" altLang="ko-KR" sz="7500" dirty="0">
+              <a:rPr lang="en-US" altLang="ko-KR" sz="6600" dirty="0">
                 <a:solidFill>
                   <a:schemeClr val="accent1"/>
                 </a:solidFill>
@@ -11296,7 +8797,7 @@
               <a:t>– </a:t>
             </a:r>
             <a:r>
-              <a:rPr lang="ko-KR" altLang="en-US" sz="7500" dirty="0">
+              <a:rPr lang="ko-KR" altLang="en-US" sz="6600" dirty="0">
                 <a:solidFill>
                   <a:schemeClr val="accent1"/>
                 </a:solidFill>
@@ -11305,7 +8806,7 @@
               </a:rPr>
               <a:t>서버</a:t>
             </a:r>
-            <a:endParaRPr lang="ko-KR" altLang="en-US" sz="7500" dirty="0">
+            <a:endParaRPr lang="ko-KR" altLang="en-US" sz="6600" dirty="0">
               <a:solidFill>
                 <a:schemeClr val="accent1"/>
               </a:solidFill>
@@ -11361,7 +8862,7 @@
         </p:nvSpPr>
         <p:spPr>
           <a:xfrm>
-            <a:off x="1342909" y="0"/>
+            <a:off x="1342909" y="618837"/>
             <a:ext cx="10018713" cy="1752599"/>
           </a:xfrm>
         </p:spPr>
@@ -11371,8 +8872,9 @@
           </a:bodyPr>
           <a:lstStyle/>
           <a:p>
+            <a:pPr algn="ctr"/>
             <a:r>
-              <a:rPr lang="ko-KR" altLang="en-US" sz="7500" dirty="0">
+              <a:rPr lang="ko-KR" altLang="en-US" sz="6000" dirty="0">
                 <a:solidFill>
                   <a:schemeClr val="accent1"/>
                 </a:solidFill>
@@ -11406,8 +8908,8 @@
           </p:nvPr>
         </p:nvGraphicFramePr>
         <p:xfrm>
-          <a:off x="1484313" y="2667000"/>
-          <a:ext cx="10018713" cy="2862179"/>
+          <a:off x="1450975" y="2016125"/>
+          <a:ext cx="9604374" cy="2862179"/>
         </p:xfrm>
         <a:graphic>
           <a:graphicData uri="http://schemas.openxmlformats.org/drawingml/2006/table">
@@ -11416,21 +8918,21 @@
                 <a:tableStyleId>{5C22544A-7EE6-4342-B048-85BDC9FD1C3A}</a:tableStyleId>
               </a:tblPr>
               <a:tblGrid>
-                <a:gridCol w="3339571">
+                <a:gridCol w="3201458">
                   <a:extLst>
                     <a:ext uri="{9D8B030D-6E8A-4147-A177-3AD203B41FA5}">
                       <a16:colId xmlns:a16="http://schemas.microsoft.com/office/drawing/2014/main" val="860560485"/>
                     </a:ext>
                   </a:extLst>
                 </a:gridCol>
-                <a:gridCol w="3339571">
+                <a:gridCol w="3201458">
                   <a:extLst>
                     <a:ext uri="{9D8B030D-6E8A-4147-A177-3AD203B41FA5}">
                       <a16:colId xmlns:a16="http://schemas.microsoft.com/office/drawing/2014/main" val="483801697"/>
                     </a:ext>
                   </a:extLst>
                 </a:gridCol>
-                <a:gridCol w="3339571">
+                <a:gridCol w="3201458">
                   <a:extLst>
                     <a:ext uri="{9D8B030D-6E8A-4147-A177-3AD203B41FA5}">
                       <a16:colId xmlns:a16="http://schemas.microsoft.com/office/drawing/2014/main" val="930068405"/>
@@ -11454,7 +8956,7 @@
                       </a:r>
                     </a:p>
                   </a:txBody>
-                  <a:tcPr anchor="ctr"/>
+                  <a:tcPr marL="87658" marR="87658" anchor="ctr"/>
                 </a:tc>
                 <a:tc>
                   <a:txBody>
@@ -11471,7 +8973,7 @@
                       </a:r>
                     </a:p>
                   </a:txBody>
-                  <a:tcPr anchor="ctr"/>
+                  <a:tcPr marL="87658" marR="87658" anchor="ctr"/>
                 </a:tc>
                 <a:tc>
                   <a:txBody>
@@ -11488,7 +8990,7 @@
                       </a:r>
                     </a:p>
                   </a:txBody>
-                  <a:tcPr anchor="ctr"/>
+                  <a:tcPr marL="87658" marR="87658" anchor="ctr"/>
                 </a:tc>
                 <a:extLst>
                   <a:ext uri="{0D108BD9-81ED-4DB2-BD59-A6C34878D82A}">
@@ -11512,7 +9014,7 @@
                       </a:r>
                     </a:p>
                   </a:txBody>
-                  <a:tcPr anchor="ctr"/>
+                  <a:tcPr marL="87658" marR="87658" anchor="ctr"/>
                 </a:tc>
                 <a:tc>
                   <a:txBody>
@@ -11543,7 +9045,7 @@
                       </a:r>
                     </a:p>
                   </a:txBody>
-                  <a:tcPr anchor="ctr"/>
+                  <a:tcPr marL="87658" marR="87658" anchor="ctr"/>
                 </a:tc>
                 <a:tc>
                   <a:txBody>
@@ -11573,7 +9075,7 @@
                       </a:r>
                     </a:p>
                   </a:txBody>
-                  <a:tcPr anchor="ctr"/>
+                  <a:tcPr marL="87658" marR="87658" anchor="ctr"/>
                 </a:tc>
                 <a:extLst>
                   <a:ext uri="{0D108BD9-81ED-4DB2-BD59-A6C34878D82A}">
@@ -11597,7 +9099,7 @@
                       </a:r>
                     </a:p>
                   </a:txBody>
-                  <a:tcPr anchor="ctr"/>
+                  <a:tcPr marL="87658" marR="87658" anchor="ctr"/>
                 </a:tc>
                 <a:tc>
                   <a:txBody>
@@ -11628,7 +9130,7 @@
                       </a:r>
                     </a:p>
                   </a:txBody>
-                  <a:tcPr anchor="ctr"/>
+                  <a:tcPr marL="87658" marR="87658" anchor="ctr"/>
                 </a:tc>
                 <a:tc>
                   <a:txBody>
@@ -11659,7 +9161,7 @@
                       </a:r>
                     </a:p>
                   </a:txBody>
-                  <a:tcPr anchor="ctr"/>
+                  <a:tcPr marL="87658" marR="87658" anchor="ctr"/>
                 </a:tc>
                 <a:extLst>
                   <a:ext uri="{0D108BD9-81ED-4DB2-BD59-A6C34878D82A}">
@@ -11719,7 +9221,7 @@
         </p:nvSpPr>
         <p:spPr>
           <a:xfrm>
-            <a:off x="1333893" y="0"/>
+            <a:off x="1333893" y="586042"/>
             <a:ext cx="10187571" cy="1752599"/>
           </a:xfrm>
         </p:spPr>
@@ -11730,7 +9232,7 @@
           <a:lstStyle/>
           <a:p>
             <a:r>
-              <a:rPr lang="ko-KR" altLang="en-US" sz="6000" dirty="0">
+              <a:rPr lang="ko-KR" altLang="en-US" sz="5400" dirty="0">
                 <a:solidFill>
                   <a:schemeClr val="accent1"/>
                 </a:solidFill>
@@ -11740,7 +9242,7 @@
               <a:t>향후 개발 일정</a:t>
             </a:r>
             <a:r>
-              <a:rPr lang="en-US" altLang="ko-KR" sz="6000" dirty="0">
+              <a:rPr lang="en-US" altLang="ko-KR" sz="5400" dirty="0">
                 <a:solidFill>
                   <a:schemeClr val="accent1"/>
                 </a:solidFill>
@@ -11750,7 +9252,7 @@
               <a:t> - </a:t>
             </a:r>
             <a:r>
-              <a:rPr lang="ko-KR" altLang="en-US" sz="6000" dirty="0">
+              <a:rPr lang="ko-KR" altLang="en-US" sz="5400" dirty="0">
                 <a:solidFill>
                   <a:schemeClr val="accent1"/>
                 </a:solidFill>
@@ -11759,7 +9261,7 @@
               </a:rPr>
               <a:t>클라이언트</a:t>
             </a:r>
-            <a:endParaRPr lang="ko-KR" altLang="en-US" sz="6000" dirty="0">
+            <a:endParaRPr lang="ko-KR" altLang="en-US" sz="5400" dirty="0">
               <a:solidFill>
                 <a:schemeClr val="accent1"/>
               </a:solidFill>
@@ -15274,13 +12776,13 @@
           <p:nvPr>
             <p:extLst>
               <p:ext uri="{D42A27DB-BD31-4B8C-83A1-F6EECF244321}">
-                <p14:modId xmlns:p14="http://schemas.microsoft.com/office/powerpoint/2010/main" val="3658676362"/>
+                <p14:modId xmlns:p14="http://schemas.microsoft.com/office/powerpoint/2010/main" val="4206019928"/>
               </p:ext>
             </p:extLst>
           </p:nvPr>
         </p:nvGraphicFramePr>
         <p:xfrm>
-          <a:off x="2597715" y="4356809"/>
+          <a:off x="2607144" y="4245973"/>
           <a:ext cx="7226300" cy="1752597"/>
         </p:xfrm>
         <a:graphic>
@@ -18732,108 +16234,6 @@
       </p:graphicFrame>
       <p:sp>
         <p:nvSpPr>
-          <p:cNvPr id="4" name="직사각형 3">
-            <a:extLst>
-              <a:ext uri="{FF2B5EF4-FFF2-40B4-BE49-F238E27FC236}">
-                <a16:creationId xmlns:a16="http://schemas.microsoft.com/office/drawing/2014/main" id="{E906EC90-0FD0-4213-931D-E3215152AE67}"/>
-              </a:ext>
-            </a:extLst>
-          </p:cNvPr>
-          <p:cNvSpPr/>
-          <p:nvPr/>
-        </p:nvSpPr>
-        <p:spPr>
-          <a:xfrm>
-            <a:off x="4439539" y="2033277"/>
-            <a:ext cx="2866237" cy="1752597"/>
-          </a:xfrm>
-          <a:prstGeom prst="rect">
-            <a:avLst/>
-          </a:prstGeom>
-          <a:solidFill>
-            <a:schemeClr val="accent3">
-              <a:alpha val="19000"/>
-            </a:schemeClr>
-          </a:solidFill>
-        </p:spPr>
-        <p:style>
-          <a:lnRef idx="2">
-            <a:schemeClr val="accent1">
-              <a:shade val="50000"/>
-            </a:schemeClr>
-          </a:lnRef>
-          <a:fillRef idx="1">
-            <a:schemeClr val="accent1"/>
-          </a:fillRef>
-          <a:effectRef idx="0">
-            <a:schemeClr val="accent1"/>
-          </a:effectRef>
-          <a:fontRef idx="minor">
-            <a:schemeClr val="lt1"/>
-          </a:fontRef>
-        </p:style>
-        <p:txBody>
-          <a:bodyPr rtlCol="0" anchor="ctr"/>
-          <a:lstStyle/>
-          <a:p>
-            <a:pPr algn="ctr"/>
-            <a:endParaRPr lang="ko-KR" altLang="en-US"/>
-          </a:p>
-        </p:txBody>
-      </p:sp>
-      <p:sp>
-        <p:nvSpPr>
-          <p:cNvPr id="11" name="직사각형 10">
-            <a:extLst>
-              <a:ext uri="{FF2B5EF4-FFF2-40B4-BE49-F238E27FC236}">
-                <a16:creationId xmlns:a16="http://schemas.microsoft.com/office/drawing/2014/main" id="{F26D6B8A-C10E-4E6F-B7D5-94D50F28A938}"/>
-              </a:ext>
-            </a:extLst>
-          </p:cNvPr>
-          <p:cNvSpPr/>
-          <p:nvPr/>
-        </p:nvSpPr>
-        <p:spPr>
-          <a:xfrm>
-            <a:off x="4430110" y="4356808"/>
-            <a:ext cx="2866237" cy="1752597"/>
-          </a:xfrm>
-          <a:prstGeom prst="rect">
-            <a:avLst/>
-          </a:prstGeom>
-          <a:solidFill>
-            <a:schemeClr val="accent3">
-              <a:alpha val="19000"/>
-            </a:schemeClr>
-          </a:solidFill>
-        </p:spPr>
-        <p:style>
-          <a:lnRef idx="2">
-            <a:schemeClr val="accent1">
-              <a:shade val="50000"/>
-            </a:schemeClr>
-          </a:lnRef>
-          <a:fillRef idx="1">
-            <a:schemeClr val="accent1"/>
-          </a:fillRef>
-          <a:effectRef idx="0">
-            <a:schemeClr val="accent1"/>
-          </a:effectRef>
-          <a:fontRef idx="minor">
-            <a:schemeClr val="lt1"/>
-          </a:fontRef>
-        </p:style>
-        <p:txBody>
-          <a:bodyPr rtlCol="0" anchor="ctr"/>
-          <a:lstStyle/>
-          <a:p>
-            <a:pPr algn="ctr"/>
-            <a:endParaRPr lang="ko-KR" altLang="en-US"/>
-          </a:p>
-        </p:txBody>
-      </p:sp>
-      <p:sp>
-        <p:nvSpPr>
           <p:cNvPr id="13" name="TextBox 12">
             <a:extLst>
               <a:ext uri="{FF2B5EF4-FFF2-40B4-BE49-F238E27FC236}">
@@ -18902,6 +16302,108 @@
           </a:p>
         </p:txBody>
       </p:sp>
+      <p:sp>
+        <p:nvSpPr>
+          <p:cNvPr id="12" name="직사각형 11">
+            <a:extLst>
+              <a:ext uri="{FF2B5EF4-FFF2-40B4-BE49-F238E27FC236}">
+                <a16:creationId xmlns:a16="http://schemas.microsoft.com/office/drawing/2014/main" id="{FFFCDE82-7E54-423C-8A20-14DBFCBD9A22}"/>
+              </a:ext>
+            </a:extLst>
+          </p:cNvPr>
+          <p:cNvSpPr/>
+          <p:nvPr/>
+        </p:nvSpPr>
+        <p:spPr>
+          <a:xfrm>
+            <a:off x="4451927" y="2033277"/>
+            <a:ext cx="3362037" cy="1752597"/>
+          </a:xfrm>
+          <a:prstGeom prst="rect">
+            <a:avLst/>
+          </a:prstGeom>
+          <a:solidFill>
+            <a:schemeClr val="accent3">
+              <a:alpha val="40000"/>
+            </a:schemeClr>
+          </a:solidFill>
+        </p:spPr>
+        <p:style>
+          <a:lnRef idx="2">
+            <a:schemeClr val="accent1">
+              <a:shade val="50000"/>
+            </a:schemeClr>
+          </a:lnRef>
+          <a:fillRef idx="1">
+            <a:schemeClr val="accent1"/>
+          </a:fillRef>
+          <a:effectRef idx="0">
+            <a:schemeClr val="accent1"/>
+          </a:effectRef>
+          <a:fontRef idx="minor">
+            <a:schemeClr val="lt1"/>
+          </a:fontRef>
+        </p:style>
+        <p:txBody>
+          <a:bodyPr rtlCol="0" anchor="ctr"/>
+          <a:lstStyle/>
+          <a:p>
+            <a:pPr algn="ctr"/>
+            <a:endParaRPr lang="ko-KR" altLang="en-US"/>
+          </a:p>
+        </p:txBody>
+      </p:sp>
+      <p:sp>
+        <p:nvSpPr>
+          <p:cNvPr id="14" name="직사각형 13">
+            <a:extLst>
+              <a:ext uri="{FF2B5EF4-FFF2-40B4-BE49-F238E27FC236}">
+                <a16:creationId xmlns:a16="http://schemas.microsoft.com/office/drawing/2014/main" id="{2735A711-0985-4B62-87FF-6A4EF586F2CB}"/>
+              </a:ext>
+            </a:extLst>
+          </p:cNvPr>
+          <p:cNvSpPr/>
+          <p:nvPr/>
+        </p:nvSpPr>
+        <p:spPr>
+          <a:xfrm>
+            <a:off x="4456346" y="4245973"/>
+            <a:ext cx="3357618" cy="1752597"/>
+          </a:xfrm>
+          <a:prstGeom prst="rect">
+            <a:avLst/>
+          </a:prstGeom>
+          <a:solidFill>
+            <a:schemeClr val="accent3">
+              <a:alpha val="40000"/>
+            </a:schemeClr>
+          </a:solidFill>
+        </p:spPr>
+        <p:style>
+          <a:lnRef idx="2">
+            <a:schemeClr val="accent1">
+              <a:shade val="50000"/>
+            </a:schemeClr>
+          </a:lnRef>
+          <a:fillRef idx="1">
+            <a:schemeClr val="accent1"/>
+          </a:fillRef>
+          <a:effectRef idx="0">
+            <a:schemeClr val="accent1"/>
+          </a:effectRef>
+          <a:fontRef idx="minor">
+            <a:schemeClr val="lt1"/>
+          </a:fontRef>
+        </p:style>
+        <p:txBody>
+          <a:bodyPr rtlCol="0" anchor="ctr"/>
+          <a:lstStyle/>
+          <a:p>
+            <a:pPr algn="ctr"/>
+            <a:endParaRPr lang="ko-KR" altLang="en-US"/>
+          </a:p>
+        </p:txBody>
+      </p:sp>
     </p:spTree>
     <p:extLst>
       <p:ext uri="{BB962C8B-B14F-4D97-AF65-F5344CB8AC3E}">
@@ -18950,7 +16452,7 @@
         </p:nvSpPr>
         <p:spPr>
           <a:xfrm>
-            <a:off x="1324056" y="0"/>
+            <a:off x="1333893" y="548638"/>
             <a:ext cx="10018713" cy="1752599"/>
           </a:xfrm>
         </p:spPr>
@@ -18961,7 +16463,7 @@
           <a:lstStyle/>
           <a:p>
             <a:r>
-              <a:rPr lang="ko-KR" altLang="en-US" sz="6000" dirty="0">
+              <a:rPr lang="ko-KR" altLang="en-US" sz="5400" dirty="0">
                 <a:solidFill>
                   <a:schemeClr val="accent1"/>
                 </a:solidFill>
@@ -18971,7 +16473,7 @@
               <a:t>향후 개발 일정</a:t>
             </a:r>
             <a:r>
-              <a:rPr lang="en-US" altLang="ko-KR" sz="6000" dirty="0">
+              <a:rPr lang="en-US" altLang="ko-KR" sz="5400" dirty="0">
                 <a:solidFill>
                   <a:schemeClr val="accent1"/>
                 </a:solidFill>
@@ -18981,7 +16483,7 @@
               <a:t> - </a:t>
             </a:r>
             <a:r>
-              <a:rPr lang="ko-KR" altLang="en-US" sz="6000" dirty="0">
+              <a:rPr lang="ko-KR" altLang="en-US" sz="5400" dirty="0">
                 <a:solidFill>
                   <a:schemeClr val="accent1"/>
                 </a:solidFill>
@@ -18990,7 +16492,7 @@
               </a:rPr>
               <a:t>서버</a:t>
             </a:r>
-            <a:endParaRPr lang="ko-KR" altLang="en-US" sz="6000" dirty="0">
+            <a:endParaRPr lang="ko-KR" altLang="en-US" sz="5400" dirty="0">
               <a:solidFill>
                 <a:schemeClr val="accent1"/>
               </a:solidFill>
@@ -22279,7 +19781,7 @@
                     <a:p>
                       <a:pPr algn="ctr" fontAlgn="ctr"/>
                       <a:r>
-                        <a:rPr lang="ko-KR" altLang="en-US" sz="1100" b="0" i="0" u="none" strike="noStrike">
+                        <a:rPr lang="ko-KR" altLang="en-US" sz="1100" b="0" i="0" u="none" strike="noStrike" dirty="0">
                           <a:solidFill>
                             <a:srgbClr val="000000"/>
                           </a:solidFill>
@@ -26347,15 +23849,15 @@
         </p:nvSpPr>
         <p:spPr>
           <a:xfrm>
-            <a:off x="5005147" y="1969167"/>
-            <a:ext cx="2866237" cy="1752597"/>
+            <a:off x="5005147" y="1941921"/>
+            <a:ext cx="3357618" cy="1779843"/>
           </a:xfrm>
           <a:prstGeom prst="rect">
             <a:avLst/>
           </a:prstGeom>
           <a:solidFill>
             <a:schemeClr val="accent3">
-              <a:alpha val="19000"/>
+              <a:alpha val="40000"/>
             </a:schemeClr>
           </a:solidFill>
         </p:spPr>
@@ -26386,10 +23888,10 @@
       </p:sp>
       <p:sp>
         <p:nvSpPr>
-          <p:cNvPr id="12" name="직사각형 11">
+          <p:cNvPr id="9" name="직사각형 8">
             <a:extLst>
               <a:ext uri="{FF2B5EF4-FFF2-40B4-BE49-F238E27FC236}">
-                <a16:creationId xmlns:a16="http://schemas.microsoft.com/office/drawing/2014/main" id="{80BF661F-FA81-4E9E-A1CC-A9231188C47F}"/>
+                <a16:creationId xmlns:a16="http://schemas.microsoft.com/office/drawing/2014/main" id="{5DB8E996-918C-465F-9249-2DB03FB662B0}"/>
               </a:ext>
             </a:extLst>
           </p:cNvPr>
@@ -26398,15 +23900,15 @@
         </p:nvSpPr>
         <p:spPr>
           <a:xfrm>
-            <a:off x="5005146" y="4145435"/>
-            <a:ext cx="2866237" cy="1752597"/>
+            <a:off x="5005147" y="4145436"/>
+            <a:ext cx="3357618" cy="1752597"/>
           </a:xfrm>
           <a:prstGeom prst="rect">
             <a:avLst/>
           </a:prstGeom>
           <a:solidFill>
             <a:schemeClr val="accent3">
-              <a:alpha val="19000"/>
+              <a:alpha val="40000"/>
             </a:schemeClr>
           </a:solidFill>
         </p:spPr>
@@ -26449,9 +23951,9 @@
 </file>
 
 <file path=ppt/theme/theme1.xml><?xml version="1.0" encoding="utf-8"?>
-<a:theme xmlns:a="http://schemas.openxmlformats.org/drawingml/2006/main" name="시차">
+<a:theme xmlns:a="http://schemas.openxmlformats.org/drawingml/2006/main" name="갤러리">
   <a:themeElements>
-    <a:clrScheme name="시차">
+    <a:clrScheme name="갤러리">
       <a:dk1>
         <a:sysClr val="windowText" lastClr="000000"/>
       </a:dk1>
@@ -26459,52 +23961,52 @@
         <a:sysClr val="window" lastClr="FFFFFF"/>
       </a:lt1>
       <a:dk2>
-        <a:srgbClr val="212121"/>
+        <a:srgbClr val="454545"/>
       </a:dk2>
       <a:lt2>
-        <a:srgbClr val="CDD0D1"/>
+        <a:srgbClr val="DFDBD5"/>
       </a:lt2>
       <a:accent1>
-        <a:srgbClr val="8BB434"/>
+        <a:srgbClr val="B71E42"/>
       </a:accent1>
       <a:accent2>
-        <a:srgbClr val="33A583"/>
+        <a:srgbClr val="DE478E"/>
       </a:accent2>
       <a:accent3>
-        <a:srgbClr val="3594B4"/>
+        <a:srgbClr val="BC72F0"/>
       </a:accent3>
       <a:accent4>
-        <a:srgbClr val="6063B4"/>
+        <a:srgbClr val="795FAF"/>
       </a:accent4>
       <a:accent5>
-        <a:srgbClr val="D35731"/>
+        <a:srgbClr val="586EA6"/>
       </a:accent5>
       <a:accent6>
-        <a:srgbClr val="EBAC4B"/>
+        <a:srgbClr val="6892A0"/>
       </a:accent6>
       <a:hlink>
-        <a:srgbClr val="65AD30"/>
+        <a:srgbClr val="FA2B5C"/>
       </a:hlink>
       <a:folHlink>
-        <a:srgbClr val="8ED25B"/>
+        <a:srgbClr val="BC658E"/>
       </a:folHlink>
     </a:clrScheme>
-    <a:fontScheme name="시차">
+    <a:fontScheme name="갤러리">
       <a:majorFont>
-        <a:latin typeface="Corbel" panose="020B0503020204020204"/>
+        <a:latin typeface="Gill Sans MT" panose="020B0502020104020203"/>
         <a:ea typeface=""/>
         <a:cs typeface=""/>
-        <a:font script="Jpan" typeface="HGｺﾞｼｯｸM"/>
-        <a:font script="Hang" typeface="HY엽서L"/>
-        <a:font script="Hans" typeface="华文楷体"/>
+        <a:font script="Jpan" typeface="游ゴシック Light"/>
+        <a:font script="Hang" typeface="맑은 고딕"/>
+        <a:font script="Hans" typeface="等线 Light"/>
         <a:font script="Hant" typeface="新細明體"/>
-        <a:font script="Arab" typeface="Tahoma"/>
-        <a:font script="Hebr" typeface="Miriam"/>
-        <a:font script="Thai" typeface="DilleniaUPC"/>
+        <a:font script="Arab" typeface="Times New Roman"/>
+        <a:font script="Hebr" typeface="Times New Roman"/>
+        <a:font script="Thai" typeface="Angsana New"/>
         <a:font script="Ethi" typeface="Nyala"/>
         <a:font script="Beng" typeface="Vrinda"/>
         <a:font script="Gujr" typeface="Shruti"/>
-        <a:font script="Khmr" typeface="DaunPenh"/>
+        <a:font script="Khmr" typeface="MoolBoran"/>
         <a:font script="Knda" typeface="Tunga"/>
         <a:font script="Guru" typeface="Raavi"/>
         <a:font script="Cans" typeface="Euphemia"/>
@@ -26521,21 +24023,21 @@
         <a:font script="Laoo" typeface="DokChampa"/>
         <a:font script="Sinh" typeface="Iskoola Pota"/>
         <a:font script="Mong" typeface="Mongolian Baiti"/>
-        <a:font script="Viet" typeface="Arial"/>
+        <a:font script="Viet" typeface="Times New Roman"/>
         <a:font script="Uigh" typeface="Microsoft Uighur"/>
         <a:font script="Geor" typeface="Sylfaen"/>
       </a:majorFont>
       <a:minorFont>
-        <a:latin typeface="Corbel" panose="020B0503020204020204"/>
+        <a:latin typeface="Gill Sans MT" panose="020B0502020104020203"/>
         <a:ea typeface=""/>
         <a:cs typeface=""/>
-        <a:font script="Jpan" typeface="HGｺﾞｼｯｸM"/>
-        <a:font script="Hang" typeface="HY엽서L"/>
-        <a:font script="Hans" typeface="华文楷体"/>
+        <a:font script="Jpan" typeface="游ゴシック"/>
+        <a:font script="Hang" typeface="맑은 고딕"/>
+        <a:font script="Hans" typeface="等线"/>
         <a:font script="Hant" typeface="新細明體"/>
-        <a:font script="Arab" typeface="Tahoma"/>
-        <a:font script="Hebr" typeface="Miriam"/>
-        <a:font script="Thai" typeface="DilleniaUPC"/>
+        <a:font script="Arab" typeface="Arial"/>
+        <a:font script="Hebr" typeface="Arial"/>
+        <a:font script="Thai" typeface="Cordia New"/>
         <a:font script="Ethi" typeface="Nyala"/>
         <a:font script="Beng" typeface="Vrinda"/>
         <a:font script="Gujr" typeface="Shruti"/>
@@ -26561,7 +24063,7 @@
         <a:font script="Geor" typeface="Sylfaen"/>
       </a:minorFont>
     </a:fontScheme>
-    <a:fmtScheme name="시차">
+    <a:fmtScheme name="갤러리">
       <a:fillStyleLst>
         <a:solidFill>
           <a:schemeClr val="phClr"/>
@@ -26570,13 +24072,18 @@
           <a:gsLst>
             <a:gs pos="0">
               <a:schemeClr val="phClr">
-                <a:tint val="60000"/>
-                <a:lumMod val="104000"/>
+                <a:tint val="54000"/>
+                <a:alpha val="100000"/>
+                <a:satMod val="105000"/>
+                <a:lumMod val="110000"/>
               </a:schemeClr>
             </a:gs>
             <a:gs pos="100000">
               <a:schemeClr val="phClr">
-                <a:tint val="84000"/>
+                <a:tint val="78000"/>
+                <a:alpha val="92000"/>
+                <a:satMod val="109000"/>
+                <a:lumMod val="100000"/>
               </a:schemeClr>
             </a:gs>
           </a:gsLst>
@@ -26586,38 +24093,43 @@
           <a:gsLst>
             <a:gs pos="0">
               <a:schemeClr val="phClr">
-                <a:tint val="96000"/>
-                <a:lumMod val="102000"/>
+                <a:tint val="98000"/>
+                <a:satMod val="110000"/>
+                <a:lumMod val="104000"/>
+              </a:schemeClr>
+            </a:gs>
+            <a:gs pos="69000">
+              <a:schemeClr val="phClr">
+                <a:shade val="88000"/>
+                <a:satMod val="130000"/>
+                <a:lumMod val="92000"/>
               </a:schemeClr>
             </a:gs>
             <a:gs pos="100000">
               <a:schemeClr val="phClr">
-                <a:shade val="88000"/>
-                <a:lumMod val="94000"/>
+                <a:shade val="78000"/>
+                <a:satMod val="130000"/>
+                <a:lumMod val="92000"/>
               </a:schemeClr>
             </a:gs>
           </a:gsLst>
-          <a:path path="circle">
-            <a:fillToRect l="50000" t="100000" r="100000" b="50000"/>
-          </a:path>
+          <a:lin ang="5400000" scaled="0"/>
         </a:gradFill>
       </a:fillStyleLst>
       <a:lnStyleLst>
-        <a:ln w="9525" cap="rnd" cmpd="sng" algn="ctr">
-          <a:solidFill>
-            <a:schemeClr val="phClr">
-              <a:tint val="60000"/>
-            </a:schemeClr>
-          </a:solidFill>
-          <a:prstDash val="solid"/>
-        </a:ln>
-        <a:ln w="15875" cap="rnd" cmpd="sng" algn="ctr">
+        <a:ln w="9525" cap="flat" cmpd="sng" algn="ctr">
           <a:solidFill>
             <a:schemeClr val="phClr"/>
           </a:solidFill>
           <a:prstDash val="solid"/>
         </a:ln>
-        <a:ln w="22225" cap="rnd" cmpd="sng" algn="ctr">
+        <a:ln w="15875" cap="flat" cmpd="sng" algn="ctr">
+          <a:solidFill>
+            <a:schemeClr val="phClr"/>
+          </a:solidFill>
+          <a:prstDash val="solid"/>
+        </a:ln>
+        <a:ln w="22225" cap="flat" cmpd="sng" algn="ctr">
           <a:solidFill>
             <a:schemeClr val="phClr"/>
           </a:solidFill>
@@ -26629,15 +24141,13 @@
           <a:effectLst/>
         </a:effectStyle>
         <a:effectStyle>
-          <a:effectLst>
-            <a:reflection blurRad="12700" stA="26000" endPos="32000" dist="12700" dir="5400000" sy="-100000" rotWithShape="0"/>
-          </a:effectLst>
+          <a:effectLst/>
         </a:effectStyle>
         <a:effectStyle>
           <a:effectLst>
-            <a:outerShdw blurRad="38100" dist="25400" dir="5400000" rotWithShape="0">
+            <a:outerShdw blurRad="50800" dist="50800" dir="5400000" sx="96000" sy="96000" rotWithShape="0">
               <a:srgbClr val="000000">
-                <a:alpha val="64000"/>
+                <a:alpha val="48000"/>
               </a:srgbClr>
             </a:outerShdw>
           </a:effectLst>
@@ -26645,12 +24155,12 @@
             <a:camera prst="orthographicFront">
               <a:rot lat="0" lon="0" rev="0"/>
             </a:camera>
-            <a:lightRig rig="threePt" dir="tl">
-              <a:rot lat="0" lon="0" rev="1200000"/>
+            <a:lightRig rig="balanced" dir="t">
+              <a:rot lat="0" lon="0" rev="1080000"/>
             </a:lightRig>
           </a:scene3d>
           <a:sp3d>
-            <a:bevelT w="25400" h="12700"/>
+            <a:bevelT w="38100" h="12700" prst="softRound"/>
           </a:sp3d>
         </a:effectStyle>
       </a:effectStyleLst>
@@ -26658,39 +24168,28 @@
         <a:solidFill>
           <a:schemeClr val="phClr"/>
         </a:solidFill>
+        <a:solidFill>
+          <a:schemeClr val="phClr"/>
+        </a:solidFill>
         <a:gradFill rotWithShape="1">
           <a:gsLst>
             <a:gs pos="0">
               <a:schemeClr val="phClr">
-                <a:tint val="90000"/>
-                <a:lumMod val="110000"/>
+                <a:tint val="94000"/>
+                <a:satMod val="80000"/>
+                <a:lumMod val="106000"/>
               </a:schemeClr>
             </a:gs>
             <a:gs pos="100000">
               <a:schemeClr val="phClr">
-                <a:shade val="64000"/>
-                <a:lumMod val="98000"/>
+                <a:shade val="80000"/>
               </a:schemeClr>
             </a:gs>
           </a:gsLst>
-          <a:lin ang="5400000" scaled="0"/>
+          <a:path path="circle">
+            <a:fillToRect l="43000" r="43000" b="100000"/>
+          </a:path>
         </a:gradFill>
-        <a:blipFill rotWithShape="1">
-          <a:blip xmlns:r="http://schemas.openxmlformats.org/officeDocument/2006/relationships" r:embed="rId1">
-            <a:duotone>
-              <a:schemeClr val="phClr">
-                <a:shade val="76000"/>
-                <a:satMod val="180000"/>
-              </a:schemeClr>
-              <a:schemeClr val="phClr">
-                <a:tint val="80000"/>
-                <a:satMod val="120000"/>
-                <a:lumMod val="180000"/>
-              </a:schemeClr>
-            </a:duotone>
-          </a:blip>
-          <a:stretch/>
-        </a:blipFill>
       </a:bgFillStyleLst>
     </a:fmtScheme>
   </a:themeElements>
@@ -26698,7 +24197,7 @@
   <a:extraClrSchemeLst/>
   <a:extLst>
     <a:ext uri="{05A4C25C-085E-4340-85A3-A5531E510DB2}">
-      <thm15:themeFamily xmlns:thm15="http://schemas.microsoft.com/office/thememl/2012/main" name="Parallax" id="{3388167B-A2EB-4685-9635-1831D9AEF8C4}" vid="{1A9F9826-882C-40B9-8F38-5A3B8CFD196D}"/>
+      <thm15:themeFamily xmlns:thm15="http://schemas.microsoft.com/office/thememl/2012/main" name="Gallery" id="{BBFCD31E-59A1-489D-B089-A3EAD7CAE12E}" vid="{F5E91637-A7B6-4E27-B710-77DA7014EE1E}"/>
     </a:ext>
   </a:extLst>
 </a:theme>

--- a/Jungle War 박정훈 신상우 이수진 이병철.pptx
+++ b/Jungle War 박정훈 신상우 이수진 이병철.pptx
@@ -129,9 +129,9 @@
 <p1510:revInfo xmlns:a="http://schemas.openxmlformats.org/drawingml/2006/main" xmlns:r="http://schemas.openxmlformats.org/officeDocument/2006/relationships" xmlns:p1510="http://schemas.microsoft.com/office/powerpoint/2015/10/main">
   <p1510:revLst>
     <p1510:client id="{C49925BA-3958-7621-AF0E-1D9201CFF7D5}" v="2" dt="2019-01-05T10:02:57.903"/>
+    <p1510:client id="{6D82C239-AE18-4C56-906D-1D47210C0BB0}" v="63" dt="2019-01-05T11:18:41.040"/>
+    <p1510:client id="{D9DAD4DE-084D-4B10-B9AE-4F3A3C40D8F0}" v="297" dt="2019-01-05T11:52:46.892"/>
     <p1510:client id="{04377AED-CE6A-4659-A1C3-BDBFCEBFCFE7}" v="5" dt="2019-01-05T11:54:31.062"/>
-    <p1510:client id="{D9DAD4DE-084D-4B10-B9AE-4F3A3C40D8F0}" v="297" dt="2019-01-05T11:52:46.892"/>
-    <p1510:client id="{6D82C239-AE18-4C56-906D-1D47210C0BB0}" v="63" dt="2019-01-05T11:18:41.040"/>
     <p1510:client id="{C33680D2-9E9D-A3B5-A7C7-897D3C3F0FA9}" v="5" dt="2019-01-05T11:15:33.369"/>
     <p1510:client id="{713B925A-96F6-EFC2-F8C7-E056AD9079CE}" v="171" dt="2019-01-05T11:47:49.573"/>
   </p1510:revLst>
@@ -316,6 +316,196 @@
             <pc:docMk/>
             <pc:sldMk cId="1632885297" sldId="256"/>
             <ac:spMk id="2" creationId="{41D02B6C-7ED2-450D-B045-19F419547D83}"/>
+          </ac:spMkLst>
+        </pc:spChg>
+      </pc:sldChg>
+    </pc:docChg>
+  </pc:docChgLst>
+  <pc:docChgLst>
+    <pc:chgData name="게스트 사용자" userId="S::urn:spo:anon#b3860dc8331868868ef051a5c71491108560e43b4fdf57277abb2020915563df::" providerId="AD" clId="Web-{6D82C239-AE18-4C56-906D-1D47210C0BB0}"/>
+    <pc:docChg chg="modSld">
+      <pc:chgData name="게스트 사용자" userId="S::urn:spo:anon#b3860dc8331868868ef051a5c71491108560e43b4fdf57277abb2020915563df::" providerId="AD" clId="Web-{6D82C239-AE18-4C56-906D-1D47210C0BB0}" dt="2019-01-05T12:31:08.437" v="73" actId="14100"/>
+      <pc:docMkLst>
+        <pc:docMk/>
+      </pc:docMkLst>
+      <pc:sldChg chg="modSp">
+        <pc:chgData name="게스트 사용자" userId="S::urn:spo:anon#b3860dc8331868868ef051a5c71491108560e43b4fdf57277abb2020915563df::" providerId="AD" clId="Web-{6D82C239-AE18-4C56-906D-1D47210C0BB0}" dt="2019-01-05T11:16:34.896" v="22" actId="1076"/>
+        <pc:sldMkLst>
+          <pc:docMk/>
+          <pc:sldMk cId="3286203646" sldId="262"/>
+        </pc:sldMkLst>
+        <pc:spChg chg="mod">
+          <ac:chgData name="게스트 사용자" userId="S::urn:spo:anon#b3860dc8331868868ef051a5c71491108560e43b4fdf57277abb2020915563df::" providerId="AD" clId="Web-{6D82C239-AE18-4C56-906D-1D47210C0BB0}" dt="2019-01-05T11:16:34.896" v="22" actId="1076"/>
+          <ac:spMkLst>
+            <pc:docMk/>
+            <pc:sldMk cId="3286203646" sldId="262"/>
+            <ac:spMk id="2" creationId="{1528303D-A888-4BF3-B818-2CFAB40AA959}"/>
+          </ac:spMkLst>
+        </pc:spChg>
+        <pc:spChg chg="mod">
+          <ac:chgData name="게스트 사용자" userId="S::urn:spo:anon#b3860dc8331868868ef051a5c71491108560e43b4fdf57277abb2020915563df::" providerId="AD" clId="Web-{6D82C239-AE18-4C56-906D-1D47210C0BB0}" dt="2019-01-05T11:15:34.693" v="18" actId="1076"/>
+          <ac:spMkLst>
+            <pc:docMk/>
+            <pc:sldMk cId="3286203646" sldId="262"/>
+            <ac:spMk id="11" creationId="{CD3B85D1-CA5C-4DF2-99C9-01E53FA5704B}"/>
+          </ac:spMkLst>
+        </pc:spChg>
+        <pc:spChg chg="mod">
+          <ac:chgData name="게스트 사용자" userId="S::urn:spo:anon#b3860dc8331868868ef051a5c71491108560e43b4fdf57277abb2020915563df::" providerId="AD" clId="Web-{6D82C239-AE18-4C56-906D-1D47210C0BB0}" dt="2019-01-05T11:15:34.693" v="19" actId="1076"/>
+          <ac:spMkLst>
+            <pc:docMk/>
+            <pc:sldMk cId="3286203646" sldId="262"/>
+            <ac:spMk id="12" creationId="{E9485842-0BB6-4B96-8DD2-9B17B615FE97}"/>
+          </ac:spMkLst>
+        </pc:spChg>
+        <pc:spChg chg="mod">
+          <ac:chgData name="게스트 사용자" userId="S::urn:spo:anon#b3860dc8331868868ef051a5c71491108560e43b4fdf57277abb2020915563df::" providerId="AD" clId="Web-{6D82C239-AE18-4C56-906D-1D47210C0BB0}" dt="2019-01-05T11:15:24.849" v="15" actId="1076"/>
+          <ac:spMkLst>
+            <pc:docMk/>
+            <pc:sldMk cId="3286203646" sldId="262"/>
+            <ac:spMk id="13" creationId="{E019BBA3-68CE-4362-9215-1998382E325F}"/>
+          </ac:spMkLst>
+        </pc:spChg>
+        <pc:spChg chg="mod">
+          <ac:chgData name="게스트 사용자" userId="S::urn:spo:anon#b3860dc8331868868ef051a5c71491108560e43b4fdf57277abb2020915563df::" providerId="AD" clId="Web-{6D82C239-AE18-4C56-906D-1D47210C0BB0}" dt="2019-01-05T11:15:24.849" v="16" actId="1076"/>
+          <ac:spMkLst>
+            <pc:docMk/>
+            <pc:sldMk cId="3286203646" sldId="262"/>
+            <ac:spMk id="14" creationId="{61A0C3F8-499C-4C5E-9E9B-08EE08A2643C}"/>
+          </ac:spMkLst>
+        </pc:spChg>
+        <pc:spChg chg="mod">
+          <ac:chgData name="게스트 사용자" userId="S::urn:spo:anon#b3860dc8331868868ef051a5c71491108560e43b4fdf57277abb2020915563df::" providerId="AD" clId="Web-{6D82C239-AE18-4C56-906D-1D47210C0BB0}" dt="2019-01-05T11:15:45.662" v="21" actId="1076"/>
+          <ac:spMkLst>
+            <pc:docMk/>
+            <pc:sldMk cId="3286203646" sldId="262"/>
+            <ac:spMk id="17" creationId="{4BBB6954-3378-47EA-B23B-24A2C200DBD1}"/>
+          </ac:spMkLst>
+        </pc:spChg>
+        <pc:spChg chg="mod">
+          <ac:chgData name="게스트 사용자" userId="S::urn:spo:anon#b3860dc8331868868ef051a5c71491108560e43b4fdf57277abb2020915563df::" providerId="AD" clId="Web-{6D82C239-AE18-4C56-906D-1D47210C0BB0}" dt="2019-01-05T11:14:35.005" v="1" actId="1076"/>
+          <ac:spMkLst>
+            <pc:docMk/>
+            <pc:sldMk cId="3286203646" sldId="262"/>
+            <ac:spMk id="18" creationId="{9A863ECD-64B0-444C-9A8A-867EA7E19264}"/>
+          </ac:spMkLst>
+        </pc:spChg>
+        <pc:picChg chg="mod">
+          <ac:chgData name="게스트 사용자" userId="S::urn:spo:anon#b3860dc8331868868ef051a5c71491108560e43b4fdf57277abb2020915563df::" providerId="AD" clId="Web-{6D82C239-AE18-4C56-906D-1D47210C0BB0}" dt="2019-01-05T11:14:28.880" v="0" actId="1076"/>
+          <ac:picMkLst>
+            <pc:docMk/>
+            <pc:sldMk cId="3286203646" sldId="262"/>
+            <ac:picMk id="4" creationId="{E07066B4-989F-4C68-961C-683430887661}"/>
+          </ac:picMkLst>
+        </pc:picChg>
+        <pc:picChg chg="mod">
+          <ac:chgData name="게스트 사용자" userId="S::urn:spo:anon#b3860dc8331868868ef051a5c71491108560e43b4fdf57277abb2020915563df::" providerId="AD" clId="Web-{6D82C239-AE18-4C56-906D-1D47210C0BB0}" dt="2019-01-05T11:15:34.677" v="17" actId="1076"/>
+          <ac:picMkLst>
+            <pc:docMk/>
+            <pc:sldMk cId="3286203646" sldId="262"/>
+            <ac:picMk id="6" creationId="{29A9456B-227A-4A7F-AD97-0CE0472BF2A4}"/>
+          </ac:picMkLst>
+        </pc:picChg>
+        <pc:picChg chg="mod">
+          <ac:chgData name="게스트 사용자" userId="S::urn:spo:anon#b3860dc8331868868ef051a5c71491108560e43b4fdf57277abb2020915563df::" providerId="AD" clId="Web-{6D82C239-AE18-4C56-906D-1D47210C0BB0}" dt="2019-01-05T11:15:24.834" v="13" actId="1076"/>
+          <ac:picMkLst>
+            <pc:docMk/>
+            <pc:sldMk cId="3286203646" sldId="262"/>
+            <ac:picMk id="8" creationId="{8A7F63D5-C0E2-49AF-9AF4-C443255F9310}"/>
+          </ac:picMkLst>
+        </pc:picChg>
+        <pc:picChg chg="mod">
+          <ac:chgData name="게스트 사용자" userId="S::urn:spo:anon#b3860dc8331868868ef051a5c71491108560e43b4fdf57277abb2020915563df::" providerId="AD" clId="Web-{6D82C239-AE18-4C56-906D-1D47210C0BB0}" dt="2019-01-05T11:15:24.834" v="14" actId="1076"/>
+          <ac:picMkLst>
+            <pc:docMk/>
+            <pc:sldMk cId="3286203646" sldId="262"/>
+            <ac:picMk id="10" creationId="{25EFECA6-C09C-4B01-BDA5-286C1CB4C023}"/>
+          </ac:picMkLst>
+        </pc:picChg>
+        <pc:picChg chg="mod">
+          <ac:chgData name="게스트 사용자" userId="S::urn:spo:anon#b3860dc8331868868ef051a5c71491108560e43b4fdf57277abb2020915563df::" providerId="AD" clId="Web-{6D82C239-AE18-4C56-906D-1D47210C0BB0}" dt="2019-01-05T11:15:45.662" v="20" actId="1076"/>
+          <ac:picMkLst>
+            <pc:docMk/>
+            <pc:sldMk cId="3286203646" sldId="262"/>
+            <ac:picMk id="16" creationId="{044D9BE0-4508-4992-BBE2-AD1143EE7F68}"/>
+          </ac:picMkLst>
+        </pc:picChg>
+      </pc:sldChg>
+      <pc:sldChg chg="addSp delSp modSp">
+        <pc:chgData name="게스트 사용자" userId="S::urn:spo:anon#b3860dc8331868868ef051a5c71491108560e43b4fdf57277abb2020915563df::" providerId="AD" clId="Web-{6D82C239-AE18-4C56-906D-1D47210C0BB0}" dt="2019-01-05T12:31:08.437" v="73" actId="14100"/>
+        <pc:sldMkLst>
+          <pc:docMk/>
+          <pc:sldMk cId="1491327750" sldId="273"/>
+        </pc:sldMkLst>
+        <pc:picChg chg="mod">
+          <ac:chgData name="게스트 사용자" userId="S::urn:spo:anon#b3860dc8331868868ef051a5c71491108560e43b4fdf57277abb2020915563df::" providerId="AD" clId="Web-{6D82C239-AE18-4C56-906D-1D47210C0BB0}" dt="2019-01-05T12:26:26.278" v="68" actId="1076"/>
+          <ac:picMkLst>
+            <pc:docMk/>
+            <pc:sldMk cId="1491327750" sldId="273"/>
+            <ac:picMk id="4" creationId="{71E88A35-6A3C-4713-AFDE-13A476FDF15B}"/>
+          </ac:picMkLst>
+        </pc:picChg>
+        <pc:picChg chg="add del mod">
+          <ac:chgData name="게스트 사용자" userId="S::urn:spo:anon#b3860dc8331868868ef051a5c71491108560e43b4fdf57277abb2020915563df::" providerId="AD" clId="Web-{6D82C239-AE18-4C56-906D-1D47210C0BB0}" dt="2019-01-05T12:30:56.733" v="69"/>
+          <ac:picMkLst>
+            <pc:docMk/>
+            <pc:sldMk cId="1491327750" sldId="273"/>
+            <ac:picMk id="5" creationId="{5957B96D-4214-4A15-9430-D1D47394C5A8}"/>
+          </ac:picMkLst>
+        </pc:picChg>
+        <pc:picChg chg="add mod">
+          <ac:chgData name="게스트 사용자" userId="S::urn:spo:anon#b3860dc8331868868ef051a5c71491108560e43b4fdf57277abb2020915563df::" providerId="AD" clId="Web-{6D82C239-AE18-4C56-906D-1D47210C0BB0}" dt="2019-01-05T12:31:08.437" v="73" actId="14100"/>
+          <ac:picMkLst>
+            <pc:docMk/>
+            <pc:sldMk cId="1491327750" sldId="273"/>
+            <ac:picMk id="7" creationId="{19DA6002-0479-4513-8860-48703C457655}"/>
+          </ac:picMkLst>
+        </pc:picChg>
+      </pc:sldChg>
+      <pc:sldChg chg="modSp">
+        <pc:chgData name="게스트 사용자" userId="S::urn:spo:anon#b3860dc8331868868ef051a5c71491108560e43b4fdf57277abb2020915563df::" providerId="AD" clId="Web-{6D82C239-AE18-4C56-906D-1D47210C0BB0}" dt="2019-01-05T11:18:41.040" v="62" actId="14100"/>
+        <pc:sldMkLst>
+          <pc:docMk/>
+          <pc:sldMk cId="4174912067" sldId="277"/>
+        </pc:sldMkLst>
+        <pc:spChg chg="mod">
+          <ac:chgData name="게스트 사용자" userId="S::urn:spo:anon#b3860dc8331868868ef051a5c71491108560e43b4fdf57277abb2020915563df::" providerId="AD" clId="Web-{6D82C239-AE18-4C56-906D-1D47210C0BB0}" dt="2019-01-05T11:18:41.040" v="62" actId="14100"/>
+          <ac:spMkLst>
+            <pc:docMk/>
+            <pc:sldMk cId="4174912067" sldId="277"/>
+            <ac:spMk id="3" creationId="{7D02FFD5-DED4-4357-A705-C197CFC7CDA8}"/>
+          </ac:spMkLst>
+        </pc:spChg>
+        <pc:spChg chg="mod">
+          <ac:chgData name="게스트 사용자" userId="S::urn:spo:anon#b3860dc8331868868ef051a5c71491108560e43b4fdf57277abb2020915563df::" providerId="AD" clId="Web-{6D82C239-AE18-4C56-906D-1D47210C0BB0}" dt="2019-01-05T11:18:36.337" v="57" actId="1076"/>
+          <ac:spMkLst>
+            <pc:docMk/>
+            <pc:sldMk cId="4174912067" sldId="277"/>
+            <ac:spMk id="9" creationId="{9E8479C2-8250-4A01-A7AC-BF325E4CF382}"/>
+          </ac:spMkLst>
+        </pc:spChg>
+        <pc:spChg chg="mod">
+          <ac:chgData name="게스트 사용자" userId="S::urn:spo:anon#b3860dc8331868868ef051a5c71491108560e43b4fdf57277abb2020915563df::" providerId="AD" clId="Web-{6D82C239-AE18-4C56-906D-1D47210C0BB0}" dt="2019-01-05T11:18:36.353" v="58" actId="1076"/>
+          <ac:spMkLst>
+            <pc:docMk/>
+            <pc:sldMk cId="4174912067" sldId="277"/>
+            <ac:spMk id="13" creationId="{58FA3BE5-3E5A-4CA7-918A-7142578F4C13}"/>
+          </ac:spMkLst>
+        </pc:spChg>
+        <pc:spChg chg="mod">
+          <ac:chgData name="게스트 사용자" userId="S::urn:spo:anon#b3860dc8331868868ef051a5c71491108560e43b4fdf57277abb2020915563df::" providerId="AD" clId="Web-{6D82C239-AE18-4C56-906D-1D47210C0BB0}" dt="2019-01-05T11:18:36.368" v="59" actId="1076"/>
+          <ac:spMkLst>
+            <pc:docMk/>
+            <pc:sldMk cId="4174912067" sldId="277"/>
+            <ac:spMk id="16" creationId="{7CA278C3-3C06-4DBF-B87E-11EA94862389}"/>
+          </ac:spMkLst>
+        </pc:spChg>
+        <pc:spChg chg="mod">
+          <ac:chgData name="게스트 사용자" userId="S::urn:spo:anon#b3860dc8331868868ef051a5c71491108560e43b4fdf57277abb2020915563df::" providerId="AD" clId="Web-{6D82C239-AE18-4C56-906D-1D47210C0BB0}" dt="2019-01-05T11:18:36.368" v="60" actId="1076"/>
+          <ac:spMkLst>
+            <pc:docMk/>
+            <pc:sldMk cId="4174912067" sldId="277"/>
+            <ac:spMk id="17" creationId="{1CE2A4E5-16C9-4D64-9D5F-025FFB4742E4}"/>
           </ac:spMkLst>
         </pc:spChg>
       </pc:sldChg>
@@ -932,196 +1122,6 @@
     </pc:docChg>
   </pc:docChgLst>
   <pc:docChgLst>
-    <pc:chgData name="게스트 사용자" userId="S::urn:spo:anon#b3860dc8331868868ef051a5c71491108560e43b4fdf57277abb2020915563df::" providerId="AD" clId="Web-{6D82C239-AE18-4C56-906D-1D47210C0BB0}"/>
-    <pc:docChg chg="modSld">
-      <pc:chgData name="게스트 사용자" userId="S::urn:spo:anon#b3860dc8331868868ef051a5c71491108560e43b4fdf57277abb2020915563df::" providerId="AD" clId="Web-{6D82C239-AE18-4C56-906D-1D47210C0BB0}" dt="2019-01-05T12:31:08.437" v="73" actId="14100"/>
-      <pc:docMkLst>
-        <pc:docMk/>
-      </pc:docMkLst>
-      <pc:sldChg chg="modSp">
-        <pc:chgData name="게스트 사용자" userId="S::urn:spo:anon#b3860dc8331868868ef051a5c71491108560e43b4fdf57277abb2020915563df::" providerId="AD" clId="Web-{6D82C239-AE18-4C56-906D-1D47210C0BB0}" dt="2019-01-05T11:16:34.896" v="22" actId="1076"/>
-        <pc:sldMkLst>
-          <pc:docMk/>
-          <pc:sldMk cId="3286203646" sldId="262"/>
-        </pc:sldMkLst>
-        <pc:spChg chg="mod">
-          <ac:chgData name="게스트 사용자" userId="S::urn:spo:anon#b3860dc8331868868ef051a5c71491108560e43b4fdf57277abb2020915563df::" providerId="AD" clId="Web-{6D82C239-AE18-4C56-906D-1D47210C0BB0}" dt="2019-01-05T11:16:34.896" v="22" actId="1076"/>
-          <ac:spMkLst>
-            <pc:docMk/>
-            <pc:sldMk cId="3286203646" sldId="262"/>
-            <ac:spMk id="2" creationId="{1528303D-A888-4BF3-B818-2CFAB40AA959}"/>
-          </ac:spMkLst>
-        </pc:spChg>
-        <pc:spChg chg="mod">
-          <ac:chgData name="게스트 사용자" userId="S::urn:spo:anon#b3860dc8331868868ef051a5c71491108560e43b4fdf57277abb2020915563df::" providerId="AD" clId="Web-{6D82C239-AE18-4C56-906D-1D47210C0BB0}" dt="2019-01-05T11:15:34.693" v="18" actId="1076"/>
-          <ac:spMkLst>
-            <pc:docMk/>
-            <pc:sldMk cId="3286203646" sldId="262"/>
-            <ac:spMk id="11" creationId="{CD3B85D1-CA5C-4DF2-99C9-01E53FA5704B}"/>
-          </ac:spMkLst>
-        </pc:spChg>
-        <pc:spChg chg="mod">
-          <ac:chgData name="게스트 사용자" userId="S::urn:spo:anon#b3860dc8331868868ef051a5c71491108560e43b4fdf57277abb2020915563df::" providerId="AD" clId="Web-{6D82C239-AE18-4C56-906D-1D47210C0BB0}" dt="2019-01-05T11:15:34.693" v="19" actId="1076"/>
-          <ac:spMkLst>
-            <pc:docMk/>
-            <pc:sldMk cId="3286203646" sldId="262"/>
-            <ac:spMk id="12" creationId="{E9485842-0BB6-4B96-8DD2-9B17B615FE97}"/>
-          </ac:spMkLst>
-        </pc:spChg>
-        <pc:spChg chg="mod">
-          <ac:chgData name="게스트 사용자" userId="S::urn:spo:anon#b3860dc8331868868ef051a5c71491108560e43b4fdf57277abb2020915563df::" providerId="AD" clId="Web-{6D82C239-AE18-4C56-906D-1D47210C0BB0}" dt="2019-01-05T11:15:24.849" v="15" actId="1076"/>
-          <ac:spMkLst>
-            <pc:docMk/>
-            <pc:sldMk cId="3286203646" sldId="262"/>
-            <ac:spMk id="13" creationId="{E019BBA3-68CE-4362-9215-1998382E325F}"/>
-          </ac:spMkLst>
-        </pc:spChg>
-        <pc:spChg chg="mod">
-          <ac:chgData name="게스트 사용자" userId="S::urn:spo:anon#b3860dc8331868868ef051a5c71491108560e43b4fdf57277abb2020915563df::" providerId="AD" clId="Web-{6D82C239-AE18-4C56-906D-1D47210C0BB0}" dt="2019-01-05T11:15:24.849" v="16" actId="1076"/>
-          <ac:spMkLst>
-            <pc:docMk/>
-            <pc:sldMk cId="3286203646" sldId="262"/>
-            <ac:spMk id="14" creationId="{61A0C3F8-499C-4C5E-9E9B-08EE08A2643C}"/>
-          </ac:spMkLst>
-        </pc:spChg>
-        <pc:spChg chg="mod">
-          <ac:chgData name="게스트 사용자" userId="S::urn:spo:anon#b3860dc8331868868ef051a5c71491108560e43b4fdf57277abb2020915563df::" providerId="AD" clId="Web-{6D82C239-AE18-4C56-906D-1D47210C0BB0}" dt="2019-01-05T11:15:45.662" v="21" actId="1076"/>
-          <ac:spMkLst>
-            <pc:docMk/>
-            <pc:sldMk cId="3286203646" sldId="262"/>
-            <ac:spMk id="17" creationId="{4BBB6954-3378-47EA-B23B-24A2C200DBD1}"/>
-          </ac:spMkLst>
-        </pc:spChg>
-        <pc:spChg chg="mod">
-          <ac:chgData name="게스트 사용자" userId="S::urn:spo:anon#b3860dc8331868868ef051a5c71491108560e43b4fdf57277abb2020915563df::" providerId="AD" clId="Web-{6D82C239-AE18-4C56-906D-1D47210C0BB0}" dt="2019-01-05T11:14:35.005" v="1" actId="1076"/>
-          <ac:spMkLst>
-            <pc:docMk/>
-            <pc:sldMk cId="3286203646" sldId="262"/>
-            <ac:spMk id="18" creationId="{9A863ECD-64B0-444C-9A8A-867EA7E19264}"/>
-          </ac:spMkLst>
-        </pc:spChg>
-        <pc:picChg chg="mod">
-          <ac:chgData name="게스트 사용자" userId="S::urn:spo:anon#b3860dc8331868868ef051a5c71491108560e43b4fdf57277abb2020915563df::" providerId="AD" clId="Web-{6D82C239-AE18-4C56-906D-1D47210C0BB0}" dt="2019-01-05T11:14:28.880" v="0" actId="1076"/>
-          <ac:picMkLst>
-            <pc:docMk/>
-            <pc:sldMk cId="3286203646" sldId="262"/>
-            <ac:picMk id="4" creationId="{E07066B4-989F-4C68-961C-683430887661}"/>
-          </ac:picMkLst>
-        </pc:picChg>
-        <pc:picChg chg="mod">
-          <ac:chgData name="게스트 사용자" userId="S::urn:spo:anon#b3860dc8331868868ef051a5c71491108560e43b4fdf57277abb2020915563df::" providerId="AD" clId="Web-{6D82C239-AE18-4C56-906D-1D47210C0BB0}" dt="2019-01-05T11:15:34.677" v="17" actId="1076"/>
-          <ac:picMkLst>
-            <pc:docMk/>
-            <pc:sldMk cId="3286203646" sldId="262"/>
-            <ac:picMk id="6" creationId="{29A9456B-227A-4A7F-AD97-0CE0472BF2A4}"/>
-          </ac:picMkLst>
-        </pc:picChg>
-        <pc:picChg chg="mod">
-          <ac:chgData name="게스트 사용자" userId="S::urn:spo:anon#b3860dc8331868868ef051a5c71491108560e43b4fdf57277abb2020915563df::" providerId="AD" clId="Web-{6D82C239-AE18-4C56-906D-1D47210C0BB0}" dt="2019-01-05T11:15:24.834" v="13" actId="1076"/>
-          <ac:picMkLst>
-            <pc:docMk/>
-            <pc:sldMk cId="3286203646" sldId="262"/>
-            <ac:picMk id="8" creationId="{8A7F63D5-C0E2-49AF-9AF4-C443255F9310}"/>
-          </ac:picMkLst>
-        </pc:picChg>
-        <pc:picChg chg="mod">
-          <ac:chgData name="게스트 사용자" userId="S::urn:spo:anon#b3860dc8331868868ef051a5c71491108560e43b4fdf57277abb2020915563df::" providerId="AD" clId="Web-{6D82C239-AE18-4C56-906D-1D47210C0BB0}" dt="2019-01-05T11:15:24.834" v="14" actId="1076"/>
-          <ac:picMkLst>
-            <pc:docMk/>
-            <pc:sldMk cId="3286203646" sldId="262"/>
-            <ac:picMk id="10" creationId="{25EFECA6-C09C-4B01-BDA5-286C1CB4C023}"/>
-          </ac:picMkLst>
-        </pc:picChg>
-        <pc:picChg chg="mod">
-          <ac:chgData name="게스트 사용자" userId="S::urn:spo:anon#b3860dc8331868868ef051a5c71491108560e43b4fdf57277abb2020915563df::" providerId="AD" clId="Web-{6D82C239-AE18-4C56-906D-1D47210C0BB0}" dt="2019-01-05T11:15:45.662" v="20" actId="1076"/>
-          <ac:picMkLst>
-            <pc:docMk/>
-            <pc:sldMk cId="3286203646" sldId="262"/>
-            <ac:picMk id="16" creationId="{044D9BE0-4508-4992-BBE2-AD1143EE7F68}"/>
-          </ac:picMkLst>
-        </pc:picChg>
-      </pc:sldChg>
-      <pc:sldChg chg="addSp delSp modSp">
-        <pc:chgData name="게스트 사용자" userId="S::urn:spo:anon#b3860dc8331868868ef051a5c71491108560e43b4fdf57277abb2020915563df::" providerId="AD" clId="Web-{6D82C239-AE18-4C56-906D-1D47210C0BB0}" dt="2019-01-05T12:31:08.437" v="73" actId="14100"/>
-        <pc:sldMkLst>
-          <pc:docMk/>
-          <pc:sldMk cId="1491327750" sldId="273"/>
-        </pc:sldMkLst>
-        <pc:picChg chg="mod">
-          <ac:chgData name="게스트 사용자" userId="S::urn:spo:anon#b3860dc8331868868ef051a5c71491108560e43b4fdf57277abb2020915563df::" providerId="AD" clId="Web-{6D82C239-AE18-4C56-906D-1D47210C0BB0}" dt="2019-01-05T12:26:26.278" v="68" actId="1076"/>
-          <ac:picMkLst>
-            <pc:docMk/>
-            <pc:sldMk cId="1491327750" sldId="273"/>
-            <ac:picMk id="4" creationId="{71E88A35-6A3C-4713-AFDE-13A476FDF15B}"/>
-          </ac:picMkLst>
-        </pc:picChg>
-        <pc:picChg chg="add del mod">
-          <ac:chgData name="게스트 사용자" userId="S::urn:spo:anon#b3860dc8331868868ef051a5c71491108560e43b4fdf57277abb2020915563df::" providerId="AD" clId="Web-{6D82C239-AE18-4C56-906D-1D47210C0BB0}" dt="2019-01-05T12:30:56.733" v="69"/>
-          <ac:picMkLst>
-            <pc:docMk/>
-            <pc:sldMk cId="1491327750" sldId="273"/>
-            <ac:picMk id="5" creationId="{5957B96D-4214-4A15-9430-D1D47394C5A8}"/>
-          </ac:picMkLst>
-        </pc:picChg>
-        <pc:picChg chg="add mod">
-          <ac:chgData name="게스트 사용자" userId="S::urn:spo:anon#b3860dc8331868868ef051a5c71491108560e43b4fdf57277abb2020915563df::" providerId="AD" clId="Web-{6D82C239-AE18-4C56-906D-1D47210C0BB0}" dt="2019-01-05T12:31:08.437" v="73" actId="14100"/>
-          <ac:picMkLst>
-            <pc:docMk/>
-            <pc:sldMk cId="1491327750" sldId="273"/>
-            <ac:picMk id="7" creationId="{19DA6002-0479-4513-8860-48703C457655}"/>
-          </ac:picMkLst>
-        </pc:picChg>
-      </pc:sldChg>
-      <pc:sldChg chg="modSp">
-        <pc:chgData name="게스트 사용자" userId="S::urn:spo:anon#b3860dc8331868868ef051a5c71491108560e43b4fdf57277abb2020915563df::" providerId="AD" clId="Web-{6D82C239-AE18-4C56-906D-1D47210C0BB0}" dt="2019-01-05T11:18:41.040" v="62" actId="14100"/>
-        <pc:sldMkLst>
-          <pc:docMk/>
-          <pc:sldMk cId="4174912067" sldId="277"/>
-        </pc:sldMkLst>
-        <pc:spChg chg="mod">
-          <ac:chgData name="게스트 사용자" userId="S::urn:spo:anon#b3860dc8331868868ef051a5c71491108560e43b4fdf57277abb2020915563df::" providerId="AD" clId="Web-{6D82C239-AE18-4C56-906D-1D47210C0BB0}" dt="2019-01-05T11:18:41.040" v="62" actId="14100"/>
-          <ac:spMkLst>
-            <pc:docMk/>
-            <pc:sldMk cId="4174912067" sldId="277"/>
-            <ac:spMk id="3" creationId="{7D02FFD5-DED4-4357-A705-C197CFC7CDA8}"/>
-          </ac:spMkLst>
-        </pc:spChg>
-        <pc:spChg chg="mod">
-          <ac:chgData name="게스트 사용자" userId="S::urn:spo:anon#b3860dc8331868868ef051a5c71491108560e43b4fdf57277abb2020915563df::" providerId="AD" clId="Web-{6D82C239-AE18-4C56-906D-1D47210C0BB0}" dt="2019-01-05T11:18:36.337" v="57" actId="1076"/>
-          <ac:spMkLst>
-            <pc:docMk/>
-            <pc:sldMk cId="4174912067" sldId="277"/>
-            <ac:spMk id="9" creationId="{9E8479C2-8250-4A01-A7AC-BF325E4CF382}"/>
-          </ac:spMkLst>
-        </pc:spChg>
-        <pc:spChg chg="mod">
-          <ac:chgData name="게스트 사용자" userId="S::urn:spo:anon#b3860dc8331868868ef051a5c71491108560e43b4fdf57277abb2020915563df::" providerId="AD" clId="Web-{6D82C239-AE18-4C56-906D-1D47210C0BB0}" dt="2019-01-05T11:18:36.353" v="58" actId="1076"/>
-          <ac:spMkLst>
-            <pc:docMk/>
-            <pc:sldMk cId="4174912067" sldId="277"/>
-            <ac:spMk id="13" creationId="{58FA3BE5-3E5A-4CA7-918A-7142578F4C13}"/>
-          </ac:spMkLst>
-        </pc:spChg>
-        <pc:spChg chg="mod">
-          <ac:chgData name="게스트 사용자" userId="S::urn:spo:anon#b3860dc8331868868ef051a5c71491108560e43b4fdf57277abb2020915563df::" providerId="AD" clId="Web-{6D82C239-AE18-4C56-906D-1D47210C0BB0}" dt="2019-01-05T11:18:36.368" v="59" actId="1076"/>
-          <ac:spMkLst>
-            <pc:docMk/>
-            <pc:sldMk cId="4174912067" sldId="277"/>
-            <ac:spMk id="16" creationId="{7CA278C3-3C06-4DBF-B87E-11EA94862389}"/>
-          </ac:spMkLst>
-        </pc:spChg>
-        <pc:spChg chg="mod">
-          <ac:chgData name="게스트 사용자" userId="S::urn:spo:anon#b3860dc8331868868ef051a5c71491108560e43b4fdf57277abb2020915563df::" providerId="AD" clId="Web-{6D82C239-AE18-4C56-906D-1D47210C0BB0}" dt="2019-01-05T11:18:36.368" v="60" actId="1076"/>
-          <ac:spMkLst>
-            <pc:docMk/>
-            <pc:sldMk cId="4174912067" sldId="277"/>
-            <ac:spMk id="17" creationId="{1CE2A4E5-16C9-4D64-9D5F-025FFB4742E4}"/>
-          </ac:spMkLst>
-        </pc:spChg>
-      </pc:sldChg>
-    </pc:docChg>
-  </pc:docChgLst>
-  <pc:docChgLst>
     <pc:chgData name="게스트 사용자" userId="S::urn:spo:anon#b3860dc8331868868ef051a5c71491108560e43b4fdf57277abb2020915563df::" providerId="AD" clId="Web-{C33680D2-9E9D-A3B5-A7C7-897D3C3F0FA9}"/>
     <pc:docChg chg="modSld">
       <pc:chgData name="게스트 사용자" userId="S::urn:spo:anon#b3860dc8331868868ef051a5c71491108560e43b4fdf57277abb2020915563df::" providerId="AD" clId="Web-{C33680D2-9E9D-A3B5-A7C7-897D3C3F0FA9}" dt="2019-01-05T11:15:33.385" v="9" actId="20577"/>
@@ -1254,7 +1254,7 @@
           <a:p>
             <a:fld id="{9CA91F1B-9D24-40F1-A1BF-13C680275030}" type="datetimeFigureOut">
               <a:rPr lang="ko-KR" altLang="en-US" smtClean="0"/>
-              <a:t>2019-05-26</a:t>
+              <a:t>2019-06-01</a:t>
             </a:fld>
             <a:endParaRPr lang="ko-KR" altLang="en-US"/>
           </a:p>
@@ -2167,7 +2167,7 @@
           <a:p>
             <a:fld id="{7052EFC6-043C-4278-956A-6E9BEEB4DACF}" type="datetimeFigureOut">
               <a:rPr lang="ko-KR" altLang="en-US" smtClean="0"/>
-              <a:t>2019-05-26</a:t>
+              <a:t>2019-06-01</a:t>
             </a:fld>
             <a:endParaRPr lang="ko-KR" altLang="en-US"/>
           </a:p>
@@ -2378,7 +2378,7 @@
           <a:p>
             <a:fld id="{7052EFC6-043C-4278-956A-6E9BEEB4DACF}" type="datetimeFigureOut">
               <a:rPr lang="ko-KR" altLang="en-US" smtClean="0"/>
-              <a:t>2019-05-26</a:t>
+              <a:t>2019-06-01</a:t>
             </a:fld>
             <a:endParaRPr lang="ko-KR" altLang="en-US"/>
           </a:p>
@@ -2593,7 +2593,7 @@
           <a:p>
             <a:fld id="{7052EFC6-043C-4278-956A-6E9BEEB4DACF}" type="datetimeFigureOut">
               <a:rPr lang="ko-KR" altLang="en-US" smtClean="0"/>
-              <a:t>2019-05-26</a:t>
+              <a:t>2019-06-01</a:t>
             </a:fld>
             <a:endParaRPr lang="ko-KR" altLang="en-US"/>
           </a:p>
@@ -2794,7 +2794,7 @@
           <a:p>
             <a:fld id="{7052EFC6-043C-4278-956A-6E9BEEB4DACF}" type="datetimeFigureOut">
               <a:rPr lang="ko-KR" altLang="en-US" smtClean="0"/>
-              <a:t>2019-05-26</a:t>
+              <a:t>2019-06-01</a:t>
             </a:fld>
             <a:endParaRPr lang="ko-KR" altLang="en-US"/>
           </a:p>
@@ -3073,7 +3073,7 @@
           <a:p>
             <a:fld id="{7052EFC6-043C-4278-956A-6E9BEEB4DACF}" type="datetimeFigureOut">
               <a:rPr lang="ko-KR" altLang="en-US" smtClean="0"/>
-              <a:t>2019-05-26</a:t>
+              <a:t>2019-06-01</a:t>
             </a:fld>
             <a:endParaRPr lang="ko-KR" altLang="en-US"/>
           </a:p>
@@ -3341,7 +3341,7 @@
           <a:p>
             <a:fld id="{7052EFC6-043C-4278-956A-6E9BEEB4DACF}" type="datetimeFigureOut">
               <a:rPr lang="ko-KR" altLang="en-US" smtClean="0"/>
-              <a:t>2019-05-26</a:t>
+              <a:t>2019-06-01</a:t>
             </a:fld>
             <a:endParaRPr lang="ko-KR" altLang="en-US"/>
           </a:p>
@@ -3757,7 +3757,7 @@
           <a:p>
             <a:fld id="{7052EFC6-043C-4278-956A-6E9BEEB4DACF}" type="datetimeFigureOut">
               <a:rPr lang="ko-KR" altLang="en-US" smtClean="0"/>
-              <a:t>2019-05-26</a:t>
+              <a:t>2019-06-01</a:t>
             </a:fld>
             <a:endParaRPr lang="ko-KR" altLang="en-US"/>
           </a:p>
@@ -3906,7 +3906,7 @@
           <a:p>
             <a:fld id="{7052EFC6-043C-4278-956A-6E9BEEB4DACF}" type="datetimeFigureOut">
               <a:rPr lang="ko-KR" altLang="en-US" smtClean="0"/>
-              <a:t>2019-05-26</a:t>
+              <a:t>2019-06-01</a:t>
             </a:fld>
             <a:endParaRPr lang="ko-KR" altLang="en-US"/>
           </a:p>
@@ -4032,7 +4032,7 @@
           <a:p>
             <a:fld id="{7052EFC6-043C-4278-956A-6E9BEEB4DACF}" type="datetimeFigureOut">
               <a:rPr lang="ko-KR" altLang="en-US" smtClean="0"/>
-              <a:t>2019-05-26</a:t>
+              <a:t>2019-06-01</a:t>
             </a:fld>
             <a:endParaRPr lang="ko-KR" altLang="en-US"/>
           </a:p>
@@ -4283,7 +4283,7 @@
           <a:p>
             <a:fld id="{7052EFC6-043C-4278-956A-6E9BEEB4DACF}" type="datetimeFigureOut">
               <a:rPr lang="ko-KR" altLang="en-US" smtClean="0"/>
-              <a:t>2019-05-26</a:t>
+              <a:t>2019-06-01</a:t>
             </a:fld>
             <a:endParaRPr lang="ko-KR" altLang="en-US"/>
           </a:p>
@@ -4728,7 +4728,7 @@
           <a:p>
             <a:fld id="{7052EFC6-043C-4278-956A-6E9BEEB4DACF}" type="datetimeFigureOut">
               <a:rPr lang="ko-KR" altLang="en-US" smtClean="0"/>
-              <a:t>2019-05-26</a:t>
+              <a:t>2019-06-01</a:t>
             </a:fld>
             <a:endParaRPr lang="ko-KR" altLang="en-US"/>
           </a:p>
@@ -5055,7 +5055,7 @@
           <a:p>
             <a:fld id="{7052EFC6-043C-4278-956A-6E9BEEB4DACF}" type="datetimeFigureOut">
               <a:rPr lang="ko-KR" altLang="en-US" smtClean="0"/>
-              <a:t>2019-05-26</a:t>
+              <a:t>2019-06-01</a:t>
             </a:fld>
             <a:endParaRPr lang="ko-KR" altLang="en-US"/>
           </a:p>
@@ -6958,14 +6958,14 @@
           <p:nvPr>
             <p:extLst>
               <p:ext uri="{D42A27DB-BD31-4B8C-83A1-F6EECF244321}">
-                <p14:modId xmlns:p14="http://schemas.microsoft.com/office/powerpoint/2010/main" val="3405144199"/>
+                <p14:modId xmlns:p14="http://schemas.microsoft.com/office/powerpoint/2010/main" val="683510039"/>
               </p:ext>
             </p:extLst>
           </p:nvPr>
         </p:nvGraphicFramePr>
         <p:xfrm>
-          <a:off x="1422400" y="1995713"/>
-          <a:ext cx="9592088" cy="4023360"/>
+          <a:off x="1422400" y="2259668"/>
+          <a:ext cx="9592088" cy="3051896"/>
         </p:xfrm>
         <a:graphic>
           <a:graphicData uri="http://schemas.openxmlformats.org/drawingml/2006/table">
@@ -7003,7 +7003,7 @@
                   </a:extLst>
                 </a:gridCol>
               </a:tblGrid>
-              <a:tr h="363767">
+              <a:tr h="361487">
                 <a:tc>
                   <a:txBody>
                     <a:bodyPr/>
@@ -7194,29 +7194,13 @@
                   </a:ext>
                 </a:extLst>
               </a:tr>
-              <a:tr h="3404011">
+              <a:tr h="2686136">
                 <a:tc>
                   <a:txBody>
                     <a:bodyPr/>
                     <a:lstStyle/>
                     <a:p>
-                      <a:pPr marL="36830" lvl="0" indent="0">
-                        <a:buNone/>
-                      </a:pPr>
-                      <a:r>
-                        <a:rPr lang="ko-KR" altLang="en-US" sz="1800" b="1" dirty="0">
-                          <a:latin typeface="HY수평선B"/>
-                          <a:ea typeface="HY수평선B" panose="02030600000101010101"/>
-                        </a:rPr>
-                        <a:t>프레임워크</a:t>
-                      </a:r>
-                      <a:endParaRPr lang="en-US" altLang="en-US" sz="1800" b="1" dirty="0">
-                        <a:latin typeface="HY수평선B"/>
-                        <a:ea typeface="HY수평선B" panose="02030600000101010101"/>
-                      </a:endParaRPr>
-                    </a:p>
-                    <a:p>
-                      <a:pPr marL="36830" lvl="0" indent="0">
+                      <a:pPr marL="36830" lvl="0" indent="0" algn="l">
                         <a:buNone/>
                       </a:pPr>
                       <a:endParaRPr lang="en-US" altLang="ko-KR" sz="1800" b="1" dirty="0">
@@ -7225,7 +7209,7 @@
                       </a:endParaRPr>
                     </a:p>
                     <a:p>
-                      <a:pPr marL="36830" lvl="0" indent="0">
+                      <a:pPr marL="36830" lvl="0" indent="0" algn="l">
                         <a:buNone/>
                       </a:pPr>
                       <a:r>
@@ -7241,7 +7225,7 @@
                       </a:endParaRPr>
                     </a:p>
                     <a:p>
-                      <a:pPr marL="36830" lvl="0" indent="0">
+                      <a:pPr marL="36830" lvl="0" indent="0" algn="l">
                         <a:buNone/>
                       </a:pPr>
                       <a:endParaRPr lang="ko-KR" altLang="en-US" sz="1800" b="1" dirty="0">
@@ -7250,35 +7234,7 @@
                       </a:endParaRPr>
                     </a:p>
                     <a:p>
-                      <a:pPr lvl="0" algn="l">
-                        <a:buNone/>
-                      </a:pPr>
-                      <a:r>
-                        <a:rPr lang="ko-KR" sz="1800" b="1" i="0" u="none" strike="noStrike" noProof="0" dirty="0">
-                          <a:solidFill>
-                            <a:srgbClr val="000000"/>
-                          </a:solidFill>
-                          <a:latin typeface="HY수평선B"/>
-                          <a:ea typeface="HY수평선B" panose="02030600000101010101"/>
-                        </a:rPr>
-                        <a:t>로비화면 구현</a:t>
-                      </a:r>
-                      <a:endParaRPr lang="ko-KR" sz="1800" b="0" i="0" u="none" strike="noStrike" noProof="0" dirty="0">
-                        <a:latin typeface="HY수평선B"/>
-                        <a:ea typeface="HY수평선B" panose="02030600000101010101"/>
-                      </a:endParaRPr>
-                    </a:p>
-                    <a:p>
-                      <a:pPr marL="36830" lvl="0" indent="0">
-                        <a:buNone/>
-                      </a:pPr>
-                      <a:endParaRPr lang="ko-KR" altLang="en-US" sz="1800" b="1" dirty="0">
-                        <a:latin typeface="HY수평선B"/>
-                        <a:ea typeface="HY수평선B" panose="02030600000101010101"/>
-                      </a:endParaRPr>
-                    </a:p>
-                    <a:p>
-                      <a:pPr marL="36830" lvl="0" indent="0">
+                      <a:pPr marL="36830" lvl="0" indent="0" algn="l">
                         <a:buNone/>
                       </a:pPr>
                       <a:r>
@@ -7290,7 +7246,7 @@
                       </a:r>
                     </a:p>
                     <a:p>
-                      <a:pPr marL="36830" lvl="0" indent="0">
+                      <a:pPr marL="36830" lvl="0" indent="0" algn="l">
                         <a:buNone/>
                       </a:pPr>
                       <a:endParaRPr lang="en-US" altLang="ko-KR" sz="1800" b="1" dirty="0">
@@ -7299,7 +7255,7 @@
                       </a:endParaRPr>
                     </a:p>
                     <a:p>
-                      <a:pPr marL="36830" lvl="0" indent="0">
+                      <a:pPr marL="36830" lvl="0" indent="0" algn="l">
                         <a:buNone/>
                       </a:pPr>
                       <a:r>
@@ -7322,64 +7278,41 @@
                       </a:endParaRPr>
                     </a:p>
                     <a:p>
-                      <a:pPr marL="36830" lvl="0" indent="0">
-                        <a:buNone/>
-                      </a:pPr>
+                      <a:pPr algn="l" latinLnBrk="1"/>
+                      <a:endParaRPr lang="ko-KR" altLang="en-US" sz="1800" b="1" dirty="0">
+                        <a:latin typeface="HY수평선B"/>
+                        <a:ea typeface="HY수평선B" panose="02030600000101010101"/>
+                      </a:endParaRPr>
+                    </a:p>
+                  </a:txBody>
+                  <a:tcPr/>
+                </a:tc>
+                <a:tc>
+                  <a:txBody>
+                    <a:bodyPr/>
+                    <a:lstStyle/>
+                    <a:p>
+                      <a:pPr algn="l"/>
                       <a:endParaRPr lang="en-US" altLang="ko-KR" sz="1800" b="1" dirty="0">
                         <a:latin typeface="HY수평선B"/>
                         <a:ea typeface="HY수평선B" panose="02030600000101010101"/>
                       </a:endParaRPr>
                     </a:p>
                     <a:p>
-                      <a:pPr marL="36830" lvl="0" indent="0">
-                        <a:buNone/>
-                      </a:pPr>
+                      <a:pPr algn="l"/>
+                      <a:r>
+                        <a:rPr lang="en-US" altLang="ko-KR" sz="1800" b="1" dirty="0">
+                          <a:latin typeface="HY수평선B"/>
+                          <a:ea typeface="HY수평선B" panose="02030600000101010101"/>
+                        </a:rPr>
+                        <a:t>UI</a:t>
+                      </a:r>
                       <a:r>
                         <a:rPr lang="ko-KR" altLang="en-US" sz="1800" b="1" dirty="0">
                           <a:latin typeface="HY수평선B"/>
                           <a:ea typeface="HY수평선B" panose="02030600000101010101"/>
                         </a:rPr>
-                        <a:t>테스트 및 버그 수정</a:t>
-                      </a:r>
-                      <a:endParaRPr lang="en-US" altLang="en-US" sz="1800" b="1" dirty="0">
-                        <a:latin typeface="HY수평선B"/>
-                        <a:ea typeface="HY수평선B" panose="02030600000101010101"/>
-                      </a:endParaRPr>
-                    </a:p>
-                    <a:p>
-                      <a:pPr latinLnBrk="1"/>
-                      <a:endParaRPr lang="ko-KR" altLang="en-US" sz="1800" b="1" dirty="0">
-                        <a:latin typeface="HY수평선B"/>
-                        <a:ea typeface="HY수평선B" panose="02030600000101010101"/>
-                      </a:endParaRPr>
-                    </a:p>
-                  </a:txBody>
-                  <a:tcPr/>
-                </a:tc>
-                <a:tc>
-                  <a:txBody>
-                    <a:bodyPr/>
-                    <a:lstStyle/>
-                    <a:p>
-                      <a:pPr marL="0" marR="0" lvl="0" indent="0" algn="l" rtl="0">
-                        <a:lnSpc>
-                          <a:spcPct val="100000"/>
-                        </a:lnSpc>
-                        <a:spcBef>
-                          <a:spcPts val="0"/>
-                        </a:spcBef>
-                        <a:spcAft>
-                          <a:spcPts val="0"/>
-                        </a:spcAft>
-                        <a:buFontTx/>
-                        <a:buNone/>
-                      </a:pPr>
-                      <a:r>
-                        <a:rPr lang="ko-KR" altLang="en-US" sz="1800" b="1" dirty="0">
-                          <a:latin typeface="HY수평선B"/>
-                          <a:ea typeface="HY수평선B" panose="02030600000101010101"/>
-                        </a:rPr>
-                        <a:t>프레임워크 </a:t>
+                        <a:t> 구현</a:t>
                       </a:r>
                       <a:endParaRPr lang="en-US" altLang="ko-KR" sz="1800" b="1" dirty="0">
                         <a:latin typeface="HY수평선B"/>
@@ -7387,18 +7320,20 @@
                       </a:endParaRPr>
                     </a:p>
                     <a:p>
+                      <a:pPr algn="l"/>
                       <a:endParaRPr lang="en-US" altLang="ko-KR" sz="1800" b="1" dirty="0">
                         <a:latin typeface="HY수평선B"/>
                         <a:ea typeface="HY수평선B" panose="02030600000101010101"/>
                       </a:endParaRPr>
                     </a:p>
                     <a:p>
-                      <a:r>
-                        <a:rPr lang="en-US" altLang="ko-KR" sz="1800" b="1" dirty="0">
+                      <a:pPr algn="l"/>
+                      <a:r>
+                        <a:rPr lang="ko-KR" altLang="en-US" sz="1800" b="1" dirty="0" err="1">
                           <a:latin typeface="HY수평선B"/>
                           <a:ea typeface="HY수평선B" panose="02030600000101010101"/>
                         </a:rPr>
-                        <a:t>UI</a:t>
+                        <a:t>쉐이더</a:t>
                       </a:r>
                       <a:r>
                         <a:rPr lang="ko-KR" altLang="en-US" sz="1800" b="1" dirty="0">
@@ -7413,57 +7348,14 @@
                       </a:endParaRPr>
                     </a:p>
                     <a:p>
+                      <a:pPr algn="l"/>
                       <a:endParaRPr lang="en-US" altLang="ko-KR" sz="1800" b="1" dirty="0">
                         <a:latin typeface="HY수평선B"/>
                         <a:ea typeface="HY수평선B" panose="02030600000101010101"/>
                       </a:endParaRPr>
                     </a:p>
                     <a:p>
-                      <a:r>
-                        <a:rPr lang="ko-KR" altLang="en-US" sz="1800" b="1" dirty="0">
-                          <a:latin typeface="HY수평선B"/>
-                          <a:ea typeface="HY수평선B" panose="02030600000101010101"/>
-                        </a:rPr>
-                        <a:t>로비화면 구현</a:t>
-                      </a:r>
-                      <a:endParaRPr lang="en-US" altLang="ko-KR" sz="1800" b="1" dirty="0">
-                        <a:latin typeface="HY수평선B"/>
-                        <a:ea typeface="HY수평선B" panose="02030600000101010101"/>
-                      </a:endParaRPr>
-                    </a:p>
-                    <a:p>
-                      <a:endParaRPr lang="en-US" altLang="ko-KR" sz="1800" b="1" dirty="0">
-                        <a:latin typeface="HY수평선B"/>
-                        <a:ea typeface="HY수평선B" panose="02030600000101010101"/>
-                      </a:endParaRPr>
-                    </a:p>
-                    <a:p>
-                      <a:r>
-                        <a:rPr lang="ko-KR" altLang="en-US" sz="1800" b="1" dirty="0" err="1">
-                          <a:latin typeface="HY수평선B"/>
-                          <a:ea typeface="HY수평선B" panose="02030600000101010101"/>
-                        </a:rPr>
-                        <a:t>쉐이더</a:t>
-                      </a:r>
-                      <a:r>
-                        <a:rPr lang="ko-KR" altLang="en-US" sz="1800" b="1" dirty="0">
-                          <a:latin typeface="HY수평선B"/>
-                          <a:ea typeface="HY수평선B" panose="02030600000101010101"/>
-                        </a:rPr>
-                        <a:t> 구현</a:t>
-                      </a:r>
-                      <a:endParaRPr lang="en-US" altLang="ko-KR" sz="1800" b="1" dirty="0">
-                        <a:latin typeface="HY수평선B"/>
-                        <a:ea typeface="HY수평선B" panose="02030600000101010101"/>
-                      </a:endParaRPr>
-                    </a:p>
-                    <a:p>
-                      <a:endParaRPr lang="en-US" altLang="ko-KR" sz="1800" b="1" dirty="0">
-                        <a:latin typeface="HY수평선B"/>
-                        <a:ea typeface="HY수평선B" panose="02030600000101010101"/>
-                      </a:endParaRPr>
-                    </a:p>
-                    <a:p>
+                      <a:pPr algn="l"/>
                       <a:r>
                         <a:rPr lang="ko-KR" altLang="en-US" sz="1800" b="1" dirty="0">
                           <a:latin typeface="HY수평선B"/>
@@ -7514,37 +7406,7 @@
                       </a:endParaRPr>
                     </a:p>
                     <a:p>
-                      <a:pPr marL="0" marR="0" lvl="0" indent="0" algn="l" defTabSz="457200" rtl="0" eaLnBrk="1" fontAlgn="auto" latinLnBrk="1" hangingPunct="1">
-                        <a:lnSpc>
-                          <a:spcPct val="100000"/>
-                        </a:lnSpc>
-                        <a:spcBef>
-                          <a:spcPts val="0"/>
-                        </a:spcBef>
-                        <a:spcAft>
-                          <a:spcPts val="0"/>
-                        </a:spcAft>
-                        <a:buClrTx/>
-                        <a:buSzTx/>
-                        <a:buFontTx/>
-                        <a:buNone/>
-                        <a:tabLst/>
-                        <a:defRPr/>
-                      </a:pPr>
-                      <a:r>
-                        <a:rPr lang="ko-KR" altLang="en-US" sz="1800" b="1" dirty="0">
-                          <a:latin typeface="HY수평선B"/>
-                          <a:ea typeface="HY수평선B" panose="02030600000101010101"/>
-                        </a:rPr>
-                        <a:t>테스트 및 버그 수정</a:t>
-                      </a:r>
-                      <a:endParaRPr lang="en-US" altLang="ko-KR" sz="1800" b="1" dirty="0">
-                        <a:latin typeface="HY수평선B"/>
-                        <a:ea typeface="HY수평선B" panose="02030600000101010101"/>
-                      </a:endParaRPr>
-                    </a:p>
-                    <a:p>
-                      <a:pPr latinLnBrk="1"/>
+                      <a:pPr algn="l" latinLnBrk="1"/>
                       <a:endParaRPr lang="ko-KR" altLang="en-US" sz="1800" b="1" dirty="0">
                         <a:latin typeface="HY수평선B"/>
                         <a:ea typeface="HY수평선B" panose="02030600000101010101"/>
@@ -7558,9 +7420,21 @@
                     <a:bodyPr/>
                     <a:lstStyle/>
                     <a:p>
-                      <a:pPr latinLnBrk="1"/>
-                      <a:r>
-                        <a:rPr lang="ko-KR" altLang="en-US" sz="1800" b="1" kern="1200" dirty="0" err="1">
+                      <a:pPr algn="l" latinLnBrk="1"/>
+                      <a:endParaRPr lang="ko-KR" altLang="ko-KR" sz="1800" kern="1200" dirty="0">
+                        <a:solidFill>
+                          <a:schemeClr val="dk1"/>
+                        </a:solidFill>
+                        <a:effectLst/>
+                        <a:latin typeface="HY수평선B"/>
+                        <a:ea typeface="HY수평선B" panose="02030600000101010101"/>
+                        <a:cs typeface="+mn-cs"/>
+                      </a:endParaRPr>
+                    </a:p>
+                    <a:p>
+                      <a:pPr algn="l" latinLnBrk="1"/>
+                      <a:r>
+                        <a:rPr lang="ko-KR" altLang="ko-KR" sz="1800" b="1" kern="1200" dirty="0">
                           <a:solidFill>
                             <a:schemeClr val="dk1"/>
                           </a:solidFill>
@@ -7569,7 +7443,7 @@
                           <a:ea typeface="HY수평선B" panose="02030600000101010101"/>
                           <a:cs typeface="+mn-cs"/>
                         </a:rPr>
-                        <a:t>패킷</a:t>
+                        <a:t>충돌</a:t>
                       </a:r>
                       <a:r>
                         <a:rPr lang="ko-KR" altLang="en-US" sz="1800" b="1" kern="1200" dirty="0">
@@ -7581,7 +7455,7 @@
                           <a:ea typeface="HY수평선B" panose="02030600000101010101"/>
                           <a:cs typeface="+mn-cs"/>
                         </a:rPr>
-                        <a:t> 디자인</a:t>
+                        <a:t>처리</a:t>
                       </a:r>
                       <a:endParaRPr lang="en-US" altLang="ko-KR" sz="1800" b="1" kern="1200" dirty="0">
                         <a:solidFill>
@@ -7594,7 +7468,7 @@
                       </a:endParaRPr>
                     </a:p>
                     <a:p>
-                      <a:pPr latinLnBrk="1"/>
+                      <a:pPr algn="l" latinLnBrk="1"/>
                       <a:endParaRPr lang="en-US" altLang="ko-KR" sz="1800" b="1" kern="1200" dirty="0">
                         <a:solidFill>
                           <a:schemeClr val="dk1"/>
@@ -7606,9 +7480,9 @@
                       </a:endParaRPr>
                     </a:p>
                     <a:p>
-                      <a:pPr latinLnBrk="1"/>
-                      <a:r>
-                        <a:rPr lang="ko-KR" altLang="ko-KR" sz="1800" b="1" kern="1200" dirty="0">
+                      <a:pPr algn="l" latinLnBrk="1"/>
+                      <a:r>
+                        <a:rPr lang="ko-KR" altLang="en-US" sz="1800" b="1" kern="1200" dirty="0">
                           <a:solidFill>
                             <a:schemeClr val="dk1"/>
                           </a:solidFill>
@@ -7617,8 +7491,95 @@
                           <a:ea typeface="HY수평선B" panose="02030600000101010101"/>
                           <a:cs typeface="+mn-cs"/>
                         </a:rPr>
-                        <a:t>네트워크 프레임워크</a:t>
-                      </a:r>
+                        <a:t>데미지</a:t>
+                      </a:r>
+                      <a:r>
+                        <a:rPr lang="en-US" altLang="ko-KR" sz="1800" b="1" kern="1200" dirty="0">
+                          <a:solidFill>
+                            <a:schemeClr val="dk1"/>
+                          </a:solidFill>
+                          <a:effectLst/>
+                          <a:latin typeface="HY수평선B"/>
+                          <a:ea typeface="HY수평선B" panose="02030600000101010101"/>
+                          <a:cs typeface="+mn-cs"/>
+                        </a:rPr>
+                        <a:t>, </a:t>
+                      </a:r>
+                      <a:r>
+                        <a:rPr lang="ko-KR" altLang="en-US" sz="1800" b="1" kern="1200" dirty="0">
+                          <a:solidFill>
+                            <a:schemeClr val="dk1"/>
+                          </a:solidFill>
+                          <a:effectLst/>
+                          <a:latin typeface="HY수평선B"/>
+                          <a:ea typeface="HY수평선B" panose="02030600000101010101"/>
+                          <a:cs typeface="+mn-cs"/>
+                        </a:rPr>
+                        <a:t>생존</a:t>
+                      </a:r>
+                      <a:r>
+                        <a:rPr lang="en-US" altLang="ko-KR" sz="1800" b="1" kern="1200" dirty="0">
+                          <a:solidFill>
+                            <a:schemeClr val="dk1"/>
+                          </a:solidFill>
+                          <a:effectLst/>
+                          <a:latin typeface="HY수평선B"/>
+                          <a:ea typeface="HY수평선B" panose="02030600000101010101"/>
+                          <a:cs typeface="+mn-cs"/>
+                        </a:rPr>
+                        <a:t>, </a:t>
+                      </a:r>
+                    </a:p>
+                    <a:p>
+                      <a:pPr algn="l" latinLnBrk="1"/>
+                      <a:r>
+                        <a:rPr lang="ko-KR" altLang="en-US" sz="1800" b="1" kern="1200" dirty="0">
+                          <a:solidFill>
+                            <a:schemeClr val="dk1"/>
+                          </a:solidFill>
+                          <a:effectLst/>
+                          <a:latin typeface="HY수평선B"/>
+                          <a:ea typeface="HY수평선B" panose="02030600000101010101"/>
+                          <a:cs typeface="+mn-cs"/>
+                        </a:rPr>
+                        <a:t>스킬 </a:t>
+                      </a:r>
+                      <a:r>
+                        <a:rPr lang="ko-KR" altLang="en-US" sz="1800" b="1" kern="1200" dirty="0" err="1">
+                          <a:solidFill>
+                            <a:schemeClr val="dk1"/>
+                          </a:solidFill>
+                          <a:effectLst/>
+                          <a:latin typeface="HY수평선B"/>
+                          <a:ea typeface="HY수평선B" panose="02030600000101010101"/>
+                          <a:cs typeface="+mn-cs"/>
+                        </a:rPr>
+                        <a:t>쿨타임</a:t>
+                      </a:r>
+                      <a:r>
+                        <a:rPr lang="ko-KR" altLang="en-US" sz="1800" b="1" kern="1200" dirty="0">
+                          <a:solidFill>
+                            <a:schemeClr val="dk1"/>
+                          </a:solidFill>
+                          <a:effectLst/>
+                          <a:latin typeface="HY수평선B"/>
+                          <a:ea typeface="HY수평선B" panose="02030600000101010101"/>
+                          <a:cs typeface="+mn-cs"/>
+                        </a:rPr>
+                        <a:t> 처리</a:t>
+                      </a:r>
+                      <a:endParaRPr lang="ko-KR" altLang="ko-KR" sz="1800" kern="1200" dirty="0">
+                        <a:solidFill>
+                          <a:schemeClr val="dk1"/>
+                        </a:solidFill>
+                        <a:effectLst/>
+                        <a:latin typeface="HY수평선B"/>
+                        <a:ea typeface="HY수평선B" panose="02030600000101010101"/>
+                        <a:cs typeface="+mn-cs"/>
+                      </a:endParaRPr>
+                    </a:p>
+                    <a:p>
+                      <a:pPr algn="l" latinLnBrk="1"/>
                       <a:endParaRPr lang="en-US" altLang="ko-KR" sz="1800" b="1" kern="1200" dirty="0">
                         <a:solidFill>
                           <a:schemeClr val="dk1"/>
@@ -7629,44 +7590,15 @@
                         <a:cs typeface="+mn-cs"/>
                       </a:endParaRPr>
                     </a:p>
-                    <a:p>
-                      <a:pPr latinLnBrk="1"/>
-                      <a:endParaRPr lang="ko-KR" altLang="ko-KR" sz="1800" kern="1200" dirty="0">
-                        <a:solidFill>
-                          <a:schemeClr val="dk1"/>
-                        </a:solidFill>
-                        <a:effectLst/>
-                        <a:latin typeface="HY수평선B"/>
-                        <a:ea typeface="HY수평선B" panose="02030600000101010101"/>
-                        <a:cs typeface="+mn-cs"/>
-                      </a:endParaRPr>
-                    </a:p>
-                    <a:p>
-                      <a:pPr latinLnBrk="1"/>
-                      <a:r>
-                        <a:rPr lang="ko-KR" altLang="ko-KR" sz="1800" b="1" kern="1200" dirty="0">
-                          <a:solidFill>
-                            <a:schemeClr val="dk1"/>
-                          </a:solidFill>
-                          <a:effectLst/>
-                          <a:latin typeface="HY수평선B"/>
-                          <a:ea typeface="HY수평선B" panose="02030600000101010101"/>
-                          <a:cs typeface="+mn-cs"/>
-                        </a:rPr>
-                        <a:t>충돌</a:t>
-                      </a:r>
-                      <a:r>
-                        <a:rPr lang="ko-KR" altLang="en-US" sz="1800" b="1" kern="1200" dirty="0">
-                          <a:solidFill>
-                            <a:schemeClr val="dk1"/>
-                          </a:solidFill>
-                          <a:effectLst/>
-                          <a:latin typeface="HY수평선B"/>
-                          <a:ea typeface="HY수평선B" panose="02030600000101010101"/>
-                          <a:cs typeface="+mn-cs"/>
-                        </a:rPr>
-                        <a:t>처리</a:t>
-                      </a:r>
+                  </a:txBody>
+                  <a:tcPr/>
+                </a:tc>
+                <a:tc>
+                  <a:txBody>
+                    <a:bodyPr/>
+                    <a:lstStyle/>
+                    <a:p>
+                      <a:pPr algn="l" latinLnBrk="1"/>
                       <a:endParaRPr lang="en-US" altLang="ko-KR" sz="1800" b="1" kern="1200" dirty="0">
                         <a:solidFill>
                           <a:schemeClr val="dk1"/>
@@ -7678,7 +7610,58 @@
                       </a:endParaRPr>
                     </a:p>
                     <a:p>
-                      <a:pPr latinLnBrk="1"/>
+                      <a:pPr algn="l" latinLnBrk="1"/>
+                      <a:r>
+                        <a:rPr lang="ko-KR" altLang="en-US" sz="1800" b="1" kern="1200" dirty="0">
+                          <a:solidFill>
+                            <a:schemeClr val="dk1"/>
+                          </a:solidFill>
+                          <a:effectLst/>
+                          <a:latin typeface="HY수평선B"/>
+                          <a:ea typeface="HY수평선B" panose="02030600000101010101"/>
+                          <a:cs typeface="+mn-cs"/>
+                        </a:rPr>
+                        <a:t>로비서버</a:t>
+                      </a:r>
+                      <a:r>
+                        <a:rPr lang="en-US" altLang="ko-KR" sz="1800" b="1" kern="1200" dirty="0">
+                          <a:solidFill>
+                            <a:schemeClr val="dk1"/>
+                          </a:solidFill>
+                          <a:effectLst/>
+                          <a:latin typeface="HY수평선B"/>
+                          <a:ea typeface="HY수평선B" panose="02030600000101010101"/>
+                          <a:cs typeface="+mn-cs"/>
+                        </a:rPr>
+                        <a:t>(</a:t>
+                      </a:r>
+                      <a:r>
+                        <a:rPr lang="ko-KR" altLang="en-US" sz="1800" b="1" kern="1200" dirty="0">
+                          <a:solidFill>
+                            <a:schemeClr val="dk1"/>
+                          </a:solidFill>
+                          <a:effectLst/>
+                          <a:latin typeface="HY수평선B"/>
+                          <a:ea typeface="HY수평선B" panose="02030600000101010101"/>
+                          <a:cs typeface="+mn-cs"/>
+                        </a:rPr>
+                        <a:t>채팅</a:t>
+                      </a:r>
+                      <a:r>
+                        <a:rPr lang="en-US" altLang="ko-KR" sz="1800" b="1" kern="1200" dirty="0">
+                          <a:solidFill>
+                            <a:schemeClr val="dk1"/>
+                          </a:solidFill>
+                          <a:effectLst/>
+                          <a:latin typeface="HY수평선B"/>
+                          <a:ea typeface="HY수평선B" panose="02030600000101010101"/>
+                          <a:cs typeface="+mn-cs"/>
+                        </a:rPr>
+                        <a:t>)</a:t>
+                      </a:r>
+                    </a:p>
+                    <a:p>
+                      <a:pPr algn="l" latinLnBrk="1"/>
                       <a:endParaRPr lang="en-US" altLang="ko-KR" sz="1800" b="1" kern="1200" dirty="0">
                         <a:solidFill>
                           <a:schemeClr val="dk1"/>
@@ -7690,7 +7673,7 @@
                       </a:endParaRPr>
                     </a:p>
                     <a:p>
-                      <a:pPr latinLnBrk="1"/>
+                      <a:pPr algn="l" latinLnBrk="1"/>
                       <a:r>
                         <a:rPr lang="ko-KR" altLang="en-US" sz="1800" b="1" kern="1200" dirty="0">
                           <a:solidFill>
@@ -7701,7 +7684,7 @@
                           <a:ea typeface="HY수평선B" panose="02030600000101010101"/>
                           <a:cs typeface="+mn-cs"/>
                         </a:rPr>
-                        <a:t>데미지</a:t>
+                        <a:t>로비</a:t>
                       </a:r>
                       <a:r>
                         <a:rPr lang="en-US" altLang="ko-KR" sz="1800" b="1" kern="1200" dirty="0">
@@ -7713,7 +7696,7 @@
                           <a:ea typeface="HY수평선B" panose="02030600000101010101"/>
                           <a:cs typeface="+mn-cs"/>
                         </a:rPr>
-                        <a:t>, </a:t>
+                        <a:t>-&gt;</a:t>
                       </a:r>
                       <a:r>
                         <a:rPr lang="ko-KR" altLang="en-US" sz="1800" b="1" kern="1200" dirty="0">
@@ -7725,71 +7708,8 @@
                           <a:ea typeface="HY수평선B" panose="02030600000101010101"/>
                           <a:cs typeface="+mn-cs"/>
                         </a:rPr>
-                        <a:t>생존</a:t>
-                      </a:r>
-                      <a:r>
-                        <a:rPr lang="en-US" altLang="ko-KR" sz="1800" b="1" kern="1200" dirty="0">
-                          <a:solidFill>
-                            <a:schemeClr val="dk1"/>
-                          </a:solidFill>
-                          <a:effectLst/>
-                          <a:latin typeface="HY수평선B"/>
-                          <a:ea typeface="HY수평선B" panose="02030600000101010101"/>
-                          <a:cs typeface="+mn-cs"/>
-                        </a:rPr>
-                        <a:t>, </a:t>
-                      </a:r>
-                    </a:p>
-                    <a:p>
-                      <a:pPr latinLnBrk="1"/>
-                      <a:r>
-                        <a:rPr lang="ko-KR" altLang="en-US" sz="1800" b="1" kern="1200" dirty="0">
-                          <a:solidFill>
-                            <a:schemeClr val="dk1"/>
-                          </a:solidFill>
-                          <a:effectLst/>
-                          <a:latin typeface="HY수평선B"/>
-                          <a:ea typeface="HY수평선B" panose="02030600000101010101"/>
-                          <a:cs typeface="+mn-cs"/>
-                        </a:rPr>
-                        <a:t>스킬 </a:t>
-                      </a:r>
-                      <a:r>
-                        <a:rPr lang="ko-KR" altLang="en-US" sz="1800" b="1" kern="1200" dirty="0" err="1">
-                          <a:solidFill>
-                            <a:schemeClr val="dk1"/>
-                          </a:solidFill>
-                          <a:effectLst/>
-                          <a:latin typeface="HY수평선B"/>
-                          <a:ea typeface="HY수평선B" panose="02030600000101010101"/>
-                          <a:cs typeface="+mn-cs"/>
-                        </a:rPr>
-                        <a:t>쿨타임</a:t>
-                      </a:r>
-                      <a:r>
-                        <a:rPr lang="ko-KR" altLang="en-US" sz="1800" b="1" kern="1200" dirty="0">
-                          <a:solidFill>
-                            <a:schemeClr val="dk1"/>
-                          </a:solidFill>
-                          <a:effectLst/>
-                          <a:latin typeface="HY수평선B"/>
-                          <a:ea typeface="HY수평선B" panose="02030600000101010101"/>
-                          <a:cs typeface="+mn-cs"/>
-                        </a:rPr>
-                        <a:t> 처리</a:t>
-                      </a:r>
-                      <a:endParaRPr lang="ko-KR" altLang="ko-KR" sz="1800" kern="1200" dirty="0">
-                        <a:solidFill>
-                          <a:schemeClr val="dk1"/>
-                        </a:solidFill>
-                        <a:effectLst/>
-                        <a:latin typeface="HY수평선B"/>
-                        <a:ea typeface="HY수평선B" panose="02030600000101010101"/>
-                        <a:cs typeface="+mn-cs"/>
-                      </a:endParaRPr>
-                    </a:p>
-                    <a:p>
-                      <a:pPr latinLnBrk="1"/>
+                        <a:t>게임서버 연동</a:t>
+                      </a:r>
                       <a:endParaRPr lang="en-US" altLang="ko-KR" sz="1800" b="1" kern="1200" dirty="0">
                         <a:solidFill>
                           <a:schemeClr val="dk1"/>
@@ -7801,43 +7721,7 @@
                       </a:endParaRPr>
                     </a:p>
                     <a:p>
-                      <a:pPr latinLnBrk="1"/>
-                      <a:r>
-                        <a:rPr lang="ko-KR" altLang="en-US" sz="1800" b="1" kern="1200" dirty="0">
-                          <a:solidFill>
-                            <a:schemeClr val="dk1"/>
-                          </a:solidFill>
-                          <a:effectLst/>
-                          <a:latin typeface="HY수평선B"/>
-                          <a:ea typeface="HY수평선B" panose="02030600000101010101"/>
-                          <a:cs typeface="+mn-cs"/>
-                        </a:rPr>
-                        <a:t>네트워크 </a:t>
-                      </a:r>
-                      <a:r>
-                        <a:rPr lang="ko-KR" altLang="ko-KR" sz="1800" b="1" kern="1200" dirty="0">
-                          <a:solidFill>
-                            <a:schemeClr val="dk1"/>
-                          </a:solidFill>
-                          <a:effectLst/>
-                          <a:latin typeface="HY수평선B"/>
-                          <a:ea typeface="HY수평선B" panose="02030600000101010101"/>
-                          <a:cs typeface="+mn-cs"/>
-                        </a:rPr>
-                        <a:t>동기화</a:t>
-                      </a:r>
-                      <a:endParaRPr lang="ko-KR" altLang="ko-KR" sz="1800" kern="1200" dirty="0">
-                        <a:solidFill>
-                          <a:schemeClr val="dk1"/>
-                        </a:solidFill>
-                        <a:effectLst/>
-                        <a:latin typeface="HY수평선B"/>
-                        <a:ea typeface="HY수평선B" panose="02030600000101010101"/>
-                        <a:cs typeface="+mn-cs"/>
-                      </a:endParaRPr>
-                    </a:p>
-                    <a:p>
-                      <a:pPr latinLnBrk="1"/>
+                      <a:pPr algn="l" latinLnBrk="1"/>
                       <a:endParaRPr lang="en-US" altLang="ko-KR" sz="1800" b="1" kern="1200" dirty="0">
                         <a:solidFill>
                           <a:schemeClr val="dk1"/>
@@ -7849,324 +7733,45 @@
                       </a:endParaRPr>
                     </a:p>
                     <a:p>
-                      <a:pPr latinLnBrk="1"/>
-                      <a:r>
-                        <a:rPr lang="ko-KR" altLang="ko-KR" sz="1800" b="1" kern="1200" dirty="0">
-                          <a:solidFill>
-                            <a:schemeClr val="dk1"/>
-                          </a:solidFill>
-                          <a:effectLst/>
+                      <a:pPr algn="l" latinLnBrk="1"/>
+                      <a:r>
+                        <a:rPr lang="en-US" altLang="ko-KR" sz="1800" b="1" dirty="0">
                           <a:latin typeface="HY수평선B"/>
                           <a:ea typeface="HY수평선B" panose="02030600000101010101"/>
-                          <a:cs typeface="+mn-cs"/>
-                        </a:rPr>
-                        <a:t>테스트 및 버그 수정</a:t>
-                      </a:r>
-                      <a:endParaRPr lang="ko-KR" altLang="ko-KR" sz="1800" kern="1200" dirty="0">
-                        <a:solidFill>
-                          <a:schemeClr val="dk1"/>
-                        </a:solidFill>
-                        <a:effectLst/>
-                        <a:latin typeface="HY수평선B"/>
-                        <a:ea typeface="HY수평선B" panose="02030600000101010101"/>
-                        <a:cs typeface="+mn-cs"/>
-                      </a:endParaRPr>
-                    </a:p>
-                  </a:txBody>
-                  <a:tcPr/>
-                </a:tc>
-                <a:tc>
-                  <a:txBody>
-                    <a:bodyPr/>
-                    <a:lstStyle/>
-                    <a:p>
-                      <a:pPr latinLnBrk="1"/>
-                      <a:r>
-                        <a:rPr lang="ko-KR" altLang="en-US" sz="1800" b="1" kern="1200" dirty="0" err="1">
-                          <a:solidFill>
-                            <a:schemeClr val="dk1"/>
-                          </a:solidFill>
-                          <a:effectLst/>
+                        </a:rPr>
+                        <a:t>DB </a:t>
+                      </a:r>
+                      <a:r>
+                        <a:rPr lang="ko-KR" altLang="en-US" sz="1800" b="1" dirty="0">
                           <a:latin typeface="HY수평선B"/>
                           <a:ea typeface="HY수평선B" panose="02030600000101010101"/>
-                          <a:cs typeface="+mn-cs"/>
-                        </a:rPr>
-                        <a:t>패킷</a:t>
-                      </a:r>
-                      <a:r>
-                        <a:rPr lang="ko-KR" altLang="en-US" sz="1800" b="1" kern="1200" dirty="0">
-                          <a:solidFill>
-                            <a:schemeClr val="dk1"/>
-                          </a:solidFill>
-                          <a:effectLst/>
+                        </a:rPr>
+                        <a:t>연동</a:t>
+                      </a:r>
+                      <a:r>
+                        <a:rPr lang="en-US" altLang="ko-KR" sz="1800" b="1" dirty="0">
                           <a:latin typeface="HY수평선B"/>
                           <a:ea typeface="HY수평선B" panose="02030600000101010101"/>
-                          <a:cs typeface="+mn-cs"/>
-                        </a:rPr>
-                        <a:t> 디자인</a:t>
-                      </a:r>
-                      <a:endParaRPr lang="en-US" altLang="ko-KR" sz="1800" b="1" kern="1200" dirty="0">
-                        <a:solidFill>
-                          <a:schemeClr val="dk1"/>
-                        </a:solidFill>
-                        <a:effectLst/>
-                        <a:latin typeface="HY수평선B"/>
-                        <a:ea typeface="HY수평선B" panose="02030600000101010101"/>
-                        <a:cs typeface="+mn-cs"/>
-                      </a:endParaRPr>
-                    </a:p>
-                    <a:p>
-                      <a:pPr latinLnBrk="1"/>
-                      <a:endParaRPr lang="en-US" altLang="ko-KR" sz="1800" b="1" kern="1200" dirty="0">
-                        <a:solidFill>
-                          <a:schemeClr val="dk1"/>
-                        </a:solidFill>
-                        <a:effectLst/>
-                        <a:latin typeface="HY수평선B"/>
-                        <a:ea typeface="HY수평선B" panose="02030600000101010101"/>
-                        <a:cs typeface="+mn-cs"/>
-                      </a:endParaRPr>
-                    </a:p>
-                    <a:p>
-                      <a:pPr latinLnBrk="1"/>
-                      <a:r>
-                        <a:rPr lang="ko-KR" altLang="en-US" sz="1800" b="1" kern="1200" dirty="0">
-                          <a:solidFill>
-                            <a:schemeClr val="dk1"/>
-                          </a:solidFill>
-                          <a:effectLst/>
+                        </a:rPr>
+                        <a:t>(</a:t>
+                      </a:r>
+                      <a:r>
+                        <a:rPr lang="ko-KR" altLang="en-US" sz="1800" b="1" dirty="0">
                           <a:latin typeface="HY수평선B"/>
                           <a:ea typeface="HY수평선B" panose="02030600000101010101"/>
-                          <a:cs typeface="+mn-cs"/>
-                        </a:rPr>
-                        <a:t>네트워크 프레임워크</a:t>
-                      </a:r>
-                      <a:endParaRPr lang="en-US" altLang="ko-KR" sz="1800" b="1" kern="1200" dirty="0">
-                        <a:solidFill>
-                          <a:schemeClr val="dk1"/>
-                        </a:solidFill>
-                        <a:effectLst/>
-                        <a:latin typeface="HY수평선B"/>
-                        <a:ea typeface="HY수평선B" panose="02030600000101010101"/>
-                        <a:cs typeface="+mn-cs"/>
-                      </a:endParaRPr>
-                    </a:p>
-                    <a:p>
-                      <a:pPr latinLnBrk="1"/>
-                      <a:endParaRPr lang="en-US" altLang="ko-KR" sz="1800" b="1" kern="1200" dirty="0">
-                        <a:solidFill>
-                          <a:schemeClr val="dk1"/>
-                        </a:solidFill>
-                        <a:effectLst/>
-                        <a:latin typeface="HY수평선B"/>
-                        <a:ea typeface="HY수평선B" panose="02030600000101010101"/>
-                        <a:cs typeface="+mn-cs"/>
-                      </a:endParaRPr>
-                    </a:p>
-                    <a:p>
-                      <a:pPr latinLnBrk="1"/>
-                      <a:r>
-                        <a:rPr lang="ko-KR" altLang="en-US" sz="1800" b="1" kern="1200" dirty="0">
-                          <a:solidFill>
-                            <a:schemeClr val="dk1"/>
-                          </a:solidFill>
-                          <a:effectLst/>
+                        </a:rPr>
+                        <a:t>로그인</a:t>
+                      </a:r>
+                      <a:r>
+                        <a:rPr lang="en-US" altLang="ko-KR" sz="1800" b="1" dirty="0">
                           <a:latin typeface="HY수평선B"/>
                           <a:ea typeface="HY수평선B" panose="02030600000101010101"/>
-                          <a:cs typeface="+mn-cs"/>
-                        </a:rPr>
-                        <a:t>로비서버</a:t>
-                      </a:r>
-                      <a:r>
-                        <a:rPr lang="en-US" altLang="ko-KR" sz="1800" b="1" kern="1200" dirty="0">
-                          <a:solidFill>
-                            <a:schemeClr val="dk1"/>
-                          </a:solidFill>
-                          <a:effectLst/>
-                          <a:latin typeface="HY수평선B"/>
-                          <a:ea typeface="HY수평선B" panose="02030600000101010101"/>
-                          <a:cs typeface="+mn-cs"/>
-                        </a:rPr>
-                        <a:t>(</a:t>
-                      </a:r>
-                      <a:r>
-                        <a:rPr lang="ko-KR" altLang="en-US" sz="1800" b="1" kern="1200" dirty="0">
-                          <a:solidFill>
-                            <a:schemeClr val="dk1"/>
-                          </a:solidFill>
-                          <a:effectLst/>
-                          <a:latin typeface="HY수평선B"/>
-                          <a:ea typeface="HY수평선B" panose="02030600000101010101"/>
-                          <a:cs typeface="+mn-cs"/>
-                        </a:rPr>
-                        <a:t>채팅</a:t>
-                      </a:r>
-                      <a:r>
-                        <a:rPr lang="en-US" altLang="ko-KR" sz="1800" b="1" kern="1200" dirty="0">
-                          <a:solidFill>
-                            <a:schemeClr val="dk1"/>
-                          </a:solidFill>
-                          <a:effectLst/>
-                          <a:latin typeface="HY수평선B"/>
-                          <a:ea typeface="HY수평선B" panose="02030600000101010101"/>
-                          <a:cs typeface="+mn-cs"/>
                         </a:rPr>
                         <a:t>)</a:t>
                       </a:r>
                     </a:p>
                     <a:p>
-                      <a:pPr latinLnBrk="1"/>
-                      <a:endParaRPr lang="en-US" altLang="ko-KR" sz="1800" b="1" kern="1200" dirty="0">
-                        <a:solidFill>
-                          <a:schemeClr val="dk1"/>
-                        </a:solidFill>
-                        <a:effectLst/>
-                        <a:latin typeface="HY수평선B"/>
-                        <a:ea typeface="HY수평선B" panose="02030600000101010101"/>
-                        <a:cs typeface="+mn-cs"/>
-                      </a:endParaRPr>
-                    </a:p>
-                    <a:p>
-                      <a:pPr latinLnBrk="1"/>
-                      <a:r>
-                        <a:rPr lang="ko-KR" altLang="en-US" sz="1800" b="1" kern="1200" dirty="0">
-                          <a:solidFill>
-                            <a:schemeClr val="dk1"/>
-                          </a:solidFill>
-                          <a:effectLst/>
-                          <a:latin typeface="HY수평선B"/>
-                          <a:ea typeface="HY수평선B" panose="02030600000101010101"/>
-                          <a:cs typeface="+mn-cs"/>
-                        </a:rPr>
-                        <a:t>로비</a:t>
-                      </a:r>
-                      <a:r>
-                        <a:rPr lang="en-US" altLang="ko-KR" sz="1800" b="1" kern="1200" dirty="0">
-                          <a:solidFill>
-                            <a:schemeClr val="dk1"/>
-                          </a:solidFill>
-                          <a:effectLst/>
-                          <a:latin typeface="HY수평선B"/>
-                          <a:ea typeface="HY수평선B" panose="02030600000101010101"/>
-                          <a:cs typeface="+mn-cs"/>
-                        </a:rPr>
-                        <a:t>-&gt;</a:t>
-                      </a:r>
-                      <a:r>
-                        <a:rPr lang="ko-KR" altLang="en-US" sz="1800" b="1" kern="1200" dirty="0">
-                          <a:solidFill>
-                            <a:schemeClr val="dk1"/>
-                          </a:solidFill>
-                          <a:effectLst/>
-                          <a:latin typeface="HY수평선B"/>
-                          <a:ea typeface="HY수평선B" panose="02030600000101010101"/>
-                          <a:cs typeface="+mn-cs"/>
-                        </a:rPr>
-                        <a:t>게임서버 연동</a:t>
-                      </a:r>
-                      <a:endParaRPr lang="en-US" altLang="ko-KR" sz="1800" b="1" kern="1200" dirty="0">
-                        <a:solidFill>
-                          <a:schemeClr val="dk1"/>
-                        </a:solidFill>
-                        <a:effectLst/>
-                        <a:latin typeface="HY수평선B"/>
-                        <a:ea typeface="HY수평선B" panose="02030600000101010101"/>
-                        <a:cs typeface="+mn-cs"/>
-                      </a:endParaRPr>
-                    </a:p>
-                    <a:p>
-                      <a:pPr latinLnBrk="1"/>
-                      <a:endParaRPr lang="en-US" altLang="ko-KR" sz="1800" b="1" kern="1200" dirty="0">
-                        <a:solidFill>
-                          <a:schemeClr val="dk1"/>
-                        </a:solidFill>
-                        <a:effectLst/>
-                        <a:latin typeface="HY수평선B"/>
-                        <a:ea typeface="HY수평선B" panose="02030600000101010101"/>
-                        <a:cs typeface="+mn-cs"/>
-                      </a:endParaRPr>
-                    </a:p>
-                    <a:p>
-                      <a:pPr latinLnBrk="1"/>
-                      <a:r>
-                        <a:rPr lang="ko-KR" altLang="en-US" sz="1800" b="1" kern="1200" dirty="0">
-                          <a:solidFill>
-                            <a:schemeClr val="dk1"/>
-                          </a:solidFill>
-                          <a:effectLst/>
-                          <a:latin typeface="HY수평선B"/>
-                          <a:ea typeface="HY수평선B" panose="02030600000101010101"/>
-                          <a:cs typeface="+mn-cs"/>
-                        </a:rPr>
-                        <a:t>네트워크 </a:t>
-                      </a:r>
-                      <a:r>
-                        <a:rPr lang="ko-KR" altLang="ko-KR" sz="1800" b="1" kern="1200" dirty="0">
-                          <a:solidFill>
-                            <a:schemeClr val="dk1"/>
-                          </a:solidFill>
-                          <a:effectLst/>
-                          <a:latin typeface="HY수평선B"/>
-                          <a:ea typeface="HY수평선B" panose="02030600000101010101"/>
-                          <a:cs typeface="+mn-cs"/>
-                        </a:rPr>
-                        <a:t>동기화</a:t>
-                      </a:r>
-                      <a:endParaRPr lang="ko-KR" altLang="ko-KR" sz="1800" kern="1200" dirty="0">
-                        <a:solidFill>
-                          <a:schemeClr val="dk1"/>
-                        </a:solidFill>
-                        <a:effectLst/>
-                        <a:latin typeface="HY수평선B"/>
-                        <a:ea typeface="HY수평선B" panose="02030600000101010101"/>
-                        <a:cs typeface="+mn-cs"/>
-                      </a:endParaRPr>
-                    </a:p>
-                    <a:p>
-                      <a:pPr latinLnBrk="1"/>
-                      <a:endParaRPr lang="en-US" altLang="ko-KR" sz="1800" b="1" kern="1200" dirty="0">
-                        <a:solidFill>
-                          <a:schemeClr val="dk1"/>
-                        </a:solidFill>
-                        <a:effectLst/>
-                        <a:latin typeface="HY수평선B"/>
-                        <a:ea typeface="HY수평선B" panose="02030600000101010101"/>
-                        <a:cs typeface="+mn-cs"/>
-                      </a:endParaRPr>
-                    </a:p>
-                    <a:p>
-                      <a:pPr latinLnBrk="1"/>
-                      <a:r>
-                        <a:rPr lang="ko-KR" altLang="ko-KR" sz="1800" b="1" kern="1200" dirty="0">
-                          <a:solidFill>
-                            <a:schemeClr val="dk1"/>
-                          </a:solidFill>
-                          <a:effectLst/>
-                          <a:latin typeface="HY수평선B"/>
-                          <a:ea typeface="HY수평선B" panose="02030600000101010101"/>
-                          <a:cs typeface="+mn-cs"/>
-                        </a:rPr>
-                        <a:t>테스트 및 버그 수정</a:t>
-                      </a:r>
-                      <a:endParaRPr lang="ko-KR" altLang="ko-KR" sz="1800" kern="1200" dirty="0">
-                        <a:solidFill>
-                          <a:schemeClr val="dk1"/>
-                        </a:solidFill>
-                        <a:effectLst/>
-                        <a:latin typeface="HY수평선B"/>
-                        <a:ea typeface="HY수평선B" panose="02030600000101010101"/>
-                        <a:cs typeface="+mn-cs"/>
-                      </a:endParaRPr>
-                    </a:p>
-                    <a:p>
-                      <a:pPr latinLnBrk="1"/>
-                      <a:endParaRPr lang="en-US" altLang="ko-KR" sz="1800" b="1" dirty="0">
-                        <a:latin typeface="HY수평선B"/>
-                        <a:ea typeface="HY수평선B" panose="02030600000101010101"/>
-                      </a:endParaRPr>
-                    </a:p>
-                    <a:p>
-                      <a:pPr latinLnBrk="1"/>
+                      <a:pPr algn="l" latinLnBrk="1"/>
                       <a:endParaRPr lang="ko-KR" altLang="en-US" sz="1800" b="1" dirty="0">
                         <a:latin typeface="HY수평선B"/>
                         <a:ea typeface="HY수평선B" panose="02030600000101010101"/>
@@ -8287,25 +7892,6 @@
               </a:lnSpc>
             </a:pPr>
             <a:r>
-              <a:rPr lang="en-US" altLang="ko-KR" sz="3000" dirty="0">
-                <a:ea typeface="HY수평선B" panose="02030600000101010101"/>
-              </a:rPr>
-              <a:t> </a:t>
-            </a:r>
-            <a:r>
-              <a:rPr lang="en-US" altLang="ko-KR" sz="3000" b="1" dirty="0">
-                <a:ea typeface="HY수평선B" panose="02030600000101010101"/>
-              </a:rPr>
-              <a:t>UI</a:t>
-            </a:r>
-          </a:p>
-          <a:p>
-            <a:pPr>
-              <a:lnSpc>
-                <a:spcPct val="150000"/>
-              </a:lnSpc>
-            </a:pPr>
-            <a:r>
               <a:rPr lang="ko-KR" altLang="en-US" sz="3000" dirty="0">
                 <a:ea typeface="HY수평선B" panose="02030600000101010101"/>
               </a:rPr>
@@ -8342,6 +7928,14 @@
             <a:endParaRPr lang="en-US" altLang="ko-KR" b="1" dirty="0">
               <a:ea typeface="HY수평선B" panose="02030600000101010101"/>
             </a:endParaRPr>
+          </a:p>
+          <a:p>
+            <a:r>
+              <a:rPr lang="en-US" altLang="ko-KR" sz="3000" dirty="0">
+                <a:ea typeface="HY수평선B" panose="02030600000101010101"/>
+              </a:rPr>
+              <a:t>UI</a:t>
+            </a:r>
           </a:p>
           <a:p>
             <a:endParaRPr lang="ko-KR" altLang="en-US" dirty="0"/>
@@ -18786,7 +18380,7 @@
                     <a:p>
                       <a:pPr algn="ctr" fontAlgn="ctr"/>
                       <a:r>
-                        <a:rPr lang="ko-KR" altLang="en-US" sz="1100" b="0" i="0" u="none" strike="noStrike">
+                        <a:rPr lang="ko-KR" altLang="en-US" sz="1100" b="0" i="0" u="none" strike="noStrike" dirty="0">
                           <a:solidFill>
                             <a:srgbClr val="000000"/>
                           </a:solidFill>
@@ -18797,7 +18391,7 @@
                         <a:t>로비서버 </a:t>
                       </a:r>
                       <a:r>
-                        <a:rPr lang="en-US" altLang="ko-KR" sz="1100" b="0" i="0" u="none" strike="noStrike">
+                        <a:rPr lang="en-US" altLang="ko-KR" sz="1100" b="0" i="0" u="none" strike="noStrike" dirty="0">
                           <a:solidFill>
                             <a:srgbClr val="000000"/>
                           </a:solidFill>
@@ -18808,7 +18402,7 @@
                         <a:t>-&gt; </a:t>
                       </a:r>
                       <a:r>
-                        <a:rPr lang="ko-KR" altLang="en-US" sz="1100" b="0" i="0" u="none" strike="noStrike">
+                        <a:rPr lang="ko-KR" altLang="en-US" sz="1100" b="0" i="0" u="none" strike="noStrike" dirty="0">
                           <a:solidFill>
                             <a:srgbClr val="000000"/>
                           </a:solidFill>

--- a/Jungle War 박정훈 신상우 이수진 이병철.pptx
+++ b/Jungle War 박정훈 신상우 이수진 이병철.pptx
@@ -129,9 +129,9 @@
 <p1510:revInfo xmlns:a="http://schemas.openxmlformats.org/drawingml/2006/main" xmlns:r="http://schemas.openxmlformats.org/officeDocument/2006/relationships" xmlns:p1510="http://schemas.microsoft.com/office/powerpoint/2015/10/main">
   <p1510:revLst>
     <p1510:client id="{C49925BA-3958-7621-AF0E-1D9201CFF7D5}" v="2" dt="2019-01-05T10:02:57.903"/>
+    <p1510:client id="{04377AED-CE6A-4659-A1C3-BDBFCEBFCFE7}" v="5" dt="2019-01-05T11:54:31.062"/>
+    <p1510:client id="{D9DAD4DE-084D-4B10-B9AE-4F3A3C40D8F0}" v="297" dt="2019-01-05T11:52:46.892"/>
     <p1510:client id="{6D82C239-AE18-4C56-906D-1D47210C0BB0}" v="63" dt="2019-01-05T11:18:41.040"/>
-    <p1510:client id="{D9DAD4DE-084D-4B10-B9AE-4F3A3C40D8F0}" v="297" dt="2019-01-05T11:52:46.892"/>
-    <p1510:client id="{04377AED-CE6A-4659-A1C3-BDBFCEBFCFE7}" v="5" dt="2019-01-05T11:54:31.062"/>
     <p1510:client id="{C33680D2-9E9D-A3B5-A7C7-897D3C3F0FA9}" v="5" dt="2019-01-05T11:15:33.369"/>
     <p1510:client id="{713B925A-96F6-EFC2-F8C7-E056AD9079CE}" v="171" dt="2019-01-05T11:47:49.573"/>
   </p1510:revLst>
@@ -316,196 +316,6 @@
             <pc:docMk/>
             <pc:sldMk cId="1632885297" sldId="256"/>
             <ac:spMk id="2" creationId="{41D02B6C-7ED2-450D-B045-19F419547D83}"/>
-          </ac:spMkLst>
-        </pc:spChg>
-      </pc:sldChg>
-    </pc:docChg>
-  </pc:docChgLst>
-  <pc:docChgLst>
-    <pc:chgData name="게스트 사용자" userId="S::urn:spo:anon#b3860dc8331868868ef051a5c71491108560e43b4fdf57277abb2020915563df::" providerId="AD" clId="Web-{6D82C239-AE18-4C56-906D-1D47210C0BB0}"/>
-    <pc:docChg chg="modSld">
-      <pc:chgData name="게스트 사용자" userId="S::urn:spo:anon#b3860dc8331868868ef051a5c71491108560e43b4fdf57277abb2020915563df::" providerId="AD" clId="Web-{6D82C239-AE18-4C56-906D-1D47210C0BB0}" dt="2019-01-05T12:31:08.437" v="73" actId="14100"/>
-      <pc:docMkLst>
-        <pc:docMk/>
-      </pc:docMkLst>
-      <pc:sldChg chg="modSp">
-        <pc:chgData name="게스트 사용자" userId="S::urn:spo:anon#b3860dc8331868868ef051a5c71491108560e43b4fdf57277abb2020915563df::" providerId="AD" clId="Web-{6D82C239-AE18-4C56-906D-1D47210C0BB0}" dt="2019-01-05T11:16:34.896" v="22" actId="1076"/>
-        <pc:sldMkLst>
-          <pc:docMk/>
-          <pc:sldMk cId="3286203646" sldId="262"/>
-        </pc:sldMkLst>
-        <pc:spChg chg="mod">
-          <ac:chgData name="게스트 사용자" userId="S::urn:spo:anon#b3860dc8331868868ef051a5c71491108560e43b4fdf57277abb2020915563df::" providerId="AD" clId="Web-{6D82C239-AE18-4C56-906D-1D47210C0BB0}" dt="2019-01-05T11:16:34.896" v="22" actId="1076"/>
-          <ac:spMkLst>
-            <pc:docMk/>
-            <pc:sldMk cId="3286203646" sldId="262"/>
-            <ac:spMk id="2" creationId="{1528303D-A888-4BF3-B818-2CFAB40AA959}"/>
-          </ac:spMkLst>
-        </pc:spChg>
-        <pc:spChg chg="mod">
-          <ac:chgData name="게스트 사용자" userId="S::urn:spo:anon#b3860dc8331868868ef051a5c71491108560e43b4fdf57277abb2020915563df::" providerId="AD" clId="Web-{6D82C239-AE18-4C56-906D-1D47210C0BB0}" dt="2019-01-05T11:15:34.693" v="18" actId="1076"/>
-          <ac:spMkLst>
-            <pc:docMk/>
-            <pc:sldMk cId="3286203646" sldId="262"/>
-            <ac:spMk id="11" creationId="{CD3B85D1-CA5C-4DF2-99C9-01E53FA5704B}"/>
-          </ac:spMkLst>
-        </pc:spChg>
-        <pc:spChg chg="mod">
-          <ac:chgData name="게스트 사용자" userId="S::urn:spo:anon#b3860dc8331868868ef051a5c71491108560e43b4fdf57277abb2020915563df::" providerId="AD" clId="Web-{6D82C239-AE18-4C56-906D-1D47210C0BB0}" dt="2019-01-05T11:15:34.693" v="19" actId="1076"/>
-          <ac:spMkLst>
-            <pc:docMk/>
-            <pc:sldMk cId="3286203646" sldId="262"/>
-            <ac:spMk id="12" creationId="{E9485842-0BB6-4B96-8DD2-9B17B615FE97}"/>
-          </ac:spMkLst>
-        </pc:spChg>
-        <pc:spChg chg="mod">
-          <ac:chgData name="게스트 사용자" userId="S::urn:spo:anon#b3860dc8331868868ef051a5c71491108560e43b4fdf57277abb2020915563df::" providerId="AD" clId="Web-{6D82C239-AE18-4C56-906D-1D47210C0BB0}" dt="2019-01-05T11:15:24.849" v="15" actId="1076"/>
-          <ac:spMkLst>
-            <pc:docMk/>
-            <pc:sldMk cId="3286203646" sldId="262"/>
-            <ac:spMk id="13" creationId="{E019BBA3-68CE-4362-9215-1998382E325F}"/>
-          </ac:spMkLst>
-        </pc:spChg>
-        <pc:spChg chg="mod">
-          <ac:chgData name="게스트 사용자" userId="S::urn:spo:anon#b3860dc8331868868ef051a5c71491108560e43b4fdf57277abb2020915563df::" providerId="AD" clId="Web-{6D82C239-AE18-4C56-906D-1D47210C0BB0}" dt="2019-01-05T11:15:24.849" v="16" actId="1076"/>
-          <ac:spMkLst>
-            <pc:docMk/>
-            <pc:sldMk cId="3286203646" sldId="262"/>
-            <ac:spMk id="14" creationId="{61A0C3F8-499C-4C5E-9E9B-08EE08A2643C}"/>
-          </ac:spMkLst>
-        </pc:spChg>
-        <pc:spChg chg="mod">
-          <ac:chgData name="게스트 사용자" userId="S::urn:spo:anon#b3860dc8331868868ef051a5c71491108560e43b4fdf57277abb2020915563df::" providerId="AD" clId="Web-{6D82C239-AE18-4C56-906D-1D47210C0BB0}" dt="2019-01-05T11:15:45.662" v="21" actId="1076"/>
-          <ac:spMkLst>
-            <pc:docMk/>
-            <pc:sldMk cId="3286203646" sldId="262"/>
-            <ac:spMk id="17" creationId="{4BBB6954-3378-47EA-B23B-24A2C200DBD1}"/>
-          </ac:spMkLst>
-        </pc:spChg>
-        <pc:spChg chg="mod">
-          <ac:chgData name="게스트 사용자" userId="S::urn:spo:anon#b3860dc8331868868ef051a5c71491108560e43b4fdf57277abb2020915563df::" providerId="AD" clId="Web-{6D82C239-AE18-4C56-906D-1D47210C0BB0}" dt="2019-01-05T11:14:35.005" v="1" actId="1076"/>
-          <ac:spMkLst>
-            <pc:docMk/>
-            <pc:sldMk cId="3286203646" sldId="262"/>
-            <ac:spMk id="18" creationId="{9A863ECD-64B0-444C-9A8A-867EA7E19264}"/>
-          </ac:spMkLst>
-        </pc:spChg>
-        <pc:picChg chg="mod">
-          <ac:chgData name="게스트 사용자" userId="S::urn:spo:anon#b3860dc8331868868ef051a5c71491108560e43b4fdf57277abb2020915563df::" providerId="AD" clId="Web-{6D82C239-AE18-4C56-906D-1D47210C0BB0}" dt="2019-01-05T11:14:28.880" v="0" actId="1076"/>
-          <ac:picMkLst>
-            <pc:docMk/>
-            <pc:sldMk cId="3286203646" sldId="262"/>
-            <ac:picMk id="4" creationId="{E07066B4-989F-4C68-961C-683430887661}"/>
-          </ac:picMkLst>
-        </pc:picChg>
-        <pc:picChg chg="mod">
-          <ac:chgData name="게스트 사용자" userId="S::urn:spo:anon#b3860dc8331868868ef051a5c71491108560e43b4fdf57277abb2020915563df::" providerId="AD" clId="Web-{6D82C239-AE18-4C56-906D-1D47210C0BB0}" dt="2019-01-05T11:15:34.677" v="17" actId="1076"/>
-          <ac:picMkLst>
-            <pc:docMk/>
-            <pc:sldMk cId="3286203646" sldId="262"/>
-            <ac:picMk id="6" creationId="{29A9456B-227A-4A7F-AD97-0CE0472BF2A4}"/>
-          </ac:picMkLst>
-        </pc:picChg>
-        <pc:picChg chg="mod">
-          <ac:chgData name="게스트 사용자" userId="S::urn:spo:anon#b3860dc8331868868ef051a5c71491108560e43b4fdf57277abb2020915563df::" providerId="AD" clId="Web-{6D82C239-AE18-4C56-906D-1D47210C0BB0}" dt="2019-01-05T11:15:24.834" v="13" actId="1076"/>
-          <ac:picMkLst>
-            <pc:docMk/>
-            <pc:sldMk cId="3286203646" sldId="262"/>
-            <ac:picMk id="8" creationId="{8A7F63D5-C0E2-49AF-9AF4-C443255F9310}"/>
-          </ac:picMkLst>
-        </pc:picChg>
-        <pc:picChg chg="mod">
-          <ac:chgData name="게스트 사용자" userId="S::urn:spo:anon#b3860dc8331868868ef051a5c71491108560e43b4fdf57277abb2020915563df::" providerId="AD" clId="Web-{6D82C239-AE18-4C56-906D-1D47210C0BB0}" dt="2019-01-05T11:15:24.834" v="14" actId="1076"/>
-          <ac:picMkLst>
-            <pc:docMk/>
-            <pc:sldMk cId="3286203646" sldId="262"/>
-            <ac:picMk id="10" creationId="{25EFECA6-C09C-4B01-BDA5-286C1CB4C023}"/>
-          </ac:picMkLst>
-        </pc:picChg>
-        <pc:picChg chg="mod">
-          <ac:chgData name="게스트 사용자" userId="S::urn:spo:anon#b3860dc8331868868ef051a5c71491108560e43b4fdf57277abb2020915563df::" providerId="AD" clId="Web-{6D82C239-AE18-4C56-906D-1D47210C0BB0}" dt="2019-01-05T11:15:45.662" v="20" actId="1076"/>
-          <ac:picMkLst>
-            <pc:docMk/>
-            <pc:sldMk cId="3286203646" sldId="262"/>
-            <ac:picMk id="16" creationId="{044D9BE0-4508-4992-BBE2-AD1143EE7F68}"/>
-          </ac:picMkLst>
-        </pc:picChg>
-      </pc:sldChg>
-      <pc:sldChg chg="addSp delSp modSp">
-        <pc:chgData name="게스트 사용자" userId="S::urn:spo:anon#b3860dc8331868868ef051a5c71491108560e43b4fdf57277abb2020915563df::" providerId="AD" clId="Web-{6D82C239-AE18-4C56-906D-1D47210C0BB0}" dt="2019-01-05T12:31:08.437" v="73" actId="14100"/>
-        <pc:sldMkLst>
-          <pc:docMk/>
-          <pc:sldMk cId="1491327750" sldId="273"/>
-        </pc:sldMkLst>
-        <pc:picChg chg="mod">
-          <ac:chgData name="게스트 사용자" userId="S::urn:spo:anon#b3860dc8331868868ef051a5c71491108560e43b4fdf57277abb2020915563df::" providerId="AD" clId="Web-{6D82C239-AE18-4C56-906D-1D47210C0BB0}" dt="2019-01-05T12:26:26.278" v="68" actId="1076"/>
-          <ac:picMkLst>
-            <pc:docMk/>
-            <pc:sldMk cId="1491327750" sldId="273"/>
-            <ac:picMk id="4" creationId="{71E88A35-6A3C-4713-AFDE-13A476FDF15B}"/>
-          </ac:picMkLst>
-        </pc:picChg>
-        <pc:picChg chg="add del mod">
-          <ac:chgData name="게스트 사용자" userId="S::urn:spo:anon#b3860dc8331868868ef051a5c71491108560e43b4fdf57277abb2020915563df::" providerId="AD" clId="Web-{6D82C239-AE18-4C56-906D-1D47210C0BB0}" dt="2019-01-05T12:30:56.733" v="69"/>
-          <ac:picMkLst>
-            <pc:docMk/>
-            <pc:sldMk cId="1491327750" sldId="273"/>
-            <ac:picMk id="5" creationId="{5957B96D-4214-4A15-9430-D1D47394C5A8}"/>
-          </ac:picMkLst>
-        </pc:picChg>
-        <pc:picChg chg="add mod">
-          <ac:chgData name="게스트 사용자" userId="S::urn:spo:anon#b3860dc8331868868ef051a5c71491108560e43b4fdf57277abb2020915563df::" providerId="AD" clId="Web-{6D82C239-AE18-4C56-906D-1D47210C0BB0}" dt="2019-01-05T12:31:08.437" v="73" actId="14100"/>
-          <ac:picMkLst>
-            <pc:docMk/>
-            <pc:sldMk cId="1491327750" sldId="273"/>
-            <ac:picMk id="7" creationId="{19DA6002-0479-4513-8860-48703C457655}"/>
-          </ac:picMkLst>
-        </pc:picChg>
-      </pc:sldChg>
-      <pc:sldChg chg="modSp">
-        <pc:chgData name="게스트 사용자" userId="S::urn:spo:anon#b3860dc8331868868ef051a5c71491108560e43b4fdf57277abb2020915563df::" providerId="AD" clId="Web-{6D82C239-AE18-4C56-906D-1D47210C0BB0}" dt="2019-01-05T11:18:41.040" v="62" actId="14100"/>
-        <pc:sldMkLst>
-          <pc:docMk/>
-          <pc:sldMk cId="4174912067" sldId="277"/>
-        </pc:sldMkLst>
-        <pc:spChg chg="mod">
-          <ac:chgData name="게스트 사용자" userId="S::urn:spo:anon#b3860dc8331868868ef051a5c71491108560e43b4fdf57277abb2020915563df::" providerId="AD" clId="Web-{6D82C239-AE18-4C56-906D-1D47210C0BB0}" dt="2019-01-05T11:18:41.040" v="62" actId="14100"/>
-          <ac:spMkLst>
-            <pc:docMk/>
-            <pc:sldMk cId="4174912067" sldId="277"/>
-            <ac:spMk id="3" creationId="{7D02FFD5-DED4-4357-A705-C197CFC7CDA8}"/>
-          </ac:spMkLst>
-        </pc:spChg>
-        <pc:spChg chg="mod">
-          <ac:chgData name="게스트 사용자" userId="S::urn:spo:anon#b3860dc8331868868ef051a5c71491108560e43b4fdf57277abb2020915563df::" providerId="AD" clId="Web-{6D82C239-AE18-4C56-906D-1D47210C0BB0}" dt="2019-01-05T11:18:36.337" v="57" actId="1076"/>
-          <ac:spMkLst>
-            <pc:docMk/>
-            <pc:sldMk cId="4174912067" sldId="277"/>
-            <ac:spMk id="9" creationId="{9E8479C2-8250-4A01-A7AC-BF325E4CF382}"/>
-          </ac:spMkLst>
-        </pc:spChg>
-        <pc:spChg chg="mod">
-          <ac:chgData name="게스트 사용자" userId="S::urn:spo:anon#b3860dc8331868868ef051a5c71491108560e43b4fdf57277abb2020915563df::" providerId="AD" clId="Web-{6D82C239-AE18-4C56-906D-1D47210C0BB0}" dt="2019-01-05T11:18:36.353" v="58" actId="1076"/>
-          <ac:spMkLst>
-            <pc:docMk/>
-            <pc:sldMk cId="4174912067" sldId="277"/>
-            <ac:spMk id="13" creationId="{58FA3BE5-3E5A-4CA7-918A-7142578F4C13}"/>
-          </ac:spMkLst>
-        </pc:spChg>
-        <pc:spChg chg="mod">
-          <ac:chgData name="게스트 사용자" userId="S::urn:spo:anon#b3860dc8331868868ef051a5c71491108560e43b4fdf57277abb2020915563df::" providerId="AD" clId="Web-{6D82C239-AE18-4C56-906D-1D47210C0BB0}" dt="2019-01-05T11:18:36.368" v="59" actId="1076"/>
-          <ac:spMkLst>
-            <pc:docMk/>
-            <pc:sldMk cId="4174912067" sldId="277"/>
-            <ac:spMk id="16" creationId="{7CA278C3-3C06-4DBF-B87E-11EA94862389}"/>
-          </ac:spMkLst>
-        </pc:spChg>
-        <pc:spChg chg="mod">
-          <ac:chgData name="게스트 사용자" userId="S::urn:spo:anon#b3860dc8331868868ef051a5c71491108560e43b4fdf57277abb2020915563df::" providerId="AD" clId="Web-{6D82C239-AE18-4C56-906D-1D47210C0BB0}" dt="2019-01-05T11:18:36.368" v="60" actId="1076"/>
-          <ac:spMkLst>
-            <pc:docMk/>
-            <pc:sldMk cId="4174912067" sldId="277"/>
-            <ac:spMk id="17" creationId="{1CE2A4E5-16C9-4D64-9D5F-025FFB4742E4}"/>
           </ac:spMkLst>
         </pc:spChg>
       </pc:sldChg>
@@ -1122,6 +932,196 @@
     </pc:docChg>
   </pc:docChgLst>
   <pc:docChgLst>
+    <pc:chgData name="게스트 사용자" userId="S::urn:spo:anon#b3860dc8331868868ef051a5c71491108560e43b4fdf57277abb2020915563df::" providerId="AD" clId="Web-{6D82C239-AE18-4C56-906D-1D47210C0BB0}"/>
+    <pc:docChg chg="modSld">
+      <pc:chgData name="게스트 사용자" userId="S::urn:spo:anon#b3860dc8331868868ef051a5c71491108560e43b4fdf57277abb2020915563df::" providerId="AD" clId="Web-{6D82C239-AE18-4C56-906D-1D47210C0BB0}" dt="2019-01-05T12:31:08.437" v="73" actId="14100"/>
+      <pc:docMkLst>
+        <pc:docMk/>
+      </pc:docMkLst>
+      <pc:sldChg chg="modSp">
+        <pc:chgData name="게스트 사용자" userId="S::urn:spo:anon#b3860dc8331868868ef051a5c71491108560e43b4fdf57277abb2020915563df::" providerId="AD" clId="Web-{6D82C239-AE18-4C56-906D-1D47210C0BB0}" dt="2019-01-05T11:16:34.896" v="22" actId="1076"/>
+        <pc:sldMkLst>
+          <pc:docMk/>
+          <pc:sldMk cId="3286203646" sldId="262"/>
+        </pc:sldMkLst>
+        <pc:spChg chg="mod">
+          <ac:chgData name="게스트 사용자" userId="S::urn:spo:anon#b3860dc8331868868ef051a5c71491108560e43b4fdf57277abb2020915563df::" providerId="AD" clId="Web-{6D82C239-AE18-4C56-906D-1D47210C0BB0}" dt="2019-01-05T11:16:34.896" v="22" actId="1076"/>
+          <ac:spMkLst>
+            <pc:docMk/>
+            <pc:sldMk cId="3286203646" sldId="262"/>
+            <ac:spMk id="2" creationId="{1528303D-A888-4BF3-B818-2CFAB40AA959}"/>
+          </ac:spMkLst>
+        </pc:spChg>
+        <pc:spChg chg="mod">
+          <ac:chgData name="게스트 사용자" userId="S::urn:spo:anon#b3860dc8331868868ef051a5c71491108560e43b4fdf57277abb2020915563df::" providerId="AD" clId="Web-{6D82C239-AE18-4C56-906D-1D47210C0BB0}" dt="2019-01-05T11:15:34.693" v="18" actId="1076"/>
+          <ac:spMkLst>
+            <pc:docMk/>
+            <pc:sldMk cId="3286203646" sldId="262"/>
+            <ac:spMk id="11" creationId="{CD3B85D1-CA5C-4DF2-99C9-01E53FA5704B}"/>
+          </ac:spMkLst>
+        </pc:spChg>
+        <pc:spChg chg="mod">
+          <ac:chgData name="게스트 사용자" userId="S::urn:spo:anon#b3860dc8331868868ef051a5c71491108560e43b4fdf57277abb2020915563df::" providerId="AD" clId="Web-{6D82C239-AE18-4C56-906D-1D47210C0BB0}" dt="2019-01-05T11:15:34.693" v="19" actId="1076"/>
+          <ac:spMkLst>
+            <pc:docMk/>
+            <pc:sldMk cId="3286203646" sldId="262"/>
+            <ac:spMk id="12" creationId="{E9485842-0BB6-4B96-8DD2-9B17B615FE97}"/>
+          </ac:spMkLst>
+        </pc:spChg>
+        <pc:spChg chg="mod">
+          <ac:chgData name="게스트 사용자" userId="S::urn:spo:anon#b3860dc8331868868ef051a5c71491108560e43b4fdf57277abb2020915563df::" providerId="AD" clId="Web-{6D82C239-AE18-4C56-906D-1D47210C0BB0}" dt="2019-01-05T11:15:24.849" v="15" actId="1076"/>
+          <ac:spMkLst>
+            <pc:docMk/>
+            <pc:sldMk cId="3286203646" sldId="262"/>
+            <ac:spMk id="13" creationId="{E019BBA3-68CE-4362-9215-1998382E325F}"/>
+          </ac:spMkLst>
+        </pc:spChg>
+        <pc:spChg chg="mod">
+          <ac:chgData name="게스트 사용자" userId="S::urn:spo:anon#b3860dc8331868868ef051a5c71491108560e43b4fdf57277abb2020915563df::" providerId="AD" clId="Web-{6D82C239-AE18-4C56-906D-1D47210C0BB0}" dt="2019-01-05T11:15:24.849" v="16" actId="1076"/>
+          <ac:spMkLst>
+            <pc:docMk/>
+            <pc:sldMk cId="3286203646" sldId="262"/>
+            <ac:spMk id="14" creationId="{61A0C3F8-499C-4C5E-9E9B-08EE08A2643C}"/>
+          </ac:spMkLst>
+        </pc:spChg>
+        <pc:spChg chg="mod">
+          <ac:chgData name="게스트 사용자" userId="S::urn:spo:anon#b3860dc8331868868ef051a5c71491108560e43b4fdf57277abb2020915563df::" providerId="AD" clId="Web-{6D82C239-AE18-4C56-906D-1D47210C0BB0}" dt="2019-01-05T11:15:45.662" v="21" actId="1076"/>
+          <ac:spMkLst>
+            <pc:docMk/>
+            <pc:sldMk cId="3286203646" sldId="262"/>
+            <ac:spMk id="17" creationId="{4BBB6954-3378-47EA-B23B-24A2C200DBD1}"/>
+          </ac:spMkLst>
+        </pc:spChg>
+        <pc:spChg chg="mod">
+          <ac:chgData name="게스트 사용자" userId="S::urn:spo:anon#b3860dc8331868868ef051a5c71491108560e43b4fdf57277abb2020915563df::" providerId="AD" clId="Web-{6D82C239-AE18-4C56-906D-1D47210C0BB0}" dt="2019-01-05T11:14:35.005" v="1" actId="1076"/>
+          <ac:spMkLst>
+            <pc:docMk/>
+            <pc:sldMk cId="3286203646" sldId="262"/>
+            <ac:spMk id="18" creationId="{9A863ECD-64B0-444C-9A8A-867EA7E19264}"/>
+          </ac:spMkLst>
+        </pc:spChg>
+        <pc:picChg chg="mod">
+          <ac:chgData name="게스트 사용자" userId="S::urn:spo:anon#b3860dc8331868868ef051a5c71491108560e43b4fdf57277abb2020915563df::" providerId="AD" clId="Web-{6D82C239-AE18-4C56-906D-1D47210C0BB0}" dt="2019-01-05T11:14:28.880" v="0" actId="1076"/>
+          <ac:picMkLst>
+            <pc:docMk/>
+            <pc:sldMk cId="3286203646" sldId="262"/>
+            <ac:picMk id="4" creationId="{E07066B4-989F-4C68-961C-683430887661}"/>
+          </ac:picMkLst>
+        </pc:picChg>
+        <pc:picChg chg="mod">
+          <ac:chgData name="게스트 사용자" userId="S::urn:spo:anon#b3860dc8331868868ef051a5c71491108560e43b4fdf57277abb2020915563df::" providerId="AD" clId="Web-{6D82C239-AE18-4C56-906D-1D47210C0BB0}" dt="2019-01-05T11:15:34.677" v="17" actId="1076"/>
+          <ac:picMkLst>
+            <pc:docMk/>
+            <pc:sldMk cId="3286203646" sldId="262"/>
+            <ac:picMk id="6" creationId="{29A9456B-227A-4A7F-AD97-0CE0472BF2A4}"/>
+          </ac:picMkLst>
+        </pc:picChg>
+        <pc:picChg chg="mod">
+          <ac:chgData name="게스트 사용자" userId="S::urn:spo:anon#b3860dc8331868868ef051a5c71491108560e43b4fdf57277abb2020915563df::" providerId="AD" clId="Web-{6D82C239-AE18-4C56-906D-1D47210C0BB0}" dt="2019-01-05T11:15:24.834" v="13" actId="1076"/>
+          <ac:picMkLst>
+            <pc:docMk/>
+            <pc:sldMk cId="3286203646" sldId="262"/>
+            <ac:picMk id="8" creationId="{8A7F63D5-C0E2-49AF-9AF4-C443255F9310}"/>
+          </ac:picMkLst>
+        </pc:picChg>
+        <pc:picChg chg="mod">
+          <ac:chgData name="게스트 사용자" userId="S::urn:spo:anon#b3860dc8331868868ef051a5c71491108560e43b4fdf57277abb2020915563df::" providerId="AD" clId="Web-{6D82C239-AE18-4C56-906D-1D47210C0BB0}" dt="2019-01-05T11:15:24.834" v="14" actId="1076"/>
+          <ac:picMkLst>
+            <pc:docMk/>
+            <pc:sldMk cId="3286203646" sldId="262"/>
+            <ac:picMk id="10" creationId="{25EFECA6-C09C-4B01-BDA5-286C1CB4C023}"/>
+          </ac:picMkLst>
+        </pc:picChg>
+        <pc:picChg chg="mod">
+          <ac:chgData name="게스트 사용자" userId="S::urn:spo:anon#b3860dc8331868868ef051a5c71491108560e43b4fdf57277abb2020915563df::" providerId="AD" clId="Web-{6D82C239-AE18-4C56-906D-1D47210C0BB0}" dt="2019-01-05T11:15:45.662" v="20" actId="1076"/>
+          <ac:picMkLst>
+            <pc:docMk/>
+            <pc:sldMk cId="3286203646" sldId="262"/>
+            <ac:picMk id="16" creationId="{044D9BE0-4508-4992-BBE2-AD1143EE7F68}"/>
+          </ac:picMkLst>
+        </pc:picChg>
+      </pc:sldChg>
+      <pc:sldChg chg="addSp delSp modSp">
+        <pc:chgData name="게스트 사용자" userId="S::urn:spo:anon#b3860dc8331868868ef051a5c71491108560e43b4fdf57277abb2020915563df::" providerId="AD" clId="Web-{6D82C239-AE18-4C56-906D-1D47210C0BB0}" dt="2019-01-05T12:31:08.437" v="73" actId="14100"/>
+        <pc:sldMkLst>
+          <pc:docMk/>
+          <pc:sldMk cId="1491327750" sldId="273"/>
+        </pc:sldMkLst>
+        <pc:picChg chg="mod">
+          <ac:chgData name="게스트 사용자" userId="S::urn:spo:anon#b3860dc8331868868ef051a5c71491108560e43b4fdf57277abb2020915563df::" providerId="AD" clId="Web-{6D82C239-AE18-4C56-906D-1D47210C0BB0}" dt="2019-01-05T12:26:26.278" v="68" actId="1076"/>
+          <ac:picMkLst>
+            <pc:docMk/>
+            <pc:sldMk cId="1491327750" sldId="273"/>
+            <ac:picMk id="4" creationId="{71E88A35-6A3C-4713-AFDE-13A476FDF15B}"/>
+          </ac:picMkLst>
+        </pc:picChg>
+        <pc:picChg chg="add del mod">
+          <ac:chgData name="게스트 사용자" userId="S::urn:spo:anon#b3860dc8331868868ef051a5c71491108560e43b4fdf57277abb2020915563df::" providerId="AD" clId="Web-{6D82C239-AE18-4C56-906D-1D47210C0BB0}" dt="2019-01-05T12:30:56.733" v="69"/>
+          <ac:picMkLst>
+            <pc:docMk/>
+            <pc:sldMk cId="1491327750" sldId="273"/>
+            <ac:picMk id="5" creationId="{5957B96D-4214-4A15-9430-D1D47394C5A8}"/>
+          </ac:picMkLst>
+        </pc:picChg>
+        <pc:picChg chg="add mod">
+          <ac:chgData name="게스트 사용자" userId="S::urn:spo:anon#b3860dc8331868868ef051a5c71491108560e43b4fdf57277abb2020915563df::" providerId="AD" clId="Web-{6D82C239-AE18-4C56-906D-1D47210C0BB0}" dt="2019-01-05T12:31:08.437" v="73" actId="14100"/>
+          <ac:picMkLst>
+            <pc:docMk/>
+            <pc:sldMk cId="1491327750" sldId="273"/>
+            <ac:picMk id="7" creationId="{19DA6002-0479-4513-8860-48703C457655}"/>
+          </ac:picMkLst>
+        </pc:picChg>
+      </pc:sldChg>
+      <pc:sldChg chg="modSp">
+        <pc:chgData name="게스트 사용자" userId="S::urn:spo:anon#b3860dc8331868868ef051a5c71491108560e43b4fdf57277abb2020915563df::" providerId="AD" clId="Web-{6D82C239-AE18-4C56-906D-1D47210C0BB0}" dt="2019-01-05T11:18:41.040" v="62" actId="14100"/>
+        <pc:sldMkLst>
+          <pc:docMk/>
+          <pc:sldMk cId="4174912067" sldId="277"/>
+        </pc:sldMkLst>
+        <pc:spChg chg="mod">
+          <ac:chgData name="게스트 사용자" userId="S::urn:spo:anon#b3860dc8331868868ef051a5c71491108560e43b4fdf57277abb2020915563df::" providerId="AD" clId="Web-{6D82C239-AE18-4C56-906D-1D47210C0BB0}" dt="2019-01-05T11:18:41.040" v="62" actId="14100"/>
+          <ac:spMkLst>
+            <pc:docMk/>
+            <pc:sldMk cId="4174912067" sldId="277"/>
+            <ac:spMk id="3" creationId="{7D02FFD5-DED4-4357-A705-C197CFC7CDA8}"/>
+          </ac:spMkLst>
+        </pc:spChg>
+        <pc:spChg chg="mod">
+          <ac:chgData name="게스트 사용자" userId="S::urn:spo:anon#b3860dc8331868868ef051a5c71491108560e43b4fdf57277abb2020915563df::" providerId="AD" clId="Web-{6D82C239-AE18-4C56-906D-1D47210C0BB0}" dt="2019-01-05T11:18:36.337" v="57" actId="1076"/>
+          <ac:spMkLst>
+            <pc:docMk/>
+            <pc:sldMk cId="4174912067" sldId="277"/>
+            <ac:spMk id="9" creationId="{9E8479C2-8250-4A01-A7AC-BF325E4CF382}"/>
+          </ac:spMkLst>
+        </pc:spChg>
+        <pc:spChg chg="mod">
+          <ac:chgData name="게스트 사용자" userId="S::urn:spo:anon#b3860dc8331868868ef051a5c71491108560e43b4fdf57277abb2020915563df::" providerId="AD" clId="Web-{6D82C239-AE18-4C56-906D-1D47210C0BB0}" dt="2019-01-05T11:18:36.353" v="58" actId="1076"/>
+          <ac:spMkLst>
+            <pc:docMk/>
+            <pc:sldMk cId="4174912067" sldId="277"/>
+            <ac:spMk id="13" creationId="{58FA3BE5-3E5A-4CA7-918A-7142578F4C13}"/>
+          </ac:spMkLst>
+        </pc:spChg>
+        <pc:spChg chg="mod">
+          <ac:chgData name="게스트 사용자" userId="S::urn:spo:anon#b3860dc8331868868ef051a5c71491108560e43b4fdf57277abb2020915563df::" providerId="AD" clId="Web-{6D82C239-AE18-4C56-906D-1D47210C0BB0}" dt="2019-01-05T11:18:36.368" v="59" actId="1076"/>
+          <ac:spMkLst>
+            <pc:docMk/>
+            <pc:sldMk cId="4174912067" sldId="277"/>
+            <ac:spMk id="16" creationId="{7CA278C3-3C06-4DBF-B87E-11EA94862389}"/>
+          </ac:spMkLst>
+        </pc:spChg>
+        <pc:spChg chg="mod">
+          <ac:chgData name="게스트 사용자" userId="S::urn:spo:anon#b3860dc8331868868ef051a5c71491108560e43b4fdf57277abb2020915563df::" providerId="AD" clId="Web-{6D82C239-AE18-4C56-906D-1D47210C0BB0}" dt="2019-01-05T11:18:36.368" v="60" actId="1076"/>
+          <ac:spMkLst>
+            <pc:docMk/>
+            <pc:sldMk cId="4174912067" sldId="277"/>
+            <ac:spMk id="17" creationId="{1CE2A4E5-16C9-4D64-9D5F-025FFB4742E4}"/>
+          </ac:spMkLst>
+        </pc:spChg>
+      </pc:sldChg>
+    </pc:docChg>
+  </pc:docChgLst>
+  <pc:docChgLst>
     <pc:chgData name="게스트 사용자" userId="S::urn:spo:anon#b3860dc8331868868ef051a5c71491108560e43b4fdf57277abb2020915563df::" providerId="AD" clId="Web-{C33680D2-9E9D-A3B5-A7C7-897D3C3F0FA9}"/>
     <pc:docChg chg="modSld">
       <pc:chgData name="게스트 사용자" userId="S::urn:spo:anon#b3860dc8331868868ef051a5c71491108560e43b4fdf57277abb2020915563df::" providerId="AD" clId="Web-{C33680D2-9E9D-A3B5-A7C7-897D3C3F0FA9}" dt="2019-01-05T11:15:33.385" v="9" actId="20577"/>
@@ -1254,7 +1254,7 @@
           <a:p>
             <a:fld id="{9CA91F1B-9D24-40F1-A1BF-13C680275030}" type="datetimeFigureOut">
               <a:rPr lang="ko-KR" altLang="en-US" smtClean="0"/>
-              <a:t>2019-06-01</a:t>
+              <a:t>2019-06-02</a:t>
             </a:fld>
             <a:endParaRPr lang="ko-KR" altLang="en-US"/>
           </a:p>
@@ -2167,7 +2167,7 @@
           <a:p>
             <a:fld id="{7052EFC6-043C-4278-956A-6E9BEEB4DACF}" type="datetimeFigureOut">
               <a:rPr lang="ko-KR" altLang="en-US" smtClean="0"/>
-              <a:t>2019-06-01</a:t>
+              <a:t>2019-06-02</a:t>
             </a:fld>
             <a:endParaRPr lang="ko-KR" altLang="en-US"/>
           </a:p>
@@ -2378,7 +2378,7 @@
           <a:p>
             <a:fld id="{7052EFC6-043C-4278-956A-6E9BEEB4DACF}" type="datetimeFigureOut">
               <a:rPr lang="ko-KR" altLang="en-US" smtClean="0"/>
-              <a:t>2019-06-01</a:t>
+              <a:t>2019-06-02</a:t>
             </a:fld>
             <a:endParaRPr lang="ko-KR" altLang="en-US"/>
           </a:p>
@@ -2593,7 +2593,7 @@
           <a:p>
             <a:fld id="{7052EFC6-043C-4278-956A-6E9BEEB4DACF}" type="datetimeFigureOut">
               <a:rPr lang="ko-KR" altLang="en-US" smtClean="0"/>
-              <a:t>2019-06-01</a:t>
+              <a:t>2019-06-02</a:t>
             </a:fld>
             <a:endParaRPr lang="ko-KR" altLang="en-US"/>
           </a:p>
@@ -2794,7 +2794,7 @@
           <a:p>
             <a:fld id="{7052EFC6-043C-4278-956A-6E9BEEB4DACF}" type="datetimeFigureOut">
               <a:rPr lang="ko-KR" altLang="en-US" smtClean="0"/>
-              <a:t>2019-06-01</a:t>
+              <a:t>2019-06-02</a:t>
             </a:fld>
             <a:endParaRPr lang="ko-KR" altLang="en-US"/>
           </a:p>
@@ -3073,7 +3073,7 @@
           <a:p>
             <a:fld id="{7052EFC6-043C-4278-956A-6E9BEEB4DACF}" type="datetimeFigureOut">
               <a:rPr lang="ko-KR" altLang="en-US" smtClean="0"/>
-              <a:t>2019-06-01</a:t>
+              <a:t>2019-06-02</a:t>
             </a:fld>
             <a:endParaRPr lang="ko-KR" altLang="en-US"/>
           </a:p>
@@ -3341,7 +3341,7 @@
           <a:p>
             <a:fld id="{7052EFC6-043C-4278-956A-6E9BEEB4DACF}" type="datetimeFigureOut">
               <a:rPr lang="ko-KR" altLang="en-US" smtClean="0"/>
-              <a:t>2019-06-01</a:t>
+              <a:t>2019-06-02</a:t>
             </a:fld>
             <a:endParaRPr lang="ko-KR" altLang="en-US"/>
           </a:p>
@@ -3757,7 +3757,7 @@
           <a:p>
             <a:fld id="{7052EFC6-043C-4278-956A-6E9BEEB4DACF}" type="datetimeFigureOut">
               <a:rPr lang="ko-KR" altLang="en-US" smtClean="0"/>
-              <a:t>2019-06-01</a:t>
+              <a:t>2019-06-02</a:t>
             </a:fld>
             <a:endParaRPr lang="ko-KR" altLang="en-US"/>
           </a:p>
@@ -3906,7 +3906,7 @@
           <a:p>
             <a:fld id="{7052EFC6-043C-4278-956A-6E9BEEB4DACF}" type="datetimeFigureOut">
               <a:rPr lang="ko-KR" altLang="en-US" smtClean="0"/>
-              <a:t>2019-06-01</a:t>
+              <a:t>2019-06-02</a:t>
             </a:fld>
             <a:endParaRPr lang="ko-KR" altLang="en-US"/>
           </a:p>
@@ -4032,7 +4032,7 @@
           <a:p>
             <a:fld id="{7052EFC6-043C-4278-956A-6E9BEEB4DACF}" type="datetimeFigureOut">
               <a:rPr lang="ko-KR" altLang="en-US" smtClean="0"/>
-              <a:t>2019-06-01</a:t>
+              <a:t>2019-06-02</a:t>
             </a:fld>
             <a:endParaRPr lang="ko-KR" altLang="en-US"/>
           </a:p>
@@ -4283,7 +4283,7 @@
           <a:p>
             <a:fld id="{7052EFC6-043C-4278-956A-6E9BEEB4DACF}" type="datetimeFigureOut">
               <a:rPr lang="ko-KR" altLang="en-US" smtClean="0"/>
-              <a:t>2019-06-01</a:t>
+              <a:t>2019-06-02</a:t>
             </a:fld>
             <a:endParaRPr lang="ko-KR" altLang="en-US"/>
           </a:p>
@@ -4728,7 +4728,7 @@
           <a:p>
             <a:fld id="{7052EFC6-043C-4278-956A-6E9BEEB4DACF}" type="datetimeFigureOut">
               <a:rPr lang="ko-KR" altLang="en-US" smtClean="0"/>
-              <a:t>2019-06-01</a:t>
+              <a:t>2019-06-02</a:t>
             </a:fld>
             <a:endParaRPr lang="ko-KR" altLang="en-US"/>
           </a:p>
@@ -5055,7 +5055,7 @@
           <a:p>
             <a:fld id="{7052EFC6-043C-4278-956A-6E9BEEB4DACF}" type="datetimeFigureOut">
               <a:rPr lang="ko-KR" altLang="en-US" smtClean="0"/>
-              <a:t>2019-06-01</a:t>
+              <a:t>2019-06-02</a:t>
             </a:fld>
             <a:endParaRPr lang="ko-KR" altLang="en-US"/>
           </a:p>
@@ -7934,7 +7934,7 @@
               <a:rPr lang="en-US" altLang="ko-KR" sz="3000" dirty="0">
                 <a:ea typeface="HY수평선B" panose="02030600000101010101"/>
               </a:rPr>
-              <a:t>UI</a:t>
+              <a:t> UI</a:t>
             </a:r>
           </a:p>
           <a:p>

--- a/Jungle War 박정훈 신상우 이수진 이병철.pptx
+++ b/Jungle War 박정훈 신상우 이수진 이병철.pptx
@@ -129,9 +129,9 @@
 <p1510:revInfo xmlns:a="http://schemas.openxmlformats.org/drawingml/2006/main" xmlns:r="http://schemas.openxmlformats.org/officeDocument/2006/relationships" xmlns:p1510="http://schemas.microsoft.com/office/powerpoint/2015/10/main">
   <p1510:revLst>
     <p1510:client id="{C49925BA-3958-7621-AF0E-1D9201CFF7D5}" v="2" dt="2019-01-05T10:02:57.903"/>
+    <p1510:client id="{6D82C239-AE18-4C56-906D-1D47210C0BB0}" v="63" dt="2019-01-05T11:18:41.040"/>
+    <p1510:client id="{D9DAD4DE-084D-4B10-B9AE-4F3A3C40D8F0}" v="297" dt="2019-01-05T11:52:46.892"/>
     <p1510:client id="{04377AED-CE6A-4659-A1C3-BDBFCEBFCFE7}" v="5" dt="2019-01-05T11:54:31.062"/>
-    <p1510:client id="{D9DAD4DE-084D-4B10-B9AE-4F3A3C40D8F0}" v="297" dt="2019-01-05T11:52:46.892"/>
-    <p1510:client id="{6D82C239-AE18-4C56-906D-1D47210C0BB0}" v="63" dt="2019-01-05T11:18:41.040"/>
     <p1510:client id="{C33680D2-9E9D-A3B5-A7C7-897D3C3F0FA9}" v="5" dt="2019-01-05T11:15:33.369"/>
     <p1510:client id="{713B925A-96F6-EFC2-F8C7-E056AD9079CE}" v="171" dt="2019-01-05T11:47:49.573"/>
   </p1510:revLst>
@@ -316,6 +316,196 @@
             <pc:docMk/>
             <pc:sldMk cId="1632885297" sldId="256"/>
             <ac:spMk id="2" creationId="{41D02B6C-7ED2-450D-B045-19F419547D83}"/>
+          </ac:spMkLst>
+        </pc:spChg>
+      </pc:sldChg>
+    </pc:docChg>
+  </pc:docChgLst>
+  <pc:docChgLst>
+    <pc:chgData name="게스트 사용자" userId="S::urn:spo:anon#b3860dc8331868868ef051a5c71491108560e43b4fdf57277abb2020915563df::" providerId="AD" clId="Web-{6D82C239-AE18-4C56-906D-1D47210C0BB0}"/>
+    <pc:docChg chg="modSld">
+      <pc:chgData name="게스트 사용자" userId="S::urn:spo:anon#b3860dc8331868868ef051a5c71491108560e43b4fdf57277abb2020915563df::" providerId="AD" clId="Web-{6D82C239-AE18-4C56-906D-1D47210C0BB0}" dt="2019-01-05T12:31:08.437" v="73" actId="14100"/>
+      <pc:docMkLst>
+        <pc:docMk/>
+      </pc:docMkLst>
+      <pc:sldChg chg="modSp">
+        <pc:chgData name="게스트 사용자" userId="S::urn:spo:anon#b3860dc8331868868ef051a5c71491108560e43b4fdf57277abb2020915563df::" providerId="AD" clId="Web-{6D82C239-AE18-4C56-906D-1D47210C0BB0}" dt="2019-01-05T11:16:34.896" v="22" actId="1076"/>
+        <pc:sldMkLst>
+          <pc:docMk/>
+          <pc:sldMk cId="3286203646" sldId="262"/>
+        </pc:sldMkLst>
+        <pc:spChg chg="mod">
+          <ac:chgData name="게스트 사용자" userId="S::urn:spo:anon#b3860dc8331868868ef051a5c71491108560e43b4fdf57277abb2020915563df::" providerId="AD" clId="Web-{6D82C239-AE18-4C56-906D-1D47210C0BB0}" dt="2019-01-05T11:16:34.896" v="22" actId="1076"/>
+          <ac:spMkLst>
+            <pc:docMk/>
+            <pc:sldMk cId="3286203646" sldId="262"/>
+            <ac:spMk id="2" creationId="{1528303D-A888-4BF3-B818-2CFAB40AA959}"/>
+          </ac:spMkLst>
+        </pc:spChg>
+        <pc:spChg chg="mod">
+          <ac:chgData name="게스트 사용자" userId="S::urn:spo:anon#b3860dc8331868868ef051a5c71491108560e43b4fdf57277abb2020915563df::" providerId="AD" clId="Web-{6D82C239-AE18-4C56-906D-1D47210C0BB0}" dt="2019-01-05T11:15:34.693" v="18" actId="1076"/>
+          <ac:spMkLst>
+            <pc:docMk/>
+            <pc:sldMk cId="3286203646" sldId="262"/>
+            <ac:spMk id="11" creationId="{CD3B85D1-CA5C-4DF2-99C9-01E53FA5704B}"/>
+          </ac:spMkLst>
+        </pc:spChg>
+        <pc:spChg chg="mod">
+          <ac:chgData name="게스트 사용자" userId="S::urn:spo:anon#b3860dc8331868868ef051a5c71491108560e43b4fdf57277abb2020915563df::" providerId="AD" clId="Web-{6D82C239-AE18-4C56-906D-1D47210C0BB0}" dt="2019-01-05T11:15:34.693" v="19" actId="1076"/>
+          <ac:spMkLst>
+            <pc:docMk/>
+            <pc:sldMk cId="3286203646" sldId="262"/>
+            <ac:spMk id="12" creationId="{E9485842-0BB6-4B96-8DD2-9B17B615FE97}"/>
+          </ac:spMkLst>
+        </pc:spChg>
+        <pc:spChg chg="mod">
+          <ac:chgData name="게스트 사용자" userId="S::urn:spo:anon#b3860dc8331868868ef051a5c71491108560e43b4fdf57277abb2020915563df::" providerId="AD" clId="Web-{6D82C239-AE18-4C56-906D-1D47210C0BB0}" dt="2019-01-05T11:15:24.849" v="15" actId="1076"/>
+          <ac:spMkLst>
+            <pc:docMk/>
+            <pc:sldMk cId="3286203646" sldId="262"/>
+            <ac:spMk id="13" creationId="{E019BBA3-68CE-4362-9215-1998382E325F}"/>
+          </ac:spMkLst>
+        </pc:spChg>
+        <pc:spChg chg="mod">
+          <ac:chgData name="게스트 사용자" userId="S::urn:spo:anon#b3860dc8331868868ef051a5c71491108560e43b4fdf57277abb2020915563df::" providerId="AD" clId="Web-{6D82C239-AE18-4C56-906D-1D47210C0BB0}" dt="2019-01-05T11:15:24.849" v="16" actId="1076"/>
+          <ac:spMkLst>
+            <pc:docMk/>
+            <pc:sldMk cId="3286203646" sldId="262"/>
+            <ac:spMk id="14" creationId="{61A0C3F8-499C-4C5E-9E9B-08EE08A2643C}"/>
+          </ac:spMkLst>
+        </pc:spChg>
+        <pc:spChg chg="mod">
+          <ac:chgData name="게스트 사용자" userId="S::urn:spo:anon#b3860dc8331868868ef051a5c71491108560e43b4fdf57277abb2020915563df::" providerId="AD" clId="Web-{6D82C239-AE18-4C56-906D-1D47210C0BB0}" dt="2019-01-05T11:15:45.662" v="21" actId="1076"/>
+          <ac:spMkLst>
+            <pc:docMk/>
+            <pc:sldMk cId="3286203646" sldId="262"/>
+            <ac:spMk id="17" creationId="{4BBB6954-3378-47EA-B23B-24A2C200DBD1}"/>
+          </ac:spMkLst>
+        </pc:spChg>
+        <pc:spChg chg="mod">
+          <ac:chgData name="게스트 사용자" userId="S::urn:spo:anon#b3860dc8331868868ef051a5c71491108560e43b4fdf57277abb2020915563df::" providerId="AD" clId="Web-{6D82C239-AE18-4C56-906D-1D47210C0BB0}" dt="2019-01-05T11:14:35.005" v="1" actId="1076"/>
+          <ac:spMkLst>
+            <pc:docMk/>
+            <pc:sldMk cId="3286203646" sldId="262"/>
+            <ac:spMk id="18" creationId="{9A863ECD-64B0-444C-9A8A-867EA7E19264}"/>
+          </ac:spMkLst>
+        </pc:spChg>
+        <pc:picChg chg="mod">
+          <ac:chgData name="게스트 사용자" userId="S::urn:spo:anon#b3860dc8331868868ef051a5c71491108560e43b4fdf57277abb2020915563df::" providerId="AD" clId="Web-{6D82C239-AE18-4C56-906D-1D47210C0BB0}" dt="2019-01-05T11:14:28.880" v="0" actId="1076"/>
+          <ac:picMkLst>
+            <pc:docMk/>
+            <pc:sldMk cId="3286203646" sldId="262"/>
+            <ac:picMk id="4" creationId="{E07066B4-989F-4C68-961C-683430887661}"/>
+          </ac:picMkLst>
+        </pc:picChg>
+        <pc:picChg chg="mod">
+          <ac:chgData name="게스트 사용자" userId="S::urn:spo:anon#b3860dc8331868868ef051a5c71491108560e43b4fdf57277abb2020915563df::" providerId="AD" clId="Web-{6D82C239-AE18-4C56-906D-1D47210C0BB0}" dt="2019-01-05T11:15:34.677" v="17" actId="1076"/>
+          <ac:picMkLst>
+            <pc:docMk/>
+            <pc:sldMk cId="3286203646" sldId="262"/>
+            <ac:picMk id="6" creationId="{29A9456B-227A-4A7F-AD97-0CE0472BF2A4}"/>
+          </ac:picMkLst>
+        </pc:picChg>
+        <pc:picChg chg="mod">
+          <ac:chgData name="게스트 사용자" userId="S::urn:spo:anon#b3860dc8331868868ef051a5c71491108560e43b4fdf57277abb2020915563df::" providerId="AD" clId="Web-{6D82C239-AE18-4C56-906D-1D47210C0BB0}" dt="2019-01-05T11:15:24.834" v="13" actId="1076"/>
+          <ac:picMkLst>
+            <pc:docMk/>
+            <pc:sldMk cId="3286203646" sldId="262"/>
+            <ac:picMk id="8" creationId="{8A7F63D5-C0E2-49AF-9AF4-C443255F9310}"/>
+          </ac:picMkLst>
+        </pc:picChg>
+        <pc:picChg chg="mod">
+          <ac:chgData name="게스트 사용자" userId="S::urn:spo:anon#b3860dc8331868868ef051a5c71491108560e43b4fdf57277abb2020915563df::" providerId="AD" clId="Web-{6D82C239-AE18-4C56-906D-1D47210C0BB0}" dt="2019-01-05T11:15:24.834" v="14" actId="1076"/>
+          <ac:picMkLst>
+            <pc:docMk/>
+            <pc:sldMk cId="3286203646" sldId="262"/>
+            <ac:picMk id="10" creationId="{25EFECA6-C09C-4B01-BDA5-286C1CB4C023}"/>
+          </ac:picMkLst>
+        </pc:picChg>
+        <pc:picChg chg="mod">
+          <ac:chgData name="게스트 사용자" userId="S::urn:spo:anon#b3860dc8331868868ef051a5c71491108560e43b4fdf57277abb2020915563df::" providerId="AD" clId="Web-{6D82C239-AE18-4C56-906D-1D47210C0BB0}" dt="2019-01-05T11:15:45.662" v="20" actId="1076"/>
+          <ac:picMkLst>
+            <pc:docMk/>
+            <pc:sldMk cId="3286203646" sldId="262"/>
+            <ac:picMk id="16" creationId="{044D9BE0-4508-4992-BBE2-AD1143EE7F68}"/>
+          </ac:picMkLst>
+        </pc:picChg>
+      </pc:sldChg>
+      <pc:sldChg chg="addSp delSp modSp">
+        <pc:chgData name="게스트 사용자" userId="S::urn:spo:anon#b3860dc8331868868ef051a5c71491108560e43b4fdf57277abb2020915563df::" providerId="AD" clId="Web-{6D82C239-AE18-4C56-906D-1D47210C0BB0}" dt="2019-01-05T12:31:08.437" v="73" actId="14100"/>
+        <pc:sldMkLst>
+          <pc:docMk/>
+          <pc:sldMk cId="1491327750" sldId="273"/>
+        </pc:sldMkLst>
+        <pc:picChg chg="mod">
+          <ac:chgData name="게스트 사용자" userId="S::urn:spo:anon#b3860dc8331868868ef051a5c71491108560e43b4fdf57277abb2020915563df::" providerId="AD" clId="Web-{6D82C239-AE18-4C56-906D-1D47210C0BB0}" dt="2019-01-05T12:26:26.278" v="68" actId="1076"/>
+          <ac:picMkLst>
+            <pc:docMk/>
+            <pc:sldMk cId="1491327750" sldId="273"/>
+            <ac:picMk id="4" creationId="{71E88A35-6A3C-4713-AFDE-13A476FDF15B}"/>
+          </ac:picMkLst>
+        </pc:picChg>
+        <pc:picChg chg="add del mod">
+          <ac:chgData name="게스트 사용자" userId="S::urn:spo:anon#b3860dc8331868868ef051a5c71491108560e43b4fdf57277abb2020915563df::" providerId="AD" clId="Web-{6D82C239-AE18-4C56-906D-1D47210C0BB0}" dt="2019-01-05T12:30:56.733" v="69"/>
+          <ac:picMkLst>
+            <pc:docMk/>
+            <pc:sldMk cId="1491327750" sldId="273"/>
+            <ac:picMk id="5" creationId="{5957B96D-4214-4A15-9430-D1D47394C5A8}"/>
+          </ac:picMkLst>
+        </pc:picChg>
+        <pc:picChg chg="add mod">
+          <ac:chgData name="게스트 사용자" userId="S::urn:spo:anon#b3860dc8331868868ef051a5c71491108560e43b4fdf57277abb2020915563df::" providerId="AD" clId="Web-{6D82C239-AE18-4C56-906D-1D47210C0BB0}" dt="2019-01-05T12:31:08.437" v="73" actId="14100"/>
+          <ac:picMkLst>
+            <pc:docMk/>
+            <pc:sldMk cId="1491327750" sldId="273"/>
+            <ac:picMk id="7" creationId="{19DA6002-0479-4513-8860-48703C457655}"/>
+          </ac:picMkLst>
+        </pc:picChg>
+      </pc:sldChg>
+      <pc:sldChg chg="modSp">
+        <pc:chgData name="게스트 사용자" userId="S::urn:spo:anon#b3860dc8331868868ef051a5c71491108560e43b4fdf57277abb2020915563df::" providerId="AD" clId="Web-{6D82C239-AE18-4C56-906D-1D47210C0BB0}" dt="2019-01-05T11:18:41.040" v="62" actId="14100"/>
+        <pc:sldMkLst>
+          <pc:docMk/>
+          <pc:sldMk cId="4174912067" sldId="277"/>
+        </pc:sldMkLst>
+        <pc:spChg chg="mod">
+          <ac:chgData name="게스트 사용자" userId="S::urn:spo:anon#b3860dc8331868868ef051a5c71491108560e43b4fdf57277abb2020915563df::" providerId="AD" clId="Web-{6D82C239-AE18-4C56-906D-1D47210C0BB0}" dt="2019-01-05T11:18:41.040" v="62" actId="14100"/>
+          <ac:spMkLst>
+            <pc:docMk/>
+            <pc:sldMk cId="4174912067" sldId="277"/>
+            <ac:spMk id="3" creationId="{7D02FFD5-DED4-4357-A705-C197CFC7CDA8}"/>
+          </ac:spMkLst>
+        </pc:spChg>
+        <pc:spChg chg="mod">
+          <ac:chgData name="게스트 사용자" userId="S::urn:spo:anon#b3860dc8331868868ef051a5c71491108560e43b4fdf57277abb2020915563df::" providerId="AD" clId="Web-{6D82C239-AE18-4C56-906D-1D47210C0BB0}" dt="2019-01-05T11:18:36.337" v="57" actId="1076"/>
+          <ac:spMkLst>
+            <pc:docMk/>
+            <pc:sldMk cId="4174912067" sldId="277"/>
+            <ac:spMk id="9" creationId="{9E8479C2-8250-4A01-A7AC-BF325E4CF382}"/>
+          </ac:spMkLst>
+        </pc:spChg>
+        <pc:spChg chg="mod">
+          <ac:chgData name="게스트 사용자" userId="S::urn:spo:anon#b3860dc8331868868ef051a5c71491108560e43b4fdf57277abb2020915563df::" providerId="AD" clId="Web-{6D82C239-AE18-4C56-906D-1D47210C0BB0}" dt="2019-01-05T11:18:36.353" v="58" actId="1076"/>
+          <ac:spMkLst>
+            <pc:docMk/>
+            <pc:sldMk cId="4174912067" sldId="277"/>
+            <ac:spMk id="13" creationId="{58FA3BE5-3E5A-4CA7-918A-7142578F4C13}"/>
+          </ac:spMkLst>
+        </pc:spChg>
+        <pc:spChg chg="mod">
+          <ac:chgData name="게스트 사용자" userId="S::urn:spo:anon#b3860dc8331868868ef051a5c71491108560e43b4fdf57277abb2020915563df::" providerId="AD" clId="Web-{6D82C239-AE18-4C56-906D-1D47210C0BB0}" dt="2019-01-05T11:18:36.368" v="59" actId="1076"/>
+          <ac:spMkLst>
+            <pc:docMk/>
+            <pc:sldMk cId="4174912067" sldId="277"/>
+            <ac:spMk id="16" creationId="{7CA278C3-3C06-4DBF-B87E-11EA94862389}"/>
+          </ac:spMkLst>
+        </pc:spChg>
+        <pc:spChg chg="mod">
+          <ac:chgData name="게스트 사용자" userId="S::urn:spo:anon#b3860dc8331868868ef051a5c71491108560e43b4fdf57277abb2020915563df::" providerId="AD" clId="Web-{6D82C239-AE18-4C56-906D-1D47210C0BB0}" dt="2019-01-05T11:18:36.368" v="60" actId="1076"/>
+          <ac:spMkLst>
+            <pc:docMk/>
+            <pc:sldMk cId="4174912067" sldId="277"/>
+            <ac:spMk id="17" creationId="{1CE2A4E5-16C9-4D64-9D5F-025FFB4742E4}"/>
           </ac:spMkLst>
         </pc:spChg>
       </pc:sldChg>
@@ -926,196 +1116,6 @@
             <pc:docMk/>
             <pc:sldMk cId="4174912067" sldId="277"/>
             <ac:spMk id="9" creationId="{9E8479C2-8250-4A01-A7AC-BF325E4CF382}"/>
-          </ac:spMkLst>
-        </pc:spChg>
-      </pc:sldChg>
-    </pc:docChg>
-  </pc:docChgLst>
-  <pc:docChgLst>
-    <pc:chgData name="게스트 사용자" userId="S::urn:spo:anon#b3860dc8331868868ef051a5c71491108560e43b4fdf57277abb2020915563df::" providerId="AD" clId="Web-{6D82C239-AE18-4C56-906D-1D47210C0BB0}"/>
-    <pc:docChg chg="modSld">
-      <pc:chgData name="게스트 사용자" userId="S::urn:spo:anon#b3860dc8331868868ef051a5c71491108560e43b4fdf57277abb2020915563df::" providerId="AD" clId="Web-{6D82C239-AE18-4C56-906D-1D47210C0BB0}" dt="2019-01-05T12:31:08.437" v="73" actId="14100"/>
-      <pc:docMkLst>
-        <pc:docMk/>
-      </pc:docMkLst>
-      <pc:sldChg chg="modSp">
-        <pc:chgData name="게스트 사용자" userId="S::urn:spo:anon#b3860dc8331868868ef051a5c71491108560e43b4fdf57277abb2020915563df::" providerId="AD" clId="Web-{6D82C239-AE18-4C56-906D-1D47210C0BB0}" dt="2019-01-05T11:16:34.896" v="22" actId="1076"/>
-        <pc:sldMkLst>
-          <pc:docMk/>
-          <pc:sldMk cId="3286203646" sldId="262"/>
-        </pc:sldMkLst>
-        <pc:spChg chg="mod">
-          <ac:chgData name="게스트 사용자" userId="S::urn:spo:anon#b3860dc8331868868ef051a5c71491108560e43b4fdf57277abb2020915563df::" providerId="AD" clId="Web-{6D82C239-AE18-4C56-906D-1D47210C0BB0}" dt="2019-01-05T11:16:34.896" v="22" actId="1076"/>
-          <ac:spMkLst>
-            <pc:docMk/>
-            <pc:sldMk cId="3286203646" sldId="262"/>
-            <ac:spMk id="2" creationId="{1528303D-A888-4BF3-B818-2CFAB40AA959}"/>
-          </ac:spMkLst>
-        </pc:spChg>
-        <pc:spChg chg="mod">
-          <ac:chgData name="게스트 사용자" userId="S::urn:spo:anon#b3860dc8331868868ef051a5c71491108560e43b4fdf57277abb2020915563df::" providerId="AD" clId="Web-{6D82C239-AE18-4C56-906D-1D47210C0BB0}" dt="2019-01-05T11:15:34.693" v="18" actId="1076"/>
-          <ac:spMkLst>
-            <pc:docMk/>
-            <pc:sldMk cId="3286203646" sldId="262"/>
-            <ac:spMk id="11" creationId="{CD3B85D1-CA5C-4DF2-99C9-01E53FA5704B}"/>
-          </ac:spMkLst>
-        </pc:spChg>
-        <pc:spChg chg="mod">
-          <ac:chgData name="게스트 사용자" userId="S::urn:spo:anon#b3860dc8331868868ef051a5c71491108560e43b4fdf57277abb2020915563df::" providerId="AD" clId="Web-{6D82C239-AE18-4C56-906D-1D47210C0BB0}" dt="2019-01-05T11:15:34.693" v="19" actId="1076"/>
-          <ac:spMkLst>
-            <pc:docMk/>
-            <pc:sldMk cId="3286203646" sldId="262"/>
-            <ac:spMk id="12" creationId="{E9485842-0BB6-4B96-8DD2-9B17B615FE97}"/>
-          </ac:spMkLst>
-        </pc:spChg>
-        <pc:spChg chg="mod">
-          <ac:chgData name="게스트 사용자" userId="S::urn:spo:anon#b3860dc8331868868ef051a5c71491108560e43b4fdf57277abb2020915563df::" providerId="AD" clId="Web-{6D82C239-AE18-4C56-906D-1D47210C0BB0}" dt="2019-01-05T11:15:24.849" v="15" actId="1076"/>
-          <ac:spMkLst>
-            <pc:docMk/>
-            <pc:sldMk cId="3286203646" sldId="262"/>
-            <ac:spMk id="13" creationId="{E019BBA3-68CE-4362-9215-1998382E325F}"/>
-          </ac:spMkLst>
-        </pc:spChg>
-        <pc:spChg chg="mod">
-          <ac:chgData name="게스트 사용자" userId="S::urn:spo:anon#b3860dc8331868868ef051a5c71491108560e43b4fdf57277abb2020915563df::" providerId="AD" clId="Web-{6D82C239-AE18-4C56-906D-1D47210C0BB0}" dt="2019-01-05T11:15:24.849" v="16" actId="1076"/>
-          <ac:spMkLst>
-            <pc:docMk/>
-            <pc:sldMk cId="3286203646" sldId="262"/>
-            <ac:spMk id="14" creationId="{61A0C3F8-499C-4C5E-9E9B-08EE08A2643C}"/>
-          </ac:spMkLst>
-        </pc:spChg>
-        <pc:spChg chg="mod">
-          <ac:chgData name="게스트 사용자" userId="S::urn:spo:anon#b3860dc8331868868ef051a5c71491108560e43b4fdf57277abb2020915563df::" providerId="AD" clId="Web-{6D82C239-AE18-4C56-906D-1D47210C0BB0}" dt="2019-01-05T11:15:45.662" v="21" actId="1076"/>
-          <ac:spMkLst>
-            <pc:docMk/>
-            <pc:sldMk cId="3286203646" sldId="262"/>
-            <ac:spMk id="17" creationId="{4BBB6954-3378-47EA-B23B-24A2C200DBD1}"/>
-          </ac:spMkLst>
-        </pc:spChg>
-        <pc:spChg chg="mod">
-          <ac:chgData name="게스트 사용자" userId="S::urn:spo:anon#b3860dc8331868868ef051a5c71491108560e43b4fdf57277abb2020915563df::" providerId="AD" clId="Web-{6D82C239-AE18-4C56-906D-1D47210C0BB0}" dt="2019-01-05T11:14:35.005" v="1" actId="1076"/>
-          <ac:spMkLst>
-            <pc:docMk/>
-            <pc:sldMk cId="3286203646" sldId="262"/>
-            <ac:spMk id="18" creationId="{9A863ECD-64B0-444C-9A8A-867EA7E19264}"/>
-          </ac:spMkLst>
-        </pc:spChg>
-        <pc:picChg chg="mod">
-          <ac:chgData name="게스트 사용자" userId="S::urn:spo:anon#b3860dc8331868868ef051a5c71491108560e43b4fdf57277abb2020915563df::" providerId="AD" clId="Web-{6D82C239-AE18-4C56-906D-1D47210C0BB0}" dt="2019-01-05T11:14:28.880" v="0" actId="1076"/>
-          <ac:picMkLst>
-            <pc:docMk/>
-            <pc:sldMk cId="3286203646" sldId="262"/>
-            <ac:picMk id="4" creationId="{E07066B4-989F-4C68-961C-683430887661}"/>
-          </ac:picMkLst>
-        </pc:picChg>
-        <pc:picChg chg="mod">
-          <ac:chgData name="게스트 사용자" userId="S::urn:spo:anon#b3860dc8331868868ef051a5c71491108560e43b4fdf57277abb2020915563df::" providerId="AD" clId="Web-{6D82C239-AE18-4C56-906D-1D47210C0BB0}" dt="2019-01-05T11:15:34.677" v="17" actId="1076"/>
-          <ac:picMkLst>
-            <pc:docMk/>
-            <pc:sldMk cId="3286203646" sldId="262"/>
-            <ac:picMk id="6" creationId="{29A9456B-227A-4A7F-AD97-0CE0472BF2A4}"/>
-          </ac:picMkLst>
-        </pc:picChg>
-        <pc:picChg chg="mod">
-          <ac:chgData name="게스트 사용자" userId="S::urn:spo:anon#b3860dc8331868868ef051a5c71491108560e43b4fdf57277abb2020915563df::" providerId="AD" clId="Web-{6D82C239-AE18-4C56-906D-1D47210C0BB0}" dt="2019-01-05T11:15:24.834" v="13" actId="1076"/>
-          <ac:picMkLst>
-            <pc:docMk/>
-            <pc:sldMk cId="3286203646" sldId="262"/>
-            <ac:picMk id="8" creationId="{8A7F63D5-C0E2-49AF-9AF4-C443255F9310}"/>
-          </ac:picMkLst>
-        </pc:picChg>
-        <pc:picChg chg="mod">
-          <ac:chgData name="게스트 사용자" userId="S::urn:spo:anon#b3860dc8331868868ef051a5c71491108560e43b4fdf57277abb2020915563df::" providerId="AD" clId="Web-{6D82C239-AE18-4C56-906D-1D47210C0BB0}" dt="2019-01-05T11:15:24.834" v="14" actId="1076"/>
-          <ac:picMkLst>
-            <pc:docMk/>
-            <pc:sldMk cId="3286203646" sldId="262"/>
-            <ac:picMk id="10" creationId="{25EFECA6-C09C-4B01-BDA5-286C1CB4C023}"/>
-          </ac:picMkLst>
-        </pc:picChg>
-        <pc:picChg chg="mod">
-          <ac:chgData name="게스트 사용자" userId="S::urn:spo:anon#b3860dc8331868868ef051a5c71491108560e43b4fdf57277abb2020915563df::" providerId="AD" clId="Web-{6D82C239-AE18-4C56-906D-1D47210C0BB0}" dt="2019-01-05T11:15:45.662" v="20" actId="1076"/>
-          <ac:picMkLst>
-            <pc:docMk/>
-            <pc:sldMk cId="3286203646" sldId="262"/>
-            <ac:picMk id="16" creationId="{044D9BE0-4508-4992-BBE2-AD1143EE7F68}"/>
-          </ac:picMkLst>
-        </pc:picChg>
-      </pc:sldChg>
-      <pc:sldChg chg="addSp delSp modSp">
-        <pc:chgData name="게스트 사용자" userId="S::urn:spo:anon#b3860dc8331868868ef051a5c71491108560e43b4fdf57277abb2020915563df::" providerId="AD" clId="Web-{6D82C239-AE18-4C56-906D-1D47210C0BB0}" dt="2019-01-05T12:31:08.437" v="73" actId="14100"/>
-        <pc:sldMkLst>
-          <pc:docMk/>
-          <pc:sldMk cId="1491327750" sldId="273"/>
-        </pc:sldMkLst>
-        <pc:picChg chg="mod">
-          <ac:chgData name="게스트 사용자" userId="S::urn:spo:anon#b3860dc8331868868ef051a5c71491108560e43b4fdf57277abb2020915563df::" providerId="AD" clId="Web-{6D82C239-AE18-4C56-906D-1D47210C0BB0}" dt="2019-01-05T12:26:26.278" v="68" actId="1076"/>
-          <ac:picMkLst>
-            <pc:docMk/>
-            <pc:sldMk cId="1491327750" sldId="273"/>
-            <ac:picMk id="4" creationId="{71E88A35-6A3C-4713-AFDE-13A476FDF15B}"/>
-          </ac:picMkLst>
-        </pc:picChg>
-        <pc:picChg chg="add del mod">
-          <ac:chgData name="게스트 사용자" userId="S::urn:spo:anon#b3860dc8331868868ef051a5c71491108560e43b4fdf57277abb2020915563df::" providerId="AD" clId="Web-{6D82C239-AE18-4C56-906D-1D47210C0BB0}" dt="2019-01-05T12:30:56.733" v="69"/>
-          <ac:picMkLst>
-            <pc:docMk/>
-            <pc:sldMk cId="1491327750" sldId="273"/>
-            <ac:picMk id="5" creationId="{5957B96D-4214-4A15-9430-D1D47394C5A8}"/>
-          </ac:picMkLst>
-        </pc:picChg>
-        <pc:picChg chg="add mod">
-          <ac:chgData name="게스트 사용자" userId="S::urn:spo:anon#b3860dc8331868868ef051a5c71491108560e43b4fdf57277abb2020915563df::" providerId="AD" clId="Web-{6D82C239-AE18-4C56-906D-1D47210C0BB0}" dt="2019-01-05T12:31:08.437" v="73" actId="14100"/>
-          <ac:picMkLst>
-            <pc:docMk/>
-            <pc:sldMk cId="1491327750" sldId="273"/>
-            <ac:picMk id="7" creationId="{19DA6002-0479-4513-8860-48703C457655}"/>
-          </ac:picMkLst>
-        </pc:picChg>
-      </pc:sldChg>
-      <pc:sldChg chg="modSp">
-        <pc:chgData name="게스트 사용자" userId="S::urn:spo:anon#b3860dc8331868868ef051a5c71491108560e43b4fdf57277abb2020915563df::" providerId="AD" clId="Web-{6D82C239-AE18-4C56-906D-1D47210C0BB0}" dt="2019-01-05T11:18:41.040" v="62" actId="14100"/>
-        <pc:sldMkLst>
-          <pc:docMk/>
-          <pc:sldMk cId="4174912067" sldId="277"/>
-        </pc:sldMkLst>
-        <pc:spChg chg="mod">
-          <ac:chgData name="게스트 사용자" userId="S::urn:spo:anon#b3860dc8331868868ef051a5c71491108560e43b4fdf57277abb2020915563df::" providerId="AD" clId="Web-{6D82C239-AE18-4C56-906D-1D47210C0BB0}" dt="2019-01-05T11:18:41.040" v="62" actId="14100"/>
-          <ac:spMkLst>
-            <pc:docMk/>
-            <pc:sldMk cId="4174912067" sldId="277"/>
-            <ac:spMk id="3" creationId="{7D02FFD5-DED4-4357-A705-C197CFC7CDA8}"/>
-          </ac:spMkLst>
-        </pc:spChg>
-        <pc:spChg chg="mod">
-          <ac:chgData name="게스트 사용자" userId="S::urn:spo:anon#b3860dc8331868868ef051a5c71491108560e43b4fdf57277abb2020915563df::" providerId="AD" clId="Web-{6D82C239-AE18-4C56-906D-1D47210C0BB0}" dt="2019-01-05T11:18:36.337" v="57" actId="1076"/>
-          <ac:spMkLst>
-            <pc:docMk/>
-            <pc:sldMk cId="4174912067" sldId="277"/>
-            <ac:spMk id="9" creationId="{9E8479C2-8250-4A01-A7AC-BF325E4CF382}"/>
-          </ac:spMkLst>
-        </pc:spChg>
-        <pc:spChg chg="mod">
-          <ac:chgData name="게스트 사용자" userId="S::urn:spo:anon#b3860dc8331868868ef051a5c71491108560e43b4fdf57277abb2020915563df::" providerId="AD" clId="Web-{6D82C239-AE18-4C56-906D-1D47210C0BB0}" dt="2019-01-05T11:18:36.353" v="58" actId="1076"/>
-          <ac:spMkLst>
-            <pc:docMk/>
-            <pc:sldMk cId="4174912067" sldId="277"/>
-            <ac:spMk id="13" creationId="{58FA3BE5-3E5A-4CA7-918A-7142578F4C13}"/>
-          </ac:spMkLst>
-        </pc:spChg>
-        <pc:spChg chg="mod">
-          <ac:chgData name="게스트 사용자" userId="S::urn:spo:anon#b3860dc8331868868ef051a5c71491108560e43b4fdf57277abb2020915563df::" providerId="AD" clId="Web-{6D82C239-AE18-4C56-906D-1D47210C0BB0}" dt="2019-01-05T11:18:36.368" v="59" actId="1076"/>
-          <ac:spMkLst>
-            <pc:docMk/>
-            <pc:sldMk cId="4174912067" sldId="277"/>
-            <ac:spMk id="16" creationId="{7CA278C3-3C06-4DBF-B87E-11EA94862389}"/>
-          </ac:spMkLst>
-        </pc:spChg>
-        <pc:spChg chg="mod">
-          <ac:chgData name="게스트 사용자" userId="S::urn:spo:anon#b3860dc8331868868ef051a5c71491108560e43b4fdf57277abb2020915563df::" providerId="AD" clId="Web-{6D82C239-AE18-4C56-906D-1D47210C0BB0}" dt="2019-01-05T11:18:36.368" v="60" actId="1076"/>
-          <ac:spMkLst>
-            <pc:docMk/>
-            <pc:sldMk cId="4174912067" sldId="277"/>
-            <ac:spMk id="17" creationId="{1CE2A4E5-16C9-4D64-9D5F-025FFB4742E4}"/>
           </ac:spMkLst>
         </pc:spChg>
       </pc:sldChg>
@@ -5772,10 +5772,10 @@
       </p:sp>
       <p:pic>
         <p:nvPicPr>
-          <p:cNvPr id="5" name="그림 4">
+          <p:cNvPr id="6" name="그림 5">
             <a:extLst>
               <a:ext uri="{FF2B5EF4-FFF2-40B4-BE49-F238E27FC236}">
-                <a16:creationId xmlns:a16="http://schemas.microsoft.com/office/drawing/2014/main" id="{26CF4503-55A5-4EB6-A1E2-7030D322FFA3}"/>
+                <a16:creationId xmlns:a16="http://schemas.microsoft.com/office/drawing/2014/main" id="{7069841D-FD06-4AAA-B478-C59F6D8BE2C3}"/>
               </a:ext>
             </a:extLst>
           </p:cNvPr>
@@ -5792,8 +5792,8 @@
         </p:blipFill>
         <p:spPr>
           <a:xfrm>
-            <a:off x="1611830" y="2051049"/>
-            <a:ext cx="9477375" cy="571500"/>
+            <a:off x="3689768" y="2785667"/>
+            <a:ext cx="4812463" cy="3875809"/>
           </a:xfrm>
           <a:prstGeom prst="rect">
             <a:avLst/>
@@ -5802,10 +5802,10 @@
       </p:pic>
       <p:pic>
         <p:nvPicPr>
-          <p:cNvPr id="6" name="그림 5">
+          <p:cNvPr id="3" name="그림 2">
             <a:extLst>
               <a:ext uri="{FF2B5EF4-FFF2-40B4-BE49-F238E27FC236}">
-                <a16:creationId xmlns:a16="http://schemas.microsoft.com/office/drawing/2014/main" id="{7069841D-FD06-4AAA-B478-C59F6D8BE2C3}"/>
+                <a16:creationId xmlns:a16="http://schemas.microsoft.com/office/drawing/2014/main" id="{E2696A77-EEE6-49CC-A590-A72F71BBB5DB}"/>
               </a:ext>
             </a:extLst>
           </p:cNvPr>
@@ -5822,8 +5822,8 @@
         </p:blipFill>
         <p:spPr>
           <a:xfrm>
-            <a:off x="3689768" y="2785667"/>
-            <a:ext cx="4812463" cy="3875809"/>
+            <a:off x="1611830" y="2034553"/>
+            <a:ext cx="9477375" cy="571501"/>
           </a:xfrm>
           <a:prstGeom prst="rect">
             <a:avLst/>
@@ -7934,7 +7934,13 @@
               <a:rPr lang="en-US" altLang="ko-KR" sz="3000" dirty="0">
                 <a:ea typeface="HY수평선B" panose="02030600000101010101"/>
               </a:rPr>
-              <a:t> UI</a:t>
+              <a:t> </a:t>
+            </a:r>
+            <a:r>
+              <a:rPr lang="en-US" altLang="ko-KR" sz="3000" b="1" dirty="0">
+                <a:ea typeface="HY수평선B" panose="02030600000101010101"/>
+              </a:rPr>
+              <a:t>UI</a:t>
             </a:r>
           </a:p>
           <a:p>
@@ -8496,7 +8502,7 @@
             <p:ph idx="1"/>
             <p:extLst>
               <p:ext uri="{D42A27DB-BD31-4B8C-83A1-F6EECF244321}">
-                <p14:modId xmlns:p14="http://schemas.microsoft.com/office/powerpoint/2010/main" val="3674652906"/>
+                <p14:modId xmlns:p14="http://schemas.microsoft.com/office/powerpoint/2010/main" val="2364069834"/>
               </p:ext>
             </p:extLst>
           </p:nvPr>
@@ -8706,30 +8712,27 @@
                           <a:latin typeface="HY수평선B" panose="02030600000101010101" pitchFamily="18" charset="-127"/>
                           <a:ea typeface="HY수평선B" panose="02030600000101010101" pitchFamily="18" charset="-127"/>
                         </a:rPr>
-                        <a:t>테스트용 리소스 사용으로 인한 분위기 저하 </a:t>
-                      </a:r>
-                      <a:r>
-                        <a:rPr lang="en-US" altLang="ko-KR" baseline="0" dirty="0">
-                          <a:latin typeface="HY수평선B" panose="02030600000101010101" pitchFamily="18" charset="-127"/>
-                          <a:ea typeface="HY수평선B" panose="02030600000101010101" pitchFamily="18" charset="-127"/>
-                        </a:rPr>
-                        <a:t>/ </a:t>
-                      </a:r>
+                        <a:t>오브젝트의 </a:t>
+                      </a:r>
+                      <a:endParaRPr lang="en-US" altLang="ko-KR" baseline="0" dirty="0">
+                        <a:latin typeface="HY수평선B" panose="02030600000101010101" pitchFamily="18" charset="-127"/>
+                        <a:ea typeface="HY수평선B" panose="02030600000101010101" pitchFamily="18" charset="-127"/>
+                      </a:endParaRPr>
+                    </a:p>
+                    <a:p>
+                      <a:pPr algn="ctr" latinLnBrk="1"/>
                       <a:r>
                         <a:rPr lang="ko-KR" altLang="en-US" baseline="0" dirty="0">
                           <a:latin typeface="HY수평선B" panose="02030600000101010101" pitchFamily="18" charset="-127"/>
                           <a:ea typeface="HY수평선B" panose="02030600000101010101" pitchFamily="18" charset="-127"/>
                         </a:rPr>
-                        <a:t>맵 구조가 적합하지 않음</a:t>
-                      </a:r>
-                    </a:p>
-                  </a:txBody>
-                  <a:tcPr marL="87658" marR="87658" anchor="ctr"/>
-                </a:tc>
-                <a:tc>
-                  <a:txBody>
-                    <a:bodyPr/>
-                    <a:lstStyle/>
+                        <a:t>리소스 오류로 인한</a:t>
+                      </a:r>
+                      <a:endParaRPr lang="en-US" altLang="ko-KR" baseline="0" dirty="0">
+                        <a:latin typeface="HY수평선B" panose="02030600000101010101" pitchFamily="18" charset="-127"/>
+                        <a:ea typeface="HY수평선B" panose="02030600000101010101" pitchFamily="18" charset="-127"/>
+                      </a:endParaRPr>
+                    </a:p>
                     <a:p>
                       <a:pPr algn="ctr" latinLnBrk="1"/>
                       <a:r>
@@ -8737,21 +8740,38 @@
                           <a:latin typeface="HY수평선B" panose="02030600000101010101" pitchFamily="18" charset="-127"/>
                           <a:ea typeface="HY수평선B" panose="02030600000101010101" pitchFamily="18" charset="-127"/>
                         </a:rPr>
-                        <a:t>적당한 리소스 구매</a:t>
-                      </a:r>
-                      <a:r>
-                        <a:rPr lang="en-US" altLang="ko-KR" baseline="0" dirty="0">
-                          <a:latin typeface="HY수평선B" panose="02030600000101010101" pitchFamily="18" charset="-127"/>
-                          <a:ea typeface="HY수평선B" panose="02030600000101010101" pitchFamily="18" charset="-127"/>
-                        </a:rPr>
-                        <a:t>/ </a:t>
-                      </a:r>
+                        <a:t>완성도 저하</a:t>
+                      </a:r>
+                    </a:p>
+                  </a:txBody>
+                  <a:tcPr marL="87658" marR="87658" anchor="ctr"/>
+                </a:tc>
+                <a:tc>
+                  <a:txBody>
+                    <a:bodyPr/>
+                    <a:lstStyle/>
+                    <a:p>
+                      <a:pPr algn="ctr" latinLnBrk="1"/>
                       <a:r>
                         <a:rPr lang="ko-KR" altLang="en-US" baseline="0" dirty="0">
                           <a:latin typeface="HY수평선B" panose="02030600000101010101" pitchFamily="18" charset="-127"/>
                           <a:ea typeface="HY수평선B" panose="02030600000101010101" pitchFamily="18" charset="-127"/>
                         </a:rPr>
-                        <a:t>맵 제작</a:t>
+                        <a:t>리소스 구매와 수정을 통한</a:t>
+                      </a:r>
+                      <a:endParaRPr lang="en-US" altLang="ko-KR" baseline="0" dirty="0">
+                        <a:latin typeface="HY수평선B" panose="02030600000101010101" pitchFamily="18" charset="-127"/>
+                        <a:ea typeface="HY수평선B" panose="02030600000101010101" pitchFamily="18" charset="-127"/>
+                      </a:endParaRPr>
+                    </a:p>
+                    <a:p>
+                      <a:pPr algn="ctr" latinLnBrk="1"/>
+                      <a:r>
+                        <a:rPr lang="ko-KR" altLang="en-US" baseline="0" dirty="0">
+                          <a:latin typeface="HY수평선B" panose="02030600000101010101" pitchFamily="18" charset="-127"/>
+                          <a:ea typeface="HY수평선B" panose="02030600000101010101" pitchFamily="18" charset="-127"/>
+                        </a:rPr>
+                        <a:t>문제점 개선</a:t>
                       </a:r>
                     </a:p>
                   </a:txBody>

--- a/Jungle War 박정훈 신상우 이수진 이병철.pptx
+++ b/Jungle War 박정훈 신상우 이수진 이병철.pptx
@@ -129,9 +129,9 @@
 <p1510:revInfo xmlns:a="http://schemas.openxmlformats.org/drawingml/2006/main" xmlns:r="http://schemas.openxmlformats.org/officeDocument/2006/relationships" xmlns:p1510="http://schemas.microsoft.com/office/powerpoint/2015/10/main">
   <p1510:revLst>
     <p1510:client id="{C49925BA-3958-7621-AF0E-1D9201CFF7D5}" v="2" dt="2019-01-05T10:02:57.903"/>
+    <p1510:client id="{04377AED-CE6A-4659-A1C3-BDBFCEBFCFE7}" v="5" dt="2019-01-05T11:54:31.062"/>
+    <p1510:client id="{D9DAD4DE-084D-4B10-B9AE-4F3A3C40D8F0}" v="297" dt="2019-01-05T11:52:46.892"/>
     <p1510:client id="{6D82C239-AE18-4C56-906D-1D47210C0BB0}" v="63" dt="2019-01-05T11:18:41.040"/>
-    <p1510:client id="{D9DAD4DE-084D-4B10-B9AE-4F3A3C40D8F0}" v="297" dt="2019-01-05T11:52:46.892"/>
-    <p1510:client id="{04377AED-CE6A-4659-A1C3-BDBFCEBFCFE7}" v="5" dt="2019-01-05T11:54:31.062"/>
     <p1510:client id="{C33680D2-9E9D-A3B5-A7C7-897D3C3F0FA9}" v="5" dt="2019-01-05T11:15:33.369"/>
     <p1510:client id="{713B925A-96F6-EFC2-F8C7-E056AD9079CE}" v="171" dt="2019-01-05T11:47:49.573"/>
   </p1510:revLst>
@@ -316,196 +316,6 @@
             <pc:docMk/>
             <pc:sldMk cId="1632885297" sldId="256"/>
             <ac:spMk id="2" creationId="{41D02B6C-7ED2-450D-B045-19F419547D83}"/>
-          </ac:spMkLst>
-        </pc:spChg>
-      </pc:sldChg>
-    </pc:docChg>
-  </pc:docChgLst>
-  <pc:docChgLst>
-    <pc:chgData name="게스트 사용자" userId="S::urn:spo:anon#b3860dc8331868868ef051a5c71491108560e43b4fdf57277abb2020915563df::" providerId="AD" clId="Web-{6D82C239-AE18-4C56-906D-1D47210C0BB0}"/>
-    <pc:docChg chg="modSld">
-      <pc:chgData name="게스트 사용자" userId="S::urn:spo:anon#b3860dc8331868868ef051a5c71491108560e43b4fdf57277abb2020915563df::" providerId="AD" clId="Web-{6D82C239-AE18-4C56-906D-1D47210C0BB0}" dt="2019-01-05T12:31:08.437" v="73" actId="14100"/>
-      <pc:docMkLst>
-        <pc:docMk/>
-      </pc:docMkLst>
-      <pc:sldChg chg="modSp">
-        <pc:chgData name="게스트 사용자" userId="S::urn:spo:anon#b3860dc8331868868ef051a5c71491108560e43b4fdf57277abb2020915563df::" providerId="AD" clId="Web-{6D82C239-AE18-4C56-906D-1D47210C0BB0}" dt="2019-01-05T11:16:34.896" v="22" actId="1076"/>
-        <pc:sldMkLst>
-          <pc:docMk/>
-          <pc:sldMk cId="3286203646" sldId="262"/>
-        </pc:sldMkLst>
-        <pc:spChg chg="mod">
-          <ac:chgData name="게스트 사용자" userId="S::urn:spo:anon#b3860dc8331868868ef051a5c71491108560e43b4fdf57277abb2020915563df::" providerId="AD" clId="Web-{6D82C239-AE18-4C56-906D-1D47210C0BB0}" dt="2019-01-05T11:16:34.896" v="22" actId="1076"/>
-          <ac:spMkLst>
-            <pc:docMk/>
-            <pc:sldMk cId="3286203646" sldId="262"/>
-            <ac:spMk id="2" creationId="{1528303D-A888-4BF3-B818-2CFAB40AA959}"/>
-          </ac:spMkLst>
-        </pc:spChg>
-        <pc:spChg chg="mod">
-          <ac:chgData name="게스트 사용자" userId="S::urn:spo:anon#b3860dc8331868868ef051a5c71491108560e43b4fdf57277abb2020915563df::" providerId="AD" clId="Web-{6D82C239-AE18-4C56-906D-1D47210C0BB0}" dt="2019-01-05T11:15:34.693" v="18" actId="1076"/>
-          <ac:spMkLst>
-            <pc:docMk/>
-            <pc:sldMk cId="3286203646" sldId="262"/>
-            <ac:spMk id="11" creationId="{CD3B85D1-CA5C-4DF2-99C9-01E53FA5704B}"/>
-          </ac:spMkLst>
-        </pc:spChg>
-        <pc:spChg chg="mod">
-          <ac:chgData name="게스트 사용자" userId="S::urn:spo:anon#b3860dc8331868868ef051a5c71491108560e43b4fdf57277abb2020915563df::" providerId="AD" clId="Web-{6D82C239-AE18-4C56-906D-1D47210C0BB0}" dt="2019-01-05T11:15:34.693" v="19" actId="1076"/>
-          <ac:spMkLst>
-            <pc:docMk/>
-            <pc:sldMk cId="3286203646" sldId="262"/>
-            <ac:spMk id="12" creationId="{E9485842-0BB6-4B96-8DD2-9B17B615FE97}"/>
-          </ac:spMkLst>
-        </pc:spChg>
-        <pc:spChg chg="mod">
-          <ac:chgData name="게스트 사용자" userId="S::urn:spo:anon#b3860dc8331868868ef051a5c71491108560e43b4fdf57277abb2020915563df::" providerId="AD" clId="Web-{6D82C239-AE18-4C56-906D-1D47210C0BB0}" dt="2019-01-05T11:15:24.849" v="15" actId="1076"/>
-          <ac:spMkLst>
-            <pc:docMk/>
-            <pc:sldMk cId="3286203646" sldId="262"/>
-            <ac:spMk id="13" creationId="{E019BBA3-68CE-4362-9215-1998382E325F}"/>
-          </ac:spMkLst>
-        </pc:spChg>
-        <pc:spChg chg="mod">
-          <ac:chgData name="게스트 사용자" userId="S::urn:spo:anon#b3860dc8331868868ef051a5c71491108560e43b4fdf57277abb2020915563df::" providerId="AD" clId="Web-{6D82C239-AE18-4C56-906D-1D47210C0BB0}" dt="2019-01-05T11:15:24.849" v="16" actId="1076"/>
-          <ac:spMkLst>
-            <pc:docMk/>
-            <pc:sldMk cId="3286203646" sldId="262"/>
-            <ac:spMk id="14" creationId="{61A0C3F8-499C-4C5E-9E9B-08EE08A2643C}"/>
-          </ac:spMkLst>
-        </pc:spChg>
-        <pc:spChg chg="mod">
-          <ac:chgData name="게스트 사용자" userId="S::urn:spo:anon#b3860dc8331868868ef051a5c71491108560e43b4fdf57277abb2020915563df::" providerId="AD" clId="Web-{6D82C239-AE18-4C56-906D-1D47210C0BB0}" dt="2019-01-05T11:15:45.662" v="21" actId="1076"/>
-          <ac:spMkLst>
-            <pc:docMk/>
-            <pc:sldMk cId="3286203646" sldId="262"/>
-            <ac:spMk id="17" creationId="{4BBB6954-3378-47EA-B23B-24A2C200DBD1}"/>
-          </ac:spMkLst>
-        </pc:spChg>
-        <pc:spChg chg="mod">
-          <ac:chgData name="게스트 사용자" userId="S::urn:spo:anon#b3860dc8331868868ef051a5c71491108560e43b4fdf57277abb2020915563df::" providerId="AD" clId="Web-{6D82C239-AE18-4C56-906D-1D47210C0BB0}" dt="2019-01-05T11:14:35.005" v="1" actId="1076"/>
-          <ac:spMkLst>
-            <pc:docMk/>
-            <pc:sldMk cId="3286203646" sldId="262"/>
-            <ac:spMk id="18" creationId="{9A863ECD-64B0-444C-9A8A-867EA7E19264}"/>
-          </ac:spMkLst>
-        </pc:spChg>
-        <pc:picChg chg="mod">
-          <ac:chgData name="게스트 사용자" userId="S::urn:spo:anon#b3860dc8331868868ef051a5c71491108560e43b4fdf57277abb2020915563df::" providerId="AD" clId="Web-{6D82C239-AE18-4C56-906D-1D47210C0BB0}" dt="2019-01-05T11:14:28.880" v="0" actId="1076"/>
-          <ac:picMkLst>
-            <pc:docMk/>
-            <pc:sldMk cId="3286203646" sldId="262"/>
-            <ac:picMk id="4" creationId="{E07066B4-989F-4C68-961C-683430887661}"/>
-          </ac:picMkLst>
-        </pc:picChg>
-        <pc:picChg chg="mod">
-          <ac:chgData name="게스트 사용자" userId="S::urn:spo:anon#b3860dc8331868868ef051a5c71491108560e43b4fdf57277abb2020915563df::" providerId="AD" clId="Web-{6D82C239-AE18-4C56-906D-1D47210C0BB0}" dt="2019-01-05T11:15:34.677" v="17" actId="1076"/>
-          <ac:picMkLst>
-            <pc:docMk/>
-            <pc:sldMk cId="3286203646" sldId="262"/>
-            <ac:picMk id="6" creationId="{29A9456B-227A-4A7F-AD97-0CE0472BF2A4}"/>
-          </ac:picMkLst>
-        </pc:picChg>
-        <pc:picChg chg="mod">
-          <ac:chgData name="게스트 사용자" userId="S::urn:spo:anon#b3860dc8331868868ef051a5c71491108560e43b4fdf57277abb2020915563df::" providerId="AD" clId="Web-{6D82C239-AE18-4C56-906D-1D47210C0BB0}" dt="2019-01-05T11:15:24.834" v="13" actId="1076"/>
-          <ac:picMkLst>
-            <pc:docMk/>
-            <pc:sldMk cId="3286203646" sldId="262"/>
-            <ac:picMk id="8" creationId="{8A7F63D5-C0E2-49AF-9AF4-C443255F9310}"/>
-          </ac:picMkLst>
-        </pc:picChg>
-        <pc:picChg chg="mod">
-          <ac:chgData name="게스트 사용자" userId="S::urn:spo:anon#b3860dc8331868868ef051a5c71491108560e43b4fdf57277abb2020915563df::" providerId="AD" clId="Web-{6D82C239-AE18-4C56-906D-1D47210C0BB0}" dt="2019-01-05T11:15:24.834" v="14" actId="1076"/>
-          <ac:picMkLst>
-            <pc:docMk/>
-            <pc:sldMk cId="3286203646" sldId="262"/>
-            <ac:picMk id="10" creationId="{25EFECA6-C09C-4B01-BDA5-286C1CB4C023}"/>
-          </ac:picMkLst>
-        </pc:picChg>
-        <pc:picChg chg="mod">
-          <ac:chgData name="게스트 사용자" userId="S::urn:spo:anon#b3860dc8331868868ef051a5c71491108560e43b4fdf57277abb2020915563df::" providerId="AD" clId="Web-{6D82C239-AE18-4C56-906D-1D47210C0BB0}" dt="2019-01-05T11:15:45.662" v="20" actId="1076"/>
-          <ac:picMkLst>
-            <pc:docMk/>
-            <pc:sldMk cId="3286203646" sldId="262"/>
-            <ac:picMk id="16" creationId="{044D9BE0-4508-4992-BBE2-AD1143EE7F68}"/>
-          </ac:picMkLst>
-        </pc:picChg>
-      </pc:sldChg>
-      <pc:sldChg chg="addSp delSp modSp">
-        <pc:chgData name="게스트 사용자" userId="S::urn:spo:anon#b3860dc8331868868ef051a5c71491108560e43b4fdf57277abb2020915563df::" providerId="AD" clId="Web-{6D82C239-AE18-4C56-906D-1D47210C0BB0}" dt="2019-01-05T12:31:08.437" v="73" actId="14100"/>
-        <pc:sldMkLst>
-          <pc:docMk/>
-          <pc:sldMk cId="1491327750" sldId="273"/>
-        </pc:sldMkLst>
-        <pc:picChg chg="mod">
-          <ac:chgData name="게스트 사용자" userId="S::urn:spo:anon#b3860dc8331868868ef051a5c71491108560e43b4fdf57277abb2020915563df::" providerId="AD" clId="Web-{6D82C239-AE18-4C56-906D-1D47210C0BB0}" dt="2019-01-05T12:26:26.278" v="68" actId="1076"/>
-          <ac:picMkLst>
-            <pc:docMk/>
-            <pc:sldMk cId="1491327750" sldId="273"/>
-            <ac:picMk id="4" creationId="{71E88A35-6A3C-4713-AFDE-13A476FDF15B}"/>
-          </ac:picMkLst>
-        </pc:picChg>
-        <pc:picChg chg="add del mod">
-          <ac:chgData name="게스트 사용자" userId="S::urn:spo:anon#b3860dc8331868868ef051a5c71491108560e43b4fdf57277abb2020915563df::" providerId="AD" clId="Web-{6D82C239-AE18-4C56-906D-1D47210C0BB0}" dt="2019-01-05T12:30:56.733" v="69"/>
-          <ac:picMkLst>
-            <pc:docMk/>
-            <pc:sldMk cId="1491327750" sldId="273"/>
-            <ac:picMk id="5" creationId="{5957B96D-4214-4A15-9430-D1D47394C5A8}"/>
-          </ac:picMkLst>
-        </pc:picChg>
-        <pc:picChg chg="add mod">
-          <ac:chgData name="게스트 사용자" userId="S::urn:spo:anon#b3860dc8331868868ef051a5c71491108560e43b4fdf57277abb2020915563df::" providerId="AD" clId="Web-{6D82C239-AE18-4C56-906D-1D47210C0BB0}" dt="2019-01-05T12:31:08.437" v="73" actId="14100"/>
-          <ac:picMkLst>
-            <pc:docMk/>
-            <pc:sldMk cId="1491327750" sldId="273"/>
-            <ac:picMk id="7" creationId="{19DA6002-0479-4513-8860-48703C457655}"/>
-          </ac:picMkLst>
-        </pc:picChg>
-      </pc:sldChg>
-      <pc:sldChg chg="modSp">
-        <pc:chgData name="게스트 사용자" userId="S::urn:spo:anon#b3860dc8331868868ef051a5c71491108560e43b4fdf57277abb2020915563df::" providerId="AD" clId="Web-{6D82C239-AE18-4C56-906D-1D47210C0BB0}" dt="2019-01-05T11:18:41.040" v="62" actId="14100"/>
-        <pc:sldMkLst>
-          <pc:docMk/>
-          <pc:sldMk cId="4174912067" sldId="277"/>
-        </pc:sldMkLst>
-        <pc:spChg chg="mod">
-          <ac:chgData name="게스트 사용자" userId="S::urn:spo:anon#b3860dc8331868868ef051a5c71491108560e43b4fdf57277abb2020915563df::" providerId="AD" clId="Web-{6D82C239-AE18-4C56-906D-1D47210C0BB0}" dt="2019-01-05T11:18:41.040" v="62" actId="14100"/>
-          <ac:spMkLst>
-            <pc:docMk/>
-            <pc:sldMk cId="4174912067" sldId="277"/>
-            <ac:spMk id="3" creationId="{7D02FFD5-DED4-4357-A705-C197CFC7CDA8}"/>
-          </ac:spMkLst>
-        </pc:spChg>
-        <pc:spChg chg="mod">
-          <ac:chgData name="게스트 사용자" userId="S::urn:spo:anon#b3860dc8331868868ef051a5c71491108560e43b4fdf57277abb2020915563df::" providerId="AD" clId="Web-{6D82C239-AE18-4C56-906D-1D47210C0BB0}" dt="2019-01-05T11:18:36.337" v="57" actId="1076"/>
-          <ac:spMkLst>
-            <pc:docMk/>
-            <pc:sldMk cId="4174912067" sldId="277"/>
-            <ac:spMk id="9" creationId="{9E8479C2-8250-4A01-A7AC-BF325E4CF382}"/>
-          </ac:spMkLst>
-        </pc:spChg>
-        <pc:spChg chg="mod">
-          <ac:chgData name="게스트 사용자" userId="S::urn:spo:anon#b3860dc8331868868ef051a5c71491108560e43b4fdf57277abb2020915563df::" providerId="AD" clId="Web-{6D82C239-AE18-4C56-906D-1D47210C0BB0}" dt="2019-01-05T11:18:36.353" v="58" actId="1076"/>
-          <ac:spMkLst>
-            <pc:docMk/>
-            <pc:sldMk cId="4174912067" sldId="277"/>
-            <ac:spMk id="13" creationId="{58FA3BE5-3E5A-4CA7-918A-7142578F4C13}"/>
-          </ac:spMkLst>
-        </pc:spChg>
-        <pc:spChg chg="mod">
-          <ac:chgData name="게스트 사용자" userId="S::urn:spo:anon#b3860dc8331868868ef051a5c71491108560e43b4fdf57277abb2020915563df::" providerId="AD" clId="Web-{6D82C239-AE18-4C56-906D-1D47210C0BB0}" dt="2019-01-05T11:18:36.368" v="59" actId="1076"/>
-          <ac:spMkLst>
-            <pc:docMk/>
-            <pc:sldMk cId="4174912067" sldId="277"/>
-            <ac:spMk id="16" creationId="{7CA278C3-3C06-4DBF-B87E-11EA94862389}"/>
-          </ac:spMkLst>
-        </pc:spChg>
-        <pc:spChg chg="mod">
-          <ac:chgData name="게스트 사용자" userId="S::urn:spo:anon#b3860dc8331868868ef051a5c71491108560e43b4fdf57277abb2020915563df::" providerId="AD" clId="Web-{6D82C239-AE18-4C56-906D-1D47210C0BB0}" dt="2019-01-05T11:18:36.368" v="60" actId="1076"/>
-          <ac:spMkLst>
-            <pc:docMk/>
-            <pc:sldMk cId="4174912067" sldId="277"/>
-            <ac:spMk id="17" creationId="{1CE2A4E5-16C9-4D64-9D5F-025FFB4742E4}"/>
           </ac:spMkLst>
         </pc:spChg>
       </pc:sldChg>
@@ -1116,6 +926,196 @@
             <pc:docMk/>
             <pc:sldMk cId="4174912067" sldId="277"/>
             <ac:spMk id="9" creationId="{9E8479C2-8250-4A01-A7AC-BF325E4CF382}"/>
+          </ac:spMkLst>
+        </pc:spChg>
+      </pc:sldChg>
+    </pc:docChg>
+  </pc:docChgLst>
+  <pc:docChgLst>
+    <pc:chgData name="게스트 사용자" userId="S::urn:spo:anon#b3860dc8331868868ef051a5c71491108560e43b4fdf57277abb2020915563df::" providerId="AD" clId="Web-{6D82C239-AE18-4C56-906D-1D47210C0BB0}"/>
+    <pc:docChg chg="modSld">
+      <pc:chgData name="게스트 사용자" userId="S::urn:spo:anon#b3860dc8331868868ef051a5c71491108560e43b4fdf57277abb2020915563df::" providerId="AD" clId="Web-{6D82C239-AE18-4C56-906D-1D47210C0BB0}" dt="2019-01-05T12:31:08.437" v="73" actId="14100"/>
+      <pc:docMkLst>
+        <pc:docMk/>
+      </pc:docMkLst>
+      <pc:sldChg chg="modSp">
+        <pc:chgData name="게스트 사용자" userId="S::urn:spo:anon#b3860dc8331868868ef051a5c71491108560e43b4fdf57277abb2020915563df::" providerId="AD" clId="Web-{6D82C239-AE18-4C56-906D-1D47210C0BB0}" dt="2019-01-05T11:16:34.896" v="22" actId="1076"/>
+        <pc:sldMkLst>
+          <pc:docMk/>
+          <pc:sldMk cId="3286203646" sldId="262"/>
+        </pc:sldMkLst>
+        <pc:spChg chg="mod">
+          <ac:chgData name="게스트 사용자" userId="S::urn:spo:anon#b3860dc8331868868ef051a5c71491108560e43b4fdf57277abb2020915563df::" providerId="AD" clId="Web-{6D82C239-AE18-4C56-906D-1D47210C0BB0}" dt="2019-01-05T11:16:34.896" v="22" actId="1076"/>
+          <ac:spMkLst>
+            <pc:docMk/>
+            <pc:sldMk cId="3286203646" sldId="262"/>
+            <ac:spMk id="2" creationId="{1528303D-A888-4BF3-B818-2CFAB40AA959}"/>
+          </ac:spMkLst>
+        </pc:spChg>
+        <pc:spChg chg="mod">
+          <ac:chgData name="게스트 사용자" userId="S::urn:spo:anon#b3860dc8331868868ef051a5c71491108560e43b4fdf57277abb2020915563df::" providerId="AD" clId="Web-{6D82C239-AE18-4C56-906D-1D47210C0BB0}" dt="2019-01-05T11:15:34.693" v="18" actId="1076"/>
+          <ac:spMkLst>
+            <pc:docMk/>
+            <pc:sldMk cId="3286203646" sldId="262"/>
+            <ac:spMk id="11" creationId="{CD3B85D1-CA5C-4DF2-99C9-01E53FA5704B}"/>
+          </ac:spMkLst>
+        </pc:spChg>
+        <pc:spChg chg="mod">
+          <ac:chgData name="게스트 사용자" userId="S::urn:spo:anon#b3860dc8331868868ef051a5c71491108560e43b4fdf57277abb2020915563df::" providerId="AD" clId="Web-{6D82C239-AE18-4C56-906D-1D47210C0BB0}" dt="2019-01-05T11:15:34.693" v="19" actId="1076"/>
+          <ac:spMkLst>
+            <pc:docMk/>
+            <pc:sldMk cId="3286203646" sldId="262"/>
+            <ac:spMk id="12" creationId="{E9485842-0BB6-4B96-8DD2-9B17B615FE97}"/>
+          </ac:spMkLst>
+        </pc:spChg>
+        <pc:spChg chg="mod">
+          <ac:chgData name="게스트 사용자" userId="S::urn:spo:anon#b3860dc8331868868ef051a5c71491108560e43b4fdf57277abb2020915563df::" providerId="AD" clId="Web-{6D82C239-AE18-4C56-906D-1D47210C0BB0}" dt="2019-01-05T11:15:24.849" v="15" actId="1076"/>
+          <ac:spMkLst>
+            <pc:docMk/>
+            <pc:sldMk cId="3286203646" sldId="262"/>
+            <ac:spMk id="13" creationId="{E019BBA3-68CE-4362-9215-1998382E325F}"/>
+          </ac:spMkLst>
+        </pc:spChg>
+        <pc:spChg chg="mod">
+          <ac:chgData name="게스트 사용자" userId="S::urn:spo:anon#b3860dc8331868868ef051a5c71491108560e43b4fdf57277abb2020915563df::" providerId="AD" clId="Web-{6D82C239-AE18-4C56-906D-1D47210C0BB0}" dt="2019-01-05T11:15:24.849" v="16" actId="1076"/>
+          <ac:spMkLst>
+            <pc:docMk/>
+            <pc:sldMk cId="3286203646" sldId="262"/>
+            <ac:spMk id="14" creationId="{61A0C3F8-499C-4C5E-9E9B-08EE08A2643C}"/>
+          </ac:spMkLst>
+        </pc:spChg>
+        <pc:spChg chg="mod">
+          <ac:chgData name="게스트 사용자" userId="S::urn:spo:anon#b3860dc8331868868ef051a5c71491108560e43b4fdf57277abb2020915563df::" providerId="AD" clId="Web-{6D82C239-AE18-4C56-906D-1D47210C0BB0}" dt="2019-01-05T11:15:45.662" v="21" actId="1076"/>
+          <ac:spMkLst>
+            <pc:docMk/>
+            <pc:sldMk cId="3286203646" sldId="262"/>
+            <ac:spMk id="17" creationId="{4BBB6954-3378-47EA-B23B-24A2C200DBD1}"/>
+          </ac:spMkLst>
+        </pc:spChg>
+        <pc:spChg chg="mod">
+          <ac:chgData name="게스트 사용자" userId="S::urn:spo:anon#b3860dc8331868868ef051a5c71491108560e43b4fdf57277abb2020915563df::" providerId="AD" clId="Web-{6D82C239-AE18-4C56-906D-1D47210C0BB0}" dt="2019-01-05T11:14:35.005" v="1" actId="1076"/>
+          <ac:spMkLst>
+            <pc:docMk/>
+            <pc:sldMk cId="3286203646" sldId="262"/>
+            <ac:spMk id="18" creationId="{9A863ECD-64B0-444C-9A8A-867EA7E19264}"/>
+          </ac:spMkLst>
+        </pc:spChg>
+        <pc:picChg chg="mod">
+          <ac:chgData name="게스트 사용자" userId="S::urn:spo:anon#b3860dc8331868868ef051a5c71491108560e43b4fdf57277abb2020915563df::" providerId="AD" clId="Web-{6D82C239-AE18-4C56-906D-1D47210C0BB0}" dt="2019-01-05T11:14:28.880" v="0" actId="1076"/>
+          <ac:picMkLst>
+            <pc:docMk/>
+            <pc:sldMk cId="3286203646" sldId="262"/>
+            <ac:picMk id="4" creationId="{E07066B4-989F-4C68-961C-683430887661}"/>
+          </ac:picMkLst>
+        </pc:picChg>
+        <pc:picChg chg="mod">
+          <ac:chgData name="게스트 사용자" userId="S::urn:spo:anon#b3860dc8331868868ef051a5c71491108560e43b4fdf57277abb2020915563df::" providerId="AD" clId="Web-{6D82C239-AE18-4C56-906D-1D47210C0BB0}" dt="2019-01-05T11:15:34.677" v="17" actId="1076"/>
+          <ac:picMkLst>
+            <pc:docMk/>
+            <pc:sldMk cId="3286203646" sldId="262"/>
+            <ac:picMk id="6" creationId="{29A9456B-227A-4A7F-AD97-0CE0472BF2A4}"/>
+          </ac:picMkLst>
+        </pc:picChg>
+        <pc:picChg chg="mod">
+          <ac:chgData name="게스트 사용자" userId="S::urn:spo:anon#b3860dc8331868868ef051a5c71491108560e43b4fdf57277abb2020915563df::" providerId="AD" clId="Web-{6D82C239-AE18-4C56-906D-1D47210C0BB0}" dt="2019-01-05T11:15:24.834" v="13" actId="1076"/>
+          <ac:picMkLst>
+            <pc:docMk/>
+            <pc:sldMk cId="3286203646" sldId="262"/>
+            <ac:picMk id="8" creationId="{8A7F63D5-C0E2-49AF-9AF4-C443255F9310}"/>
+          </ac:picMkLst>
+        </pc:picChg>
+        <pc:picChg chg="mod">
+          <ac:chgData name="게스트 사용자" userId="S::urn:spo:anon#b3860dc8331868868ef051a5c71491108560e43b4fdf57277abb2020915563df::" providerId="AD" clId="Web-{6D82C239-AE18-4C56-906D-1D47210C0BB0}" dt="2019-01-05T11:15:24.834" v="14" actId="1076"/>
+          <ac:picMkLst>
+            <pc:docMk/>
+            <pc:sldMk cId="3286203646" sldId="262"/>
+            <ac:picMk id="10" creationId="{25EFECA6-C09C-4B01-BDA5-286C1CB4C023}"/>
+          </ac:picMkLst>
+        </pc:picChg>
+        <pc:picChg chg="mod">
+          <ac:chgData name="게스트 사용자" userId="S::urn:spo:anon#b3860dc8331868868ef051a5c71491108560e43b4fdf57277abb2020915563df::" providerId="AD" clId="Web-{6D82C239-AE18-4C56-906D-1D47210C0BB0}" dt="2019-01-05T11:15:45.662" v="20" actId="1076"/>
+          <ac:picMkLst>
+            <pc:docMk/>
+            <pc:sldMk cId="3286203646" sldId="262"/>
+            <ac:picMk id="16" creationId="{044D9BE0-4508-4992-BBE2-AD1143EE7F68}"/>
+          </ac:picMkLst>
+        </pc:picChg>
+      </pc:sldChg>
+      <pc:sldChg chg="addSp delSp modSp">
+        <pc:chgData name="게스트 사용자" userId="S::urn:spo:anon#b3860dc8331868868ef051a5c71491108560e43b4fdf57277abb2020915563df::" providerId="AD" clId="Web-{6D82C239-AE18-4C56-906D-1D47210C0BB0}" dt="2019-01-05T12:31:08.437" v="73" actId="14100"/>
+        <pc:sldMkLst>
+          <pc:docMk/>
+          <pc:sldMk cId="1491327750" sldId="273"/>
+        </pc:sldMkLst>
+        <pc:picChg chg="mod">
+          <ac:chgData name="게스트 사용자" userId="S::urn:spo:anon#b3860dc8331868868ef051a5c71491108560e43b4fdf57277abb2020915563df::" providerId="AD" clId="Web-{6D82C239-AE18-4C56-906D-1D47210C0BB0}" dt="2019-01-05T12:26:26.278" v="68" actId="1076"/>
+          <ac:picMkLst>
+            <pc:docMk/>
+            <pc:sldMk cId="1491327750" sldId="273"/>
+            <ac:picMk id="4" creationId="{71E88A35-6A3C-4713-AFDE-13A476FDF15B}"/>
+          </ac:picMkLst>
+        </pc:picChg>
+        <pc:picChg chg="add del mod">
+          <ac:chgData name="게스트 사용자" userId="S::urn:spo:anon#b3860dc8331868868ef051a5c71491108560e43b4fdf57277abb2020915563df::" providerId="AD" clId="Web-{6D82C239-AE18-4C56-906D-1D47210C0BB0}" dt="2019-01-05T12:30:56.733" v="69"/>
+          <ac:picMkLst>
+            <pc:docMk/>
+            <pc:sldMk cId="1491327750" sldId="273"/>
+            <ac:picMk id="5" creationId="{5957B96D-4214-4A15-9430-D1D47394C5A8}"/>
+          </ac:picMkLst>
+        </pc:picChg>
+        <pc:picChg chg="add mod">
+          <ac:chgData name="게스트 사용자" userId="S::urn:spo:anon#b3860dc8331868868ef051a5c71491108560e43b4fdf57277abb2020915563df::" providerId="AD" clId="Web-{6D82C239-AE18-4C56-906D-1D47210C0BB0}" dt="2019-01-05T12:31:08.437" v="73" actId="14100"/>
+          <ac:picMkLst>
+            <pc:docMk/>
+            <pc:sldMk cId="1491327750" sldId="273"/>
+            <ac:picMk id="7" creationId="{19DA6002-0479-4513-8860-48703C457655}"/>
+          </ac:picMkLst>
+        </pc:picChg>
+      </pc:sldChg>
+      <pc:sldChg chg="modSp">
+        <pc:chgData name="게스트 사용자" userId="S::urn:spo:anon#b3860dc8331868868ef051a5c71491108560e43b4fdf57277abb2020915563df::" providerId="AD" clId="Web-{6D82C239-AE18-4C56-906D-1D47210C0BB0}" dt="2019-01-05T11:18:41.040" v="62" actId="14100"/>
+        <pc:sldMkLst>
+          <pc:docMk/>
+          <pc:sldMk cId="4174912067" sldId="277"/>
+        </pc:sldMkLst>
+        <pc:spChg chg="mod">
+          <ac:chgData name="게스트 사용자" userId="S::urn:spo:anon#b3860dc8331868868ef051a5c71491108560e43b4fdf57277abb2020915563df::" providerId="AD" clId="Web-{6D82C239-AE18-4C56-906D-1D47210C0BB0}" dt="2019-01-05T11:18:41.040" v="62" actId="14100"/>
+          <ac:spMkLst>
+            <pc:docMk/>
+            <pc:sldMk cId="4174912067" sldId="277"/>
+            <ac:spMk id="3" creationId="{7D02FFD5-DED4-4357-A705-C197CFC7CDA8}"/>
+          </ac:spMkLst>
+        </pc:spChg>
+        <pc:spChg chg="mod">
+          <ac:chgData name="게스트 사용자" userId="S::urn:spo:anon#b3860dc8331868868ef051a5c71491108560e43b4fdf57277abb2020915563df::" providerId="AD" clId="Web-{6D82C239-AE18-4C56-906D-1D47210C0BB0}" dt="2019-01-05T11:18:36.337" v="57" actId="1076"/>
+          <ac:spMkLst>
+            <pc:docMk/>
+            <pc:sldMk cId="4174912067" sldId="277"/>
+            <ac:spMk id="9" creationId="{9E8479C2-8250-4A01-A7AC-BF325E4CF382}"/>
+          </ac:spMkLst>
+        </pc:spChg>
+        <pc:spChg chg="mod">
+          <ac:chgData name="게스트 사용자" userId="S::urn:spo:anon#b3860dc8331868868ef051a5c71491108560e43b4fdf57277abb2020915563df::" providerId="AD" clId="Web-{6D82C239-AE18-4C56-906D-1D47210C0BB0}" dt="2019-01-05T11:18:36.353" v="58" actId="1076"/>
+          <ac:spMkLst>
+            <pc:docMk/>
+            <pc:sldMk cId="4174912067" sldId="277"/>
+            <ac:spMk id="13" creationId="{58FA3BE5-3E5A-4CA7-918A-7142578F4C13}"/>
+          </ac:spMkLst>
+        </pc:spChg>
+        <pc:spChg chg="mod">
+          <ac:chgData name="게스트 사용자" userId="S::urn:spo:anon#b3860dc8331868868ef051a5c71491108560e43b4fdf57277abb2020915563df::" providerId="AD" clId="Web-{6D82C239-AE18-4C56-906D-1D47210C0BB0}" dt="2019-01-05T11:18:36.368" v="59" actId="1076"/>
+          <ac:spMkLst>
+            <pc:docMk/>
+            <pc:sldMk cId="4174912067" sldId="277"/>
+            <ac:spMk id="16" creationId="{7CA278C3-3C06-4DBF-B87E-11EA94862389}"/>
+          </ac:spMkLst>
+        </pc:spChg>
+        <pc:spChg chg="mod">
+          <ac:chgData name="게스트 사용자" userId="S::urn:spo:anon#b3860dc8331868868ef051a5c71491108560e43b4fdf57277abb2020915563df::" providerId="AD" clId="Web-{6D82C239-AE18-4C56-906D-1D47210C0BB0}" dt="2019-01-05T11:18:36.368" v="60" actId="1076"/>
+          <ac:spMkLst>
+            <pc:docMk/>
+            <pc:sldMk cId="4174912067" sldId="277"/>
+            <ac:spMk id="17" creationId="{1CE2A4E5-16C9-4D64-9D5F-025FFB4742E4}"/>
           </ac:spMkLst>
         </pc:spChg>
       </pc:sldChg>
@@ -6067,7 +6067,7 @@
         <p:spPr>
           <a:xfrm>
             <a:off x="1403417" y="2208198"/>
-            <a:ext cx="5967663" cy="4351338"/>
+            <a:ext cx="4620311" cy="4351338"/>
           </a:xfrm>
         </p:spPr>
         <p:txBody>
@@ -6193,10 +6193,10 @@
       </p:sp>
       <p:sp>
         <p:nvSpPr>
-          <p:cNvPr id="6" name="내용 개체 틀 2">
+          <p:cNvPr id="5" name="내용 개체 틀 2">
             <a:extLst>
               <a:ext uri="{FF2B5EF4-FFF2-40B4-BE49-F238E27FC236}">
-                <a16:creationId xmlns:a16="http://schemas.microsoft.com/office/drawing/2014/main" id="{FF3FBD30-03B7-4A62-A0FF-CE59C7100876}"/>
+                <a16:creationId xmlns:a16="http://schemas.microsoft.com/office/drawing/2014/main" id="{34EB6E51-446F-42F6-8249-E6FDE0AFE75E}"/>
               </a:ext>
             </a:extLst>
           </p:cNvPr>
@@ -6207,34 +6207,32 @@
         </p:nvSpPr>
         <p:spPr>
           <a:xfrm>
-            <a:off x="6096000" y="988292"/>
-            <a:ext cx="5967663" cy="5669598"/>
+            <a:off x="6689059" y="2209770"/>
+            <a:ext cx="5590576" cy="4351338"/>
           </a:xfrm>
           <a:prstGeom prst="rect">
             <a:avLst/>
           </a:prstGeom>
         </p:spPr>
         <p:txBody>
-          <a:bodyPr vert="horz" lIns="91440" tIns="45720" rIns="91440" bIns="45720" rtlCol="0" anchor="ctr">
-            <a:normAutofit fontScale="77500" lnSpcReduction="20000"/>
+          <a:bodyPr vert="horz" lIns="91440" tIns="45720" rIns="91440" bIns="45720" rtlCol="0" anchor="t">
+            <a:normAutofit/>
           </a:bodyPr>
           <a:lstStyle>
-            <a:lvl1pPr marL="285750" indent="-285750" algn="l" defTabSz="457200" rtl="0" eaLnBrk="1" latinLnBrk="1" hangingPunct="1">
+            <a:lvl1pPr marL="228600" indent="-228600" algn="l" defTabSz="914400" rtl="0" eaLnBrk="1" latinLnBrk="1" hangingPunct="1">
+              <a:lnSpc>
+                <a:spcPct val="120000"/>
+              </a:lnSpc>
               <a:spcBef>
-                <a:spcPct val="20000"/>
+                <a:spcPts val="1000"/>
               </a:spcBef>
-              <a:spcAft>
-                <a:spcPts val="600"/>
-              </a:spcAft>
               <a:buClr>
-                <a:schemeClr val="accent1">
-                  <a:lumMod val="75000"/>
-                </a:schemeClr>
+                <a:schemeClr val="accent1"/>
               </a:buClr>
-              <a:buSzPct val="145000"/>
-              <a:buFont typeface="Arial"/>
+              <a:buSzPct val="100000"/>
+              <a:buFont typeface="Arial" panose="020B0604020202020204" pitchFamily="34" charset="0"/>
               <a:buChar char="•"/>
-              <a:defRPr sz="2400" kern="1200" cap="none">
+              <a:defRPr sz="2000" kern="1200">
                 <a:solidFill>
                   <a:schemeClr val="tx1"/>
                 </a:solidFill>
@@ -6244,22 +6242,20 @@
                 <a:cs typeface="+mn-cs"/>
               </a:defRPr>
             </a:lvl1pPr>
-            <a:lvl2pPr marL="742950" indent="-285750" algn="l" defTabSz="457200" rtl="0" eaLnBrk="1" latinLnBrk="1" hangingPunct="1">
+            <a:lvl2pPr marL="685800" indent="-228600" algn="l" defTabSz="914400" rtl="0" eaLnBrk="1" latinLnBrk="1" hangingPunct="1">
+              <a:lnSpc>
+                <a:spcPct val="120000"/>
+              </a:lnSpc>
               <a:spcBef>
-                <a:spcPct val="20000"/>
+                <a:spcPts val="500"/>
               </a:spcBef>
-              <a:spcAft>
-                <a:spcPts val="600"/>
-              </a:spcAft>
               <a:buClr>
-                <a:schemeClr val="accent1">
-                  <a:lumMod val="75000"/>
-                </a:schemeClr>
+                <a:schemeClr val="accent1"/>
               </a:buClr>
-              <a:buSzPct val="145000"/>
-              <a:buFont typeface="Arial"/>
+              <a:buSzPct val="100000"/>
+              <a:buFont typeface="Arial" panose="020B0604020202020204" pitchFamily="34" charset="0"/>
               <a:buChar char="•"/>
-              <a:defRPr sz="2000" kern="1200" cap="none">
+              <a:defRPr sz="1800" kern="1200" cap="none" baseline="0">
                 <a:solidFill>
                   <a:schemeClr val="tx1"/>
                 </a:solidFill>
@@ -6269,22 +6265,20 @@
                 <a:cs typeface="+mn-cs"/>
               </a:defRPr>
             </a:lvl2pPr>
-            <a:lvl3pPr marL="1200150" indent="-285750" algn="l" defTabSz="457200" rtl="0" eaLnBrk="1" latinLnBrk="1" hangingPunct="1">
+            <a:lvl3pPr marL="1143000" indent="-228600" algn="l" defTabSz="914400" rtl="0" eaLnBrk="1" latinLnBrk="1" hangingPunct="1">
+              <a:lnSpc>
+                <a:spcPct val="120000"/>
+              </a:lnSpc>
               <a:spcBef>
-                <a:spcPct val="20000"/>
+                <a:spcPts val="500"/>
               </a:spcBef>
-              <a:spcAft>
-                <a:spcPts val="600"/>
-              </a:spcAft>
               <a:buClr>
-                <a:schemeClr val="accent1">
-                  <a:lumMod val="75000"/>
-                </a:schemeClr>
+                <a:schemeClr val="accent1"/>
               </a:buClr>
-              <a:buSzPct val="145000"/>
-              <a:buFont typeface="Arial"/>
+              <a:buSzPct val="100000"/>
+              <a:buFont typeface="Arial" panose="020B0604020202020204" pitchFamily="34" charset="0"/>
               <a:buChar char="•"/>
-              <a:defRPr sz="1800" kern="1200" cap="none">
+              <a:defRPr sz="1600" kern="1200">
                 <a:solidFill>
                   <a:schemeClr val="tx1"/>
                 </a:solidFill>
@@ -6294,22 +6288,20 @@
                 <a:cs typeface="+mn-cs"/>
               </a:defRPr>
             </a:lvl3pPr>
-            <a:lvl4pPr marL="1543050" indent="-171450" algn="l" defTabSz="457200" rtl="0" eaLnBrk="1" latinLnBrk="1" hangingPunct="1">
+            <a:lvl4pPr marL="1600200" indent="-228600" algn="l" defTabSz="914400" rtl="0" eaLnBrk="1" latinLnBrk="1" hangingPunct="1">
+              <a:lnSpc>
+                <a:spcPct val="120000"/>
+              </a:lnSpc>
               <a:spcBef>
-                <a:spcPct val="20000"/>
+                <a:spcPts val="500"/>
               </a:spcBef>
-              <a:spcAft>
-                <a:spcPts val="600"/>
-              </a:spcAft>
               <a:buClr>
-                <a:schemeClr val="accent1">
-                  <a:lumMod val="75000"/>
-                </a:schemeClr>
+                <a:schemeClr val="accent1"/>
               </a:buClr>
-              <a:buSzPct val="145000"/>
-              <a:buFont typeface="Arial"/>
+              <a:buSzPct val="100000"/>
+              <a:buFont typeface="Arial" panose="020B0604020202020204" pitchFamily="34" charset="0"/>
               <a:buChar char="•"/>
-              <a:defRPr sz="1600" kern="1200" cap="none">
+              <a:defRPr sz="1400" kern="1200" cap="none" baseline="0">
                 <a:solidFill>
                   <a:schemeClr val="tx1"/>
                 </a:solidFill>
@@ -6319,22 +6311,20 @@
                 <a:cs typeface="+mn-cs"/>
               </a:defRPr>
             </a:lvl4pPr>
-            <a:lvl5pPr marL="2000250" indent="-171450" algn="l" defTabSz="457200" rtl="0" eaLnBrk="1" latinLnBrk="1" hangingPunct="1">
+            <a:lvl5pPr marL="2057400" indent="-228600" algn="l" defTabSz="914400" rtl="0" eaLnBrk="1" latinLnBrk="1" hangingPunct="1">
+              <a:lnSpc>
+                <a:spcPct val="120000"/>
+              </a:lnSpc>
               <a:spcBef>
-                <a:spcPct val="20000"/>
+                <a:spcPts val="500"/>
               </a:spcBef>
-              <a:spcAft>
-                <a:spcPts val="600"/>
-              </a:spcAft>
               <a:buClr>
-                <a:schemeClr val="accent1">
-                  <a:lumMod val="75000"/>
-                </a:schemeClr>
+                <a:schemeClr val="accent1"/>
               </a:buClr>
-              <a:buSzPct val="145000"/>
-              <a:buFont typeface="Arial"/>
+              <a:buSzPct val="100000"/>
+              <a:buFont typeface="Arial" panose="020B0604020202020204" pitchFamily="34" charset="0"/>
               <a:buChar char="•"/>
-              <a:defRPr sz="1400" kern="1200" cap="none">
+              <a:defRPr sz="1200" kern="1200">
                 <a:solidFill>
                   <a:schemeClr val="tx1"/>
                 </a:solidFill>
@@ -6344,22 +6334,20 @@
                 <a:cs typeface="+mn-cs"/>
               </a:defRPr>
             </a:lvl5pPr>
-            <a:lvl6pPr marL="2514600" indent="-228600" algn="l" defTabSz="457200" rtl="0" eaLnBrk="1" latinLnBrk="1" hangingPunct="1">
+            <a:lvl6pPr marL="2514600" indent="-228600" algn="l" defTabSz="914400" rtl="0" eaLnBrk="1" latinLnBrk="1" hangingPunct="1">
+              <a:lnSpc>
+                <a:spcPct val="120000"/>
+              </a:lnSpc>
               <a:spcBef>
-                <a:spcPct val="20000"/>
+                <a:spcPts val="500"/>
               </a:spcBef>
-              <a:spcAft>
-                <a:spcPts val="600"/>
-              </a:spcAft>
               <a:buClr>
-                <a:schemeClr val="accent1">
-                  <a:lumMod val="75000"/>
-                </a:schemeClr>
+                <a:schemeClr val="accent1"/>
               </a:buClr>
-              <a:buSzPct val="145000"/>
-              <a:buFont typeface="Arial"/>
+              <a:buSzPct val="100000"/>
+              <a:buFont typeface="Arial" panose="020B0604020202020204" pitchFamily="34" charset="0"/>
               <a:buChar char="•"/>
-              <a:defRPr sz="1400" kern="1200" cap="none">
+              <a:defRPr sz="1200" kern="1200">
                 <a:solidFill>
                   <a:schemeClr val="tx1"/>
                 </a:solidFill>
@@ -6369,22 +6357,20 @@
                 <a:cs typeface="+mn-cs"/>
               </a:defRPr>
             </a:lvl6pPr>
-            <a:lvl7pPr marL="2971800" indent="-228600" algn="l" defTabSz="457200" rtl="0" eaLnBrk="1" latinLnBrk="1" hangingPunct="1">
+            <a:lvl7pPr marL="2971800" indent="-228600" algn="l" defTabSz="914400" rtl="0" eaLnBrk="1" latinLnBrk="1" hangingPunct="1">
+              <a:lnSpc>
+                <a:spcPct val="120000"/>
+              </a:lnSpc>
               <a:spcBef>
-                <a:spcPct val="20000"/>
+                <a:spcPts val="500"/>
               </a:spcBef>
-              <a:spcAft>
-                <a:spcPts val="600"/>
-              </a:spcAft>
               <a:buClr>
-                <a:schemeClr val="accent1">
-                  <a:lumMod val="75000"/>
-                </a:schemeClr>
+                <a:schemeClr val="accent1"/>
               </a:buClr>
-              <a:buSzPct val="145000"/>
-              <a:buFont typeface="Arial"/>
+              <a:buSzPct val="100000"/>
+              <a:buFont typeface="Arial" panose="020B0604020202020204" pitchFamily="34" charset="0"/>
               <a:buChar char="•"/>
-              <a:defRPr sz="1400" kern="1200" cap="none">
+              <a:defRPr sz="1200" kern="1200">
                 <a:solidFill>
                   <a:schemeClr val="tx1"/>
                 </a:solidFill>
@@ -6394,22 +6380,20 @@
                 <a:cs typeface="+mn-cs"/>
               </a:defRPr>
             </a:lvl7pPr>
-            <a:lvl8pPr marL="3429000" indent="-228600" algn="l" defTabSz="457200" rtl="0" eaLnBrk="1" latinLnBrk="1" hangingPunct="1">
+            <a:lvl8pPr marL="3429000" indent="-228600" algn="l" defTabSz="914400" rtl="0" eaLnBrk="1" latinLnBrk="1" hangingPunct="1">
+              <a:lnSpc>
+                <a:spcPct val="120000"/>
+              </a:lnSpc>
               <a:spcBef>
-                <a:spcPct val="20000"/>
+                <a:spcPts val="500"/>
               </a:spcBef>
-              <a:spcAft>
-                <a:spcPts val="600"/>
-              </a:spcAft>
               <a:buClr>
-                <a:schemeClr val="accent1">
-                  <a:lumMod val="75000"/>
-                </a:schemeClr>
+                <a:schemeClr val="accent1"/>
               </a:buClr>
-              <a:buSzPct val="145000"/>
-              <a:buFont typeface="Arial"/>
+              <a:buSzPct val="100000"/>
+              <a:buFont typeface="Arial" panose="020B0604020202020204" pitchFamily="34" charset="0"/>
               <a:buChar char="•"/>
-              <a:defRPr sz="1400" kern="1200" cap="none">
+              <a:defRPr sz="1200" kern="1200" baseline="0">
                 <a:solidFill>
                   <a:schemeClr val="tx1"/>
                 </a:solidFill>
@@ -6419,22 +6403,20 @@
                 <a:cs typeface="+mn-cs"/>
               </a:defRPr>
             </a:lvl8pPr>
-            <a:lvl9pPr marL="3886200" indent="-228600" algn="l" defTabSz="457200" rtl="0" eaLnBrk="1" latinLnBrk="1" hangingPunct="1">
+            <a:lvl9pPr marL="3886200" indent="-228600" algn="l" defTabSz="914400" rtl="0" eaLnBrk="1" latinLnBrk="1" hangingPunct="1">
+              <a:lnSpc>
+                <a:spcPct val="120000"/>
+              </a:lnSpc>
               <a:spcBef>
-                <a:spcPct val="20000"/>
+                <a:spcPts val="500"/>
               </a:spcBef>
-              <a:spcAft>
-                <a:spcPts val="600"/>
-              </a:spcAft>
               <a:buClr>
-                <a:schemeClr val="accent1">
-                  <a:lumMod val="75000"/>
-                </a:schemeClr>
+                <a:schemeClr val="accent1"/>
               </a:buClr>
-              <a:buSzPct val="145000"/>
-              <a:buFont typeface="Arial"/>
+              <a:buSzPct val="100000"/>
+              <a:buFont typeface="Arial" panose="020B0604020202020204" pitchFamily="34" charset="0"/>
               <a:buChar char="•"/>
-              <a:defRPr sz="1400" kern="1200" cap="none">
+              <a:defRPr sz="1200" kern="1200" baseline="0">
                 <a:solidFill>
                   <a:schemeClr val="tx1"/>
                 </a:solidFill>
@@ -6446,112 +6428,56 @@
             </a:lvl9pPr>
           </a:lstStyle>
           <a:p>
-            <a:pPr marL="0" indent="0">
-              <a:lnSpc>
-                <a:spcPct val="320000"/>
-              </a:lnSpc>
-              <a:spcBef>
-                <a:spcPts val="1000"/>
-              </a:spcBef>
-              <a:spcAft>
-                <a:spcPts val="0"/>
-              </a:spcAft>
-              <a:buNone/>
-            </a:pPr>
-            <a:endParaRPr lang="en-US" sz="3600" dirty="0">
-              <a:latin typeface="HY수평선B"/>
-              <a:ea typeface="HY수평선B"/>
-            </a:endParaRPr>
-          </a:p>
-          <a:p>
             <a:pPr marL="742950" indent="-742950">
               <a:lnSpc>
-                <a:spcPct val="320000"/>
+                <a:spcPct val="150000"/>
               </a:lnSpc>
-              <a:spcBef>
-                <a:spcPts val="1000"/>
-              </a:spcBef>
-              <a:spcAft>
-                <a:spcPts val="0"/>
-              </a:spcAft>
-              <a:buClr>
-                <a:schemeClr val="accent1"/>
-              </a:buClr>
               <a:buFont typeface="+mj-ea"/>
               <a:buAutoNum type="circleNumDbPlain" startAt="5"/>
             </a:pPr>
             <a:r>
               <a:rPr lang="ko-KR" altLang="en-US" sz="3600" dirty="0">
                 <a:latin typeface="HY수평선B"/>
-                <a:ea typeface="HY수평선B"/>
+                <a:ea typeface="HY수평선B" panose="02030600000101010101" pitchFamily="18" charset="-127"/>
               </a:rPr>
-              <a:t> 향후 개발 일정</a:t>
+              <a:t>향후 개발 일정</a:t>
             </a:r>
-            <a:endParaRPr lang="en-US" sz="3600" dirty="0">
+            <a:endParaRPr lang="en-US" altLang="ko-KR" sz="3600" dirty="0">
               <a:latin typeface="HY수평선B"/>
-              <a:ea typeface="HY수평선B"/>
+              <a:ea typeface="HY수평선B" panose="02030600000101010101" pitchFamily="18" charset="-127"/>
             </a:endParaRPr>
           </a:p>
           <a:p>
             <a:pPr marL="742950" indent="-742950">
               <a:lnSpc>
-                <a:spcPct val="320000"/>
+                <a:spcPct val="150000"/>
               </a:lnSpc>
-              <a:spcBef>
-                <a:spcPts val="1000"/>
-              </a:spcBef>
-              <a:spcAft>
-                <a:spcPts val="0"/>
-              </a:spcAft>
               <a:buFont typeface="+mj-ea"/>
               <a:buAutoNum type="circleNumDbPlain" startAt="5"/>
             </a:pPr>
             <a:r>
               <a:rPr lang="en-US" altLang="ko-KR" sz="3600" dirty="0">
-                <a:latin typeface="HY수평선B"/>
-                <a:ea typeface="HY수평선B"/>
+                <a:latin typeface="HY수평선B" panose="02030600000101010101" pitchFamily="18" charset="-127"/>
+                <a:ea typeface="HY수평선B" panose="02030600000101010101" pitchFamily="18" charset="-127"/>
               </a:rPr>
-              <a:t> Git Hub</a:t>
+              <a:t>Git Hub</a:t>
             </a:r>
           </a:p>
           <a:p>
             <a:pPr marL="742950" indent="-742950">
               <a:lnSpc>
-                <a:spcPct val="320000"/>
+                <a:spcPct val="150000"/>
               </a:lnSpc>
-              <a:spcBef>
-                <a:spcPts val="1000"/>
-              </a:spcBef>
-              <a:spcAft>
-                <a:spcPts val="0"/>
-              </a:spcAft>
               <a:buFont typeface="+mj-ea"/>
               <a:buAutoNum type="circleNumDbPlain" startAt="5"/>
             </a:pPr>
             <a:r>
               <a:rPr lang="ko-KR" altLang="en-US" sz="3600" dirty="0">
-                <a:latin typeface="HY수평선B"/>
-                <a:ea typeface="HY수평선B"/>
+                <a:latin typeface="HY수평선B" panose="02030600000101010101" pitchFamily="18" charset="-127"/>
+                <a:ea typeface="HY수평선B" panose="02030600000101010101" pitchFamily="18" charset="-127"/>
               </a:rPr>
-              <a:t> 데모 시연</a:t>
+              <a:t>데모 시연</a:t>
             </a:r>
-            <a:endParaRPr lang="en-US" sz="3600" dirty="0">
-              <a:latin typeface="HY수평선B"/>
-              <a:ea typeface="HY수평선B"/>
-            </a:endParaRPr>
-          </a:p>
-          <a:p>
-            <a:pPr marL="742950" indent="-742950">
-              <a:lnSpc>
-                <a:spcPct val="320000"/>
-              </a:lnSpc>
-              <a:buFont typeface="+mj-ea"/>
-              <a:buAutoNum type="circleNumDbPlain" startAt="5"/>
-            </a:pPr>
-            <a:endParaRPr lang="ko-KR" altLang="en-US" sz="3600" dirty="0">
-              <a:latin typeface="HY수평선B" panose="02030600000101010101" pitchFamily="18" charset="-127"/>
-              <a:ea typeface="HY수평선B" panose="02030600000101010101" pitchFamily="18" charset="-127"/>
-            </a:endParaRPr>
           </a:p>
         </p:txBody>
       </p:sp>
@@ -7934,13 +7860,7 @@
               <a:rPr lang="en-US" altLang="ko-KR" sz="3000" dirty="0">
                 <a:ea typeface="HY수평선B" panose="02030600000101010101"/>
               </a:rPr>
-              <a:t> </a:t>
-            </a:r>
-            <a:r>
-              <a:rPr lang="en-US" altLang="ko-KR" sz="3000" b="1" dirty="0">
-                <a:ea typeface="HY수평선B" panose="02030600000101010101"/>
-              </a:rPr>
-              <a:t>UI</a:t>
+              <a:t> UI</a:t>
             </a:r>
           </a:p>
           <a:p>
